--- a/3week/ppt/3week.pptx
+++ b/3week/ppt/3week.pptx
@@ -5,7 +5,7 @@
     <p:sldMasterId id="2147483660" r:id="rId1"/>
   </p:sldMasterIdLst>
   <p:notesMasterIdLst>
-    <p:notesMasterId r:id="rId14"/>
+    <p:notesMasterId r:id="rId13"/>
   </p:notesMasterIdLst>
   <p:sldIdLst>
     <p:sldId id="256" r:id="rId2"/>
@@ -18,8 +18,7 @@
     <p:sldId id="264" r:id="rId9"/>
     <p:sldId id="265" r:id="rId10"/>
     <p:sldId id="266" r:id="rId11"/>
-    <p:sldId id="267" r:id="rId12"/>
-    <p:sldId id="260" r:id="rId13"/>
+    <p:sldId id="260" r:id="rId12"/>
   </p:sldIdLst>
   <p:sldSz cx="9144000" cy="6858000" type="screen4x3"/>
   <p:notesSz cx="6858000" cy="9144000"/>
@@ -118,6 +117,11 @@
       </a:defRPr>
     </a:lvl9pPr>
   </p:defaultTextStyle>
+  <p:extLst>
+    <p:ext uri="{EFAFB233-063F-42B5-8137-9DF3F51BA10A}">
+      <p15:sldGuideLst xmlns:p15="http://schemas.microsoft.com/office/powerpoint/2012/main"/>
+    </p:ext>
+  </p:extLst>
 </p:presentation>
 </file>
 
@@ -772,17 +776,7 @@
                 <a:latin typeface="나눔고딕" pitchFamily="50" charset="-127"/>
                 <a:ea typeface="나눔고딕" pitchFamily="50" charset="-127"/>
               </a:rPr>
-              <a:t>3 </a:t>
-            </a:r>
-            <a:r>
-              <a:rPr lang="en-US" altLang="ko-KR" sz="1200" b="1" dirty="0" smtClean="0">
-                <a:solidFill>
-                  <a:schemeClr val="bg1"/>
-                </a:solidFill>
-                <a:latin typeface="나눔고딕" pitchFamily="50" charset="-127"/>
-                <a:ea typeface="나눔고딕" pitchFamily="50" charset="-127"/>
-              </a:rPr>
-              <a:t>Week </a:t>
+              <a:t>3 Week </a:t>
             </a:r>
             <a:r>
               <a:rPr lang="en-US" altLang="ko-KR" sz="1200" b="1" dirty="0">
@@ -1391,14 +1385,7 @@
                 <a:latin typeface="나눔고딕" pitchFamily="50" charset="-127"/>
                 <a:ea typeface="나눔고딕" pitchFamily="50" charset="-127"/>
               </a:rPr>
-              <a:t>3 </a:t>
-            </a:r>
-            <a:r>
-              <a:rPr lang="en-US" altLang="ko-KR" sz="1200" b="1" dirty="0" smtClean="0">
-                <a:latin typeface="나눔고딕" pitchFamily="50" charset="-127"/>
-                <a:ea typeface="나눔고딕" pitchFamily="50" charset="-127"/>
-              </a:rPr>
-              <a:t>week </a:t>
+              <a:t>3 week </a:t>
             </a:r>
             <a:r>
               <a:rPr lang="en-US" altLang="ko-KR" sz="1200" dirty="0">
@@ -1918,14 +1905,7 @@
                 <a:latin typeface="나눔고딕" pitchFamily="50" charset="-127"/>
                 <a:ea typeface="나눔고딕" pitchFamily="50" charset="-127"/>
               </a:rPr>
-              <a:t>3 </a:t>
-            </a:r>
-            <a:r>
-              <a:rPr lang="en-US" altLang="ko-KR" sz="1200" b="1" dirty="0" smtClean="0">
-                <a:latin typeface="나눔고딕" pitchFamily="50" charset="-127"/>
-                <a:ea typeface="나눔고딕" pitchFamily="50" charset="-127"/>
-              </a:rPr>
-              <a:t>week </a:t>
+              <a:t>3 week </a:t>
             </a:r>
             <a:r>
               <a:rPr lang="en-US" altLang="ko-KR" sz="1200" dirty="0">
@@ -2261,14 +2241,7 @@
                 <a:latin typeface="나눔고딕" pitchFamily="50" charset="-127"/>
                 <a:ea typeface="나눔고딕" pitchFamily="50" charset="-127"/>
               </a:rPr>
-              <a:t>3 </a:t>
-            </a:r>
-            <a:r>
-              <a:rPr lang="en-US" altLang="ko-KR" sz="1200" b="1" dirty="0" smtClean="0">
-                <a:latin typeface="나눔고딕" pitchFamily="50" charset="-127"/>
-                <a:ea typeface="나눔고딕" pitchFamily="50" charset="-127"/>
-              </a:rPr>
-              <a:t>week </a:t>
+              <a:t>3 week </a:t>
             </a:r>
             <a:r>
               <a:rPr lang="en-US" altLang="ko-KR" sz="1200" dirty="0">
@@ -2699,14 +2672,7 @@
                 <a:latin typeface="나눔고딕" pitchFamily="50" charset="-127"/>
                 <a:ea typeface="나눔고딕" pitchFamily="50" charset="-127"/>
               </a:rPr>
-              <a:t>3 </a:t>
-            </a:r>
-            <a:r>
-              <a:rPr lang="en-US" altLang="ko-KR" sz="1200" b="1" dirty="0" smtClean="0">
-                <a:latin typeface="나눔고딕" pitchFamily="50" charset="-127"/>
-                <a:ea typeface="나눔고딕" pitchFamily="50" charset="-127"/>
-              </a:rPr>
-              <a:t>week </a:t>
+              <a:t>3 week </a:t>
             </a:r>
             <a:r>
               <a:rPr lang="en-US" altLang="ko-KR" sz="1200" dirty="0">
@@ -3572,129 +3538,6 @@
             <a:fld id="{B91F475D-C4CC-4CE8-81AD-732BFDCB340A}" type="slidenum">
               <a:rPr lang="ko-KR" altLang="en-US" smtClean="0"/>
               <a:t>11</a:t>
-            </a:fld>
-            <a:endParaRPr lang="ko-KR" altLang="en-US"/>
-          </a:p>
-        </p:txBody>
-      </p:sp>
-      <p:sp>
-        <p:nvSpPr>
-          <p:cNvPr id="3" name="TextBox 2"/>
-          <p:cNvSpPr txBox="1"/>
-          <p:nvPr/>
-        </p:nvSpPr>
-        <p:spPr>
-          <a:xfrm>
-            <a:off x="179512" y="461805"/>
-            <a:ext cx="7056784" cy="369332"/>
-          </a:xfrm>
-          <a:prstGeom prst="rect">
-            <a:avLst/>
-          </a:prstGeom>
-          <a:noFill/>
-        </p:spPr>
-        <p:txBody>
-          <a:bodyPr wrap="square" rtlCol="0">
-            <a:spAutoFit/>
-          </a:bodyPr>
-          <a:lstStyle/>
-          <a:p>
-            <a:pPr>
-              <a:lnSpc>
-                <a:spcPct val="90000"/>
-              </a:lnSpc>
-            </a:pPr>
-            <a:r>
-              <a:rPr lang="en-US" altLang="ko-KR" sz="2000" spc="300" dirty="0" smtClean="0">
-                <a:gradFill>
-                  <a:gsLst>
-                    <a:gs pos="0">
-                      <a:srgbClr val="C00000"/>
-                    </a:gs>
-                    <a:gs pos="100000">
-                      <a:srgbClr val="C00000"/>
-                    </a:gs>
-                  </a:gsLst>
-                  <a:lin ang="5400000" scaled="0"/>
-                </a:gradFill>
-                <a:latin typeface="나눔고딕" pitchFamily="50" charset="-127"/>
-                <a:ea typeface="나눔고딕" pitchFamily="50" charset="-127"/>
-              </a:rPr>
-              <a:t>App Client</a:t>
-            </a:r>
-            <a:endParaRPr lang="ko-KR" altLang="en-US" sz="2000" spc="300" dirty="0">
-              <a:gradFill>
-                <a:gsLst>
-                  <a:gs pos="0">
-                    <a:srgbClr val="C00000"/>
-                  </a:gs>
-                  <a:gs pos="100000">
-                    <a:srgbClr val="C00000"/>
-                  </a:gs>
-                </a:gsLst>
-                <a:lin ang="5400000" scaled="0"/>
-              </a:gradFill>
-              <a:latin typeface="나눔고딕" pitchFamily="50" charset="-127"/>
-              <a:ea typeface="나눔고딕" pitchFamily="50" charset="-127"/>
-            </a:endParaRPr>
-          </a:p>
-        </p:txBody>
-      </p:sp>
-    </p:spTree>
-    <p:extLst>
-      <p:ext uri="{BB962C8B-B14F-4D97-AF65-F5344CB8AC3E}">
-        <p14:creationId xmlns:p14="http://schemas.microsoft.com/office/powerpoint/2010/main" val="524484752"/>
-      </p:ext>
-    </p:extLst>
-  </p:cSld>
-  <p:clrMapOvr>
-    <a:masterClrMapping/>
-  </p:clrMapOvr>
-  <p:timing>
-    <p:tnLst>
-      <p:par>
-        <p:cTn id="1" dur="indefinite" restart="never" nodeType="tmRoot"/>
-      </p:par>
-    </p:tnLst>
-  </p:timing>
-</p:sld>
-</file>
-
-<file path=ppt/slides/slide12.xml><?xml version="1.0" encoding="utf-8"?>
-<p:sld xmlns:a="http://schemas.openxmlformats.org/drawingml/2006/main" xmlns:r="http://schemas.openxmlformats.org/officeDocument/2006/relationships" xmlns:p="http://schemas.openxmlformats.org/presentationml/2006/main">
-  <p:cSld>
-    <p:spTree>
-      <p:nvGrpSpPr>
-        <p:cNvPr id="1" name=""/>
-        <p:cNvGrpSpPr/>
-        <p:nvPr/>
-      </p:nvGrpSpPr>
-      <p:grpSpPr>
-        <a:xfrm>
-          <a:off x="0" y="0"/>
-          <a:ext cx="0" cy="0"/>
-          <a:chOff x="0" y="0"/>
-          <a:chExt cx="0" cy="0"/>
-        </a:xfrm>
-      </p:grpSpPr>
-      <p:sp>
-        <p:nvSpPr>
-          <p:cNvPr id="2" name="슬라이드 번호 개체 틀 1"/>
-          <p:cNvSpPr>
-            <a:spLocks noGrp="1"/>
-          </p:cNvSpPr>
-          <p:nvPr>
-            <p:ph type="sldNum" sz="quarter" idx="12"/>
-          </p:nvPr>
-        </p:nvSpPr>
-        <p:spPr/>
-        <p:txBody>
-          <a:bodyPr/>
-          <a:lstStyle/>
-          <a:p>
-            <a:fld id="{B91F475D-C4CC-4CE8-81AD-732BFDCB340A}" type="slidenum">
-              <a:rPr lang="ko-KR" altLang="en-US" smtClean="0"/>
-              <a:t>12</a:t>
             </a:fld>
             <a:endParaRPr lang="ko-KR" altLang="en-US"/>
           </a:p>

--- a/3week/ppt/3week.pptx
+++ b/3week/ppt/3week.pptx
@@ -5,7 +5,7 @@
     <p:sldMasterId id="2147483660" r:id="rId1"/>
   </p:sldMasterIdLst>
   <p:notesMasterIdLst>
-    <p:notesMasterId r:id="rId13"/>
+    <p:notesMasterId r:id="rId21"/>
   </p:notesMasterIdLst>
   <p:sldIdLst>
     <p:sldId id="256" r:id="rId2"/>
@@ -16,9 +16,17 @@
     <p:sldId id="262" r:id="rId7"/>
     <p:sldId id="263" r:id="rId8"/>
     <p:sldId id="264" r:id="rId9"/>
-    <p:sldId id="265" r:id="rId10"/>
-    <p:sldId id="266" r:id="rId11"/>
-    <p:sldId id="260" r:id="rId12"/>
+    <p:sldId id="269" r:id="rId10"/>
+    <p:sldId id="270" r:id="rId11"/>
+    <p:sldId id="271" r:id="rId12"/>
+    <p:sldId id="272" r:id="rId13"/>
+    <p:sldId id="273" r:id="rId14"/>
+    <p:sldId id="274" r:id="rId15"/>
+    <p:sldId id="275" r:id="rId16"/>
+    <p:sldId id="276" r:id="rId17"/>
+    <p:sldId id="277" r:id="rId18"/>
+    <p:sldId id="266" r:id="rId19"/>
+    <p:sldId id="260" r:id="rId20"/>
   </p:sldIdLst>
   <p:sldSz cx="9144000" cy="6858000" type="screen4x3"/>
   <p:notesSz cx="6858000" cy="9144000"/>
@@ -475,6 +483,789 @@
 </p:notesMaster>
 </file>
 
+<file path=ppt/notesSlides/notesSlide1.xml><?xml version="1.0" encoding="utf-8"?>
+<p:notes xmlns:a="http://schemas.openxmlformats.org/drawingml/2006/main" xmlns:r="http://schemas.openxmlformats.org/officeDocument/2006/relationships" xmlns:p="http://schemas.openxmlformats.org/presentationml/2006/main">
+  <p:cSld>
+    <p:spTree>
+      <p:nvGrpSpPr>
+        <p:cNvPr id="1" name=""/>
+        <p:cNvGrpSpPr/>
+        <p:nvPr/>
+      </p:nvGrpSpPr>
+      <p:grpSpPr>
+        <a:xfrm>
+          <a:off x="0" y="0"/>
+          <a:ext cx="0" cy="0"/>
+          <a:chOff x="0" y="0"/>
+          <a:chExt cx="0" cy="0"/>
+        </a:xfrm>
+      </p:grpSpPr>
+      <p:sp>
+        <p:nvSpPr>
+          <p:cNvPr id="2" name="Slide Image Placeholder 1"/>
+          <p:cNvSpPr>
+            <a:spLocks noGrp="1" noRot="1" noChangeAspect="1"/>
+          </p:cNvSpPr>
+          <p:nvPr>
+            <p:ph type="sldImg"/>
+          </p:nvPr>
+        </p:nvSpPr>
+        <p:spPr/>
+      </p:sp>
+      <p:sp>
+        <p:nvSpPr>
+          <p:cNvPr id="3" name="Notes Placeholder 2"/>
+          <p:cNvSpPr>
+            <a:spLocks noGrp="1"/>
+          </p:cNvSpPr>
+          <p:nvPr>
+            <p:ph type="body" idx="1"/>
+          </p:nvPr>
+        </p:nvSpPr>
+        <p:spPr/>
+        <p:txBody>
+          <a:bodyPr>
+            <a:normAutofit/>
+          </a:bodyPr>
+          <a:lstStyle/>
+          <a:p>
+            <a:endParaRPr lang="ko-KR" dirty="0"/>
+          </a:p>
+        </p:txBody>
+      </p:sp>
+      <p:sp>
+        <p:nvSpPr>
+          <p:cNvPr id="4" name="Slide Number Placeholder 3"/>
+          <p:cNvSpPr>
+            <a:spLocks noGrp="1"/>
+          </p:cNvSpPr>
+          <p:nvPr>
+            <p:ph type="sldNum" sz="quarter" idx="10"/>
+          </p:nvPr>
+        </p:nvSpPr>
+        <p:spPr/>
+        <p:txBody>
+          <a:bodyPr/>
+          <a:lstStyle/>
+          <a:p>
+            <a:fld id="{9B26CD33-4337-4529-948A-94F6960B2374}" type="slidenum">
+              <a:rPr lang="en-US" altLang="ko-KR" smtClean="0"/>
+              <a:pPr/>
+              <a:t>9</a:t>
+            </a:fld>
+            <a:endParaRPr lang="ko-KR" dirty="0"/>
+          </a:p>
+        </p:txBody>
+      </p:sp>
+    </p:spTree>
+    <p:extLst>
+      <p:ext uri="{BB962C8B-B14F-4D97-AF65-F5344CB8AC3E}">
+        <p14:creationId xmlns:p14="http://schemas.microsoft.com/office/powerpoint/2010/main" val="3263644643"/>
+      </p:ext>
+    </p:extLst>
+  </p:cSld>
+  <p:clrMapOvr>
+    <a:masterClrMapping/>
+  </p:clrMapOvr>
+</p:notes>
+</file>
+
+<file path=ppt/notesSlides/notesSlide2.xml><?xml version="1.0" encoding="utf-8"?>
+<p:notes xmlns:a="http://schemas.openxmlformats.org/drawingml/2006/main" xmlns:r="http://schemas.openxmlformats.org/officeDocument/2006/relationships" xmlns:p="http://schemas.openxmlformats.org/presentationml/2006/main">
+  <p:cSld>
+    <p:spTree>
+      <p:nvGrpSpPr>
+        <p:cNvPr id="1" name=""/>
+        <p:cNvGrpSpPr/>
+        <p:nvPr/>
+      </p:nvGrpSpPr>
+      <p:grpSpPr>
+        <a:xfrm>
+          <a:off x="0" y="0"/>
+          <a:ext cx="0" cy="0"/>
+          <a:chOff x="0" y="0"/>
+          <a:chExt cx="0" cy="0"/>
+        </a:xfrm>
+      </p:grpSpPr>
+      <p:sp>
+        <p:nvSpPr>
+          <p:cNvPr id="2" name="Slide Image Placeholder 1"/>
+          <p:cNvSpPr>
+            <a:spLocks noGrp="1" noRot="1" noChangeAspect="1"/>
+          </p:cNvSpPr>
+          <p:nvPr>
+            <p:ph type="sldImg"/>
+          </p:nvPr>
+        </p:nvSpPr>
+        <p:spPr/>
+      </p:sp>
+      <p:sp>
+        <p:nvSpPr>
+          <p:cNvPr id="3" name="Notes Placeholder 2"/>
+          <p:cNvSpPr>
+            <a:spLocks noGrp="1"/>
+          </p:cNvSpPr>
+          <p:nvPr>
+            <p:ph type="body" idx="1"/>
+          </p:nvPr>
+        </p:nvSpPr>
+        <p:spPr/>
+        <p:txBody>
+          <a:bodyPr>
+            <a:normAutofit/>
+          </a:bodyPr>
+          <a:lstStyle/>
+          <a:p>
+            <a:endParaRPr lang="ko-KR" dirty="0"/>
+          </a:p>
+        </p:txBody>
+      </p:sp>
+      <p:sp>
+        <p:nvSpPr>
+          <p:cNvPr id="4" name="Slide Number Placeholder 3"/>
+          <p:cNvSpPr>
+            <a:spLocks noGrp="1"/>
+          </p:cNvSpPr>
+          <p:nvPr>
+            <p:ph type="sldNum" sz="quarter" idx="10"/>
+          </p:nvPr>
+        </p:nvSpPr>
+        <p:spPr/>
+        <p:txBody>
+          <a:bodyPr/>
+          <a:lstStyle/>
+          <a:p>
+            <a:fld id="{9B26CD33-4337-4529-948A-94F6960B2374}" type="slidenum">
+              <a:rPr lang="en-US" altLang="ko-KR" smtClean="0"/>
+              <a:pPr/>
+              <a:t>10</a:t>
+            </a:fld>
+            <a:endParaRPr lang="ko-KR" dirty="0"/>
+          </a:p>
+        </p:txBody>
+      </p:sp>
+    </p:spTree>
+    <p:extLst>
+      <p:ext uri="{BB962C8B-B14F-4D97-AF65-F5344CB8AC3E}">
+        <p14:creationId xmlns:p14="http://schemas.microsoft.com/office/powerpoint/2010/main" val="2830387538"/>
+      </p:ext>
+    </p:extLst>
+  </p:cSld>
+  <p:clrMapOvr>
+    <a:masterClrMapping/>
+  </p:clrMapOvr>
+</p:notes>
+</file>
+
+<file path=ppt/notesSlides/notesSlide3.xml><?xml version="1.0" encoding="utf-8"?>
+<p:notes xmlns:a="http://schemas.openxmlformats.org/drawingml/2006/main" xmlns:r="http://schemas.openxmlformats.org/officeDocument/2006/relationships" xmlns:p="http://schemas.openxmlformats.org/presentationml/2006/main">
+  <p:cSld>
+    <p:spTree>
+      <p:nvGrpSpPr>
+        <p:cNvPr id="1" name=""/>
+        <p:cNvGrpSpPr/>
+        <p:nvPr/>
+      </p:nvGrpSpPr>
+      <p:grpSpPr>
+        <a:xfrm>
+          <a:off x="0" y="0"/>
+          <a:ext cx="0" cy="0"/>
+          <a:chOff x="0" y="0"/>
+          <a:chExt cx="0" cy="0"/>
+        </a:xfrm>
+      </p:grpSpPr>
+      <p:sp>
+        <p:nvSpPr>
+          <p:cNvPr id="2" name="Slide Image Placeholder 1"/>
+          <p:cNvSpPr>
+            <a:spLocks noGrp="1" noRot="1" noChangeAspect="1"/>
+          </p:cNvSpPr>
+          <p:nvPr>
+            <p:ph type="sldImg"/>
+          </p:nvPr>
+        </p:nvSpPr>
+        <p:spPr/>
+      </p:sp>
+      <p:sp>
+        <p:nvSpPr>
+          <p:cNvPr id="3" name="Notes Placeholder 2"/>
+          <p:cNvSpPr>
+            <a:spLocks noGrp="1"/>
+          </p:cNvSpPr>
+          <p:nvPr>
+            <p:ph type="body" idx="1"/>
+          </p:nvPr>
+        </p:nvSpPr>
+        <p:spPr/>
+        <p:txBody>
+          <a:bodyPr>
+            <a:normAutofit/>
+          </a:bodyPr>
+          <a:lstStyle/>
+          <a:p>
+            <a:endParaRPr lang="ko-KR" dirty="0"/>
+          </a:p>
+        </p:txBody>
+      </p:sp>
+      <p:sp>
+        <p:nvSpPr>
+          <p:cNvPr id="4" name="Slide Number Placeholder 3"/>
+          <p:cNvSpPr>
+            <a:spLocks noGrp="1"/>
+          </p:cNvSpPr>
+          <p:nvPr>
+            <p:ph type="sldNum" sz="quarter" idx="10"/>
+          </p:nvPr>
+        </p:nvSpPr>
+        <p:spPr/>
+        <p:txBody>
+          <a:bodyPr/>
+          <a:lstStyle/>
+          <a:p>
+            <a:fld id="{9B26CD33-4337-4529-948A-94F6960B2374}" type="slidenum">
+              <a:rPr lang="en-US" altLang="ko-KR" smtClean="0"/>
+              <a:pPr/>
+              <a:t>11</a:t>
+            </a:fld>
+            <a:endParaRPr lang="ko-KR" dirty="0"/>
+          </a:p>
+        </p:txBody>
+      </p:sp>
+    </p:spTree>
+    <p:extLst>
+      <p:ext uri="{BB962C8B-B14F-4D97-AF65-F5344CB8AC3E}">
+        <p14:creationId xmlns:p14="http://schemas.microsoft.com/office/powerpoint/2010/main" val="2179854671"/>
+      </p:ext>
+    </p:extLst>
+  </p:cSld>
+  <p:clrMapOvr>
+    <a:masterClrMapping/>
+  </p:clrMapOvr>
+</p:notes>
+</file>
+
+<file path=ppt/notesSlides/notesSlide4.xml><?xml version="1.0" encoding="utf-8"?>
+<p:notes xmlns:a="http://schemas.openxmlformats.org/drawingml/2006/main" xmlns:r="http://schemas.openxmlformats.org/officeDocument/2006/relationships" xmlns:p="http://schemas.openxmlformats.org/presentationml/2006/main">
+  <p:cSld>
+    <p:spTree>
+      <p:nvGrpSpPr>
+        <p:cNvPr id="1" name=""/>
+        <p:cNvGrpSpPr/>
+        <p:nvPr/>
+      </p:nvGrpSpPr>
+      <p:grpSpPr>
+        <a:xfrm>
+          <a:off x="0" y="0"/>
+          <a:ext cx="0" cy="0"/>
+          <a:chOff x="0" y="0"/>
+          <a:chExt cx="0" cy="0"/>
+        </a:xfrm>
+      </p:grpSpPr>
+      <p:sp>
+        <p:nvSpPr>
+          <p:cNvPr id="2" name="Slide Image Placeholder 1"/>
+          <p:cNvSpPr>
+            <a:spLocks noGrp="1" noRot="1" noChangeAspect="1"/>
+          </p:cNvSpPr>
+          <p:nvPr>
+            <p:ph type="sldImg"/>
+          </p:nvPr>
+        </p:nvSpPr>
+        <p:spPr/>
+      </p:sp>
+      <p:sp>
+        <p:nvSpPr>
+          <p:cNvPr id="3" name="Notes Placeholder 2"/>
+          <p:cNvSpPr>
+            <a:spLocks noGrp="1"/>
+          </p:cNvSpPr>
+          <p:nvPr>
+            <p:ph type="body" idx="1"/>
+          </p:nvPr>
+        </p:nvSpPr>
+        <p:spPr/>
+        <p:txBody>
+          <a:bodyPr>
+            <a:normAutofit/>
+          </a:bodyPr>
+          <a:lstStyle/>
+          <a:p>
+            <a:endParaRPr lang="ko-KR" dirty="0"/>
+          </a:p>
+        </p:txBody>
+      </p:sp>
+      <p:sp>
+        <p:nvSpPr>
+          <p:cNvPr id="4" name="Slide Number Placeholder 3"/>
+          <p:cNvSpPr>
+            <a:spLocks noGrp="1"/>
+          </p:cNvSpPr>
+          <p:nvPr>
+            <p:ph type="sldNum" sz="quarter" idx="10"/>
+          </p:nvPr>
+        </p:nvSpPr>
+        <p:spPr/>
+        <p:txBody>
+          <a:bodyPr/>
+          <a:lstStyle/>
+          <a:p>
+            <a:fld id="{9B26CD33-4337-4529-948A-94F6960B2374}" type="slidenum">
+              <a:rPr lang="en-US" altLang="ko-KR" smtClean="0"/>
+              <a:pPr/>
+              <a:t>12</a:t>
+            </a:fld>
+            <a:endParaRPr lang="ko-KR" dirty="0"/>
+          </a:p>
+        </p:txBody>
+      </p:sp>
+    </p:spTree>
+    <p:extLst>
+      <p:ext uri="{BB962C8B-B14F-4D97-AF65-F5344CB8AC3E}">
+        <p14:creationId xmlns:p14="http://schemas.microsoft.com/office/powerpoint/2010/main" val="277002340"/>
+      </p:ext>
+    </p:extLst>
+  </p:cSld>
+  <p:clrMapOvr>
+    <a:masterClrMapping/>
+  </p:clrMapOvr>
+</p:notes>
+</file>
+
+<file path=ppt/notesSlides/notesSlide5.xml><?xml version="1.0" encoding="utf-8"?>
+<p:notes xmlns:a="http://schemas.openxmlformats.org/drawingml/2006/main" xmlns:r="http://schemas.openxmlformats.org/officeDocument/2006/relationships" xmlns:p="http://schemas.openxmlformats.org/presentationml/2006/main">
+  <p:cSld>
+    <p:spTree>
+      <p:nvGrpSpPr>
+        <p:cNvPr id="1" name=""/>
+        <p:cNvGrpSpPr/>
+        <p:nvPr/>
+      </p:nvGrpSpPr>
+      <p:grpSpPr>
+        <a:xfrm>
+          <a:off x="0" y="0"/>
+          <a:ext cx="0" cy="0"/>
+          <a:chOff x="0" y="0"/>
+          <a:chExt cx="0" cy="0"/>
+        </a:xfrm>
+      </p:grpSpPr>
+      <p:sp>
+        <p:nvSpPr>
+          <p:cNvPr id="2" name="Slide Image Placeholder 1"/>
+          <p:cNvSpPr>
+            <a:spLocks noGrp="1" noRot="1" noChangeAspect="1"/>
+          </p:cNvSpPr>
+          <p:nvPr>
+            <p:ph type="sldImg"/>
+          </p:nvPr>
+        </p:nvSpPr>
+        <p:spPr/>
+      </p:sp>
+      <p:sp>
+        <p:nvSpPr>
+          <p:cNvPr id="3" name="Notes Placeholder 2"/>
+          <p:cNvSpPr>
+            <a:spLocks noGrp="1"/>
+          </p:cNvSpPr>
+          <p:nvPr>
+            <p:ph type="body" idx="1"/>
+          </p:nvPr>
+        </p:nvSpPr>
+        <p:spPr/>
+        <p:txBody>
+          <a:bodyPr>
+            <a:normAutofit/>
+          </a:bodyPr>
+          <a:lstStyle/>
+          <a:p>
+            <a:endParaRPr lang="ko-KR" dirty="0"/>
+          </a:p>
+        </p:txBody>
+      </p:sp>
+      <p:sp>
+        <p:nvSpPr>
+          <p:cNvPr id="4" name="Slide Number Placeholder 3"/>
+          <p:cNvSpPr>
+            <a:spLocks noGrp="1"/>
+          </p:cNvSpPr>
+          <p:nvPr>
+            <p:ph type="sldNum" sz="quarter" idx="10"/>
+          </p:nvPr>
+        </p:nvSpPr>
+        <p:spPr/>
+        <p:txBody>
+          <a:bodyPr/>
+          <a:lstStyle/>
+          <a:p>
+            <a:fld id="{9B26CD33-4337-4529-948A-94F6960B2374}" type="slidenum">
+              <a:rPr lang="en-US" altLang="ko-KR" smtClean="0"/>
+              <a:pPr/>
+              <a:t>13</a:t>
+            </a:fld>
+            <a:endParaRPr lang="ko-KR" dirty="0"/>
+          </a:p>
+        </p:txBody>
+      </p:sp>
+    </p:spTree>
+    <p:extLst>
+      <p:ext uri="{BB962C8B-B14F-4D97-AF65-F5344CB8AC3E}">
+        <p14:creationId xmlns:p14="http://schemas.microsoft.com/office/powerpoint/2010/main" val="3340728618"/>
+      </p:ext>
+    </p:extLst>
+  </p:cSld>
+  <p:clrMapOvr>
+    <a:masterClrMapping/>
+  </p:clrMapOvr>
+</p:notes>
+</file>
+
+<file path=ppt/notesSlides/notesSlide6.xml><?xml version="1.0" encoding="utf-8"?>
+<p:notes xmlns:a="http://schemas.openxmlformats.org/drawingml/2006/main" xmlns:r="http://schemas.openxmlformats.org/officeDocument/2006/relationships" xmlns:p="http://schemas.openxmlformats.org/presentationml/2006/main">
+  <p:cSld>
+    <p:spTree>
+      <p:nvGrpSpPr>
+        <p:cNvPr id="1" name=""/>
+        <p:cNvGrpSpPr/>
+        <p:nvPr/>
+      </p:nvGrpSpPr>
+      <p:grpSpPr>
+        <a:xfrm>
+          <a:off x="0" y="0"/>
+          <a:ext cx="0" cy="0"/>
+          <a:chOff x="0" y="0"/>
+          <a:chExt cx="0" cy="0"/>
+        </a:xfrm>
+      </p:grpSpPr>
+      <p:sp>
+        <p:nvSpPr>
+          <p:cNvPr id="2" name="Slide Image Placeholder 1"/>
+          <p:cNvSpPr>
+            <a:spLocks noGrp="1" noRot="1" noChangeAspect="1"/>
+          </p:cNvSpPr>
+          <p:nvPr>
+            <p:ph type="sldImg"/>
+          </p:nvPr>
+        </p:nvSpPr>
+        <p:spPr/>
+      </p:sp>
+      <p:sp>
+        <p:nvSpPr>
+          <p:cNvPr id="3" name="Notes Placeholder 2"/>
+          <p:cNvSpPr>
+            <a:spLocks noGrp="1"/>
+          </p:cNvSpPr>
+          <p:nvPr>
+            <p:ph type="body" idx="1"/>
+          </p:nvPr>
+        </p:nvSpPr>
+        <p:spPr/>
+        <p:txBody>
+          <a:bodyPr>
+            <a:normAutofit/>
+          </a:bodyPr>
+          <a:lstStyle/>
+          <a:p>
+            <a:endParaRPr lang="ko-KR" dirty="0"/>
+          </a:p>
+        </p:txBody>
+      </p:sp>
+      <p:sp>
+        <p:nvSpPr>
+          <p:cNvPr id="4" name="Slide Number Placeholder 3"/>
+          <p:cNvSpPr>
+            <a:spLocks noGrp="1"/>
+          </p:cNvSpPr>
+          <p:nvPr>
+            <p:ph type="sldNum" sz="quarter" idx="10"/>
+          </p:nvPr>
+        </p:nvSpPr>
+        <p:spPr/>
+        <p:txBody>
+          <a:bodyPr/>
+          <a:lstStyle/>
+          <a:p>
+            <a:fld id="{9B26CD33-4337-4529-948A-94F6960B2374}" type="slidenum">
+              <a:rPr lang="en-US" altLang="ko-KR" smtClean="0"/>
+              <a:pPr/>
+              <a:t>14</a:t>
+            </a:fld>
+            <a:endParaRPr lang="ko-KR" dirty="0"/>
+          </a:p>
+        </p:txBody>
+      </p:sp>
+    </p:spTree>
+    <p:extLst>
+      <p:ext uri="{BB962C8B-B14F-4D97-AF65-F5344CB8AC3E}">
+        <p14:creationId xmlns:p14="http://schemas.microsoft.com/office/powerpoint/2010/main" val="3362850625"/>
+      </p:ext>
+    </p:extLst>
+  </p:cSld>
+  <p:clrMapOvr>
+    <a:masterClrMapping/>
+  </p:clrMapOvr>
+</p:notes>
+</file>
+
+<file path=ppt/notesSlides/notesSlide7.xml><?xml version="1.0" encoding="utf-8"?>
+<p:notes xmlns:a="http://schemas.openxmlformats.org/drawingml/2006/main" xmlns:r="http://schemas.openxmlformats.org/officeDocument/2006/relationships" xmlns:p="http://schemas.openxmlformats.org/presentationml/2006/main">
+  <p:cSld>
+    <p:spTree>
+      <p:nvGrpSpPr>
+        <p:cNvPr id="1" name=""/>
+        <p:cNvGrpSpPr/>
+        <p:nvPr/>
+      </p:nvGrpSpPr>
+      <p:grpSpPr>
+        <a:xfrm>
+          <a:off x="0" y="0"/>
+          <a:ext cx="0" cy="0"/>
+          <a:chOff x="0" y="0"/>
+          <a:chExt cx="0" cy="0"/>
+        </a:xfrm>
+      </p:grpSpPr>
+      <p:sp>
+        <p:nvSpPr>
+          <p:cNvPr id="2" name="Slide Image Placeholder 1"/>
+          <p:cNvSpPr>
+            <a:spLocks noGrp="1" noRot="1" noChangeAspect="1"/>
+          </p:cNvSpPr>
+          <p:nvPr>
+            <p:ph type="sldImg"/>
+          </p:nvPr>
+        </p:nvSpPr>
+        <p:spPr/>
+      </p:sp>
+      <p:sp>
+        <p:nvSpPr>
+          <p:cNvPr id="3" name="Notes Placeholder 2"/>
+          <p:cNvSpPr>
+            <a:spLocks noGrp="1"/>
+          </p:cNvSpPr>
+          <p:nvPr>
+            <p:ph type="body" idx="1"/>
+          </p:nvPr>
+        </p:nvSpPr>
+        <p:spPr/>
+        <p:txBody>
+          <a:bodyPr>
+            <a:normAutofit/>
+          </a:bodyPr>
+          <a:lstStyle/>
+          <a:p>
+            <a:endParaRPr lang="ko-KR" dirty="0"/>
+          </a:p>
+        </p:txBody>
+      </p:sp>
+      <p:sp>
+        <p:nvSpPr>
+          <p:cNvPr id="4" name="Slide Number Placeholder 3"/>
+          <p:cNvSpPr>
+            <a:spLocks noGrp="1"/>
+          </p:cNvSpPr>
+          <p:nvPr>
+            <p:ph type="sldNum" sz="quarter" idx="10"/>
+          </p:nvPr>
+        </p:nvSpPr>
+        <p:spPr/>
+        <p:txBody>
+          <a:bodyPr/>
+          <a:lstStyle/>
+          <a:p>
+            <a:fld id="{9B26CD33-4337-4529-948A-94F6960B2374}" type="slidenum">
+              <a:rPr lang="en-US" altLang="ko-KR" smtClean="0"/>
+              <a:pPr/>
+              <a:t>15</a:t>
+            </a:fld>
+            <a:endParaRPr lang="ko-KR" dirty="0"/>
+          </a:p>
+        </p:txBody>
+      </p:sp>
+    </p:spTree>
+    <p:extLst>
+      <p:ext uri="{BB962C8B-B14F-4D97-AF65-F5344CB8AC3E}">
+        <p14:creationId xmlns:p14="http://schemas.microsoft.com/office/powerpoint/2010/main" val="3913573603"/>
+      </p:ext>
+    </p:extLst>
+  </p:cSld>
+  <p:clrMapOvr>
+    <a:masterClrMapping/>
+  </p:clrMapOvr>
+</p:notes>
+</file>
+
+<file path=ppt/notesSlides/notesSlide8.xml><?xml version="1.0" encoding="utf-8"?>
+<p:notes xmlns:a="http://schemas.openxmlformats.org/drawingml/2006/main" xmlns:r="http://schemas.openxmlformats.org/officeDocument/2006/relationships" xmlns:p="http://schemas.openxmlformats.org/presentationml/2006/main">
+  <p:cSld>
+    <p:spTree>
+      <p:nvGrpSpPr>
+        <p:cNvPr id="1" name=""/>
+        <p:cNvGrpSpPr/>
+        <p:nvPr/>
+      </p:nvGrpSpPr>
+      <p:grpSpPr>
+        <a:xfrm>
+          <a:off x="0" y="0"/>
+          <a:ext cx="0" cy="0"/>
+          <a:chOff x="0" y="0"/>
+          <a:chExt cx="0" cy="0"/>
+        </a:xfrm>
+      </p:grpSpPr>
+      <p:sp>
+        <p:nvSpPr>
+          <p:cNvPr id="2" name="Slide Image Placeholder 1"/>
+          <p:cNvSpPr>
+            <a:spLocks noGrp="1" noRot="1" noChangeAspect="1"/>
+          </p:cNvSpPr>
+          <p:nvPr>
+            <p:ph type="sldImg"/>
+          </p:nvPr>
+        </p:nvSpPr>
+        <p:spPr/>
+      </p:sp>
+      <p:sp>
+        <p:nvSpPr>
+          <p:cNvPr id="3" name="Notes Placeholder 2"/>
+          <p:cNvSpPr>
+            <a:spLocks noGrp="1"/>
+          </p:cNvSpPr>
+          <p:nvPr>
+            <p:ph type="body" idx="1"/>
+          </p:nvPr>
+        </p:nvSpPr>
+        <p:spPr/>
+        <p:txBody>
+          <a:bodyPr>
+            <a:normAutofit/>
+          </a:bodyPr>
+          <a:lstStyle/>
+          <a:p>
+            <a:endParaRPr lang="ko-KR" dirty="0"/>
+          </a:p>
+        </p:txBody>
+      </p:sp>
+      <p:sp>
+        <p:nvSpPr>
+          <p:cNvPr id="4" name="Slide Number Placeholder 3"/>
+          <p:cNvSpPr>
+            <a:spLocks noGrp="1"/>
+          </p:cNvSpPr>
+          <p:nvPr>
+            <p:ph type="sldNum" sz="quarter" idx="10"/>
+          </p:nvPr>
+        </p:nvSpPr>
+        <p:spPr/>
+        <p:txBody>
+          <a:bodyPr/>
+          <a:lstStyle/>
+          <a:p>
+            <a:fld id="{9B26CD33-4337-4529-948A-94F6960B2374}" type="slidenum">
+              <a:rPr lang="en-US" altLang="ko-KR" smtClean="0"/>
+              <a:pPr/>
+              <a:t>16</a:t>
+            </a:fld>
+            <a:endParaRPr lang="ko-KR" dirty="0"/>
+          </a:p>
+        </p:txBody>
+      </p:sp>
+    </p:spTree>
+    <p:extLst>
+      <p:ext uri="{BB962C8B-B14F-4D97-AF65-F5344CB8AC3E}">
+        <p14:creationId xmlns:p14="http://schemas.microsoft.com/office/powerpoint/2010/main" val="2118594655"/>
+      </p:ext>
+    </p:extLst>
+  </p:cSld>
+  <p:clrMapOvr>
+    <a:masterClrMapping/>
+  </p:clrMapOvr>
+</p:notes>
+</file>
+
+<file path=ppt/notesSlides/notesSlide9.xml><?xml version="1.0" encoding="utf-8"?>
+<p:notes xmlns:a="http://schemas.openxmlformats.org/drawingml/2006/main" xmlns:r="http://schemas.openxmlformats.org/officeDocument/2006/relationships" xmlns:p="http://schemas.openxmlformats.org/presentationml/2006/main">
+  <p:cSld>
+    <p:spTree>
+      <p:nvGrpSpPr>
+        <p:cNvPr id="1" name=""/>
+        <p:cNvGrpSpPr/>
+        <p:nvPr/>
+      </p:nvGrpSpPr>
+      <p:grpSpPr>
+        <a:xfrm>
+          <a:off x="0" y="0"/>
+          <a:ext cx="0" cy="0"/>
+          <a:chOff x="0" y="0"/>
+          <a:chExt cx="0" cy="0"/>
+        </a:xfrm>
+      </p:grpSpPr>
+      <p:sp>
+        <p:nvSpPr>
+          <p:cNvPr id="2" name="Slide Image Placeholder 1"/>
+          <p:cNvSpPr>
+            <a:spLocks noGrp="1" noRot="1" noChangeAspect="1"/>
+          </p:cNvSpPr>
+          <p:nvPr>
+            <p:ph type="sldImg"/>
+          </p:nvPr>
+        </p:nvSpPr>
+        <p:spPr/>
+      </p:sp>
+      <p:sp>
+        <p:nvSpPr>
+          <p:cNvPr id="3" name="Notes Placeholder 2"/>
+          <p:cNvSpPr>
+            <a:spLocks noGrp="1"/>
+          </p:cNvSpPr>
+          <p:nvPr>
+            <p:ph type="body" idx="1"/>
+          </p:nvPr>
+        </p:nvSpPr>
+        <p:spPr/>
+        <p:txBody>
+          <a:bodyPr>
+            <a:normAutofit/>
+          </a:bodyPr>
+          <a:lstStyle/>
+          <a:p>
+            <a:endParaRPr lang="ko-KR" dirty="0"/>
+          </a:p>
+        </p:txBody>
+      </p:sp>
+      <p:sp>
+        <p:nvSpPr>
+          <p:cNvPr id="4" name="Slide Number Placeholder 3"/>
+          <p:cNvSpPr>
+            <a:spLocks noGrp="1"/>
+          </p:cNvSpPr>
+          <p:nvPr>
+            <p:ph type="sldNum" sz="quarter" idx="10"/>
+          </p:nvPr>
+        </p:nvSpPr>
+        <p:spPr/>
+        <p:txBody>
+          <a:bodyPr/>
+          <a:lstStyle/>
+          <a:p>
+            <a:fld id="{9B26CD33-4337-4529-948A-94F6960B2374}" type="slidenum">
+              <a:rPr lang="en-US" altLang="ko-KR" smtClean="0"/>
+              <a:pPr/>
+              <a:t>17</a:t>
+            </a:fld>
+            <a:endParaRPr lang="ko-KR" dirty="0"/>
+          </a:p>
+        </p:txBody>
+      </p:sp>
+    </p:spTree>
+    <p:extLst>
+      <p:ext uri="{BB962C8B-B14F-4D97-AF65-F5344CB8AC3E}">
+        <p14:creationId xmlns:p14="http://schemas.microsoft.com/office/powerpoint/2010/main" val="731192328"/>
+      </p:ext>
+    </p:extLst>
+  </p:cSld>
+  <p:clrMapOvr>
+    <a:masterClrMapping/>
+  </p:clrMapOvr>
+</p:notes>
+</file>
+
 <file path=ppt/slideLayouts/slideLayout1.xml><?xml version="1.0" encoding="utf-8"?>
 <p:sldLayout xmlns:a="http://schemas.openxmlformats.org/drawingml/2006/main" xmlns:r="http://schemas.openxmlformats.org/officeDocument/2006/relationships" xmlns:p="http://schemas.openxmlformats.org/presentationml/2006/main" preserve="1" userDrawn="1">
   <p:cSld name="제목 슬라이드">
@@ -2708,6 +3499,123 @@
 </p:sldLayout>
 </file>
 
+<file path=ppt/slideLayouts/slideLayout6.xml><?xml version="1.0" encoding="utf-8"?>
+<p:sldLayout xmlns:a="http://schemas.openxmlformats.org/drawingml/2006/main" xmlns:r="http://schemas.openxmlformats.org/officeDocument/2006/relationships" xmlns:p="http://schemas.openxmlformats.org/presentationml/2006/main" showMasterSp="0" userDrawn="1">
+  <p:cSld name="빈화면">
+    <p:spTree>
+      <p:nvGrpSpPr>
+        <p:cNvPr id="1" name=""/>
+        <p:cNvGrpSpPr/>
+        <p:nvPr/>
+      </p:nvGrpSpPr>
+      <p:grpSpPr>
+        <a:xfrm>
+          <a:off x="0" y="0"/>
+          <a:ext cx="0" cy="0"/>
+          <a:chOff x="0" y="0"/>
+          <a:chExt cx="0" cy="0"/>
+        </a:xfrm>
+      </p:grpSpPr>
+      <p:sp>
+        <p:nvSpPr>
+          <p:cNvPr id="2" name="슬라이드 번호 개체 틀 5"/>
+          <p:cNvSpPr>
+            <a:spLocks noGrp="1"/>
+          </p:cNvSpPr>
+          <p:nvPr>
+            <p:ph type="sldNum" sz="quarter" idx="12"/>
+          </p:nvPr>
+        </p:nvSpPr>
+        <p:spPr>
+          <a:xfrm>
+            <a:off x="6553200" y="6356350"/>
+            <a:ext cx="2133600" cy="365125"/>
+          </a:xfrm>
+        </p:spPr>
+        <p:txBody>
+          <a:bodyPr/>
+          <a:lstStyle/>
+          <a:p>
+            <a:fld id="{963B0023-0CED-47F7-85AE-654F0B232C29}" type="slidenum">
+              <a:rPr lang="en-US" altLang="ko-KR" smtClean="0"/>
+              <a:pPr/>
+              <a:t>‹#›</a:t>
+            </a:fld>
+            <a:endParaRPr kumimoji="0" lang="ko-KR" altLang="en-US"/>
+          </a:p>
+        </p:txBody>
+      </p:sp>
+      <p:sp>
+        <p:nvSpPr>
+          <p:cNvPr id="3" name="TextBox 2"/>
+          <p:cNvSpPr txBox="1"/>
+          <p:nvPr userDrawn="1"/>
+        </p:nvSpPr>
+        <p:spPr>
+          <a:xfrm>
+            <a:off x="7164288" y="69724"/>
+            <a:ext cx="1872208" cy="240066"/>
+          </a:xfrm>
+          <a:prstGeom prst="rect">
+            <a:avLst/>
+          </a:prstGeom>
+          <a:noFill/>
+        </p:spPr>
+        <p:txBody>
+          <a:bodyPr wrap="square" rtlCol="0">
+            <a:spAutoFit/>
+          </a:bodyPr>
+          <a:lstStyle/>
+          <a:p>
+            <a:pPr algn="r">
+              <a:lnSpc>
+                <a:spcPct val="80000"/>
+              </a:lnSpc>
+            </a:pPr>
+            <a:r>
+              <a:rPr lang="en-US" altLang="ko-KR" sz="1200" b="1" dirty="0" smtClean="0">
+                <a:latin typeface="나눔고딕" pitchFamily="50" charset="-127"/>
+                <a:ea typeface="나눔고딕" pitchFamily="50" charset="-127"/>
+              </a:rPr>
+              <a:t>2 week </a:t>
+            </a:r>
+            <a:r>
+              <a:rPr lang="en-US" altLang="ko-KR" sz="1200" dirty="0">
+                <a:latin typeface="나눔고딕" pitchFamily="50" charset="-127"/>
+                <a:ea typeface="나눔고딕" pitchFamily="50" charset="-127"/>
+              </a:rPr>
+              <a:t>presentation</a:t>
+            </a:r>
+            <a:endParaRPr lang="ko-KR" altLang="en-US" sz="1200" dirty="0">
+              <a:latin typeface="나눔고딕" pitchFamily="50" charset="-127"/>
+              <a:ea typeface="나눔고딕" pitchFamily="50" charset="-127"/>
+            </a:endParaRPr>
+          </a:p>
+        </p:txBody>
+      </p:sp>
+    </p:spTree>
+    <p:extLst>
+      <p:ext uri="{BB962C8B-B14F-4D97-AF65-F5344CB8AC3E}">
+        <p14:creationId xmlns:p14="http://schemas.microsoft.com/office/powerpoint/2010/main" val="2195200358"/>
+      </p:ext>
+    </p:extLst>
+  </p:cSld>
+  <p:clrMapOvr>
+    <a:masterClrMapping/>
+  </p:clrMapOvr>
+  <p:transition>
+    <p:fade/>
+  </p:transition>
+  <p:timing>
+    <p:tnLst>
+      <p:par>
+        <p:cTn id="1" dur="indefinite" restart="never" nodeType="tmRoot"/>
+      </p:par>
+    </p:tnLst>
+  </p:timing>
+</p:sldLayout>
+</file>
+
 <file path=ppt/slideMasters/slideMaster1.xml><?xml version="1.0" encoding="utf-8"?>
 <p:sldMaster xmlns:a="http://schemas.openxmlformats.org/drawingml/2006/main" xmlns:r="http://schemas.openxmlformats.org/officeDocument/2006/relationships" xmlns:p="http://schemas.openxmlformats.org/presentationml/2006/main">
   <p:cSld>
@@ -2955,6 +3863,7 @@
     <p:sldLayoutId id="2147483663" r:id="rId3"/>
     <p:sldLayoutId id="2147483662" r:id="rId4"/>
     <p:sldLayoutId id="2147483666" r:id="rId5"/>
+    <p:sldLayoutId id="2147483668" r:id="rId6"/>
   </p:sldLayoutIdLst>
   <p:timing>
     <p:tnLst>
@@ -3324,39 +4233,86 @@
           <a:chExt cx="0" cy="0"/>
         </a:xfrm>
       </p:grpSpPr>
-      <p:sp>
-        <p:nvSpPr>
-          <p:cNvPr id="2" name="슬라이드 번호 개체 틀 1"/>
-          <p:cNvSpPr>
-            <a:spLocks noGrp="1"/>
-          </p:cNvSpPr>
-          <p:nvPr>
-            <p:ph type="sldNum" sz="quarter" idx="12"/>
-          </p:nvPr>
-        </p:nvSpPr>
-        <p:spPr/>
-        <p:txBody>
-          <a:bodyPr/>
-          <a:lstStyle/>
-          <a:p>
-            <a:fld id="{B91F475D-C4CC-4CE8-81AD-732BFDCB340A}" type="slidenum">
-              <a:rPr lang="ko-KR" altLang="en-US" smtClean="0"/>
-              <a:t>10</a:t>
-            </a:fld>
-            <a:endParaRPr lang="ko-KR" altLang="en-US"/>
-          </a:p>
-        </p:txBody>
-      </p:sp>
-      <p:sp>
-        <p:nvSpPr>
-          <p:cNvPr id="7" name="TextBox 6"/>
+      <p:cxnSp>
+        <p:nvCxnSpPr>
+          <p:cNvPr id="15" name="직선 연결선 14"/>
+          <p:cNvCxnSpPr/>
+          <p:nvPr/>
+        </p:nvCxnSpPr>
+        <p:spPr>
+          <a:xfrm>
+            <a:off x="251520" y="332656"/>
+            <a:ext cx="8640960" cy="0"/>
+          </a:xfrm>
+          <a:prstGeom prst="line">
+            <a:avLst/>
+          </a:prstGeom>
+          <a:ln w="3175">
+            <a:solidFill>
+              <a:srgbClr val="68727E"/>
+            </a:solidFill>
+          </a:ln>
+        </p:spPr>
+        <p:style>
+          <a:lnRef idx="1">
+            <a:schemeClr val="accent1"/>
+          </a:lnRef>
+          <a:fillRef idx="0">
+            <a:schemeClr val="accent1"/>
+          </a:fillRef>
+          <a:effectRef idx="0">
+            <a:schemeClr val="accent1"/>
+          </a:effectRef>
+          <a:fontRef idx="minor">
+            <a:schemeClr val="tx1"/>
+          </a:fontRef>
+        </p:style>
+      </p:cxnSp>
+      <p:cxnSp>
+        <p:nvCxnSpPr>
+          <p:cNvPr id="19" name="직선 연결선 18"/>
+          <p:cNvCxnSpPr/>
+          <p:nvPr/>
+        </p:nvCxnSpPr>
+        <p:spPr>
+          <a:xfrm>
+            <a:off x="221703" y="1038567"/>
+            <a:ext cx="8640960" cy="0"/>
+          </a:xfrm>
+          <a:prstGeom prst="line">
+            <a:avLst/>
+          </a:prstGeom>
+          <a:ln w="3175">
+            <a:solidFill>
+              <a:srgbClr val="68727E"/>
+            </a:solidFill>
+          </a:ln>
+        </p:spPr>
+        <p:style>
+          <a:lnRef idx="1">
+            <a:schemeClr val="accent1"/>
+          </a:lnRef>
+          <a:fillRef idx="0">
+            <a:schemeClr val="accent1"/>
+          </a:fillRef>
+          <a:effectRef idx="0">
+            <a:schemeClr val="accent1"/>
+          </a:effectRef>
+          <a:fontRef idx="minor">
+            <a:schemeClr val="tx1"/>
+          </a:fontRef>
+        </p:style>
+      </p:cxnSp>
+      <p:sp>
+        <p:nvSpPr>
+          <p:cNvPr id="16" name="TextBox 15"/>
           <p:cNvSpPr txBox="1"/>
           <p:nvPr/>
         </p:nvSpPr>
         <p:spPr>
           <a:xfrm>
-            <a:off x="251520" y="3566875"/>
-            <a:ext cx="7114480" cy="720197"/>
+            <a:off x="7020475" y="755296"/>
+            <a:ext cx="1872208" cy="240066"/>
           </a:xfrm>
           <a:prstGeom prst="rect">
             <a:avLst/>
@@ -3369,15 +4325,15 @@
           </a:bodyPr>
           <a:lstStyle/>
           <a:p>
-            <a:pPr>
+            <a:pPr algn="r">
               <a:lnSpc>
-                <a:spcPct val="85000"/>
+                <a:spcPct val="80000"/>
               </a:lnSpc>
             </a:pPr>
             <a:r>
-              <a:rPr lang="en-US" altLang="ko-KR" sz="4800" spc="600" dirty="0" smtClean="0">
+              <a:rPr lang="en-US" altLang="ko-KR" sz="1200" b="1" dirty="0">
                 <a:solidFill>
-                  <a:srgbClr val="FF0000"/>
+                  <a:srgbClr val="FFC000"/>
                 </a:solidFill>
                 <a:effectLst>
                   <a:outerShdw blurRad="38100" dist="38100" dir="2700000" algn="tl">
@@ -3389,110 +4345,367 @@
                 <a:latin typeface="나눔고딕" pitchFamily="50" charset="-127"/>
                 <a:ea typeface="나눔고딕" pitchFamily="50" charset="-127"/>
               </a:rPr>
-              <a:t>A</a:t>
-            </a:r>
-            <a:r>
-              <a:rPr lang="en-US" altLang="ko-KR" sz="4800" spc="600" dirty="0" smtClean="0">
+              <a:t>C</a:t>
+            </a:r>
+            <a:r>
+              <a:rPr lang="en-US" altLang="ko-KR" sz="1200" b="1" dirty="0">
                 <a:gradFill>
                   <a:gsLst>
                     <a:gs pos="0">
-                      <a:srgbClr val="7E858E"/>
+                      <a:srgbClr val="68727E"/>
                     </a:gs>
                     <a:gs pos="50000">
-                      <a:srgbClr val="7E858E"/>
+                      <a:srgbClr val="68727E"/>
                     </a:gs>
                   </a:gsLst>
                   <a:lin ang="5400000" scaled="0"/>
                 </a:gradFill>
-                <a:effectLst>
-                  <a:outerShdw blurRad="38100" dist="38100" dir="2700000" algn="tl">
-                    <a:srgbClr val="000000">
-                      <a:alpha val="43137"/>
-                    </a:srgbClr>
-                  </a:outerShdw>
-                </a:effectLst>
-                <a:latin typeface="나눔고딕" pitchFamily="50" charset="-127"/>
-                <a:ea typeface="나눔고딕" pitchFamily="50" charset="-127"/>
-              </a:rPr>
-              <a:t>pp </a:t>
-            </a:r>
-            <a:r>
-              <a:rPr lang="en-US" altLang="ko-KR" sz="4800" spc="600" dirty="0" smtClean="0">
-                <a:solidFill>
-                  <a:srgbClr val="FF0000"/>
-                </a:solidFill>
-                <a:effectLst>
-                  <a:outerShdw blurRad="38100" dist="38100" dir="2700000" algn="tl">
-                    <a:srgbClr val="000000">
-                      <a:alpha val="43137"/>
-                    </a:srgbClr>
-                  </a:outerShdw>
-                </a:effectLst>
-                <a:latin typeface="나눔고딕" pitchFamily="50" charset="-127"/>
-                <a:ea typeface="나눔고딕" pitchFamily="50" charset="-127"/>
-              </a:rPr>
-              <a:t>C</a:t>
-            </a:r>
-            <a:r>
-              <a:rPr lang="en-US" altLang="ko-KR" sz="4800" spc="600" dirty="0" smtClean="0">
+                <a:latin typeface="나눔고딕" pitchFamily="50" charset="-127"/>
+                <a:ea typeface="나눔고딕" pitchFamily="50" charset="-127"/>
+              </a:rPr>
+              <a:t> team</a:t>
+            </a:r>
+            <a:endParaRPr lang="ko-KR" altLang="en-US" sz="1200" b="1" dirty="0">
+              <a:gradFill>
+                <a:gsLst>
+                  <a:gs pos="0">
+                    <a:srgbClr val="68727E"/>
+                  </a:gs>
+                  <a:gs pos="50000">
+                    <a:srgbClr val="68727E"/>
+                  </a:gs>
+                </a:gsLst>
+                <a:lin ang="5400000" scaled="0"/>
+              </a:gradFill>
+              <a:latin typeface="나눔고딕" pitchFamily="50" charset="-127"/>
+              <a:ea typeface="나눔고딕" pitchFamily="50" charset="-127"/>
+            </a:endParaRPr>
+          </a:p>
+        </p:txBody>
+      </p:sp>
+      <p:sp>
+        <p:nvSpPr>
+          <p:cNvPr id="21" name="TextBox 20"/>
+          <p:cNvSpPr txBox="1"/>
+          <p:nvPr/>
+        </p:nvSpPr>
+        <p:spPr>
+          <a:xfrm>
+            <a:off x="179512" y="461805"/>
+            <a:ext cx="5184576" cy="369332"/>
+          </a:xfrm>
+          <a:prstGeom prst="rect">
+            <a:avLst/>
+          </a:prstGeom>
+          <a:noFill/>
+        </p:spPr>
+        <p:txBody>
+          <a:bodyPr wrap="square" rtlCol="0">
+            <a:spAutoFit/>
+          </a:bodyPr>
+          <a:lstStyle/>
+          <a:p>
+            <a:pPr>
+              <a:lnSpc>
+                <a:spcPct val="90000"/>
+              </a:lnSpc>
+            </a:pPr>
+            <a:r>
+              <a:rPr lang="en-US" altLang="ko-KR" sz="2000" spc="300" dirty="0" smtClean="0">
                 <a:gradFill>
                   <a:gsLst>
                     <a:gs pos="0">
-                      <a:srgbClr val="7E858E"/>
+                      <a:srgbClr val="C00000"/>
                     </a:gs>
-                    <a:gs pos="50000">
-                      <a:srgbClr val="7E858E"/>
+                    <a:gs pos="100000">
+                      <a:srgbClr val="C00000"/>
                     </a:gs>
                   </a:gsLst>
                   <a:lin ang="5400000" scaled="0"/>
                 </a:gradFill>
-                <a:effectLst>
-                  <a:outerShdw blurRad="38100" dist="38100" dir="2700000" algn="tl">
-                    <a:srgbClr val="000000">
-                      <a:alpha val="43137"/>
-                    </a:srgbClr>
-                  </a:outerShdw>
-                </a:effectLst>
-                <a:latin typeface="나눔고딕" pitchFamily="50" charset="-127"/>
-                <a:ea typeface="나눔고딕" pitchFamily="50" charset="-127"/>
-              </a:rPr>
-              <a:t>lient</a:t>
-            </a:r>
-            <a:endParaRPr lang="ko-KR" altLang="en-US" sz="4800" spc="600" dirty="0">
+                <a:latin typeface="나눔고딕" pitchFamily="50" charset="-127"/>
+                <a:ea typeface="나눔고딕" pitchFamily="50" charset="-127"/>
+              </a:rPr>
+              <a:t>Data send </a:t>
+            </a:r>
+            <a:r>
+              <a:rPr lang="en-US" altLang="ko-KR" sz="2000" spc="300" dirty="0">
+                <a:gradFill>
+                  <a:gsLst>
+                    <a:gs pos="0">
+                      <a:srgbClr val="C00000"/>
+                    </a:gs>
+                    <a:gs pos="100000">
+                      <a:srgbClr val="C00000"/>
+                    </a:gs>
+                  </a:gsLst>
+                  <a:lin ang="5400000" scaled="0"/>
+                </a:gradFill>
+                <a:latin typeface="나눔고딕" pitchFamily="50" charset="-127"/>
+                <a:ea typeface="나눔고딕" pitchFamily="50" charset="-127"/>
+              </a:rPr>
+              <a:t>Sequence  Diagram</a:t>
+            </a:r>
+            <a:endParaRPr lang="ko-KR" altLang="en-US" sz="2000" spc="300" dirty="0">
               <a:gradFill>
                 <a:gsLst>
                   <a:gs pos="0">
-                    <a:srgbClr val="7E858E"/>
+                    <a:srgbClr val="C00000"/>
                   </a:gs>
-                  <a:gs pos="50000">
-                    <a:srgbClr val="7E858E"/>
+                  <a:gs pos="100000">
+                    <a:srgbClr val="C00000"/>
                   </a:gs>
                 </a:gsLst>
                 <a:lin ang="5400000" scaled="0"/>
               </a:gradFill>
-              <a:effectLst>
-                <a:outerShdw blurRad="38100" dist="38100" dir="2700000" algn="tl">
-                  <a:srgbClr val="000000">
-                    <a:alpha val="43137"/>
-                  </a:srgbClr>
-                </a:outerShdw>
-              </a:effectLst>
               <a:latin typeface="나눔고딕" pitchFamily="50" charset="-127"/>
               <a:ea typeface="나눔고딕" pitchFamily="50" charset="-127"/>
             </a:endParaRPr>
           </a:p>
         </p:txBody>
       </p:sp>
+      <p:sp>
+        <p:nvSpPr>
+          <p:cNvPr id="5" name="슬라이드 번호 개체 틀 4"/>
+          <p:cNvSpPr>
+            <a:spLocks noGrp="1"/>
+          </p:cNvSpPr>
+          <p:nvPr>
+            <p:ph type="sldNum" sz="quarter" idx="12"/>
+          </p:nvPr>
+        </p:nvSpPr>
+        <p:spPr/>
+        <p:txBody>
+          <a:bodyPr/>
+          <a:lstStyle/>
+          <a:p>
+            <a:fld id="{963B0023-0CED-47F7-85AE-654F0B232C29}" type="slidenum">
+              <a:rPr lang="en-US" altLang="ko-KR" smtClean="0"/>
+              <a:pPr/>
+              <a:t>10</a:t>
+            </a:fld>
+            <a:endParaRPr kumimoji="0" lang="ko-KR" altLang="en-US"/>
+          </a:p>
+        </p:txBody>
+      </p:sp>
+      <p:sp>
+        <p:nvSpPr>
+          <p:cNvPr id="9" name="TextBox 8"/>
+          <p:cNvSpPr txBox="1"/>
+          <p:nvPr/>
+        </p:nvSpPr>
+        <p:spPr>
+          <a:xfrm>
+            <a:off x="8585385" y="6377836"/>
+            <a:ext cx="637728" cy="307777"/>
+          </a:xfrm>
+          <a:prstGeom prst="rect">
+            <a:avLst/>
+          </a:prstGeom>
+          <a:noFill/>
+        </p:spPr>
+        <p:txBody>
+          <a:bodyPr wrap="square" rtlCol="0">
+            <a:spAutoFit/>
+          </a:bodyPr>
+          <a:lstStyle/>
+          <a:p>
+            <a:r>
+              <a:rPr lang="en-US" altLang="ko-KR" sz="1400" dirty="0" smtClean="0">
+                <a:solidFill>
+                  <a:schemeClr val="bg1">
+                    <a:lumMod val="50000"/>
+                  </a:schemeClr>
+                </a:solidFill>
+              </a:rPr>
+              <a:t>/19</a:t>
+            </a:r>
+            <a:endParaRPr lang="ko-KR" altLang="en-US" sz="1400" dirty="0">
+              <a:solidFill>
+                <a:schemeClr val="bg1">
+                  <a:lumMod val="50000"/>
+                </a:schemeClr>
+              </a:solidFill>
+            </a:endParaRPr>
+          </a:p>
+        </p:txBody>
+      </p:sp>
+      <p:grpSp>
+        <p:nvGrpSpPr>
+          <p:cNvPr id="26" name="그룹 25"/>
+          <p:cNvGrpSpPr/>
+          <p:nvPr/>
+        </p:nvGrpSpPr>
+        <p:grpSpPr>
+          <a:xfrm>
+            <a:off x="5364088" y="1254520"/>
+            <a:ext cx="3024336" cy="5200955"/>
+            <a:chOff x="-8067016" y="-3574663"/>
+            <a:chExt cx="7670464" cy="10745700"/>
+          </a:xfrm>
+        </p:grpSpPr>
+        <p:pic>
+          <p:nvPicPr>
+            <p:cNvPr id="12" name="그림 11"/>
+            <p:cNvPicPr>
+              <a:picLocks noChangeAspect="1"/>
+            </p:cNvPicPr>
+            <p:nvPr/>
+          </p:nvPicPr>
+          <p:blipFill>
+            <a:blip r:embed="rId3">
+              <a:extLst>
+                <a:ext uri="{28A0092B-C50C-407E-A947-70E740481C1C}">
+                  <a14:useLocalDpi xmlns:a14="http://schemas.microsoft.com/office/drawing/2010/main" val="0"/>
+                </a:ext>
+              </a:extLst>
+            </a:blip>
+            <a:stretch>
+              <a:fillRect/>
+            </a:stretch>
+          </p:blipFill>
+          <p:spPr>
+            <a:xfrm>
+              <a:off x="-8067016" y="-3574663"/>
+              <a:ext cx="6716062" cy="3553321"/>
+            </a:xfrm>
+            <a:prstGeom prst="rect">
+              <a:avLst/>
+            </a:prstGeom>
+          </p:spPr>
+        </p:pic>
+        <p:pic>
+          <p:nvPicPr>
+            <p:cNvPr id="13" name="그림 12"/>
+            <p:cNvPicPr>
+              <a:picLocks noChangeAspect="1"/>
+            </p:cNvPicPr>
+            <p:nvPr/>
+          </p:nvPicPr>
+          <p:blipFill>
+            <a:blip r:embed="rId4">
+              <a:extLst>
+                <a:ext uri="{28A0092B-C50C-407E-A947-70E740481C1C}">
+                  <a14:useLocalDpi xmlns:a14="http://schemas.microsoft.com/office/drawing/2010/main" val="0"/>
+                </a:ext>
+              </a:extLst>
+            </a:blip>
+            <a:stretch>
+              <a:fillRect/>
+            </a:stretch>
+          </p:blipFill>
+          <p:spPr>
+            <a:xfrm>
+              <a:off x="-8046195" y="-21342"/>
+              <a:ext cx="7649643" cy="4210638"/>
+            </a:xfrm>
+            <a:prstGeom prst="rect">
+              <a:avLst/>
+            </a:prstGeom>
+          </p:spPr>
+        </p:pic>
+        <p:pic>
+          <p:nvPicPr>
+            <p:cNvPr id="14" name="그림 13"/>
+            <p:cNvPicPr>
+              <a:picLocks noChangeAspect="1"/>
+            </p:cNvPicPr>
+            <p:nvPr/>
+          </p:nvPicPr>
+          <p:blipFill>
+            <a:blip r:embed="rId5">
+              <a:extLst>
+                <a:ext uri="{28A0092B-C50C-407E-A947-70E740481C1C}">
+                  <a14:useLocalDpi xmlns:a14="http://schemas.microsoft.com/office/drawing/2010/main" val="0"/>
+                </a:ext>
+              </a:extLst>
+            </a:blip>
+            <a:stretch>
+              <a:fillRect/>
+            </a:stretch>
+          </p:blipFill>
+          <p:spPr>
+            <a:xfrm>
+              <a:off x="-8024391" y="4189296"/>
+              <a:ext cx="7220958" cy="2981741"/>
+            </a:xfrm>
+            <a:prstGeom prst="rect">
+              <a:avLst/>
+            </a:prstGeom>
+          </p:spPr>
+        </p:pic>
+      </p:grpSp>
+      <p:pic>
+        <p:nvPicPr>
+          <p:cNvPr id="17" name="그림 16"/>
+          <p:cNvPicPr>
+            <a:picLocks noChangeAspect="1"/>
+          </p:cNvPicPr>
+          <p:nvPr/>
+        </p:nvPicPr>
+        <p:blipFill>
+          <a:blip r:embed="rId4">
+            <a:extLst>
+              <a:ext uri="{28A0092B-C50C-407E-A947-70E740481C1C}">
+                <a14:useLocalDpi xmlns:a14="http://schemas.microsoft.com/office/drawing/2010/main" val="0"/>
+              </a:ext>
+            </a:extLst>
+          </a:blip>
+          <a:stretch>
+            <a:fillRect/>
+          </a:stretch>
+        </p:blipFill>
+        <p:spPr>
+          <a:xfrm>
+            <a:off x="269779" y="1970405"/>
+            <a:ext cx="5143780" cy="3475594"/>
+          </a:xfrm>
+          <a:prstGeom prst="rect">
+            <a:avLst/>
+          </a:prstGeom>
+        </p:spPr>
+      </p:pic>
+      <p:pic>
+        <p:nvPicPr>
+          <p:cNvPr id="18" name="그림 17"/>
+          <p:cNvPicPr>
+            <a:picLocks noChangeAspect="1"/>
+          </p:cNvPicPr>
+          <p:nvPr/>
+        </p:nvPicPr>
+        <p:blipFill>
+          <a:blip r:embed="rId5">
+            <a:extLst>
+              <a:ext uri="{28A0092B-C50C-407E-A947-70E740481C1C}">
+                <a14:useLocalDpi xmlns:a14="http://schemas.microsoft.com/office/drawing/2010/main" val="0"/>
+              </a:ext>
+            </a:extLst>
+          </a:blip>
+          <a:stretch>
+            <a:fillRect/>
+          </a:stretch>
+        </p:blipFill>
+        <p:spPr>
+          <a:xfrm>
+            <a:off x="-4501008" y="3271733"/>
+            <a:ext cx="2847103" cy="1443173"/>
+          </a:xfrm>
+          <a:prstGeom prst="rect">
+            <a:avLst/>
+          </a:prstGeom>
+        </p:spPr>
+      </p:pic>
     </p:spTree>
     <p:extLst>
       <p:ext uri="{BB962C8B-B14F-4D97-AF65-F5344CB8AC3E}">
-        <p14:creationId xmlns:p14="http://schemas.microsoft.com/office/powerpoint/2010/main" val="2157935345"/>
+        <p14:creationId xmlns:p14="http://schemas.microsoft.com/office/powerpoint/2010/main" val="2209355502"/>
       </p:ext>
     </p:extLst>
   </p:cSld>
   <p:clrMapOvr>
     <a:masterClrMapping/>
   </p:clrMapOvr>
+  <p:transition/>
   <p:timing>
     <p:tnLst>
       <p:par>
@@ -3520,6 +4733,2006 @@
           <a:chExt cx="0" cy="0"/>
         </a:xfrm>
       </p:grpSpPr>
+      <p:cxnSp>
+        <p:nvCxnSpPr>
+          <p:cNvPr id="15" name="직선 연결선 14"/>
+          <p:cNvCxnSpPr/>
+          <p:nvPr/>
+        </p:nvCxnSpPr>
+        <p:spPr>
+          <a:xfrm>
+            <a:off x="251520" y="332656"/>
+            <a:ext cx="8640960" cy="0"/>
+          </a:xfrm>
+          <a:prstGeom prst="line">
+            <a:avLst/>
+          </a:prstGeom>
+          <a:ln w="3175">
+            <a:solidFill>
+              <a:srgbClr val="68727E"/>
+            </a:solidFill>
+          </a:ln>
+        </p:spPr>
+        <p:style>
+          <a:lnRef idx="1">
+            <a:schemeClr val="accent1"/>
+          </a:lnRef>
+          <a:fillRef idx="0">
+            <a:schemeClr val="accent1"/>
+          </a:fillRef>
+          <a:effectRef idx="0">
+            <a:schemeClr val="accent1"/>
+          </a:effectRef>
+          <a:fontRef idx="minor">
+            <a:schemeClr val="tx1"/>
+          </a:fontRef>
+        </p:style>
+      </p:cxnSp>
+      <p:cxnSp>
+        <p:nvCxnSpPr>
+          <p:cNvPr id="19" name="직선 연결선 18"/>
+          <p:cNvCxnSpPr/>
+          <p:nvPr/>
+        </p:nvCxnSpPr>
+        <p:spPr>
+          <a:xfrm>
+            <a:off x="221703" y="1038567"/>
+            <a:ext cx="8640960" cy="0"/>
+          </a:xfrm>
+          <a:prstGeom prst="line">
+            <a:avLst/>
+          </a:prstGeom>
+          <a:ln w="3175">
+            <a:solidFill>
+              <a:srgbClr val="68727E"/>
+            </a:solidFill>
+          </a:ln>
+        </p:spPr>
+        <p:style>
+          <a:lnRef idx="1">
+            <a:schemeClr val="accent1"/>
+          </a:lnRef>
+          <a:fillRef idx="0">
+            <a:schemeClr val="accent1"/>
+          </a:fillRef>
+          <a:effectRef idx="0">
+            <a:schemeClr val="accent1"/>
+          </a:effectRef>
+          <a:fontRef idx="minor">
+            <a:schemeClr val="tx1"/>
+          </a:fontRef>
+        </p:style>
+      </p:cxnSp>
+      <p:sp>
+        <p:nvSpPr>
+          <p:cNvPr id="16" name="TextBox 15"/>
+          <p:cNvSpPr txBox="1"/>
+          <p:nvPr/>
+        </p:nvSpPr>
+        <p:spPr>
+          <a:xfrm>
+            <a:off x="7020475" y="755296"/>
+            <a:ext cx="1872208" cy="240066"/>
+          </a:xfrm>
+          <a:prstGeom prst="rect">
+            <a:avLst/>
+          </a:prstGeom>
+          <a:noFill/>
+        </p:spPr>
+        <p:txBody>
+          <a:bodyPr wrap="square" rtlCol="0">
+            <a:spAutoFit/>
+          </a:bodyPr>
+          <a:lstStyle/>
+          <a:p>
+            <a:pPr algn="r">
+              <a:lnSpc>
+                <a:spcPct val="80000"/>
+              </a:lnSpc>
+            </a:pPr>
+            <a:r>
+              <a:rPr lang="en-US" altLang="ko-KR" sz="1200" b="1" dirty="0">
+                <a:solidFill>
+                  <a:srgbClr val="FFC000"/>
+                </a:solidFill>
+                <a:effectLst>
+                  <a:outerShdw blurRad="38100" dist="38100" dir="2700000" algn="tl">
+                    <a:srgbClr val="000000">
+                      <a:alpha val="43137"/>
+                    </a:srgbClr>
+                  </a:outerShdw>
+                </a:effectLst>
+                <a:latin typeface="나눔고딕" pitchFamily="50" charset="-127"/>
+                <a:ea typeface="나눔고딕" pitchFamily="50" charset="-127"/>
+              </a:rPr>
+              <a:t>C</a:t>
+            </a:r>
+            <a:r>
+              <a:rPr lang="en-US" altLang="ko-KR" sz="1200" b="1" dirty="0">
+                <a:gradFill>
+                  <a:gsLst>
+                    <a:gs pos="0">
+                      <a:srgbClr val="68727E"/>
+                    </a:gs>
+                    <a:gs pos="50000">
+                      <a:srgbClr val="68727E"/>
+                    </a:gs>
+                  </a:gsLst>
+                  <a:lin ang="5400000" scaled="0"/>
+                </a:gradFill>
+                <a:latin typeface="나눔고딕" pitchFamily="50" charset="-127"/>
+                <a:ea typeface="나눔고딕" pitchFamily="50" charset="-127"/>
+              </a:rPr>
+              <a:t> team</a:t>
+            </a:r>
+            <a:endParaRPr lang="ko-KR" altLang="en-US" sz="1200" b="1" dirty="0">
+              <a:gradFill>
+                <a:gsLst>
+                  <a:gs pos="0">
+                    <a:srgbClr val="68727E"/>
+                  </a:gs>
+                  <a:gs pos="50000">
+                    <a:srgbClr val="68727E"/>
+                  </a:gs>
+                </a:gsLst>
+                <a:lin ang="5400000" scaled="0"/>
+              </a:gradFill>
+              <a:latin typeface="나눔고딕" pitchFamily="50" charset="-127"/>
+              <a:ea typeface="나눔고딕" pitchFamily="50" charset="-127"/>
+            </a:endParaRPr>
+          </a:p>
+        </p:txBody>
+      </p:sp>
+      <p:sp>
+        <p:nvSpPr>
+          <p:cNvPr id="21" name="TextBox 20"/>
+          <p:cNvSpPr txBox="1"/>
+          <p:nvPr/>
+        </p:nvSpPr>
+        <p:spPr>
+          <a:xfrm>
+            <a:off x="179512" y="461805"/>
+            <a:ext cx="5184576" cy="369332"/>
+          </a:xfrm>
+          <a:prstGeom prst="rect">
+            <a:avLst/>
+          </a:prstGeom>
+          <a:noFill/>
+        </p:spPr>
+        <p:txBody>
+          <a:bodyPr wrap="square" rtlCol="0">
+            <a:spAutoFit/>
+          </a:bodyPr>
+          <a:lstStyle/>
+          <a:p>
+            <a:pPr>
+              <a:lnSpc>
+                <a:spcPct val="90000"/>
+              </a:lnSpc>
+            </a:pPr>
+            <a:r>
+              <a:rPr lang="en-US" altLang="ko-KR" sz="2000" spc="300" dirty="0" smtClean="0">
+                <a:gradFill>
+                  <a:gsLst>
+                    <a:gs pos="0">
+                      <a:srgbClr val="C00000"/>
+                    </a:gs>
+                    <a:gs pos="100000">
+                      <a:srgbClr val="C00000"/>
+                    </a:gs>
+                  </a:gsLst>
+                  <a:lin ang="5400000" scaled="0"/>
+                </a:gradFill>
+                <a:latin typeface="나눔고딕" pitchFamily="50" charset="-127"/>
+                <a:ea typeface="나눔고딕" pitchFamily="50" charset="-127"/>
+              </a:rPr>
+              <a:t>Data send </a:t>
+            </a:r>
+            <a:r>
+              <a:rPr lang="en-US" altLang="ko-KR" sz="2000" spc="300" dirty="0">
+                <a:gradFill>
+                  <a:gsLst>
+                    <a:gs pos="0">
+                      <a:srgbClr val="C00000"/>
+                    </a:gs>
+                    <a:gs pos="100000">
+                      <a:srgbClr val="C00000"/>
+                    </a:gs>
+                  </a:gsLst>
+                  <a:lin ang="5400000" scaled="0"/>
+                </a:gradFill>
+                <a:latin typeface="나눔고딕" pitchFamily="50" charset="-127"/>
+                <a:ea typeface="나눔고딕" pitchFamily="50" charset="-127"/>
+              </a:rPr>
+              <a:t>Sequence  Diagram</a:t>
+            </a:r>
+            <a:endParaRPr lang="ko-KR" altLang="en-US" sz="2000" spc="300" dirty="0">
+              <a:gradFill>
+                <a:gsLst>
+                  <a:gs pos="0">
+                    <a:srgbClr val="C00000"/>
+                  </a:gs>
+                  <a:gs pos="100000">
+                    <a:srgbClr val="C00000"/>
+                  </a:gs>
+                </a:gsLst>
+                <a:lin ang="5400000" scaled="0"/>
+              </a:gradFill>
+              <a:latin typeface="나눔고딕" pitchFamily="50" charset="-127"/>
+              <a:ea typeface="나눔고딕" pitchFamily="50" charset="-127"/>
+            </a:endParaRPr>
+          </a:p>
+        </p:txBody>
+      </p:sp>
+      <p:sp>
+        <p:nvSpPr>
+          <p:cNvPr id="5" name="슬라이드 번호 개체 틀 4"/>
+          <p:cNvSpPr>
+            <a:spLocks noGrp="1"/>
+          </p:cNvSpPr>
+          <p:nvPr>
+            <p:ph type="sldNum" sz="quarter" idx="12"/>
+          </p:nvPr>
+        </p:nvSpPr>
+        <p:spPr/>
+        <p:txBody>
+          <a:bodyPr/>
+          <a:lstStyle/>
+          <a:p>
+            <a:fld id="{963B0023-0CED-47F7-85AE-654F0B232C29}" type="slidenum">
+              <a:rPr lang="en-US" altLang="ko-KR" smtClean="0"/>
+              <a:pPr/>
+              <a:t>11</a:t>
+            </a:fld>
+            <a:endParaRPr kumimoji="0" lang="ko-KR" altLang="en-US"/>
+          </a:p>
+        </p:txBody>
+      </p:sp>
+      <p:sp>
+        <p:nvSpPr>
+          <p:cNvPr id="9" name="TextBox 8"/>
+          <p:cNvSpPr txBox="1"/>
+          <p:nvPr/>
+        </p:nvSpPr>
+        <p:spPr>
+          <a:xfrm>
+            <a:off x="8585385" y="6377836"/>
+            <a:ext cx="637728" cy="307777"/>
+          </a:xfrm>
+          <a:prstGeom prst="rect">
+            <a:avLst/>
+          </a:prstGeom>
+          <a:noFill/>
+        </p:spPr>
+        <p:txBody>
+          <a:bodyPr wrap="square" rtlCol="0">
+            <a:spAutoFit/>
+          </a:bodyPr>
+          <a:lstStyle/>
+          <a:p>
+            <a:r>
+              <a:rPr lang="en-US" altLang="ko-KR" sz="1400" dirty="0" smtClean="0">
+                <a:solidFill>
+                  <a:schemeClr val="bg1">
+                    <a:lumMod val="50000"/>
+                  </a:schemeClr>
+                </a:solidFill>
+              </a:rPr>
+              <a:t>/19</a:t>
+            </a:r>
+            <a:endParaRPr lang="ko-KR" altLang="en-US" sz="1400" dirty="0">
+              <a:solidFill>
+                <a:schemeClr val="bg1">
+                  <a:lumMod val="50000"/>
+                </a:schemeClr>
+              </a:solidFill>
+            </a:endParaRPr>
+          </a:p>
+        </p:txBody>
+      </p:sp>
+      <p:grpSp>
+        <p:nvGrpSpPr>
+          <p:cNvPr id="26" name="그룹 25"/>
+          <p:cNvGrpSpPr/>
+          <p:nvPr/>
+        </p:nvGrpSpPr>
+        <p:grpSpPr>
+          <a:xfrm>
+            <a:off x="5364088" y="1254520"/>
+            <a:ext cx="3024336" cy="5200955"/>
+            <a:chOff x="-8067016" y="-3574663"/>
+            <a:chExt cx="7670464" cy="10745700"/>
+          </a:xfrm>
+        </p:grpSpPr>
+        <p:pic>
+          <p:nvPicPr>
+            <p:cNvPr id="12" name="그림 11"/>
+            <p:cNvPicPr>
+              <a:picLocks noChangeAspect="1"/>
+            </p:cNvPicPr>
+            <p:nvPr/>
+          </p:nvPicPr>
+          <p:blipFill>
+            <a:blip r:embed="rId3">
+              <a:extLst>
+                <a:ext uri="{28A0092B-C50C-407E-A947-70E740481C1C}">
+                  <a14:useLocalDpi xmlns:a14="http://schemas.microsoft.com/office/drawing/2010/main" val="0"/>
+                </a:ext>
+              </a:extLst>
+            </a:blip>
+            <a:stretch>
+              <a:fillRect/>
+            </a:stretch>
+          </p:blipFill>
+          <p:spPr>
+            <a:xfrm>
+              <a:off x="-8067016" y="-3574663"/>
+              <a:ext cx="6716062" cy="3553321"/>
+            </a:xfrm>
+            <a:prstGeom prst="rect">
+              <a:avLst/>
+            </a:prstGeom>
+          </p:spPr>
+        </p:pic>
+        <p:pic>
+          <p:nvPicPr>
+            <p:cNvPr id="13" name="그림 12"/>
+            <p:cNvPicPr>
+              <a:picLocks noChangeAspect="1"/>
+            </p:cNvPicPr>
+            <p:nvPr/>
+          </p:nvPicPr>
+          <p:blipFill>
+            <a:blip r:embed="rId4">
+              <a:extLst>
+                <a:ext uri="{28A0092B-C50C-407E-A947-70E740481C1C}">
+                  <a14:useLocalDpi xmlns:a14="http://schemas.microsoft.com/office/drawing/2010/main" val="0"/>
+                </a:ext>
+              </a:extLst>
+            </a:blip>
+            <a:stretch>
+              <a:fillRect/>
+            </a:stretch>
+          </p:blipFill>
+          <p:spPr>
+            <a:xfrm>
+              <a:off x="-8046195" y="-21342"/>
+              <a:ext cx="7649643" cy="4210638"/>
+            </a:xfrm>
+            <a:prstGeom prst="rect">
+              <a:avLst/>
+            </a:prstGeom>
+          </p:spPr>
+        </p:pic>
+        <p:pic>
+          <p:nvPicPr>
+            <p:cNvPr id="14" name="그림 13"/>
+            <p:cNvPicPr>
+              <a:picLocks noChangeAspect="1"/>
+            </p:cNvPicPr>
+            <p:nvPr/>
+          </p:nvPicPr>
+          <p:blipFill>
+            <a:blip r:embed="rId5">
+              <a:extLst>
+                <a:ext uri="{28A0092B-C50C-407E-A947-70E740481C1C}">
+                  <a14:useLocalDpi xmlns:a14="http://schemas.microsoft.com/office/drawing/2010/main" val="0"/>
+                </a:ext>
+              </a:extLst>
+            </a:blip>
+            <a:stretch>
+              <a:fillRect/>
+            </a:stretch>
+          </p:blipFill>
+          <p:spPr>
+            <a:xfrm>
+              <a:off x="-8024391" y="4189296"/>
+              <a:ext cx="7220958" cy="2981741"/>
+            </a:xfrm>
+            <a:prstGeom prst="rect">
+              <a:avLst/>
+            </a:prstGeom>
+          </p:spPr>
+        </p:pic>
+      </p:grpSp>
+      <p:pic>
+        <p:nvPicPr>
+          <p:cNvPr id="18" name="그림 17"/>
+          <p:cNvPicPr>
+            <a:picLocks noChangeAspect="1"/>
+          </p:cNvPicPr>
+          <p:nvPr/>
+        </p:nvPicPr>
+        <p:blipFill>
+          <a:blip r:embed="rId5">
+            <a:extLst>
+              <a:ext uri="{28A0092B-C50C-407E-A947-70E740481C1C}">
+                <a14:useLocalDpi xmlns:a14="http://schemas.microsoft.com/office/drawing/2010/main" val="0"/>
+              </a:ext>
+            </a:extLst>
+          </a:blip>
+          <a:stretch>
+            <a:fillRect/>
+          </a:stretch>
+        </p:blipFill>
+        <p:spPr>
+          <a:xfrm>
+            <a:off x="86137" y="2339727"/>
+            <a:ext cx="5416259" cy="2745457"/>
+          </a:xfrm>
+          <a:prstGeom prst="rect">
+            <a:avLst/>
+          </a:prstGeom>
+        </p:spPr>
+      </p:pic>
+    </p:spTree>
+    <p:extLst>
+      <p:ext uri="{BB962C8B-B14F-4D97-AF65-F5344CB8AC3E}">
+        <p14:creationId xmlns:p14="http://schemas.microsoft.com/office/powerpoint/2010/main" val="2228105092"/>
+      </p:ext>
+    </p:extLst>
+  </p:cSld>
+  <p:clrMapOvr>
+    <a:masterClrMapping/>
+  </p:clrMapOvr>
+  <p:transition/>
+  <p:timing>
+    <p:tnLst>
+      <p:par>
+        <p:cTn id="1" dur="indefinite" restart="never" nodeType="tmRoot"/>
+      </p:par>
+    </p:tnLst>
+  </p:timing>
+</p:sld>
+</file>
+
+<file path=ppt/slides/slide12.xml><?xml version="1.0" encoding="utf-8"?>
+<p:sld xmlns:a="http://schemas.openxmlformats.org/drawingml/2006/main" xmlns:r="http://schemas.openxmlformats.org/officeDocument/2006/relationships" xmlns:p="http://schemas.openxmlformats.org/presentationml/2006/main">
+  <p:cSld>
+    <p:spTree>
+      <p:nvGrpSpPr>
+        <p:cNvPr id="1" name=""/>
+        <p:cNvGrpSpPr/>
+        <p:nvPr/>
+      </p:nvGrpSpPr>
+      <p:grpSpPr>
+        <a:xfrm>
+          <a:off x="0" y="0"/>
+          <a:ext cx="0" cy="0"/>
+          <a:chOff x="0" y="0"/>
+          <a:chExt cx="0" cy="0"/>
+        </a:xfrm>
+      </p:grpSpPr>
+      <p:cxnSp>
+        <p:nvCxnSpPr>
+          <p:cNvPr id="15" name="직선 연결선 14"/>
+          <p:cNvCxnSpPr/>
+          <p:nvPr/>
+        </p:nvCxnSpPr>
+        <p:spPr>
+          <a:xfrm>
+            <a:off x="251520" y="332656"/>
+            <a:ext cx="8640960" cy="0"/>
+          </a:xfrm>
+          <a:prstGeom prst="line">
+            <a:avLst/>
+          </a:prstGeom>
+          <a:ln w="3175">
+            <a:solidFill>
+              <a:srgbClr val="68727E"/>
+            </a:solidFill>
+          </a:ln>
+        </p:spPr>
+        <p:style>
+          <a:lnRef idx="1">
+            <a:schemeClr val="accent1"/>
+          </a:lnRef>
+          <a:fillRef idx="0">
+            <a:schemeClr val="accent1"/>
+          </a:fillRef>
+          <a:effectRef idx="0">
+            <a:schemeClr val="accent1"/>
+          </a:effectRef>
+          <a:fontRef idx="minor">
+            <a:schemeClr val="tx1"/>
+          </a:fontRef>
+        </p:style>
+      </p:cxnSp>
+      <p:cxnSp>
+        <p:nvCxnSpPr>
+          <p:cNvPr id="19" name="직선 연결선 18"/>
+          <p:cNvCxnSpPr/>
+          <p:nvPr/>
+        </p:nvCxnSpPr>
+        <p:spPr>
+          <a:xfrm>
+            <a:off x="221703" y="1038567"/>
+            <a:ext cx="8640960" cy="0"/>
+          </a:xfrm>
+          <a:prstGeom prst="line">
+            <a:avLst/>
+          </a:prstGeom>
+          <a:ln w="3175">
+            <a:solidFill>
+              <a:srgbClr val="68727E"/>
+            </a:solidFill>
+          </a:ln>
+        </p:spPr>
+        <p:style>
+          <a:lnRef idx="1">
+            <a:schemeClr val="accent1"/>
+          </a:lnRef>
+          <a:fillRef idx="0">
+            <a:schemeClr val="accent1"/>
+          </a:fillRef>
+          <a:effectRef idx="0">
+            <a:schemeClr val="accent1"/>
+          </a:effectRef>
+          <a:fontRef idx="minor">
+            <a:schemeClr val="tx1"/>
+          </a:fontRef>
+        </p:style>
+      </p:cxnSp>
+      <p:sp>
+        <p:nvSpPr>
+          <p:cNvPr id="16" name="TextBox 15"/>
+          <p:cNvSpPr txBox="1"/>
+          <p:nvPr/>
+        </p:nvSpPr>
+        <p:spPr>
+          <a:xfrm>
+            <a:off x="7020475" y="755296"/>
+            <a:ext cx="1872208" cy="240066"/>
+          </a:xfrm>
+          <a:prstGeom prst="rect">
+            <a:avLst/>
+          </a:prstGeom>
+          <a:noFill/>
+        </p:spPr>
+        <p:txBody>
+          <a:bodyPr wrap="square" rtlCol="0">
+            <a:spAutoFit/>
+          </a:bodyPr>
+          <a:lstStyle/>
+          <a:p>
+            <a:pPr algn="r">
+              <a:lnSpc>
+                <a:spcPct val="80000"/>
+              </a:lnSpc>
+            </a:pPr>
+            <a:r>
+              <a:rPr lang="en-US" altLang="ko-KR" sz="1200" b="1" dirty="0">
+                <a:solidFill>
+                  <a:srgbClr val="FFC000"/>
+                </a:solidFill>
+                <a:effectLst>
+                  <a:outerShdw blurRad="38100" dist="38100" dir="2700000" algn="tl">
+                    <a:srgbClr val="000000">
+                      <a:alpha val="43137"/>
+                    </a:srgbClr>
+                  </a:outerShdw>
+                </a:effectLst>
+                <a:latin typeface="나눔고딕" pitchFamily="50" charset="-127"/>
+                <a:ea typeface="나눔고딕" pitchFamily="50" charset="-127"/>
+              </a:rPr>
+              <a:t>C</a:t>
+            </a:r>
+            <a:r>
+              <a:rPr lang="en-US" altLang="ko-KR" sz="1200" b="1" dirty="0">
+                <a:gradFill>
+                  <a:gsLst>
+                    <a:gs pos="0">
+                      <a:srgbClr val="68727E"/>
+                    </a:gs>
+                    <a:gs pos="50000">
+                      <a:srgbClr val="68727E"/>
+                    </a:gs>
+                  </a:gsLst>
+                  <a:lin ang="5400000" scaled="0"/>
+                </a:gradFill>
+                <a:latin typeface="나눔고딕" pitchFamily="50" charset="-127"/>
+                <a:ea typeface="나눔고딕" pitchFamily="50" charset="-127"/>
+              </a:rPr>
+              <a:t> team</a:t>
+            </a:r>
+            <a:endParaRPr lang="ko-KR" altLang="en-US" sz="1200" b="1" dirty="0">
+              <a:gradFill>
+                <a:gsLst>
+                  <a:gs pos="0">
+                    <a:srgbClr val="68727E"/>
+                  </a:gs>
+                  <a:gs pos="50000">
+                    <a:srgbClr val="68727E"/>
+                  </a:gs>
+                </a:gsLst>
+                <a:lin ang="5400000" scaled="0"/>
+              </a:gradFill>
+              <a:latin typeface="나눔고딕" pitchFamily="50" charset="-127"/>
+              <a:ea typeface="나눔고딕" pitchFamily="50" charset="-127"/>
+            </a:endParaRPr>
+          </a:p>
+        </p:txBody>
+      </p:sp>
+      <p:sp>
+        <p:nvSpPr>
+          <p:cNvPr id="21" name="TextBox 20"/>
+          <p:cNvSpPr txBox="1"/>
+          <p:nvPr/>
+        </p:nvSpPr>
+        <p:spPr>
+          <a:xfrm>
+            <a:off x="179512" y="461805"/>
+            <a:ext cx="5184576" cy="369332"/>
+          </a:xfrm>
+          <a:prstGeom prst="rect">
+            <a:avLst/>
+          </a:prstGeom>
+          <a:noFill/>
+        </p:spPr>
+        <p:txBody>
+          <a:bodyPr wrap="square" rtlCol="0">
+            <a:spAutoFit/>
+          </a:bodyPr>
+          <a:lstStyle/>
+          <a:p>
+            <a:pPr>
+              <a:lnSpc>
+                <a:spcPct val="90000"/>
+              </a:lnSpc>
+            </a:pPr>
+            <a:r>
+              <a:rPr lang="en-US" altLang="ko-KR" sz="2000" spc="300" dirty="0" smtClean="0">
+                <a:gradFill>
+                  <a:gsLst>
+                    <a:gs pos="0">
+                      <a:srgbClr val="C00000"/>
+                    </a:gs>
+                    <a:gs pos="100000">
+                      <a:srgbClr val="C00000"/>
+                    </a:gs>
+                  </a:gsLst>
+                  <a:lin ang="5400000" scaled="0"/>
+                </a:gradFill>
+                <a:latin typeface="나눔고딕" pitchFamily="50" charset="-127"/>
+                <a:ea typeface="나눔고딕" pitchFamily="50" charset="-127"/>
+              </a:rPr>
+              <a:t>History Sequence </a:t>
+            </a:r>
+            <a:r>
+              <a:rPr lang="en-US" altLang="ko-KR" sz="2000" spc="300" dirty="0">
+                <a:gradFill>
+                  <a:gsLst>
+                    <a:gs pos="0">
+                      <a:srgbClr val="C00000"/>
+                    </a:gs>
+                    <a:gs pos="100000">
+                      <a:srgbClr val="C00000"/>
+                    </a:gs>
+                  </a:gsLst>
+                  <a:lin ang="5400000" scaled="0"/>
+                </a:gradFill>
+                <a:latin typeface="나눔고딕" pitchFamily="50" charset="-127"/>
+                <a:ea typeface="나눔고딕" pitchFamily="50" charset="-127"/>
+              </a:rPr>
+              <a:t>Diagram</a:t>
+            </a:r>
+            <a:endParaRPr lang="ko-KR" altLang="en-US" sz="2000" spc="300" dirty="0">
+              <a:gradFill>
+                <a:gsLst>
+                  <a:gs pos="0">
+                    <a:srgbClr val="C00000"/>
+                  </a:gs>
+                  <a:gs pos="100000">
+                    <a:srgbClr val="C00000"/>
+                  </a:gs>
+                </a:gsLst>
+                <a:lin ang="5400000" scaled="0"/>
+              </a:gradFill>
+              <a:latin typeface="나눔고딕" pitchFamily="50" charset="-127"/>
+              <a:ea typeface="나눔고딕" pitchFamily="50" charset="-127"/>
+            </a:endParaRPr>
+          </a:p>
+        </p:txBody>
+      </p:sp>
+      <p:sp>
+        <p:nvSpPr>
+          <p:cNvPr id="5" name="슬라이드 번호 개체 틀 4"/>
+          <p:cNvSpPr>
+            <a:spLocks noGrp="1"/>
+          </p:cNvSpPr>
+          <p:nvPr>
+            <p:ph type="sldNum" sz="quarter" idx="12"/>
+          </p:nvPr>
+        </p:nvSpPr>
+        <p:spPr/>
+        <p:txBody>
+          <a:bodyPr/>
+          <a:lstStyle/>
+          <a:p>
+            <a:fld id="{963B0023-0CED-47F7-85AE-654F0B232C29}" type="slidenum">
+              <a:rPr lang="en-US" altLang="ko-KR" smtClean="0"/>
+              <a:pPr/>
+              <a:t>12</a:t>
+            </a:fld>
+            <a:endParaRPr kumimoji="0" lang="ko-KR" altLang="en-US"/>
+          </a:p>
+        </p:txBody>
+      </p:sp>
+      <p:sp>
+        <p:nvSpPr>
+          <p:cNvPr id="9" name="TextBox 8"/>
+          <p:cNvSpPr txBox="1"/>
+          <p:nvPr/>
+        </p:nvSpPr>
+        <p:spPr>
+          <a:xfrm>
+            <a:off x="8585385" y="6377836"/>
+            <a:ext cx="637728" cy="307777"/>
+          </a:xfrm>
+          <a:prstGeom prst="rect">
+            <a:avLst/>
+          </a:prstGeom>
+          <a:noFill/>
+        </p:spPr>
+        <p:txBody>
+          <a:bodyPr wrap="square" rtlCol="0">
+            <a:spAutoFit/>
+          </a:bodyPr>
+          <a:lstStyle/>
+          <a:p>
+            <a:r>
+              <a:rPr lang="en-US" altLang="ko-KR" sz="1400" dirty="0" smtClean="0">
+                <a:solidFill>
+                  <a:schemeClr val="bg1">
+                    <a:lumMod val="50000"/>
+                  </a:schemeClr>
+                </a:solidFill>
+              </a:rPr>
+              <a:t>/19</a:t>
+            </a:r>
+            <a:endParaRPr lang="ko-KR" altLang="en-US" sz="1400" dirty="0">
+              <a:solidFill>
+                <a:schemeClr val="bg1">
+                  <a:lumMod val="50000"/>
+                </a:schemeClr>
+              </a:solidFill>
+            </a:endParaRPr>
+          </a:p>
+        </p:txBody>
+      </p:sp>
+      <p:pic>
+        <p:nvPicPr>
+          <p:cNvPr id="2" name="그림 1"/>
+          <p:cNvPicPr>
+            <a:picLocks noChangeAspect="1"/>
+          </p:cNvPicPr>
+          <p:nvPr/>
+        </p:nvPicPr>
+        <p:blipFill>
+          <a:blip r:embed="rId3">
+            <a:extLst>
+              <a:ext uri="{28A0092B-C50C-407E-A947-70E740481C1C}">
+                <a14:useLocalDpi xmlns:a14="http://schemas.microsoft.com/office/drawing/2010/main" val="0"/>
+              </a:ext>
+            </a:extLst>
+          </a:blip>
+          <a:stretch>
+            <a:fillRect/>
+          </a:stretch>
+        </p:blipFill>
+        <p:spPr>
+          <a:xfrm>
+            <a:off x="1187523" y="1109121"/>
+            <a:ext cx="6768955" cy="5368054"/>
+          </a:xfrm>
+          <a:prstGeom prst="rect">
+            <a:avLst/>
+          </a:prstGeom>
+        </p:spPr>
+      </p:pic>
+    </p:spTree>
+    <p:extLst>
+      <p:ext uri="{BB962C8B-B14F-4D97-AF65-F5344CB8AC3E}">
+        <p14:creationId xmlns:p14="http://schemas.microsoft.com/office/powerpoint/2010/main" val="533364916"/>
+      </p:ext>
+    </p:extLst>
+  </p:cSld>
+  <p:clrMapOvr>
+    <a:masterClrMapping/>
+  </p:clrMapOvr>
+  <p:transition/>
+  <p:timing>
+    <p:tnLst>
+      <p:par>
+        <p:cTn id="1" dur="indefinite" restart="never" nodeType="tmRoot"/>
+      </p:par>
+    </p:tnLst>
+  </p:timing>
+</p:sld>
+</file>
+
+<file path=ppt/slides/slide13.xml><?xml version="1.0" encoding="utf-8"?>
+<p:sld xmlns:a="http://schemas.openxmlformats.org/drawingml/2006/main" xmlns:r="http://schemas.openxmlformats.org/officeDocument/2006/relationships" xmlns:p="http://schemas.openxmlformats.org/presentationml/2006/main">
+  <p:cSld>
+    <p:spTree>
+      <p:nvGrpSpPr>
+        <p:cNvPr id="1" name=""/>
+        <p:cNvGrpSpPr/>
+        <p:nvPr/>
+      </p:nvGrpSpPr>
+      <p:grpSpPr>
+        <a:xfrm>
+          <a:off x="0" y="0"/>
+          <a:ext cx="0" cy="0"/>
+          <a:chOff x="0" y="0"/>
+          <a:chExt cx="0" cy="0"/>
+        </a:xfrm>
+      </p:grpSpPr>
+      <p:cxnSp>
+        <p:nvCxnSpPr>
+          <p:cNvPr id="15" name="직선 연결선 14"/>
+          <p:cNvCxnSpPr/>
+          <p:nvPr/>
+        </p:nvCxnSpPr>
+        <p:spPr>
+          <a:xfrm>
+            <a:off x="251520" y="332656"/>
+            <a:ext cx="8640960" cy="0"/>
+          </a:xfrm>
+          <a:prstGeom prst="line">
+            <a:avLst/>
+          </a:prstGeom>
+          <a:ln w="3175">
+            <a:solidFill>
+              <a:srgbClr val="68727E"/>
+            </a:solidFill>
+          </a:ln>
+        </p:spPr>
+        <p:style>
+          <a:lnRef idx="1">
+            <a:schemeClr val="accent1"/>
+          </a:lnRef>
+          <a:fillRef idx="0">
+            <a:schemeClr val="accent1"/>
+          </a:fillRef>
+          <a:effectRef idx="0">
+            <a:schemeClr val="accent1"/>
+          </a:effectRef>
+          <a:fontRef idx="minor">
+            <a:schemeClr val="tx1"/>
+          </a:fontRef>
+        </p:style>
+      </p:cxnSp>
+      <p:cxnSp>
+        <p:nvCxnSpPr>
+          <p:cNvPr id="19" name="직선 연결선 18"/>
+          <p:cNvCxnSpPr/>
+          <p:nvPr/>
+        </p:nvCxnSpPr>
+        <p:spPr>
+          <a:xfrm>
+            <a:off x="221703" y="1038567"/>
+            <a:ext cx="8640960" cy="0"/>
+          </a:xfrm>
+          <a:prstGeom prst="line">
+            <a:avLst/>
+          </a:prstGeom>
+          <a:ln w="3175">
+            <a:solidFill>
+              <a:srgbClr val="68727E"/>
+            </a:solidFill>
+          </a:ln>
+        </p:spPr>
+        <p:style>
+          <a:lnRef idx="1">
+            <a:schemeClr val="accent1"/>
+          </a:lnRef>
+          <a:fillRef idx="0">
+            <a:schemeClr val="accent1"/>
+          </a:fillRef>
+          <a:effectRef idx="0">
+            <a:schemeClr val="accent1"/>
+          </a:effectRef>
+          <a:fontRef idx="minor">
+            <a:schemeClr val="tx1"/>
+          </a:fontRef>
+        </p:style>
+      </p:cxnSp>
+      <p:sp>
+        <p:nvSpPr>
+          <p:cNvPr id="16" name="TextBox 15"/>
+          <p:cNvSpPr txBox="1"/>
+          <p:nvPr/>
+        </p:nvSpPr>
+        <p:spPr>
+          <a:xfrm>
+            <a:off x="7020475" y="755296"/>
+            <a:ext cx="1872208" cy="240066"/>
+          </a:xfrm>
+          <a:prstGeom prst="rect">
+            <a:avLst/>
+          </a:prstGeom>
+          <a:noFill/>
+        </p:spPr>
+        <p:txBody>
+          <a:bodyPr wrap="square" rtlCol="0">
+            <a:spAutoFit/>
+          </a:bodyPr>
+          <a:lstStyle/>
+          <a:p>
+            <a:pPr algn="r">
+              <a:lnSpc>
+                <a:spcPct val="80000"/>
+              </a:lnSpc>
+            </a:pPr>
+            <a:r>
+              <a:rPr lang="en-US" altLang="ko-KR" sz="1200" b="1" dirty="0">
+                <a:solidFill>
+                  <a:srgbClr val="FFC000"/>
+                </a:solidFill>
+                <a:effectLst>
+                  <a:outerShdw blurRad="38100" dist="38100" dir="2700000" algn="tl">
+                    <a:srgbClr val="000000">
+                      <a:alpha val="43137"/>
+                    </a:srgbClr>
+                  </a:outerShdw>
+                </a:effectLst>
+                <a:latin typeface="나눔고딕" pitchFamily="50" charset="-127"/>
+                <a:ea typeface="나눔고딕" pitchFamily="50" charset="-127"/>
+              </a:rPr>
+              <a:t>C</a:t>
+            </a:r>
+            <a:r>
+              <a:rPr lang="en-US" altLang="ko-KR" sz="1200" b="1" dirty="0">
+                <a:gradFill>
+                  <a:gsLst>
+                    <a:gs pos="0">
+                      <a:srgbClr val="68727E"/>
+                    </a:gs>
+                    <a:gs pos="50000">
+                      <a:srgbClr val="68727E"/>
+                    </a:gs>
+                  </a:gsLst>
+                  <a:lin ang="5400000" scaled="0"/>
+                </a:gradFill>
+                <a:latin typeface="나눔고딕" pitchFamily="50" charset="-127"/>
+                <a:ea typeface="나눔고딕" pitchFamily="50" charset="-127"/>
+              </a:rPr>
+              <a:t> team</a:t>
+            </a:r>
+            <a:endParaRPr lang="ko-KR" altLang="en-US" sz="1200" b="1" dirty="0">
+              <a:gradFill>
+                <a:gsLst>
+                  <a:gs pos="0">
+                    <a:srgbClr val="68727E"/>
+                  </a:gs>
+                  <a:gs pos="50000">
+                    <a:srgbClr val="68727E"/>
+                  </a:gs>
+                </a:gsLst>
+                <a:lin ang="5400000" scaled="0"/>
+              </a:gradFill>
+              <a:latin typeface="나눔고딕" pitchFamily="50" charset="-127"/>
+              <a:ea typeface="나눔고딕" pitchFamily="50" charset="-127"/>
+            </a:endParaRPr>
+          </a:p>
+        </p:txBody>
+      </p:sp>
+      <p:sp>
+        <p:nvSpPr>
+          <p:cNvPr id="21" name="TextBox 20"/>
+          <p:cNvSpPr txBox="1"/>
+          <p:nvPr/>
+        </p:nvSpPr>
+        <p:spPr>
+          <a:xfrm>
+            <a:off x="179512" y="461805"/>
+            <a:ext cx="5184576" cy="369332"/>
+          </a:xfrm>
+          <a:prstGeom prst="rect">
+            <a:avLst/>
+          </a:prstGeom>
+          <a:noFill/>
+        </p:spPr>
+        <p:txBody>
+          <a:bodyPr wrap="square" rtlCol="0">
+            <a:spAutoFit/>
+          </a:bodyPr>
+          <a:lstStyle/>
+          <a:p>
+            <a:pPr>
+              <a:lnSpc>
+                <a:spcPct val="90000"/>
+              </a:lnSpc>
+            </a:pPr>
+            <a:r>
+              <a:rPr lang="en-US" altLang="ko-KR" sz="2000" spc="300" dirty="0" smtClean="0">
+                <a:gradFill>
+                  <a:gsLst>
+                    <a:gs pos="0">
+                      <a:srgbClr val="C00000"/>
+                    </a:gs>
+                    <a:gs pos="100000">
+                      <a:srgbClr val="C00000"/>
+                    </a:gs>
+                  </a:gsLst>
+                  <a:lin ang="5400000" scaled="0"/>
+                </a:gradFill>
+                <a:latin typeface="나눔고딕" pitchFamily="50" charset="-127"/>
+                <a:ea typeface="나눔고딕" pitchFamily="50" charset="-127"/>
+              </a:rPr>
+              <a:t>Map search Sequence Diagram</a:t>
+            </a:r>
+            <a:endParaRPr lang="ko-KR" altLang="en-US" sz="2000" spc="300" dirty="0">
+              <a:gradFill>
+                <a:gsLst>
+                  <a:gs pos="0">
+                    <a:srgbClr val="C00000"/>
+                  </a:gs>
+                  <a:gs pos="100000">
+                    <a:srgbClr val="C00000"/>
+                  </a:gs>
+                </a:gsLst>
+                <a:lin ang="5400000" scaled="0"/>
+              </a:gradFill>
+              <a:latin typeface="나눔고딕" pitchFamily="50" charset="-127"/>
+              <a:ea typeface="나눔고딕" pitchFamily="50" charset="-127"/>
+            </a:endParaRPr>
+          </a:p>
+        </p:txBody>
+      </p:sp>
+      <p:sp>
+        <p:nvSpPr>
+          <p:cNvPr id="5" name="슬라이드 번호 개체 틀 4"/>
+          <p:cNvSpPr>
+            <a:spLocks noGrp="1"/>
+          </p:cNvSpPr>
+          <p:nvPr>
+            <p:ph type="sldNum" sz="quarter" idx="12"/>
+          </p:nvPr>
+        </p:nvSpPr>
+        <p:spPr/>
+        <p:txBody>
+          <a:bodyPr/>
+          <a:lstStyle/>
+          <a:p>
+            <a:fld id="{963B0023-0CED-47F7-85AE-654F0B232C29}" type="slidenum">
+              <a:rPr lang="en-US" altLang="ko-KR" smtClean="0"/>
+              <a:pPr/>
+              <a:t>13</a:t>
+            </a:fld>
+            <a:endParaRPr kumimoji="0" lang="ko-KR" altLang="en-US"/>
+          </a:p>
+        </p:txBody>
+      </p:sp>
+      <p:sp>
+        <p:nvSpPr>
+          <p:cNvPr id="9" name="TextBox 8"/>
+          <p:cNvSpPr txBox="1"/>
+          <p:nvPr/>
+        </p:nvSpPr>
+        <p:spPr>
+          <a:xfrm>
+            <a:off x="8585385" y="6377836"/>
+            <a:ext cx="637728" cy="307777"/>
+          </a:xfrm>
+          <a:prstGeom prst="rect">
+            <a:avLst/>
+          </a:prstGeom>
+          <a:noFill/>
+        </p:spPr>
+        <p:txBody>
+          <a:bodyPr wrap="square" rtlCol="0">
+            <a:spAutoFit/>
+          </a:bodyPr>
+          <a:lstStyle/>
+          <a:p>
+            <a:r>
+              <a:rPr lang="en-US" altLang="ko-KR" sz="1400" dirty="0" smtClean="0">
+                <a:solidFill>
+                  <a:schemeClr val="bg1">
+                    <a:lumMod val="50000"/>
+                  </a:schemeClr>
+                </a:solidFill>
+              </a:rPr>
+              <a:t>/19</a:t>
+            </a:r>
+            <a:endParaRPr lang="ko-KR" altLang="en-US" sz="1400" dirty="0">
+              <a:solidFill>
+                <a:schemeClr val="bg1">
+                  <a:lumMod val="50000"/>
+                </a:schemeClr>
+              </a:solidFill>
+            </a:endParaRPr>
+          </a:p>
+        </p:txBody>
+      </p:sp>
+      <p:pic>
+        <p:nvPicPr>
+          <p:cNvPr id="3" name="그림 2"/>
+          <p:cNvPicPr>
+            <a:picLocks noChangeAspect="1"/>
+          </p:cNvPicPr>
+          <p:nvPr/>
+        </p:nvPicPr>
+        <p:blipFill>
+          <a:blip r:embed="rId3">
+            <a:extLst>
+              <a:ext uri="{28A0092B-C50C-407E-A947-70E740481C1C}">
+                <a14:useLocalDpi xmlns:a14="http://schemas.microsoft.com/office/drawing/2010/main" val="0"/>
+              </a:ext>
+            </a:extLst>
+          </a:blip>
+          <a:stretch>
+            <a:fillRect/>
+          </a:stretch>
+        </p:blipFill>
+        <p:spPr>
+          <a:xfrm>
+            <a:off x="1187624" y="1127511"/>
+            <a:ext cx="6931549" cy="5185633"/>
+          </a:xfrm>
+          <a:prstGeom prst="rect">
+            <a:avLst/>
+          </a:prstGeom>
+        </p:spPr>
+      </p:pic>
+    </p:spTree>
+    <p:extLst>
+      <p:ext uri="{BB962C8B-B14F-4D97-AF65-F5344CB8AC3E}">
+        <p14:creationId xmlns:p14="http://schemas.microsoft.com/office/powerpoint/2010/main" val="764175078"/>
+      </p:ext>
+    </p:extLst>
+  </p:cSld>
+  <p:clrMapOvr>
+    <a:masterClrMapping/>
+  </p:clrMapOvr>
+  <p:transition/>
+  <p:timing>
+    <p:tnLst>
+      <p:par>
+        <p:cTn id="1" dur="indefinite" restart="never" nodeType="tmRoot"/>
+      </p:par>
+    </p:tnLst>
+  </p:timing>
+</p:sld>
+</file>
+
+<file path=ppt/slides/slide14.xml><?xml version="1.0" encoding="utf-8"?>
+<p:sld xmlns:a="http://schemas.openxmlformats.org/drawingml/2006/main" xmlns:r="http://schemas.openxmlformats.org/officeDocument/2006/relationships" xmlns:p="http://schemas.openxmlformats.org/presentationml/2006/main">
+  <p:cSld>
+    <p:spTree>
+      <p:nvGrpSpPr>
+        <p:cNvPr id="1" name=""/>
+        <p:cNvGrpSpPr/>
+        <p:nvPr/>
+      </p:nvGrpSpPr>
+      <p:grpSpPr>
+        <a:xfrm>
+          <a:off x="0" y="0"/>
+          <a:ext cx="0" cy="0"/>
+          <a:chOff x="0" y="0"/>
+          <a:chExt cx="0" cy="0"/>
+        </a:xfrm>
+      </p:grpSpPr>
+      <p:cxnSp>
+        <p:nvCxnSpPr>
+          <p:cNvPr id="15" name="직선 연결선 14"/>
+          <p:cNvCxnSpPr/>
+          <p:nvPr/>
+        </p:nvCxnSpPr>
+        <p:spPr>
+          <a:xfrm>
+            <a:off x="251520" y="332656"/>
+            <a:ext cx="8640960" cy="0"/>
+          </a:xfrm>
+          <a:prstGeom prst="line">
+            <a:avLst/>
+          </a:prstGeom>
+          <a:ln w="3175">
+            <a:solidFill>
+              <a:srgbClr val="68727E"/>
+            </a:solidFill>
+          </a:ln>
+        </p:spPr>
+        <p:style>
+          <a:lnRef idx="1">
+            <a:schemeClr val="accent1"/>
+          </a:lnRef>
+          <a:fillRef idx="0">
+            <a:schemeClr val="accent1"/>
+          </a:fillRef>
+          <a:effectRef idx="0">
+            <a:schemeClr val="accent1"/>
+          </a:effectRef>
+          <a:fontRef idx="minor">
+            <a:schemeClr val="tx1"/>
+          </a:fontRef>
+        </p:style>
+      </p:cxnSp>
+      <p:cxnSp>
+        <p:nvCxnSpPr>
+          <p:cNvPr id="19" name="직선 연결선 18"/>
+          <p:cNvCxnSpPr/>
+          <p:nvPr/>
+        </p:nvCxnSpPr>
+        <p:spPr>
+          <a:xfrm>
+            <a:off x="221703" y="1038567"/>
+            <a:ext cx="8640960" cy="0"/>
+          </a:xfrm>
+          <a:prstGeom prst="line">
+            <a:avLst/>
+          </a:prstGeom>
+          <a:ln w="3175">
+            <a:solidFill>
+              <a:srgbClr val="68727E"/>
+            </a:solidFill>
+          </a:ln>
+        </p:spPr>
+        <p:style>
+          <a:lnRef idx="1">
+            <a:schemeClr val="accent1"/>
+          </a:lnRef>
+          <a:fillRef idx="0">
+            <a:schemeClr val="accent1"/>
+          </a:fillRef>
+          <a:effectRef idx="0">
+            <a:schemeClr val="accent1"/>
+          </a:effectRef>
+          <a:fontRef idx="minor">
+            <a:schemeClr val="tx1"/>
+          </a:fontRef>
+        </p:style>
+      </p:cxnSp>
+      <p:sp>
+        <p:nvSpPr>
+          <p:cNvPr id="16" name="TextBox 15"/>
+          <p:cNvSpPr txBox="1"/>
+          <p:nvPr/>
+        </p:nvSpPr>
+        <p:spPr>
+          <a:xfrm>
+            <a:off x="7020475" y="755296"/>
+            <a:ext cx="1872208" cy="240066"/>
+          </a:xfrm>
+          <a:prstGeom prst="rect">
+            <a:avLst/>
+          </a:prstGeom>
+          <a:noFill/>
+        </p:spPr>
+        <p:txBody>
+          <a:bodyPr wrap="square" rtlCol="0">
+            <a:spAutoFit/>
+          </a:bodyPr>
+          <a:lstStyle/>
+          <a:p>
+            <a:pPr algn="r">
+              <a:lnSpc>
+                <a:spcPct val="80000"/>
+              </a:lnSpc>
+            </a:pPr>
+            <a:r>
+              <a:rPr lang="en-US" altLang="ko-KR" sz="1200" b="1" dirty="0">
+                <a:solidFill>
+                  <a:srgbClr val="FFC000"/>
+                </a:solidFill>
+                <a:effectLst>
+                  <a:outerShdw blurRad="38100" dist="38100" dir="2700000" algn="tl">
+                    <a:srgbClr val="000000">
+                      <a:alpha val="43137"/>
+                    </a:srgbClr>
+                  </a:outerShdw>
+                </a:effectLst>
+                <a:latin typeface="나눔고딕" pitchFamily="50" charset="-127"/>
+                <a:ea typeface="나눔고딕" pitchFamily="50" charset="-127"/>
+              </a:rPr>
+              <a:t>C</a:t>
+            </a:r>
+            <a:r>
+              <a:rPr lang="en-US" altLang="ko-KR" sz="1200" b="1" dirty="0">
+                <a:gradFill>
+                  <a:gsLst>
+                    <a:gs pos="0">
+                      <a:srgbClr val="68727E"/>
+                    </a:gs>
+                    <a:gs pos="50000">
+                      <a:srgbClr val="68727E"/>
+                    </a:gs>
+                  </a:gsLst>
+                  <a:lin ang="5400000" scaled="0"/>
+                </a:gradFill>
+                <a:latin typeface="나눔고딕" pitchFamily="50" charset="-127"/>
+                <a:ea typeface="나눔고딕" pitchFamily="50" charset="-127"/>
+              </a:rPr>
+              <a:t> team</a:t>
+            </a:r>
+            <a:endParaRPr lang="ko-KR" altLang="en-US" sz="1200" b="1" dirty="0">
+              <a:gradFill>
+                <a:gsLst>
+                  <a:gs pos="0">
+                    <a:srgbClr val="68727E"/>
+                  </a:gs>
+                  <a:gs pos="50000">
+                    <a:srgbClr val="68727E"/>
+                  </a:gs>
+                </a:gsLst>
+                <a:lin ang="5400000" scaled="0"/>
+              </a:gradFill>
+              <a:latin typeface="나눔고딕" pitchFamily="50" charset="-127"/>
+              <a:ea typeface="나눔고딕" pitchFamily="50" charset="-127"/>
+            </a:endParaRPr>
+          </a:p>
+        </p:txBody>
+      </p:sp>
+      <p:sp>
+        <p:nvSpPr>
+          <p:cNvPr id="21" name="TextBox 20"/>
+          <p:cNvSpPr txBox="1"/>
+          <p:nvPr/>
+        </p:nvSpPr>
+        <p:spPr>
+          <a:xfrm>
+            <a:off x="179512" y="461805"/>
+            <a:ext cx="7488832" cy="369332"/>
+          </a:xfrm>
+          <a:prstGeom prst="rect">
+            <a:avLst/>
+          </a:prstGeom>
+          <a:noFill/>
+        </p:spPr>
+        <p:txBody>
+          <a:bodyPr wrap="square" rtlCol="0">
+            <a:spAutoFit/>
+          </a:bodyPr>
+          <a:lstStyle/>
+          <a:p>
+            <a:pPr>
+              <a:lnSpc>
+                <a:spcPct val="90000"/>
+              </a:lnSpc>
+            </a:pPr>
+            <a:r>
+              <a:rPr lang="en-US" altLang="ko-KR" sz="2000" spc="300" dirty="0" smtClean="0">
+                <a:gradFill>
+                  <a:gsLst>
+                    <a:gs pos="0">
+                      <a:srgbClr val="C00000"/>
+                    </a:gs>
+                    <a:gs pos="100000">
+                      <a:srgbClr val="C00000"/>
+                    </a:gs>
+                  </a:gsLst>
+                  <a:lin ang="5400000" scaled="0"/>
+                </a:gradFill>
+                <a:latin typeface="나눔고딕" pitchFamily="50" charset="-127"/>
+                <a:ea typeface="나눔고딕" pitchFamily="50" charset="-127"/>
+              </a:rPr>
+              <a:t>Map’s current location Sequence Diagram</a:t>
+            </a:r>
+            <a:endParaRPr lang="ko-KR" altLang="en-US" sz="2000" spc="300" dirty="0">
+              <a:gradFill>
+                <a:gsLst>
+                  <a:gs pos="0">
+                    <a:srgbClr val="C00000"/>
+                  </a:gs>
+                  <a:gs pos="100000">
+                    <a:srgbClr val="C00000"/>
+                  </a:gs>
+                </a:gsLst>
+                <a:lin ang="5400000" scaled="0"/>
+              </a:gradFill>
+              <a:latin typeface="나눔고딕" pitchFamily="50" charset="-127"/>
+              <a:ea typeface="나눔고딕" pitchFamily="50" charset="-127"/>
+            </a:endParaRPr>
+          </a:p>
+        </p:txBody>
+      </p:sp>
+      <p:sp>
+        <p:nvSpPr>
+          <p:cNvPr id="5" name="슬라이드 번호 개체 틀 4"/>
+          <p:cNvSpPr>
+            <a:spLocks noGrp="1"/>
+          </p:cNvSpPr>
+          <p:nvPr>
+            <p:ph type="sldNum" sz="quarter" idx="12"/>
+          </p:nvPr>
+        </p:nvSpPr>
+        <p:spPr/>
+        <p:txBody>
+          <a:bodyPr/>
+          <a:lstStyle/>
+          <a:p>
+            <a:fld id="{963B0023-0CED-47F7-85AE-654F0B232C29}" type="slidenum">
+              <a:rPr lang="en-US" altLang="ko-KR" smtClean="0"/>
+              <a:pPr/>
+              <a:t>14</a:t>
+            </a:fld>
+            <a:endParaRPr kumimoji="0" lang="ko-KR" altLang="en-US"/>
+          </a:p>
+        </p:txBody>
+      </p:sp>
+      <p:sp>
+        <p:nvSpPr>
+          <p:cNvPr id="9" name="TextBox 8"/>
+          <p:cNvSpPr txBox="1"/>
+          <p:nvPr/>
+        </p:nvSpPr>
+        <p:spPr>
+          <a:xfrm>
+            <a:off x="8585385" y="6377836"/>
+            <a:ext cx="637728" cy="307777"/>
+          </a:xfrm>
+          <a:prstGeom prst="rect">
+            <a:avLst/>
+          </a:prstGeom>
+          <a:noFill/>
+        </p:spPr>
+        <p:txBody>
+          <a:bodyPr wrap="square" rtlCol="0">
+            <a:spAutoFit/>
+          </a:bodyPr>
+          <a:lstStyle/>
+          <a:p>
+            <a:r>
+              <a:rPr lang="en-US" altLang="ko-KR" sz="1400" dirty="0" smtClean="0">
+                <a:solidFill>
+                  <a:schemeClr val="bg1">
+                    <a:lumMod val="50000"/>
+                  </a:schemeClr>
+                </a:solidFill>
+              </a:rPr>
+              <a:t>/19</a:t>
+            </a:r>
+            <a:endParaRPr lang="ko-KR" altLang="en-US" sz="1400" dirty="0">
+              <a:solidFill>
+                <a:schemeClr val="bg1">
+                  <a:lumMod val="50000"/>
+                </a:schemeClr>
+              </a:solidFill>
+            </a:endParaRPr>
+          </a:p>
+        </p:txBody>
+      </p:sp>
+      <p:grpSp>
+        <p:nvGrpSpPr>
+          <p:cNvPr id="6" name="그룹 5"/>
+          <p:cNvGrpSpPr/>
+          <p:nvPr/>
+        </p:nvGrpSpPr>
+        <p:grpSpPr>
+          <a:xfrm>
+            <a:off x="1547664" y="1306346"/>
+            <a:ext cx="6048672" cy="5074982"/>
+            <a:chOff x="842168" y="1574453"/>
+            <a:chExt cx="6902386" cy="5791268"/>
+          </a:xfrm>
+        </p:grpSpPr>
+        <p:pic>
+          <p:nvPicPr>
+            <p:cNvPr id="2" name="그림 1"/>
+            <p:cNvPicPr>
+              <a:picLocks noChangeAspect="1"/>
+            </p:cNvPicPr>
+            <p:nvPr/>
+          </p:nvPicPr>
+          <p:blipFill>
+            <a:blip r:embed="rId3">
+              <a:extLst>
+                <a:ext uri="{28A0092B-C50C-407E-A947-70E740481C1C}">
+                  <a14:useLocalDpi xmlns:a14="http://schemas.microsoft.com/office/drawing/2010/main" val="0"/>
+                </a:ext>
+              </a:extLst>
+            </a:blip>
+            <a:stretch>
+              <a:fillRect/>
+            </a:stretch>
+          </p:blipFill>
+          <p:spPr>
+            <a:xfrm>
+              <a:off x="914176" y="1574453"/>
+              <a:ext cx="6830378" cy="4086795"/>
+            </a:xfrm>
+            <a:prstGeom prst="rect">
+              <a:avLst/>
+            </a:prstGeom>
+          </p:spPr>
+        </p:pic>
+        <p:pic>
+          <p:nvPicPr>
+            <p:cNvPr id="4" name="그림 3"/>
+            <p:cNvPicPr>
+              <a:picLocks noChangeAspect="1"/>
+            </p:cNvPicPr>
+            <p:nvPr/>
+          </p:nvPicPr>
+          <p:blipFill>
+            <a:blip r:embed="rId4">
+              <a:extLst>
+                <a:ext uri="{28A0092B-C50C-407E-A947-70E740481C1C}">
+                  <a14:useLocalDpi xmlns:a14="http://schemas.microsoft.com/office/drawing/2010/main" val="0"/>
+                </a:ext>
+              </a:extLst>
+            </a:blip>
+            <a:stretch>
+              <a:fillRect/>
+            </a:stretch>
+          </p:blipFill>
+          <p:spPr>
+            <a:xfrm>
+              <a:off x="842168" y="5670034"/>
+              <a:ext cx="6754168" cy="1695687"/>
+            </a:xfrm>
+            <a:prstGeom prst="rect">
+              <a:avLst/>
+            </a:prstGeom>
+          </p:spPr>
+        </p:pic>
+      </p:grpSp>
+    </p:spTree>
+    <p:extLst>
+      <p:ext uri="{BB962C8B-B14F-4D97-AF65-F5344CB8AC3E}">
+        <p14:creationId xmlns:p14="http://schemas.microsoft.com/office/powerpoint/2010/main" val="745414300"/>
+      </p:ext>
+    </p:extLst>
+  </p:cSld>
+  <p:clrMapOvr>
+    <a:masterClrMapping/>
+  </p:clrMapOvr>
+  <p:transition/>
+  <p:timing>
+    <p:tnLst>
+      <p:par>
+        <p:cTn id="1" dur="indefinite" restart="never" nodeType="tmRoot"/>
+      </p:par>
+    </p:tnLst>
+  </p:timing>
+</p:sld>
+</file>
+
+<file path=ppt/slides/slide15.xml><?xml version="1.0" encoding="utf-8"?>
+<p:sld xmlns:a="http://schemas.openxmlformats.org/drawingml/2006/main" xmlns:r="http://schemas.openxmlformats.org/officeDocument/2006/relationships" xmlns:p="http://schemas.openxmlformats.org/presentationml/2006/main">
+  <p:cSld>
+    <p:spTree>
+      <p:nvGrpSpPr>
+        <p:cNvPr id="1" name=""/>
+        <p:cNvGrpSpPr/>
+        <p:nvPr/>
+      </p:nvGrpSpPr>
+      <p:grpSpPr>
+        <a:xfrm>
+          <a:off x="0" y="0"/>
+          <a:ext cx="0" cy="0"/>
+          <a:chOff x="0" y="0"/>
+          <a:chExt cx="0" cy="0"/>
+        </a:xfrm>
+      </p:grpSpPr>
+      <p:sp>
+        <p:nvSpPr>
+          <p:cNvPr id="20" name="TextBox 19"/>
+          <p:cNvSpPr txBox="1"/>
+          <p:nvPr/>
+        </p:nvSpPr>
+        <p:spPr>
+          <a:xfrm>
+            <a:off x="251520" y="3566875"/>
+            <a:ext cx="5304078" cy="720197"/>
+          </a:xfrm>
+          <a:prstGeom prst="rect">
+            <a:avLst/>
+          </a:prstGeom>
+          <a:noFill/>
+        </p:spPr>
+        <p:txBody>
+          <a:bodyPr wrap="square" rtlCol="0">
+            <a:spAutoFit/>
+          </a:bodyPr>
+          <a:lstStyle/>
+          <a:p>
+            <a:pPr>
+              <a:lnSpc>
+                <a:spcPct val="85000"/>
+              </a:lnSpc>
+            </a:pPr>
+            <a:r>
+              <a:rPr lang="en-US" altLang="ko-KR" sz="4800" spc="600" dirty="0" smtClean="0">
+                <a:solidFill>
+                  <a:srgbClr val="FF0000"/>
+                </a:solidFill>
+                <a:effectLst>
+                  <a:outerShdw blurRad="38100" dist="38100" dir="2700000" algn="tl">
+                    <a:srgbClr val="000000">
+                      <a:alpha val="43137"/>
+                    </a:srgbClr>
+                  </a:outerShdw>
+                </a:effectLst>
+                <a:latin typeface="나눔고딕" pitchFamily="50" charset="-127"/>
+                <a:ea typeface="나눔고딕" pitchFamily="50" charset="-127"/>
+              </a:rPr>
+              <a:t>S</a:t>
+            </a:r>
+            <a:r>
+              <a:rPr lang="en-US" altLang="ko-KR" sz="4800" spc="600" dirty="0" smtClean="0">
+                <a:solidFill>
+                  <a:srgbClr val="7E858E"/>
+                </a:solidFill>
+                <a:effectLst>
+                  <a:outerShdw blurRad="38100" dist="38100" dir="2700000" algn="tl">
+                    <a:srgbClr val="000000">
+                      <a:alpha val="43137"/>
+                    </a:srgbClr>
+                  </a:outerShdw>
+                </a:effectLst>
+                <a:latin typeface="나눔고딕" pitchFamily="50" charset="-127"/>
+                <a:ea typeface="나눔고딕" pitchFamily="50" charset="-127"/>
+              </a:rPr>
+              <a:t>ensor</a:t>
+            </a:r>
+            <a:r>
+              <a:rPr lang="en-US" altLang="ko-KR" sz="4800" spc="600" dirty="0" smtClean="0">
+                <a:gradFill>
+                  <a:gsLst>
+                    <a:gs pos="0">
+                      <a:srgbClr val="7E858E"/>
+                    </a:gs>
+                    <a:gs pos="50000">
+                      <a:srgbClr val="7E858E"/>
+                    </a:gs>
+                  </a:gsLst>
+                  <a:lin ang="5400000" scaled="0"/>
+                </a:gradFill>
+                <a:effectLst>
+                  <a:outerShdw blurRad="38100" dist="38100" dir="2700000" algn="tl">
+                    <a:srgbClr val="000000">
+                      <a:alpha val="43137"/>
+                    </a:srgbClr>
+                  </a:outerShdw>
+                </a:effectLst>
+                <a:latin typeface="나눔고딕" pitchFamily="50" charset="-127"/>
+                <a:ea typeface="나눔고딕" pitchFamily="50" charset="-127"/>
+              </a:rPr>
+              <a:t> </a:t>
+            </a:r>
+            <a:r>
+              <a:rPr lang="en-US" altLang="ko-KR" sz="4800" spc="600" dirty="0" smtClean="0">
+                <a:solidFill>
+                  <a:srgbClr val="FF0000"/>
+                </a:solidFill>
+                <a:effectLst>
+                  <a:outerShdw blurRad="38100" dist="38100" dir="2700000" algn="tl">
+                    <a:srgbClr val="000000">
+                      <a:alpha val="43137"/>
+                    </a:srgbClr>
+                  </a:outerShdw>
+                </a:effectLst>
+                <a:latin typeface="나눔고딕" pitchFamily="50" charset="-127"/>
+                <a:ea typeface="나눔고딕" pitchFamily="50" charset="-127"/>
+              </a:rPr>
+              <a:t>C</a:t>
+            </a:r>
+            <a:r>
+              <a:rPr lang="en-US" altLang="ko-KR" sz="4800" spc="600" dirty="0" smtClean="0">
+                <a:solidFill>
+                  <a:srgbClr val="7E858E"/>
+                </a:solidFill>
+                <a:effectLst>
+                  <a:outerShdw blurRad="38100" dist="38100" dir="2700000" algn="tl">
+                    <a:srgbClr val="000000">
+                      <a:alpha val="43137"/>
+                    </a:srgbClr>
+                  </a:outerShdw>
+                </a:effectLst>
+                <a:latin typeface="나눔고딕" pitchFamily="50" charset="-127"/>
+                <a:ea typeface="나눔고딕" pitchFamily="50" charset="-127"/>
+              </a:rPr>
+              <a:t>ode</a:t>
+            </a:r>
+            <a:endParaRPr lang="en-US" altLang="ko-KR" sz="4800" spc="600" dirty="0">
+              <a:solidFill>
+                <a:srgbClr val="FF0000"/>
+              </a:solidFill>
+              <a:effectLst>
+                <a:outerShdw blurRad="38100" dist="38100" dir="2700000" algn="tl">
+                  <a:srgbClr val="000000">
+                    <a:alpha val="43137"/>
+                  </a:srgbClr>
+                </a:outerShdw>
+              </a:effectLst>
+              <a:latin typeface="나눔고딕" pitchFamily="50" charset="-127"/>
+              <a:ea typeface="나눔고딕" pitchFamily="50" charset="-127"/>
+            </a:endParaRPr>
+          </a:p>
+        </p:txBody>
+      </p:sp>
+      <p:sp>
+        <p:nvSpPr>
+          <p:cNvPr id="21" name="TextBox 20"/>
+          <p:cNvSpPr txBox="1"/>
+          <p:nvPr/>
+        </p:nvSpPr>
+        <p:spPr>
+          <a:xfrm>
+            <a:off x="7092280" y="3501008"/>
+            <a:ext cx="1872208" cy="240066"/>
+          </a:xfrm>
+          <a:prstGeom prst="rect">
+            <a:avLst/>
+          </a:prstGeom>
+          <a:noFill/>
+        </p:spPr>
+        <p:txBody>
+          <a:bodyPr wrap="square" rtlCol="0">
+            <a:spAutoFit/>
+          </a:bodyPr>
+          <a:lstStyle/>
+          <a:p>
+            <a:pPr algn="r">
+              <a:lnSpc>
+                <a:spcPct val="80000"/>
+              </a:lnSpc>
+            </a:pPr>
+            <a:r>
+              <a:rPr lang="en-US" altLang="ko-KR" sz="1200" b="1" dirty="0">
+                <a:solidFill>
+                  <a:srgbClr val="FFC000"/>
+                </a:solidFill>
+                <a:effectLst>
+                  <a:outerShdw blurRad="38100" dist="38100" dir="2700000" algn="tl">
+                    <a:srgbClr val="000000">
+                      <a:alpha val="43137"/>
+                    </a:srgbClr>
+                  </a:outerShdw>
+                </a:effectLst>
+                <a:latin typeface="나눔고딕" pitchFamily="50" charset="-127"/>
+                <a:ea typeface="나눔고딕" pitchFamily="50" charset="-127"/>
+              </a:rPr>
+              <a:t>C</a:t>
+            </a:r>
+            <a:r>
+              <a:rPr lang="en-US" altLang="ko-KR" sz="1200" b="1" dirty="0">
+                <a:gradFill>
+                  <a:gsLst>
+                    <a:gs pos="0">
+                      <a:srgbClr val="68727E"/>
+                    </a:gs>
+                    <a:gs pos="50000">
+                      <a:srgbClr val="68727E"/>
+                    </a:gs>
+                  </a:gsLst>
+                  <a:lin ang="5400000" scaled="0"/>
+                </a:gradFill>
+                <a:latin typeface="나눔고딕" pitchFamily="50" charset="-127"/>
+                <a:ea typeface="나눔고딕" pitchFamily="50" charset="-127"/>
+              </a:rPr>
+              <a:t> team</a:t>
+            </a:r>
+            <a:endParaRPr lang="ko-KR" altLang="en-US" sz="1200" b="1" dirty="0">
+              <a:gradFill>
+                <a:gsLst>
+                  <a:gs pos="0">
+                    <a:srgbClr val="68727E"/>
+                  </a:gs>
+                  <a:gs pos="50000">
+                    <a:srgbClr val="68727E"/>
+                  </a:gs>
+                </a:gsLst>
+                <a:lin ang="5400000" scaled="0"/>
+              </a:gradFill>
+              <a:latin typeface="나눔고딕" pitchFamily="50" charset="-127"/>
+              <a:ea typeface="나눔고딕" pitchFamily="50" charset="-127"/>
+            </a:endParaRPr>
+          </a:p>
+        </p:txBody>
+      </p:sp>
+      <p:cxnSp>
+        <p:nvCxnSpPr>
+          <p:cNvPr id="10" name="직선 연결선 9"/>
+          <p:cNvCxnSpPr/>
+          <p:nvPr/>
+        </p:nvCxnSpPr>
+        <p:spPr>
+          <a:xfrm>
+            <a:off x="251520" y="3429000"/>
+            <a:ext cx="8640960" cy="0"/>
+          </a:xfrm>
+          <a:prstGeom prst="line">
+            <a:avLst/>
+          </a:prstGeom>
+          <a:ln w="3175">
+            <a:solidFill>
+              <a:srgbClr val="68727E"/>
+            </a:solidFill>
+          </a:ln>
+        </p:spPr>
+        <p:style>
+          <a:lnRef idx="1">
+            <a:schemeClr val="accent1"/>
+          </a:lnRef>
+          <a:fillRef idx="0">
+            <a:schemeClr val="accent1"/>
+          </a:fillRef>
+          <a:effectRef idx="0">
+            <a:schemeClr val="accent1"/>
+          </a:effectRef>
+          <a:fontRef idx="minor">
+            <a:schemeClr val="tx1"/>
+          </a:fontRef>
+        </p:style>
+      </p:cxnSp>
+      <p:cxnSp>
+        <p:nvCxnSpPr>
+          <p:cNvPr id="12" name="직선 연결선 11"/>
+          <p:cNvCxnSpPr/>
+          <p:nvPr/>
+        </p:nvCxnSpPr>
+        <p:spPr>
+          <a:xfrm>
+            <a:off x="251520" y="332656"/>
+            <a:ext cx="8640960" cy="0"/>
+          </a:xfrm>
+          <a:prstGeom prst="line">
+            <a:avLst/>
+          </a:prstGeom>
+          <a:ln w="3175">
+            <a:solidFill>
+              <a:srgbClr val="68727E"/>
+            </a:solidFill>
+          </a:ln>
+        </p:spPr>
+        <p:style>
+          <a:lnRef idx="1">
+            <a:schemeClr val="accent1"/>
+          </a:lnRef>
+          <a:fillRef idx="0">
+            <a:schemeClr val="accent1"/>
+          </a:fillRef>
+          <a:effectRef idx="0">
+            <a:schemeClr val="accent1"/>
+          </a:effectRef>
+          <a:fontRef idx="minor">
+            <a:schemeClr val="tx1"/>
+          </a:fontRef>
+        </p:style>
+      </p:cxnSp>
+      <p:cxnSp>
+        <p:nvCxnSpPr>
+          <p:cNvPr id="13" name="직선 연결선 12"/>
+          <p:cNvCxnSpPr/>
+          <p:nvPr/>
+        </p:nvCxnSpPr>
+        <p:spPr>
+          <a:xfrm>
+            <a:off x="251520" y="6534000"/>
+            <a:ext cx="8640960" cy="0"/>
+          </a:xfrm>
+          <a:prstGeom prst="line">
+            <a:avLst/>
+          </a:prstGeom>
+          <a:ln w="3175">
+            <a:solidFill>
+              <a:srgbClr val="68727E"/>
+            </a:solidFill>
+          </a:ln>
+        </p:spPr>
+        <p:style>
+          <a:lnRef idx="1">
+            <a:schemeClr val="accent1"/>
+          </a:lnRef>
+          <a:fillRef idx="0">
+            <a:schemeClr val="accent1"/>
+          </a:fillRef>
+          <a:effectRef idx="0">
+            <a:schemeClr val="accent1"/>
+          </a:effectRef>
+          <a:fontRef idx="minor">
+            <a:schemeClr val="tx1"/>
+          </a:fontRef>
+        </p:style>
+      </p:cxnSp>
+      <p:sp>
+        <p:nvSpPr>
+          <p:cNvPr id="9" name="TextBox 8"/>
+          <p:cNvSpPr txBox="1"/>
+          <p:nvPr/>
+        </p:nvSpPr>
+        <p:spPr>
+          <a:xfrm>
+            <a:off x="172156" y="6133150"/>
+            <a:ext cx="4039705" cy="418576"/>
+          </a:xfrm>
+          <a:prstGeom prst="rect">
+            <a:avLst/>
+          </a:prstGeom>
+          <a:noFill/>
+        </p:spPr>
+        <p:txBody>
+          <a:bodyPr wrap="square" rtlCol="0">
+            <a:spAutoFit/>
+          </a:bodyPr>
+          <a:lstStyle/>
+          <a:p>
+            <a:pPr>
+              <a:lnSpc>
+                <a:spcPct val="150000"/>
+              </a:lnSpc>
+            </a:pPr>
+            <a:r>
+              <a:rPr lang="en-US" altLang="ko-KR" sz="1600" dirty="0">
+                <a:solidFill>
+                  <a:srgbClr val="FFC000"/>
+                </a:solidFill>
+                <a:effectLst>
+                  <a:outerShdw blurRad="38100" dist="38100" dir="2700000" algn="tl">
+                    <a:srgbClr val="000000">
+                      <a:alpha val="43137"/>
+                    </a:srgbClr>
+                  </a:outerShdw>
+                </a:effectLst>
+                <a:latin typeface="나눔고딕" pitchFamily="50" charset="-127"/>
+                <a:ea typeface="나눔고딕" pitchFamily="50" charset="-127"/>
+              </a:rPr>
+              <a:t>Q</a:t>
+            </a:r>
+            <a:r>
+              <a:rPr lang="en-US" altLang="ko-KR" sz="1600" dirty="0">
+                <a:solidFill>
+                  <a:schemeClr val="tx1">
+                    <a:lumMod val="85000"/>
+                    <a:lumOff val="15000"/>
+                  </a:schemeClr>
+                </a:solidFill>
+                <a:effectLst>
+                  <a:outerShdw blurRad="38100" dist="38100" dir="2700000" algn="tl">
+                    <a:srgbClr val="000000">
+                      <a:alpha val="43137"/>
+                    </a:srgbClr>
+                  </a:outerShdw>
+                </a:effectLst>
+                <a:latin typeface="나눔고딕" pitchFamily="50" charset="-127"/>
+                <a:ea typeface="나눔고딕" pitchFamily="50" charset="-127"/>
+              </a:rPr>
+              <a:t>ualcomm </a:t>
+            </a:r>
+            <a:r>
+              <a:rPr lang="en-US" altLang="ko-KR" sz="1600" dirty="0">
+                <a:solidFill>
+                  <a:srgbClr val="FFC000"/>
+                </a:solidFill>
+                <a:effectLst>
+                  <a:outerShdw blurRad="38100" dist="38100" dir="2700000" algn="tl">
+                    <a:srgbClr val="000000">
+                      <a:alpha val="43137"/>
+                    </a:srgbClr>
+                  </a:outerShdw>
+                </a:effectLst>
+                <a:latin typeface="나눔고딕" pitchFamily="50" charset="-127"/>
+                <a:ea typeface="나눔고딕" pitchFamily="50" charset="-127"/>
+              </a:rPr>
+              <a:t>I</a:t>
+            </a:r>
+            <a:r>
+              <a:rPr lang="en-US" altLang="ko-KR" sz="1600" dirty="0">
+                <a:solidFill>
+                  <a:schemeClr val="tx1">
+                    <a:lumMod val="85000"/>
+                    <a:lumOff val="15000"/>
+                  </a:schemeClr>
+                </a:solidFill>
+                <a:effectLst>
+                  <a:outerShdw blurRad="38100" dist="38100" dir="2700000" algn="tl">
+                    <a:srgbClr val="000000">
+                      <a:alpha val="43137"/>
+                    </a:srgbClr>
+                  </a:outerShdw>
+                </a:effectLst>
+                <a:latin typeface="나눔고딕" pitchFamily="50" charset="-127"/>
+                <a:ea typeface="나눔고딕" pitchFamily="50" charset="-127"/>
+              </a:rPr>
+              <a:t>nstitute</a:t>
+            </a:r>
+          </a:p>
+        </p:txBody>
+      </p:sp>
       <p:sp>
         <p:nvSpPr>
           <p:cNvPr id="2" name="슬라이드 번호 개체 틀 1"/>
@@ -3530,6 +6743,1067 @@
             <p:ph type="sldNum" sz="quarter" idx="12"/>
           </p:nvPr>
         </p:nvSpPr>
+        <p:spPr>
+          <a:xfrm>
+            <a:off x="6588224" y="6482418"/>
+            <a:ext cx="2133600" cy="365125"/>
+          </a:xfrm>
+        </p:spPr>
+        <p:txBody>
+          <a:bodyPr/>
+          <a:lstStyle/>
+          <a:p>
+            <a:fld id="{963B0023-0CED-47F7-85AE-654F0B232C29}" type="slidenum">
+              <a:rPr lang="en-US" altLang="ko-KR" smtClean="0"/>
+              <a:pPr/>
+              <a:t>15</a:t>
+            </a:fld>
+            <a:endParaRPr kumimoji="0" lang="ko-KR" altLang="en-US" dirty="0"/>
+          </a:p>
+        </p:txBody>
+      </p:sp>
+      <p:sp>
+        <p:nvSpPr>
+          <p:cNvPr id="11" name="TextBox 10"/>
+          <p:cNvSpPr txBox="1"/>
+          <p:nvPr/>
+        </p:nvSpPr>
+        <p:spPr>
+          <a:xfrm>
+            <a:off x="8661616" y="6494448"/>
+            <a:ext cx="579753" cy="307777"/>
+          </a:xfrm>
+          <a:prstGeom prst="rect">
+            <a:avLst/>
+          </a:prstGeom>
+          <a:noFill/>
+        </p:spPr>
+        <p:txBody>
+          <a:bodyPr wrap="square" rtlCol="0">
+            <a:spAutoFit/>
+          </a:bodyPr>
+          <a:lstStyle/>
+          <a:p>
+            <a:r>
+              <a:rPr lang="en-US" altLang="ko-KR" sz="1400" dirty="0" smtClean="0">
+                <a:solidFill>
+                  <a:schemeClr val="bg1">
+                    <a:lumMod val="50000"/>
+                  </a:schemeClr>
+                </a:solidFill>
+              </a:rPr>
+              <a:t>/19</a:t>
+            </a:r>
+            <a:endParaRPr lang="ko-KR" altLang="en-US" sz="1400" dirty="0">
+              <a:solidFill>
+                <a:schemeClr val="bg1">
+                  <a:lumMod val="50000"/>
+                </a:schemeClr>
+              </a:solidFill>
+            </a:endParaRPr>
+          </a:p>
+        </p:txBody>
+      </p:sp>
+    </p:spTree>
+    <p:extLst>
+      <p:ext uri="{BB962C8B-B14F-4D97-AF65-F5344CB8AC3E}">
+        <p14:creationId xmlns:p14="http://schemas.microsoft.com/office/powerpoint/2010/main" val="988522020"/>
+      </p:ext>
+    </p:extLst>
+  </p:cSld>
+  <p:clrMapOvr>
+    <a:masterClrMapping/>
+  </p:clrMapOvr>
+  <p:transition/>
+  <p:timing>
+    <p:tnLst>
+      <p:par>
+        <p:cTn id="1" dur="indefinite" restart="never" nodeType="tmRoot"/>
+      </p:par>
+    </p:tnLst>
+  </p:timing>
+</p:sld>
+</file>
+
+<file path=ppt/slides/slide16.xml><?xml version="1.0" encoding="utf-8"?>
+<p:sld xmlns:a="http://schemas.openxmlformats.org/drawingml/2006/main" xmlns:r="http://schemas.openxmlformats.org/officeDocument/2006/relationships" xmlns:p="http://schemas.openxmlformats.org/presentationml/2006/main">
+  <p:cSld>
+    <p:spTree>
+      <p:nvGrpSpPr>
+        <p:cNvPr id="1" name=""/>
+        <p:cNvGrpSpPr/>
+        <p:nvPr/>
+      </p:nvGrpSpPr>
+      <p:grpSpPr>
+        <a:xfrm>
+          <a:off x="0" y="0"/>
+          <a:ext cx="0" cy="0"/>
+          <a:chOff x="0" y="0"/>
+          <a:chExt cx="0" cy="0"/>
+        </a:xfrm>
+      </p:grpSpPr>
+      <p:cxnSp>
+        <p:nvCxnSpPr>
+          <p:cNvPr id="15" name="직선 연결선 14"/>
+          <p:cNvCxnSpPr/>
+          <p:nvPr/>
+        </p:nvCxnSpPr>
+        <p:spPr>
+          <a:xfrm>
+            <a:off x="251520" y="332656"/>
+            <a:ext cx="8640960" cy="0"/>
+          </a:xfrm>
+          <a:prstGeom prst="line">
+            <a:avLst/>
+          </a:prstGeom>
+          <a:ln w="3175">
+            <a:solidFill>
+              <a:srgbClr val="68727E"/>
+            </a:solidFill>
+          </a:ln>
+        </p:spPr>
+        <p:style>
+          <a:lnRef idx="1">
+            <a:schemeClr val="accent1"/>
+          </a:lnRef>
+          <a:fillRef idx="0">
+            <a:schemeClr val="accent1"/>
+          </a:fillRef>
+          <a:effectRef idx="0">
+            <a:schemeClr val="accent1"/>
+          </a:effectRef>
+          <a:fontRef idx="minor">
+            <a:schemeClr val="tx1"/>
+          </a:fontRef>
+        </p:style>
+      </p:cxnSp>
+      <p:cxnSp>
+        <p:nvCxnSpPr>
+          <p:cNvPr id="19" name="직선 연결선 18"/>
+          <p:cNvCxnSpPr/>
+          <p:nvPr/>
+        </p:nvCxnSpPr>
+        <p:spPr>
+          <a:xfrm>
+            <a:off x="221703" y="1038567"/>
+            <a:ext cx="8640960" cy="0"/>
+          </a:xfrm>
+          <a:prstGeom prst="line">
+            <a:avLst/>
+          </a:prstGeom>
+          <a:ln w="3175">
+            <a:solidFill>
+              <a:srgbClr val="68727E"/>
+            </a:solidFill>
+          </a:ln>
+        </p:spPr>
+        <p:style>
+          <a:lnRef idx="1">
+            <a:schemeClr val="accent1"/>
+          </a:lnRef>
+          <a:fillRef idx="0">
+            <a:schemeClr val="accent1"/>
+          </a:fillRef>
+          <a:effectRef idx="0">
+            <a:schemeClr val="accent1"/>
+          </a:effectRef>
+          <a:fontRef idx="minor">
+            <a:schemeClr val="tx1"/>
+          </a:fontRef>
+        </p:style>
+      </p:cxnSp>
+      <p:sp>
+        <p:nvSpPr>
+          <p:cNvPr id="16" name="TextBox 15"/>
+          <p:cNvSpPr txBox="1"/>
+          <p:nvPr/>
+        </p:nvSpPr>
+        <p:spPr>
+          <a:xfrm>
+            <a:off x="7020475" y="755296"/>
+            <a:ext cx="1872208" cy="240066"/>
+          </a:xfrm>
+          <a:prstGeom prst="rect">
+            <a:avLst/>
+          </a:prstGeom>
+          <a:noFill/>
+        </p:spPr>
+        <p:txBody>
+          <a:bodyPr wrap="square" rtlCol="0">
+            <a:spAutoFit/>
+          </a:bodyPr>
+          <a:lstStyle/>
+          <a:p>
+            <a:pPr algn="r">
+              <a:lnSpc>
+                <a:spcPct val="80000"/>
+              </a:lnSpc>
+            </a:pPr>
+            <a:r>
+              <a:rPr lang="en-US" altLang="ko-KR" sz="1200" b="1" dirty="0">
+                <a:solidFill>
+                  <a:srgbClr val="FFC000"/>
+                </a:solidFill>
+                <a:effectLst>
+                  <a:outerShdw blurRad="38100" dist="38100" dir="2700000" algn="tl">
+                    <a:srgbClr val="000000">
+                      <a:alpha val="43137"/>
+                    </a:srgbClr>
+                  </a:outerShdw>
+                </a:effectLst>
+                <a:latin typeface="나눔고딕" pitchFamily="50" charset="-127"/>
+                <a:ea typeface="나눔고딕" pitchFamily="50" charset="-127"/>
+              </a:rPr>
+              <a:t>C</a:t>
+            </a:r>
+            <a:r>
+              <a:rPr lang="en-US" altLang="ko-KR" sz="1200" b="1" dirty="0">
+                <a:gradFill>
+                  <a:gsLst>
+                    <a:gs pos="0">
+                      <a:srgbClr val="68727E"/>
+                    </a:gs>
+                    <a:gs pos="50000">
+                      <a:srgbClr val="68727E"/>
+                    </a:gs>
+                  </a:gsLst>
+                  <a:lin ang="5400000" scaled="0"/>
+                </a:gradFill>
+                <a:latin typeface="나눔고딕" pitchFamily="50" charset="-127"/>
+                <a:ea typeface="나눔고딕" pitchFamily="50" charset="-127"/>
+              </a:rPr>
+              <a:t> team</a:t>
+            </a:r>
+            <a:endParaRPr lang="ko-KR" altLang="en-US" sz="1200" b="1" dirty="0">
+              <a:gradFill>
+                <a:gsLst>
+                  <a:gs pos="0">
+                    <a:srgbClr val="68727E"/>
+                  </a:gs>
+                  <a:gs pos="50000">
+                    <a:srgbClr val="68727E"/>
+                  </a:gs>
+                </a:gsLst>
+                <a:lin ang="5400000" scaled="0"/>
+              </a:gradFill>
+              <a:latin typeface="나눔고딕" pitchFamily="50" charset="-127"/>
+              <a:ea typeface="나눔고딕" pitchFamily="50" charset="-127"/>
+            </a:endParaRPr>
+          </a:p>
+        </p:txBody>
+      </p:sp>
+      <p:sp>
+        <p:nvSpPr>
+          <p:cNvPr id="21" name="TextBox 20"/>
+          <p:cNvSpPr txBox="1"/>
+          <p:nvPr/>
+        </p:nvSpPr>
+        <p:spPr>
+          <a:xfrm>
+            <a:off x="179512" y="461805"/>
+            <a:ext cx="7488832" cy="369332"/>
+          </a:xfrm>
+          <a:prstGeom prst="rect">
+            <a:avLst/>
+          </a:prstGeom>
+          <a:noFill/>
+        </p:spPr>
+        <p:txBody>
+          <a:bodyPr wrap="square" rtlCol="0">
+            <a:spAutoFit/>
+          </a:bodyPr>
+          <a:lstStyle/>
+          <a:p>
+            <a:pPr>
+              <a:lnSpc>
+                <a:spcPct val="90000"/>
+              </a:lnSpc>
+            </a:pPr>
+            <a:r>
+              <a:rPr lang="en-US" altLang="ko-KR" sz="2000" spc="300" dirty="0" smtClean="0">
+                <a:gradFill>
+                  <a:gsLst>
+                    <a:gs pos="0">
+                      <a:srgbClr val="C00000"/>
+                    </a:gs>
+                    <a:gs pos="100000">
+                      <a:srgbClr val="C00000"/>
+                    </a:gs>
+                  </a:gsLst>
+                  <a:lin ang="5400000" scaled="0"/>
+                </a:gradFill>
+                <a:latin typeface="나눔고딕" pitchFamily="50" charset="-127"/>
+                <a:ea typeface="나눔고딕" pitchFamily="50" charset="-127"/>
+              </a:rPr>
+              <a:t>Modified Code in python</a:t>
+            </a:r>
+            <a:endParaRPr lang="ko-KR" altLang="en-US" sz="2000" spc="300" dirty="0">
+              <a:gradFill>
+                <a:gsLst>
+                  <a:gs pos="0">
+                    <a:srgbClr val="C00000"/>
+                  </a:gs>
+                  <a:gs pos="100000">
+                    <a:srgbClr val="C00000"/>
+                  </a:gs>
+                </a:gsLst>
+                <a:lin ang="5400000" scaled="0"/>
+              </a:gradFill>
+              <a:latin typeface="나눔고딕" pitchFamily="50" charset="-127"/>
+              <a:ea typeface="나눔고딕" pitchFamily="50" charset="-127"/>
+            </a:endParaRPr>
+          </a:p>
+        </p:txBody>
+      </p:sp>
+      <p:sp>
+        <p:nvSpPr>
+          <p:cNvPr id="5" name="슬라이드 번호 개체 틀 4"/>
+          <p:cNvSpPr>
+            <a:spLocks noGrp="1"/>
+          </p:cNvSpPr>
+          <p:nvPr>
+            <p:ph type="sldNum" sz="quarter" idx="12"/>
+          </p:nvPr>
+        </p:nvSpPr>
+        <p:spPr/>
+        <p:txBody>
+          <a:bodyPr/>
+          <a:lstStyle/>
+          <a:p>
+            <a:fld id="{963B0023-0CED-47F7-85AE-654F0B232C29}" type="slidenum">
+              <a:rPr lang="en-US" altLang="ko-KR" smtClean="0"/>
+              <a:pPr/>
+              <a:t>16</a:t>
+            </a:fld>
+            <a:endParaRPr kumimoji="0" lang="ko-KR" altLang="en-US"/>
+          </a:p>
+        </p:txBody>
+      </p:sp>
+      <p:sp>
+        <p:nvSpPr>
+          <p:cNvPr id="9" name="TextBox 8"/>
+          <p:cNvSpPr txBox="1"/>
+          <p:nvPr/>
+        </p:nvSpPr>
+        <p:spPr>
+          <a:xfrm>
+            <a:off x="8585385" y="6377836"/>
+            <a:ext cx="637728" cy="307777"/>
+          </a:xfrm>
+          <a:prstGeom prst="rect">
+            <a:avLst/>
+          </a:prstGeom>
+          <a:noFill/>
+        </p:spPr>
+        <p:txBody>
+          <a:bodyPr wrap="square" rtlCol="0">
+            <a:spAutoFit/>
+          </a:bodyPr>
+          <a:lstStyle/>
+          <a:p>
+            <a:r>
+              <a:rPr lang="en-US" altLang="ko-KR" sz="1400" dirty="0" smtClean="0">
+                <a:solidFill>
+                  <a:schemeClr val="bg1">
+                    <a:lumMod val="50000"/>
+                  </a:schemeClr>
+                </a:solidFill>
+              </a:rPr>
+              <a:t>/19</a:t>
+            </a:r>
+            <a:endParaRPr lang="ko-KR" altLang="en-US" sz="1400" dirty="0">
+              <a:solidFill>
+                <a:schemeClr val="bg1">
+                  <a:lumMod val="50000"/>
+                </a:schemeClr>
+              </a:solidFill>
+            </a:endParaRPr>
+          </a:p>
+        </p:txBody>
+      </p:sp>
+      <p:pic>
+        <p:nvPicPr>
+          <p:cNvPr id="3" name="그림 2"/>
+          <p:cNvPicPr>
+            <a:picLocks noChangeAspect="1"/>
+          </p:cNvPicPr>
+          <p:nvPr/>
+        </p:nvPicPr>
+        <p:blipFill>
+          <a:blip r:embed="rId3">
+            <a:extLst>
+              <a:ext uri="{28A0092B-C50C-407E-A947-70E740481C1C}">
+                <a14:useLocalDpi xmlns:a14="http://schemas.microsoft.com/office/drawing/2010/main" val="0"/>
+              </a:ext>
+            </a:extLst>
+          </a:blip>
+          <a:stretch>
+            <a:fillRect/>
+          </a:stretch>
+        </p:blipFill>
+        <p:spPr>
+          <a:xfrm>
+            <a:off x="506818" y="2327247"/>
+            <a:ext cx="3417110" cy="648072"/>
+          </a:xfrm>
+          <a:prstGeom prst="rect">
+            <a:avLst/>
+          </a:prstGeom>
+        </p:spPr>
+      </p:pic>
+      <p:pic>
+        <p:nvPicPr>
+          <p:cNvPr id="7" name="그림 6"/>
+          <p:cNvPicPr>
+            <a:picLocks noChangeAspect="1"/>
+          </p:cNvPicPr>
+          <p:nvPr/>
+        </p:nvPicPr>
+        <p:blipFill>
+          <a:blip r:embed="rId4">
+            <a:extLst>
+              <a:ext uri="{28A0092B-C50C-407E-A947-70E740481C1C}">
+                <a14:useLocalDpi xmlns:a14="http://schemas.microsoft.com/office/drawing/2010/main" val="0"/>
+              </a:ext>
+            </a:extLst>
+          </a:blip>
+          <a:stretch>
+            <a:fillRect/>
+          </a:stretch>
+        </p:blipFill>
+        <p:spPr>
+          <a:xfrm>
+            <a:off x="506818" y="3411466"/>
+            <a:ext cx="4846007" cy="685608"/>
+          </a:xfrm>
+          <a:prstGeom prst="rect">
+            <a:avLst/>
+          </a:prstGeom>
+        </p:spPr>
+      </p:pic>
+      <p:pic>
+        <p:nvPicPr>
+          <p:cNvPr id="8" name="그림 7"/>
+          <p:cNvPicPr>
+            <a:picLocks noChangeAspect="1"/>
+          </p:cNvPicPr>
+          <p:nvPr/>
+        </p:nvPicPr>
+        <p:blipFill>
+          <a:blip r:embed="rId5">
+            <a:extLst>
+              <a:ext uri="{28A0092B-C50C-407E-A947-70E740481C1C}">
+                <a14:useLocalDpi xmlns:a14="http://schemas.microsoft.com/office/drawing/2010/main" val="0"/>
+              </a:ext>
+            </a:extLst>
+          </a:blip>
+          <a:stretch>
+            <a:fillRect/>
+          </a:stretch>
+        </p:blipFill>
+        <p:spPr>
+          <a:xfrm>
+            <a:off x="506818" y="4533221"/>
+            <a:ext cx="7632849" cy="845065"/>
+          </a:xfrm>
+          <a:prstGeom prst="rect">
+            <a:avLst/>
+          </a:prstGeom>
+        </p:spPr>
+      </p:pic>
+    </p:spTree>
+    <p:extLst>
+      <p:ext uri="{BB962C8B-B14F-4D97-AF65-F5344CB8AC3E}">
+        <p14:creationId xmlns:p14="http://schemas.microsoft.com/office/powerpoint/2010/main" val="1021492564"/>
+      </p:ext>
+    </p:extLst>
+  </p:cSld>
+  <p:clrMapOvr>
+    <a:masterClrMapping/>
+  </p:clrMapOvr>
+  <p:transition/>
+  <p:timing>
+    <p:tnLst>
+      <p:par>
+        <p:cTn id="1" dur="indefinite" restart="never" nodeType="tmRoot"/>
+      </p:par>
+    </p:tnLst>
+  </p:timing>
+</p:sld>
+</file>
+
+<file path=ppt/slides/slide17.xml><?xml version="1.0" encoding="utf-8"?>
+<p:sld xmlns:a="http://schemas.openxmlformats.org/drawingml/2006/main" xmlns:r="http://schemas.openxmlformats.org/officeDocument/2006/relationships" xmlns:p="http://schemas.openxmlformats.org/presentationml/2006/main">
+  <p:cSld>
+    <p:spTree>
+      <p:nvGrpSpPr>
+        <p:cNvPr id="1" name=""/>
+        <p:cNvGrpSpPr/>
+        <p:nvPr/>
+      </p:nvGrpSpPr>
+      <p:grpSpPr>
+        <a:xfrm>
+          <a:off x="0" y="0"/>
+          <a:ext cx="0" cy="0"/>
+          <a:chOff x="0" y="0"/>
+          <a:chExt cx="0" cy="0"/>
+        </a:xfrm>
+      </p:grpSpPr>
+      <p:cxnSp>
+        <p:nvCxnSpPr>
+          <p:cNvPr id="15" name="직선 연결선 14"/>
+          <p:cNvCxnSpPr/>
+          <p:nvPr/>
+        </p:nvCxnSpPr>
+        <p:spPr>
+          <a:xfrm>
+            <a:off x="251520" y="332656"/>
+            <a:ext cx="8640960" cy="0"/>
+          </a:xfrm>
+          <a:prstGeom prst="line">
+            <a:avLst/>
+          </a:prstGeom>
+          <a:ln w="3175">
+            <a:solidFill>
+              <a:srgbClr val="68727E"/>
+            </a:solidFill>
+          </a:ln>
+        </p:spPr>
+        <p:style>
+          <a:lnRef idx="1">
+            <a:schemeClr val="accent1"/>
+          </a:lnRef>
+          <a:fillRef idx="0">
+            <a:schemeClr val="accent1"/>
+          </a:fillRef>
+          <a:effectRef idx="0">
+            <a:schemeClr val="accent1"/>
+          </a:effectRef>
+          <a:fontRef idx="minor">
+            <a:schemeClr val="tx1"/>
+          </a:fontRef>
+        </p:style>
+      </p:cxnSp>
+      <p:cxnSp>
+        <p:nvCxnSpPr>
+          <p:cNvPr id="19" name="직선 연결선 18"/>
+          <p:cNvCxnSpPr/>
+          <p:nvPr/>
+        </p:nvCxnSpPr>
+        <p:spPr>
+          <a:xfrm>
+            <a:off x="221703" y="1038567"/>
+            <a:ext cx="8640960" cy="0"/>
+          </a:xfrm>
+          <a:prstGeom prst="line">
+            <a:avLst/>
+          </a:prstGeom>
+          <a:ln w="3175">
+            <a:solidFill>
+              <a:srgbClr val="68727E"/>
+            </a:solidFill>
+          </a:ln>
+        </p:spPr>
+        <p:style>
+          <a:lnRef idx="1">
+            <a:schemeClr val="accent1"/>
+          </a:lnRef>
+          <a:fillRef idx="0">
+            <a:schemeClr val="accent1"/>
+          </a:fillRef>
+          <a:effectRef idx="0">
+            <a:schemeClr val="accent1"/>
+          </a:effectRef>
+          <a:fontRef idx="minor">
+            <a:schemeClr val="tx1"/>
+          </a:fontRef>
+        </p:style>
+      </p:cxnSp>
+      <p:sp>
+        <p:nvSpPr>
+          <p:cNvPr id="16" name="TextBox 15"/>
+          <p:cNvSpPr txBox="1"/>
+          <p:nvPr/>
+        </p:nvSpPr>
+        <p:spPr>
+          <a:xfrm>
+            <a:off x="7020475" y="755296"/>
+            <a:ext cx="1872208" cy="240066"/>
+          </a:xfrm>
+          <a:prstGeom prst="rect">
+            <a:avLst/>
+          </a:prstGeom>
+          <a:noFill/>
+        </p:spPr>
+        <p:txBody>
+          <a:bodyPr wrap="square" rtlCol="0">
+            <a:spAutoFit/>
+          </a:bodyPr>
+          <a:lstStyle/>
+          <a:p>
+            <a:pPr algn="r">
+              <a:lnSpc>
+                <a:spcPct val="80000"/>
+              </a:lnSpc>
+            </a:pPr>
+            <a:r>
+              <a:rPr lang="en-US" altLang="ko-KR" sz="1200" b="1" dirty="0">
+                <a:solidFill>
+                  <a:srgbClr val="FFC000"/>
+                </a:solidFill>
+                <a:effectLst>
+                  <a:outerShdw blurRad="38100" dist="38100" dir="2700000" algn="tl">
+                    <a:srgbClr val="000000">
+                      <a:alpha val="43137"/>
+                    </a:srgbClr>
+                  </a:outerShdw>
+                </a:effectLst>
+                <a:latin typeface="나눔고딕" pitchFamily="50" charset="-127"/>
+                <a:ea typeface="나눔고딕" pitchFamily="50" charset="-127"/>
+              </a:rPr>
+              <a:t>C</a:t>
+            </a:r>
+            <a:r>
+              <a:rPr lang="en-US" altLang="ko-KR" sz="1200" b="1" dirty="0">
+                <a:gradFill>
+                  <a:gsLst>
+                    <a:gs pos="0">
+                      <a:srgbClr val="68727E"/>
+                    </a:gs>
+                    <a:gs pos="50000">
+                      <a:srgbClr val="68727E"/>
+                    </a:gs>
+                  </a:gsLst>
+                  <a:lin ang="5400000" scaled="0"/>
+                </a:gradFill>
+                <a:latin typeface="나눔고딕" pitchFamily="50" charset="-127"/>
+                <a:ea typeface="나눔고딕" pitchFamily="50" charset="-127"/>
+              </a:rPr>
+              <a:t> team</a:t>
+            </a:r>
+            <a:endParaRPr lang="ko-KR" altLang="en-US" sz="1200" b="1" dirty="0">
+              <a:gradFill>
+                <a:gsLst>
+                  <a:gs pos="0">
+                    <a:srgbClr val="68727E"/>
+                  </a:gs>
+                  <a:gs pos="50000">
+                    <a:srgbClr val="68727E"/>
+                  </a:gs>
+                </a:gsLst>
+                <a:lin ang="5400000" scaled="0"/>
+              </a:gradFill>
+              <a:latin typeface="나눔고딕" pitchFamily="50" charset="-127"/>
+              <a:ea typeface="나눔고딕" pitchFamily="50" charset="-127"/>
+            </a:endParaRPr>
+          </a:p>
+        </p:txBody>
+      </p:sp>
+      <p:sp>
+        <p:nvSpPr>
+          <p:cNvPr id="21" name="TextBox 20"/>
+          <p:cNvSpPr txBox="1"/>
+          <p:nvPr/>
+        </p:nvSpPr>
+        <p:spPr>
+          <a:xfrm>
+            <a:off x="179512" y="461805"/>
+            <a:ext cx="7488832" cy="369332"/>
+          </a:xfrm>
+          <a:prstGeom prst="rect">
+            <a:avLst/>
+          </a:prstGeom>
+          <a:noFill/>
+        </p:spPr>
+        <p:txBody>
+          <a:bodyPr wrap="square" rtlCol="0">
+            <a:spAutoFit/>
+          </a:bodyPr>
+          <a:lstStyle/>
+          <a:p>
+            <a:pPr>
+              <a:lnSpc>
+                <a:spcPct val="90000"/>
+              </a:lnSpc>
+            </a:pPr>
+            <a:r>
+              <a:rPr lang="en-US" altLang="ko-KR" sz="2000" spc="300" dirty="0" smtClean="0">
+                <a:gradFill>
+                  <a:gsLst>
+                    <a:gs pos="0">
+                      <a:srgbClr val="C00000"/>
+                    </a:gs>
+                    <a:gs pos="100000">
+                      <a:srgbClr val="C00000"/>
+                    </a:gs>
+                  </a:gsLst>
+                  <a:lin ang="5400000" scaled="0"/>
+                </a:gradFill>
+                <a:latin typeface="나눔고딕" pitchFamily="50" charset="-127"/>
+                <a:ea typeface="나눔고딕" pitchFamily="50" charset="-127"/>
+              </a:rPr>
+              <a:t>Result Code in python</a:t>
+            </a:r>
+            <a:endParaRPr lang="ko-KR" altLang="en-US" sz="2000" spc="300" dirty="0">
+              <a:gradFill>
+                <a:gsLst>
+                  <a:gs pos="0">
+                    <a:srgbClr val="C00000"/>
+                  </a:gs>
+                  <a:gs pos="100000">
+                    <a:srgbClr val="C00000"/>
+                  </a:gs>
+                </a:gsLst>
+                <a:lin ang="5400000" scaled="0"/>
+              </a:gradFill>
+              <a:latin typeface="나눔고딕" pitchFamily="50" charset="-127"/>
+              <a:ea typeface="나눔고딕" pitchFamily="50" charset="-127"/>
+            </a:endParaRPr>
+          </a:p>
+        </p:txBody>
+      </p:sp>
+      <p:sp>
+        <p:nvSpPr>
+          <p:cNvPr id="5" name="슬라이드 번호 개체 틀 4"/>
+          <p:cNvSpPr>
+            <a:spLocks noGrp="1"/>
+          </p:cNvSpPr>
+          <p:nvPr>
+            <p:ph type="sldNum" sz="quarter" idx="12"/>
+          </p:nvPr>
+        </p:nvSpPr>
+        <p:spPr/>
+        <p:txBody>
+          <a:bodyPr/>
+          <a:lstStyle/>
+          <a:p>
+            <a:fld id="{963B0023-0CED-47F7-85AE-654F0B232C29}" type="slidenum">
+              <a:rPr lang="en-US" altLang="ko-KR" smtClean="0"/>
+              <a:pPr/>
+              <a:t>17</a:t>
+            </a:fld>
+            <a:endParaRPr kumimoji="0" lang="ko-KR" altLang="en-US"/>
+          </a:p>
+        </p:txBody>
+      </p:sp>
+      <p:sp>
+        <p:nvSpPr>
+          <p:cNvPr id="9" name="TextBox 8"/>
+          <p:cNvSpPr txBox="1"/>
+          <p:nvPr/>
+        </p:nvSpPr>
+        <p:spPr>
+          <a:xfrm>
+            <a:off x="8585385" y="6377836"/>
+            <a:ext cx="637728" cy="307777"/>
+          </a:xfrm>
+          <a:prstGeom prst="rect">
+            <a:avLst/>
+          </a:prstGeom>
+          <a:noFill/>
+        </p:spPr>
+        <p:txBody>
+          <a:bodyPr wrap="square" rtlCol="0">
+            <a:spAutoFit/>
+          </a:bodyPr>
+          <a:lstStyle/>
+          <a:p>
+            <a:r>
+              <a:rPr lang="en-US" altLang="ko-KR" sz="1400" dirty="0" smtClean="0">
+                <a:solidFill>
+                  <a:schemeClr val="bg1">
+                    <a:lumMod val="50000"/>
+                  </a:schemeClr>
+                </a:solidFill>
+              </a:rPr>
+              <a:t>/19</a:t>
+            </a:r>
+            <a:endParaRPr lang="ko-KR" altLang="en-US" sz="1400" dirty="0">
+              <a:solidFill>
+                <a:schemeClr val="bg1">
+                  <a:lumMod val="50000"/>
+                </a:schemeClr>
+              </a:solidFill>
+            </a:endParaRPr>
+          </a:p>
+        </p:txBody>
+      </p:sp>
+      <p:sp>
+        <p:nvSpPr>
+          <p:cNvPr id="6" name="오른쪽 화살표 5"/>
+          <p:cNvSpPr/>
+          <p:nvPr/>
+        </p:nvSpPr>
+        <p:spPr>
+          <a:xfrm>
+            <a:off x="3721731" y="3226563"/>
+            <a:ext cx="1599121" cy="792088"/>
+          </a:xfrm>
+          <a:prstGeom prst="rightArrow">
+            <a:avLst/>
+          </a:prstGeom>
+          <a:solidFill>
+            <a:srgbClr val="C00000"/>
+          </a:solidFill>
+          <a:ln>
+            <a:solidFill>
+              <a:srgbClr val="C00000"/>
+            </a:solidFill>
+          </a:ln>
+        </p:spPr>
+        <p:style>
+          <a:lnRef idx="2">
+            <a:schemeClr val="accent1">
+              <a:shade val="50000"/>
+            </a:schemeClr>
+          </a:lnRef>
+          <a:fillRef idx="1">
+            <a:schemeClr val="accent1"/>
+          </a:fillRef>
+          <a:effectRef idx="0">
+            <a:schemeClr val="accent1"/>
+          </a:effectRef>
+          <a:fontRef idx="minor">
+            <a:schemeClr val="lt1"/>
+          </a:fontRef>
+        </p:style>
+        <p:txBody>
+          <a:bodyPr rtlCol="0" anchor="ctr"/>
+          <a:lstStyle/>
+          <a:p>
+            <a:pPr algn="ctr"/>
+            <a:endParaRPr lang="ko-KR" altLang="en-US"/>
+          </a:p>
+        </p:txBody>
+      </p:sp>
+      <p:grpSp>
+        <p:nvGrpSpPr>
+          <p:cNvPr id="14" name="그룹 13"/>
+          <p:cNvGrpSpPr/>
+          <p:nvPr/>
+        </p:nvGrpSpPr>
+        <p:grpSpPr>
+          <a:xfrm>
+            <a:off x="5540189" y="2650499"/>
+            <a:ext cx="3307467" cy="1944216"/>
+            <a:chOff x="4899466" y="3830495"/>
+            <a:chExt cx="3307467" cy="1944216"/>
+          </a:xfrm>
+        </p:grpSpPr>
+        <p:pic>
+          <p:nvPicPr>
+            <p:cNvPr id="12" name="그림 11"/>
+            <p:cNvPicPr>
+              <a:picLocks noChangeAspect="1"/>
+            </p:cNvPicPr>
+            <p:nvPr/>
+          </p:nvPicPr>
+          <p:blipFill rotWithShape="1">
+            <a:blip r:embed="rId3">
+              <a:extLst>
+                <a:ext uri="{28A0092B-C50C-407E-A947-70E740481C1C}">
+                  <a14:useLocalDpi xmlns:a14="http://schemas.microsoft.com/office/drawing/2010/main" val="0"/>
+                </a:ext>
+              </a:extLst>
+            </a:blip>
+            <a:srcRect l="-1" t="53150" r="860" b="18500"/>
+            <a:stretch/>
+          </p:blipFill>
+          <p:spPr>
+            <a:xfrm>
+              <a:off x="4899466" y="3830495"/>
+              <a:ext cx="3307467" cy="1944216"/>
+            </a:xfrm>
+            <a:prstGeom prst="rect">
+              <a:avLst/>
+            </a:prstGeom>
+          </p:spPr>
+        </p:pic>
+        <p:sp>
+          <p:nvSpPr>
+            <p:cNvPr id="11" name="직사각형 10"/>
+            <p:cNvSpPr/>
+            <p:nvPr/>
+          </p:nvSpPr>
+          <p:spPr>
+            <a:xfrm>
+              <a:off x="5724127" y="4149080"/>
+              <a:ext cx="1296347" cy="216024"/>
+            </a:xfrm>
+            <a:prstGeom prst="rect">
+              <a:avLst/>
+            </a:prstGeom>
+            <a:noFill/>
+            <a:ln w="57150">
+              <a:solidFill>
+                <a:srgbClr val="C00000"/>
+              </a:solidFill>
+            </a:ln>
+          </p:spPr>
+          <p:style>
+            <a:lnRef idx="2">
+              <a:schemeClr val="accent1">
+                <a:shade val="50000"/>
+              </a:schemeClr>
+            </a:lnRef>
+            <a:fillRef idx="1">
+              <a:schemeClr val="accent1"/>
+            </a:fillRef>
+            <a:effectRef idx="0">
+              <a:schemeClr val="accent1"/>
+            </a:effectRef>
+            <a:fontRef idx="minor">
+              <a:schemeClr val="lt1"/>
+            </a:fontRef>
+          </p:style>
+          <p:txBody>
+            <a:bodyPr rtlCol="0" anchor="ctr"/>
+            <a:lstStyle/>
+            <a:p>
+              <a:pPr algn="ctr"/>
+              <a:endParaRPr lang="ko-KR" altLang="en-US"/>
+            </a:p>
+          </p:txBody>
+        </p:sp>
+      </p:grpSp>
+      <p:grpSp>
+        <p:nvGrpSpPr>
+          <p:cNvPr id="13" name="그룹 12"/>
+          <p:cNvGrpSpPr/>
+          <p:nvPr/>
+        </p:nvGrpSpPr>
+        <p:grpSpPr>
+          <a:xfrm>
+            <a:off x="209929" y="2620413"/>
+            <a:ext cx="3292465" cy="2004389"/>
+            <a:chOff x="209930" y="2709217"/>
+            <a:chExt cx="3055412" cy="1860076"/>
+          </a:xfrm>
+        </p:grpSpPr>
+        <p:pic>
+          <p:nvPicPr>
+            <p:cNvPr id="2" name="그림 1"/>
+            <p:cNvPicPr>
+              <a:picLocks noChangeAspect="1"/>
+            </p:cNvPicPr>
+            <p:nvPr/>
+          </p:nvPicPr>
+          <p:blipFill rotWithShape="1">
+            <a:blip r:embed="rId4">
+              <a:extLst>
+                <a:ext uri="{28A0092B-C50C-407E-A947-70E740481C1C}">
+                  <a14:useLocalDpi xmlns:a14="http://schemas.microsoft.com/office/drawing/2010/main" val="0"/>
+                </a:ext>
+              </a:extLst>
+            </a:blip>
+            <a:srcRect l="-1" t="51563" r="726" b="19038"/>
+            <a:stretch/>
+          </p:blipFill>
+          <p:spPr>
+            <a:xfrm>
+              <a:off x="209930" y="2709217"/>
+              <a:ext cx="3055412" cy="1860076"/>
+            </a:xfrm>
+            <a:prstGeom prst="rect">
+              <a:avLst/>
+            </a:prstGeom>
+          </p:spPr>
+        </p:pic>
+        <p:sp>
+          <p:nvSpPr>
+            <p:cNvPr id="17" name="직사각형 16"/>
+            <p:cNvSpPr/>
+            <p:nvPr/>
+          </p:nvSpPr>
+          <p:spPr>
+            <a:xfrm>
+              <a:off x="1017555" y="3132314"/>
+              <a:ext cx="720081" cy="221793"/>
+            </a:xfrm>
+            <a:prstGeom prst="rect">
+              <a:avLst/>
+            </a:prstGeom>
+            <a:noFill/>
+            <a:ln w="57150">
+              <a:solidFill>
+                <a:srgbClr val="C00000"/>
+              </a:solidFill>
+            </a:ln>
+          </p:spPr>
+          <p:style>
+            <a:lnRef idx="2">
+              <a:schemeClr val="accent1">
+                <a:shade val="50000"/>
+              </a:schemeClr>
+            </a:lnRef>
+            <a:fillRef idx="1">
+              <a:schemeClr val="accent1"/>
+            </a:fillRef>
+            <a:effectRef idx="0">
+              <a:schemeClr val="accent1"/>
+            </a:effectRef>
+            <a:fontRef idx="minor">
+              <a:schemeClr val="lt1"/>
+            </a:fontRef>
+          </p:style>
+          <p:txBody>
+            <a:bodyPr rtlCol="0" anchor="ctr"/>
+            <a:lstStyle/>
+            <a:p>
+              <a:pPr algn="ctr"/>
+              <a:endParaRPr lang="ko-KR" altLang="en-US"/>
+            </a:p>
+          </p:txBody>
+        </p:sp>
+      </p:grpSp>
+    </p:spTree>
+    <p:extLst>
+      <p:ext uri="{BB962C8B-B14F-4D97-AF65-F5344CB8AC3E}">
+        <p14:creationId xmlns:p14="http://schemas.microsoft.com/office/powerpoint/2010/main" val="136664612"/>
+      </p:ext>
+    </p:extLst>
+  </p:cSld>
+  <p:clrMapOvr>
+    <a:masterClrMapping/>
+  </p:clrMapOvr>
+  <p:transition/>
+  <p:timing>
+    <p:tnLst>
+      <p:par>
+        <p:cTn id="1" dur="indefinite" restart="never" nodeType="tmRoot"/>
+      </p:par>
+    </p:tnLst>
+  </p:timing>
+</p:sld>
+</file>
+
+<file path=ppt/slides/slide18.xml><?xml version="1.0" encoding="utf-8"?>
+<p:sld xmlns:a="http://schemas.openxmlformats.org/drawingml/2006/main" xmlns:r="http://schemas.openxmlformats.org/officeDocument/2006/relationships" xmlns:p="http://schemas.openxmlformats.org/presentationml/2006/main">
+  <p:cSld>
+    <p:spTree>
+      <p:nvGrpSpPr>
+        <p:cNvPr id="1" name=""/>
+        <p:cNvGrpSpPr/>
+        <p:nvPr/>
+      </p:nvGrpSpPr>
+      <p:grpSpPr>
+        <a:xfrm>
+          <a:off x="0" y="0"/>
+          <a:ext cx="0" cy="0"/>
+          <a:chOff x="0" y="0"/>
+          <a:chExt cx="0" cy="0"/>
+        </a:xfrm>
+      </p:grpSpPr>
+      <p:sp>
+        <p:nvSpPr>
+          <p:cNvPr id="2" name="슬라이드 번호 개체 틀 1"/>
+          <p:cNvSpPr>
+            <a:spLocks noGrp="1"/>
+          </p:cNvSpPr>
+          <p:nvPr>
+            <p:ph type="sldNum" sz="quarter" idx="12"/>
+          </p:nvPr>
+        </p:nvSpPr>
         <p:spPr/>
         <p:txBody>
           <a:bodyPr/>
@@ -3537,7 +7811,203 @@
           <a:p>
             <a:fld id="{B91F475D-C4CC-4CE8-81AD-732BFDCB340A}" type="slidenum">
               <a:rPr lang="ko-KR" altLang="en-US" smtClean="0"/>
-              <a:t>11</a:t>
+              <a:t>18</a:t>
+            </a:fld>
+            <a:endParaRPr lang="ko-KR" altLang="en-US"/>
+          </a:p>
+        </p:txBody>
+      </p:sp>
+      <p:sp>
+        <p:nvSpPr>
+          <p:cNvPr id="7" name="TextBox 6"/>
+          <p:cNvSpPr txBox="1"/>
+          <p:nvPr/>
+        </p:nvSpPr>
+        <p:spPr>
+          <a:xfrm>
+            <a:off x="251520" y="3566875"/>
+            <a:ext cx="7114480" cy="720197"/>
+          </a:xfrm>
+          <a:prstGeom prst="rect">
+            <a:avLst/>
+          </a:prstGeom>
+          <a:noFill/>
+        </p:spPr>
+        <p:txBody>
+          <a:bodyPr wrap="square" rtlCol="0">
+            <a:spAutoFit/>
+          </a:bodyPr>
+          <a:lstStyle/>
+          <a:p>
+            <a:pPr>
+              <a:lnSpc>
+                <a:spcPct val="85000"/>
+              </a:lnSpc>
+            </a:pPr>
+            <a:r>
+              <a:rPr lang="en-US" altLang="ko-KR" sz="4800" spc="600" dirty="0" smtClean="0">
+                <a:solidFill>
+                  <a:srgbClr val="FF0000"/>
+                </a:solidFill>
+                <a:effectLst>
+                  <a:outerShdw blurRad="38100" dist="38100" dir="2700000" algn="tl">
+                    <a:srgbClr val="000000">
+                      <a:alpha val="43137"/>
+                    </a:srgbClr>
+                  </a:outerShdw>
+                </a:effectLst>
+                <a:latin typeface="나눔고딕" pitchFamily="50" charset="-127"/>
+                <a:ea typeface="나눔고딕" pitchFamily="50" charset="-127"/>
+              </a:rPr>
+              <a:t>A</a:t>
+            </a:r>
+            <a:r>
+              <a:rPr lang="en-US" altLang="ko-KR" sz="4800" spc="600" dirty="0" smtClean="0">
+                <a:gradFill>
+                  <a:gsLst>
+                    <a:gs pos="0">
+                      <a:srgbClr val="7E858E"/>
+                    </a:gs>
+                    <a:gs pos="50000">
+                      <a:srgbClr val="7E858E"/>
+                    </a:gs>
+                  </a:gsLst>
+                  <a:lin ang="5400000" scaled="0"/>
+                </a:gradFill>
+                <a:effectLst>
+                  <a:outerShdw blurRad="38100" dist="38100" dir="2700000" algn="tl">
+                    <a:srgbClr val="000000">
+                      <a:alpha val="43137"/>
+                    </a:srgbClr>
+                  </a:outerShdw>
+                </a:effectLst>
+                <a:latin typeface="나눔고딕" pitchFamily="50" charset="-127"/>
+                <a:ea typeface="나눔고딕" pitchFamily="50" charset="-127"/>
+              </a:rPr>
+              <a:t>pp </a:t>
+            </a:r>
+            <a:r>
+              <a:rPr lang="en-US" altLang="ko-KR" sz="4800" spc="600" dirty="0" smtClean="0">
+                <a:solidFill>
+                  <a:srgbClr val="FF0000"/>
+                </a:solidFill>
+                <a:effectLst>
+                  <a:outerShdw blurRad="38100" dist="38100" dir="2700000" algn="tl">
+                    <a:srgbClr val="000000">
+                      <a:alpha val="43137"/>
+                    </a:srgbClr>
+                  </a:outerShdw>
+                </a:effectLst>
+                <a:latin typeface="나눔고딕" pitchFamily="50" charset="-127"/>
+                <a:ea typeface="나눔고딕" pitchFamily="50" charset="-127"/>
+              </a:rPr>
+              <a:t>C</a:t>
+            </a:r>
+            <a:r>
+              <a:rPr lang="en-US" altLang="ko-KR" sz="4800" spc="600" dirty="0" smtClean="0">
+                <a:gradFill>
+                  <a:gsLst>
+                    <a:gs pos="0">
+                      <a:srgbClr val="7E858E"/>
+                    </a:gs>
+                    <a:gs pos="50000">
+                      <a:srgbClr val="7E858E"/>
+                    </a:gs>
+                  </a:gsLst>
+                  <a:lin ang="5400000" scaled="0"/>
+                </a:gradFill>
+                <a:effectLst>
+                  <a:outerShdw blurRad="38100" dist="38100" dir="2700000" algn="tl">
+                    <a:srgbClr val="000000">
+                      <a:alpha val="43137"/>
+                    </a:srgbClr>
+                  </a:outerShdw>
+                </a:effectLst>
+                <a:latin typeface="나눔고딕" pitchFamily="50" charset="-127"/>
+                <a:ea typeface="나눔고딕" pitchFamily="50" charset="-127"/>
+              </a:rPr>
+              <a:t>lient</a:t>
+            </a:r>
+            <a:endParaRPr lang="ko-KR" altLang="en-US" sz="4800" spc="600" dirty="0">
+              <a:gradFill>
+                <a:gsLst>
+                  <a:gs pos="0">
+                    <a:srgbClr val="7E858E"/>
+                  </a:gs>
+                  <a:gs pos="50000">
+                    <a:srgbClr val="7E858E"/>
+                  </a:gs>
+                </a:gsLst>
+                <a:lin ang="5400000" scaled="0"/>
+              </a:gradFill>
+              <a:effectLst>
+                <a:outerShdw blurRad="38100" dist="38100" dir="2700000" algn="tl">
+                  <a:srgbClr val="000000">
+                    <a:alpha val="43137"/>
+                  </a:srgbClr>
+                </a:outerShdw>
+              </a:effectLst>
+              <a:latin typeface="나눔고딕" pitchFamily="50" charset="-127"/>
+              <a:ea typeface="나눔고딕" pitchFamily="50" charset="-127"/>
+            </a:endParaRPr>
+          </a:p>
+        </p:txBody>
+      </p:sp>
+    </p:spTree>
+    <p:extLst>
+      <p:ext uri="{BB962C8B-B14F-4D97-AF65-F5344CB8AC3E}">
+        <p14:creationId xmlns:p14="http://schemas.microsoft.com/office/powerpoint/2010/main" val="2157935345"/>
+      </p:ext>
+    </p:extLst>
+  </p:cSld>
+  <p:clrMapOvr>
+    <a:masterClrMapping/>
+  </p:clrMapOvr>
+  <p:timing>
+    <p:tnLst>
+      <p:par>
+        <p:cTn id="1" dur="indefinite" restart="never" nodeType="tmRoot"/>
+      </p:par>
+    </p:tnLst>
+  </p:timing>
+</p:sld>
+</file>
+
+<file path=ppt/slides/slide19.xml><?xml version="1.0" encoding="utf-8"?>
+<p:sld xmlns:a="http://schemas.openxmlformats.org/drawingml/2006/main" xmlns:r="http://schemas.openxmlformats.org/officeDocument/2006/relationships" xmlns:p="http://schemas.openxmlformats.org/presentationml/2006/main">
+  <p:cSld>
+    <p:spTree>
+      <p:nvGrpSpPr>
+        <p:cNvPr id="1" name=""/>
+        <p:cNvGrpSpPr/>
+        <p:nvPr/>
+      </p:nvGrpSpPr>
+      <p:grpSpPr>
+        <a:xfrm>
+          <a:off x="0" y="0"/>
+          <a:ext cx="0" cy="0"/>
+          <a:chOff x="0" y="0"/>
+          <a:chExt cx="0" cy="0"/>
+        </a:xfrm>
+      </p:grpSpPr>
+      <p:sp>
+        <p:nvSpPr>
+          <p:cNvPr id="2" name="슬라이드 번호 개체 틀 1"/>
+          <p:cNvSpPr>
+            <a:spLocks noGrp="1"/>
+          </p:cNvSpPr>
+          <p:nvPr>
+            <p:ph type="sldNum" sz="quarter" idx="12"/>
+          </p:nvPr>
+        </p:nvSpPr>
+        <p:spPr/>
+        <p:txBody>
+          <a:bodyPr/>
+          <a:lstStyle/>
+          <a:p>
+            <a:fld id="{B91F475D-C4CC-4CE8-81AD-732BFDCB340A}" type="slidenum">
+              <a:rPr lang="ko-KR" altLang="en-US" smtClean="0"/>
+              <a:t>19</a:t>
             </a:fld>
             <a:endParaRPr lang="ko-KR" altLang="en-US"/>
           </a:p>
@@ -3611,7 +8081,7 @@
         </p:nvSpPr>
         <p:spPr>
           <a:xfrm>
-            <a:off x="-252536" y="2420888"/>
+            <a:off x="113224" y="1563456"/>
             <a:ext cx="2736304" cy="2736304"/>
           </a:xfrm>
           <a:prstGeom prst="ellipse">
@@ -3699,7 +8169,7 @@
         </p:nvSpPr>
         <p:spPr>
           <a:xfrm>
-            <a:off x="2051720" y="2439936"/>
+            <a:off x="1781210" y="2988576"/>
             <a:ext cx="2736304" cy="2736304"/>
           </a:xfrm>
           <a:prstGeom prst="ellipse">
@@ -3767,7 +8237,7 @@
         </p:nvSpPr>
         <p:spPr>
           <a:xfrm>
-            <a:off x="4338540" y="2439936"/>
+            <a:off x="3449196" y="1563456"/>
             <a:ext cx="2736304" cy="2736304"/>
           </a:xfrm>
           <a:prstGeom prst="ellipse">
@@ -3835,7 +8305,7 @@
         </p:nvSpPr>
         <p:spPr>
           <a:xfrm>
-            <a:off x="6660232" y="2420888"/>
+            <a:off x="6785168" y="1563456"/>
             <a:ext cx="2736304" cy="2736304"/>
           </a:xfrm>
           <a:prstGeom prst="ellipse">
@@ -3889,6 +8359,64 @@
               <a:t>Client</a:t>
             </a:r>
             <a:endParaRPr lang="en-US" altLang="ko-KR" sz="2400" spc="80" dirty="0">
+              <a:latin typeface="나눔고딕" pitchFamily="50" charset="-127"/>
+              <a:ea typeface="나눔고딕" pitchFamily="50" charset="-127"/>
+            </a:endParaRPr>
+          </a:p>
+        </p:txBody>
+      </p:sp>
+      <p:sp>
+        <p:nvSpPr>
+          <p:cNvPr id="11" name="타원 10"/>
+          <p:cNvSpPr/>
+          <p:nvPr/>
+        </p:nvSpPr>
+        <p:spPr>
+          <a:xfrm>
+            <a:off x="5117182" y="2988576"/>
+            <a:ext cx="2736304" cy="2736304"/>
+          </a:xfrm>
+          <a:prstGeom prst="ellipse">
+            <a:avLst/>
+          </a:prstGeom>
+          <a:solidFill>
+            <a:srgbClr val="C00000">
+              <a:alpha val="85000"/>
+            </a:srgbClr>
+          </a:solidFill>
+          <a:ln>
+            <a:noFill/>
+          </a:ln>
+        </p:spPr>
+        <p:style>
+          <a:lnRef idx="2">
+            <a:schemeClr val="accent1">
+              <a:shade val="50000"/>
+            </a:schemeClr>
+          </a:lnRef>
+          <a:fillRef idx="1">
+            <a:schemeClr val="accent1"/>
+          </a:fillRef>
+          <a:effectRef idx="0">
+            <a:schemeClr val="accent1"/>
+          </a:effectRef>
+          <a:fontRef idx="minor">
+            <a:schemeClr val="lt1"/>
+          </a:fontRef>
+        </p:style>
+        <p:txBody>
+          <a:bodyPr rtlCol="0" anchor="ctr"/>
+          <a:lstStyle/>
+          <a:p>
+            <a:pPr algn="ctr"/>
+            <a:r>
+              <a:rPr lang="en-US" altLang="ko-KR" sz="2400" spc="80" dirty="0" smtClean="0">
+                <a:latin typeface="나눔고딕" pitchFamily="50" charset="-127"/>
+                <a:ea typeface="나눔고딕" pitchFamily="50" charset="-127"/>
+              </a:rPr>
+              <a:t>Sensor</a:t>
+            </a:r>
+            <a:endParaRPr lang="ko-KR" altLang="en-US" sz="2400" spc="80" dirty="0">
               <a:latin typeface="나눔고딕" pitchFamily="50" charset="-127"/>
               <a:ea typeface="나눔고딕" pitchFamily="50" charset="-127"/>
             </a:endParaRPr>
@@ -4889,39 +9417,166 @@
           <a:chExt cx="0" cy="0"/>
         </a:xfrm>
       </p:grpSpPr>
-      <p:sp>
-        <p:nvSpPr>
-          <p:cNvPr id="2" name="슬라이드 번호 개체 틀 1"/>
-          <p:cNvSpPr>
-            <a:spLocks noGrp="1"/>
-          </p:cNvSpPr>
-          <p:nvPr>
-            <p:ph type="sldNum" sz="quarter" idx="12"/>
-          </p:nvPr>
-        </p:nvSpPr>
-        <p:spPr/>
-        <p:txBody>
-          <a:bodyPr/>
-          <a:lstStyle/>
-          <a:p>
-            <a:fld id="{B91F475D-C4CC-4CE8-81AD-732BFDCB340A}" type="slidenum">
-              <a:rPr lang="ko-KR" altLang="en-US" smtClean="0"/>
-              <a:t>9</a:t>
-            </a:fld>
-            <a:endParaRPr lang="ko-KR" altLang="en-US"/>
-          </a:p>
-        </p:txBody>
-      </p:sp>
-      <p:sp>
-        <p:nvSpPr>
-          <p:cNvPr id="3" name="TextBox 2"/>
+      <p:cxnSp>
+        <p:nvCxnSpPr>
+          <p:cNvPr id="15" name="직선 연결선 14"/>
+          <p:cNvCxnSpPr/>
+          <p:nvPr/>
+        </p:nvCxnSpPr>
+        <p:spPr>
+          <a:xfrm>
+            <a:off x="251520" y="332656"/>
+            <a:ext cx="8640960" cy="0"/>
+          </a:xfrm>
+          <a:prstGeom prst="line">
+            <a:avLst/>
+          </a:prstGeom>
+          <a:ln w="3175">
+            <a:solidFill>
+              <a:srgbClr val="68727E"/>
+            </a:solidFill>
+          </a:ln>
+        </p:spPr>
+        <p:style>
+          <a:lnRef idx="1">
+            <a:schemeClr val="accent1"/>
+          </a:lnRef>
+          <a:fillRef idx="0">
+            <a:schemeClr val="accent1"/>
+          </a:fillRef>
+          <a:effectRef idx="0">
+            <a:schemeClr val="accent1"/>
+          </a:effectRef>
+          <a:fontRef idx="minor">
+            <a:schemeClr val="tx1"/>
+          </a:fontRef>
+        </p:style>
+      </p:cxnSp>
+      <p:cxnSp>
+        <p:nvCxnSpPr>
+          <p:cNvPr id="19" name="직선 연결선 18"/>
+          <p:cNvCxnSpPr/>
+          <p:nvPr/>
+        </p:nvCxnSpPr>
+        <p:spPr>
+          <a:xfrm>
+            <a:off x="221703" y="1038567"/>
+            <a:ext cx="8640960" cy="0"/>
+          </a:xfrm>
+          <a:prstGeom prst="line">
+            <a:avLst/>
+          </a:prstGeom>
+          <a:ln w="3175">
+            <a:solidFill>
+              <a:srgbClr val="68727E"/>
+            </a:solidFill>
+          </a:ln>
+        </p:spPr>
+        <p:style>
+          <a:lnRef idx="1">
+            <a:schemeClr val="accent1"/>
+          </a:lnRef>
+          <a:fillRef idx="0">
+            <a:schemeClr val="accent1"/>
+          </a:fillRef>
+          <a:effectRef idx="0">
+            <a:schemeClr val="accent1"/>
+          </a:effectRef>
+          <a:fontRef idx="minor">
+            <a:schemeClr val="tx1"/>
+          </a:fontRef>
+        </p:style>
+      </p:cxnSp>
+      <p:sp>
+        <p:nvSpPr>
+          <p:cNvPr id="16" name="TextBox 15"/>
           <p:cNvSpPr txBox="1"/>
           <p:nvPr/>
         </p:nvSpPr>
         <p:spPr>
           <a:xfrm>
+            <a:off x="7020475" y="755296"/>
+            <a:ext cx="1872208" cy="240066"/>
+          </a:xfrm>
+          <a:prstGeom prst="rect">
+            <a:avLst/>
+          </a:prstGeom>
+          <a:noFill/>
+        </p:spPr>
+        <p:txBody>
+          <a:bodyPr wrap="square" rtlCol="0">
+            <a:spAutoFit/>
+          </a:bodyPr>
+          <a:lstStyle/>
+          <a:p>
+            <a:pPr algn="r">
+              <a:lnSpc>
+                <a:spcPct val="80000"/>
+              </a:lnSpc>
+            </a:pPr>
+            <a:r>
+              <a:rPr lang="en-US" altLang="ko-KR" sz="1200" b="1" dirty="0">
+                <a:solidFill>
+                  <a:srgbClr val="FFC000"/>
+                </a:solidFill>
+                <a:effectLst>
+                  <a:outerShdw blurRad="38100" dist="38100" dir="2700000" algn="tl">
+                    <a:srgbClr val="000000">
+                      <a:alpha val="43137"/>
+                    </a:srgbClr>
+                  </a:outerShdw>
+                </a:effectLst>
+                <a:latin typeface="나눔고딕" pitchFamily="50" charset="-127"/>
+                <a:ea typeface="나눔고딕" pitchFamily="50" charset="-127"/>
+              </a:rPr>
+              <a:t>C</a:t>
+            </a:r>
+            <a:r>
+              <a:rPr lang="en-US" altLang="ko-KR" sz="1200" b="1" dirty="0">
+                <a:gradFill>
+                  <a:gsLst>
+                    <a:gs pos="0">
+                      <a:srgbClr val="68727E"/>
+                    </a:gs>
+                    <a:gs pos="50000">
+                      <a:srgbClr val="68727E"/>
+                    </a:gs>
+                  </a:gsLst>
+                  <a:lin ang="5400000" scaled="0"/>
+                </a:gradFill>
+                <a:latin typeface="나눔고딕" pitchFamily="50" charset="-127"/>
+                <a:ea typeface="나눔고딕" pitchFamily="50" charset="-127"/>
+              </a:rPr>
+              <a:t> team</a:t>
+            </a:r>
+            <a:endParaRPr lang="ko-KR" altLang="en-US" sz="1200" b="1" dirty="0">
+              <a:gradFill>
+                <a:gsLst>
+                  <a:gs pos="0">
+                    <a:srgbClr val="68727E"/>
+                  </a:gs>
+                  <a:gs pos="50000">
+                    <a:srgbClr val="68727E"/>
+                  </a:gs>
+                </a:gsLst>
+                <a:lin ang="5400000" scaled="0"/>
+              </a:gradFill>
+              <a:latin typeface="나눔고딕" pitchFamily="50" charset="-127"/>
+              <a:ea typeface="나눔고딕" pitchFamily="50" charset="-127"/>
+            </a:endParaRPr>
+          </a:p>
+        </p:txBody>
+      </p:sp>
+      <p:sp>
+        <p:nvSpPr>
+          <p:cNvPr id="21" name="TextBox 20"/>
+          <p:cNvSpPr txBox="1"/>
+          <p:nvPr/>
+        </p:nvSpPr>
+        <p:spPr>
+          <a:xfrm>
             <a:off x="179512" y="461805"/>
-            <a:ext cx="7056784" cy="369332"/>
+            <a:ext cx="5184576" cy="369332"/>
           </a:xfrm>
           <a:prstGeom prst="rect">
             <a:avLst/>
@@ -4955,7 +9610,25 @@
                 <a:latin typeface="나눔고딕" pitchFamily="50" charset="-127"/>
                 <a:ea typeface="나눔고딕" pitchFamily="50" charset="-127"/>
               </a:rPr>
-              <a:t>Sequence Diagram</a:t>
+              <a:t>Data send </a:t>
+            </a:r>
+            <a:r>
+              <a:rPr lang="en-US" altLang="ko-KR" sz="2000" spc="300" dirty="0">
+                <a:gradFill>
+                  <a:gsLst>
+                    <a:gs pos="0">
+                      <a:srgbClr val="C00000"/>
+                    </a:gs>
+                    <a:gs pos="100000">
+                      <a:srgbClr val="C00000"/>
+                    </a:gs>
+                  </a:gsLst>
+                  <a:lin ang="5400000" scaled="0"/>
+                </a:gradFill>
+                <a:latin typeface="나눔고딕" pitchFamily="50" charset="-127"/>
+                <a:ea typeface="나눔고딕" pitchFamily="50" charset="-127"/>
+              </a:rPr>
+              <a:t>Sequence  Diagram</a:t>
             </a:r>
             <a:endParaRPr lang="ko-KR" altLang="en-US" sz="2000" spc="300" dirty="0">
               <a:gradFill>
@@ -4975,16 +9648,218 @@
           </a:p>
         </p:txBody>
       </p:sp>
+      <p:sp>
+        <p:nvSpPr>
+          <p:cNvPr id="5" name="슬라이드 번호 개체 틀 4"/>
+          <p:cNvSpPr>
+            <a:spLocks noGrp="1"/>
+          </p:cNvSpPr>
+          <p:nvPr>
+            <p:ph type="sldNum" sz="quarter" idx="12"/>
+          </p:nvPr>
+        </p:nvSpPr>
+        <p:spPr/>
+        <p:txBody>
+          <a:bodyPr/>
+          <a:lstStyle/>
+          <a:p>
+            <a:fld id="{963B0023-0CED-47F7-85AE-654F0B232C29}" type="slidenum">
+              <a:rPr lang="en-US" altLang="ko-KR" smtClean="0"/>
+              <a:pPr/>
+              <a:t>9</a:t>
+            </a:fld>
+            <a:endParaRPr kumimoji="0" lang="ko-KR" altLang="en-US"/>
+          </a:p>
+        </p:txBody>
+      </p:sp>
+      <p:sp>
+        <p:nvSpPr>
+          <p:cNvPr id="9" name="TextBox 8"/>
+          <p:cNvSpPr txBox="1"/>
+          <p:nvPr/>
+        </p:nvSpPr>
+        <p:spPr>
+          <a:xfrm>
+            <a:off x="8585385" y="6377836"/>
+            <a:ext cx="637728" cy="307777"/>
+          </a:xfrm>
+          <a:prstGeom prst="rect">
+            <a:avLst/>
+          </a:prstGeom>
+          <a:noFill/>
+        </p:spPr>
+        <p:txBody>
+          <a:bodyPr wrap="square" rtlCol="0">
+            <a:spAutoFit/>
+          </a:bodyPr>
+          <a:lstStyle/>
+          <a:p>
+            <a:r>
+              <a:rPr lang="en-US" altLang="ko-KR" sz="1400" dirty="0" smtClean="0">
+                <a:solidFill>
+                  <a:schemeClr val="bg1">
+                    <a:lumMod val="50000"/>
+                  </a:schemeClr>
+                </a:solidFill>
+              </a:rPr>
+              <a:t>/19</a:t>
+            </a:r>
+            <a:endParaRPr lang="ko-KR" altLang="en-US" sz="1400" dirty="0">
+              <a:solidFill>
+                <a:schemeClr val="bg1">
+                  <a:lumMod val="50000"/>
+                </a:schemeClr>
+              </a:solidFill>
+            </a:endParaRPr>
+          </a:p>
+        </p:txBody>
+      </p:sp>
+      <p:grpSp>
+        <p:nvGrpSpPr>
+          <p:cNvPr id="26" name="그룹 25"/>
+          <p:cNvGrpSpPr/>
+          <p:nvPr/>
+        </p:nvGrpSpPr>
+        <p:grpSpPr>
+          <a:xfrm>
+            <a:off x="5364088" y="1254520"/>
+            <a:ext cx="3024336" cy="5200955"/>
+            <a:chOff x="-8067016" y="-3574663"/>
+            <a:chExt cx="7670464" cy="10745700"/>
+          </a:xfrm>
+        </p:grpSpPr>
+        <p:pic>
+          <p:nvPicPr>
+            <p:cNvPr id="12" name="그림 11"/>
+            <p:cNvPicPr>
+              <a:picLocks noChangeAspect="1"/>
+            </p:cNvPicPr>
+            <p:nvPr/>
+          </p:nvPicPr>
+          <p:blipFill>
+            <a:blip r:embed="rId3">
+              <a:extLst>
+                <a:ext uri="{28A0092B-C50C-407E-A947-70E740481C1C}">
+                  <a14:useLocalDpi xmlns:a14="http://schemas.microsoft.com/office/drawing/2010/main" val="0"/>
+                </a:ext>
+              </a:extLst>
+            </a:blip>
+            <a:stretch>
+              <a:fillRect/>
+            </a:stretch>
+          </p:blipFill>
+          <p:spPr>
+            <a:xfrm>
+              <a:off x="-8067016" y="-3574663"/>
+              <a:ext cx="6716062" cy="3553321"/>
+            </a:xfrm>
+            <a:prstGeom prst="rect">
+              <a:avLst/>
+            </a:prstGeom>
+          </p:spPr>
+        </p:pic>
+        <p:pic>
+          <p:nvPicPr>
+            <p:cNvPr id="13" name="그림 12"/>
+            <p:cNvPicPr>
+              <a:picLocks noChangeAspect="1"/>
+            </p:cNvPicPr>
+            <p:nvPr/>
+          </p:nvPicPr>
+          <p:blipFill>
+            <a:blip r:embed="rId4">
+              <a:extLst>
+                <a:ext uri="{28A0092B-C50C-407E-A947-70E740481C1C}">
+                  <a14:useLocalDpi xmlns:a14="http://schemas.microsoft.com/office/drawing/2010/main" val="0"/>
+                </a:ext>
+              </a:extLst>
+            </a:blip>
+            <a:stretch>
+              <a:fillRect/>
+            </a:stretch>
+          </p:blipFill>
+          <p:spPr>
+            <a:xfrm>
+              <a:off x="-8046195" y="-21342"/>
+              <a:ext cx="7649643" cy="4210638"/>
+            </a:xfrm>
+            <a:prstGeom prst="rect">
+              <a:avLst/>
+            </a:prstGeom>
+          </p:spPr>
+        </p:pic>
+        <p:pic>
+          <p:nvPicPr>
+            <p:cNvPr id="14" name="그림 13"/>
+            <p:cNvPicPr>
+              <a:picLocks noChangeAspect="1"/>
+            </p:cNvPicPr>
+            <p:nvPr/>
+          </p:nvPicPr>
+          <p:blipFill>
+            <a:blip r:embed="rId5">
+              <a:extLst>
+                <a:ext uri="{28A0092B-C50C-407E-A947-70E740481C1C}">
+                  <a14:useLocalDpi xmlns:a14="http://schemas.microsoft.com/office/drawing/2010/main" val="0"/>
+                </a:ext>
+              </a:extLst>
+            </a:blip>
+            <a:stretch>
+              <a:fillRect/>
+            </a:stretch>
+          </p:blipFill>
+          <p:spPr>
+            <a:xfrm>
+              <a:off x="-8024391" y="4189296"/>
+              <a:ext cx="7220958" cy="2981741"/>
+            </a:xfrm>
+            <a:prstGeom prst="rect">
+              <a:avLst/>
+            </a:prstGeom>
+          </p:spPr>
+        </p:pic>
+      </p:grpSp>
+      <p:pic>
+        <p:nvPicPr>
+          <p:cNvPr id="28" name="그림 27"/>
+          <p:cNvPicPr>
+            <a:picLocks noChangeAspect="1"/>
+          </p:cNvPicPr>
+          <p:nvPr/>
+        </p:nvPicPr>
+        <p:blipFill>
+          <a:blip r:embed="rId3">
+            <a:extLst>
+              <a:ext uri="{28A0092B-C50C-407E-A947-70E740481C1C}">
+                <a14:useLocalDpi xmlns:a14="http://schemas.microsoft.com/office/drawing/2010/main" val="0"/>
+              </a:ext>
+            </a:extLst>
+          </a:blip>
+          <a:stretch>
+            <a:fillRect/>
+          </a:stretch>
+        </p:blipFill>
+        <p:spPr>
+          <a:xfrm>
+            <a:off x="395536" y="1932360"/>
+            <a:ext cx="4608800" cy="2993281"/>
+          </a:xfrm>
+          <a:prstGeom prst="rect">
+            <a:avLst/>
+          </a:prstGeom>
+        </p:spPr>
+      </p:pic>
     </p:spTree>
     <p:extLst>
       <p:ext uri="{BB962C8B-B14F-4D97-AF65-F5344CB8AC3E}">
-        <p14:creationId xmlns:p14="http://schemas.microsoft.com/office/powerpoint/2010/main" val="3256681367"/>
+        <p14:creationId xmlns:p14="http://schemas.microsoft.com/office/powerpoint/2010/main" val="2258200493"/>
       </p:ext>
     </p:extLst>
   </p:cSld>
   <p:clrMapOvr>
     <a:masterClrMapping/>
   </p:clrMapOvr>
+  <p:transition/>
   <p:timing>
     <p:tnLst>
       <p:par>

--- a/3week/ppt/3week.pptx
+++ b/3week/ppt/3week.pptx
@@ -5,7 +5,7 @@
     <p:sldMasterId id="2147483660" r:id="rId1"/>
   </p:sldMasterIdLst>
   <p:notesMasterIdLst>
-    <p:notesMasterId r:id="rId14"/>
+    <p:notesMasterId r:id="rId20"/>
   </p:notesMasterIdLst>
   <p:sldIdLst>
     <p:sldId id="256" r:id="rId2"/>
@@ -14,12 +14,18 @@
     <p:sldId id="259" r:id="rId5"/>
     <p:sldId id="268" r:id="rId6"/>
     <p:sldId id="262" r:id="rId7"/>
-    <p:sldId id="263" r:id="rId8"/>
-    <p:sldId id="264" r:id="rId9"/>
-    <p:sldId id="265" r:id="rId10"/>
-    <p:sldId id="266" r:id="rId11"/>
-    <p:sldId id="267" r:id="rId12"/>
-    <p:sldId id="260" r:id="rId13"/>
+    <p:sldId id="264" r:id="rId8"/>
+    <p:sldId id="265" r:id="rId9"/>
+    <p:sldId id="269" r:id="rId10"/>
+    <p:sldId id="270" r:id="rId11"/>
+    <p:sldId id="271" r:id="rId12"/>
+    <p:sldId id="272" r:id="rId13"/>
+    <p:sldId id="273" r:id="rId14"/>
+    <p:sldId id="274" r:id="rId15"/>
+    <p:sldId id="276" r:id="rId16"/>
+    <p:sldId id="275" r:id="rId17"/>
+    <p:sldId id="266" r:id="rId18"/>
+    <p:sldId id="260" r:id="rId19"/>
   </p:sldIdLst>
   <p:sldSz cx="9144000" cy="6858000" type="screen4x3"/>
   <p:notesSz cx="6858000" cy="9144000"/>
@@ -118,6 +124,11 @@
       </a:defRPr>
     </a:lvl9pPr>
   </p:defaultTextStyle>
+  <p:extLst>
+    <p:ext uri="{EFAFB233-063F-42B5-8137-9DF3F51BA10A}">
+      <p15:sldGuideLst xmlns:p15="http://schemas.microsoft.com/office/powerpoint/2012/main"/>
+    </p:ext>
+  </p:extLst>
 </p:presentation>
 </file>
 
@@ -471,6 +482,724 @@
 </p:notesMaster>
 </file>
 
+<file path=ppt/notesSlides/notesSlide1.xml><?xml version="1.0" encoding="utf-8"?>
+<p:notes xmlns:a="http://schemas.openxmlformats.org/drawingml/2006/main" xmlns:r="http://schemas.openxmlformats.org/officeDocument/2006/relationships" xmlns:p="http://schemas.openxmlformats.org/presentationml/2006/main">
+  <p:cSld>
+    <p:spTree>
+      <p:nvGrpSpPr>
+        <p:cNvPr id="1" name=""/>
+        <p:cNvGrpSpPr/>
+        <p:nvPr/>
+      </p:nvGrpSpPr>
+      <p:grpSpPr>
+        <a:xfrm>
+          <a:off x="0" y="0"/>
+          <a:ext cx="0" cy="0"/>
+          <a:chOff x="0" y="0"/>
+          <a:chExt cx="0" cy="0"/>
+        </a:xfrm>
+      </p:grpSpPr>
+      <p:sp>
+        <p:nvSpPr>
+          <p:cNvPr id="2" name="슬라이드 이미지 개체 틀 1"/>
+          <p:cNvSpPr>
+            <a:spLocks noGrp="1" noRot="1" noChangeAspect="1"/>
+          </p:cNvSpPr>
+          <p:nvPr>
+            <p:ph type="sldImg"/>
+          </p:nvPr>
+        </p:nvSpPr>
+        <p:spPr/>
+      </p:sp>
+      <p:sp>
+        <p:nvSpPr>
+          <p:cNvPr id="3" name="슬라이드 노트 개체 틀 2"/>
+          <p:cNvSpPr>
+            <a:spLocks noGrp="1"/>
+          </p:cNvSpPr>
+          <p:nvPr>
+            <p:ph type="body" idx="1"/>
+          </p:nvPr>
+        </p:nvSpPr>
+        <p:spPr/>
+        <p:txBody>
+          <a:bodyPr/>
+          <a:lstStyle/>
+          <a:p>
+            <a:r>
+              <a:rPr lang="ko-KR" altLang="en-US" dirty="0" smtClean="0"/>
+              <a:t>기능적인 측면에서 아직 수정 될 부분이 존재하지만 우리의 현재까지의 계획은 다음과 같다</a:t>
+            </a:r>
+            <a:r>
+              <a:rPr lang="en-US" altLang="ko-KR" dirty="0" smtClean="0"/>
+              <a:t>.</a:t>
+            </a:r>
+          </a:p>
+          <a:p>
+            <a:r>
+              <a:rPr lang="en-US" altLang="ko-KR" dirty="0" smtClean="0"/>
+              <a:t>1. </a:t>
+            </a:r>
+            <a:r>
+              <a:rPr lang="ko-KR" altLang="en-US" dirty="0" smtClean="0"/>
+              <a:t>센서의 기능은 </a:t>
+            </a:r>
+            <a:r>
+              <a:rPr lang="en-US" altLang="ko-KR" dirty="0" smtClean="0"/>
+              <a:t>change da~~,~~,~~,`~,~~ </a:t>
+            </a:r>
+            <a:r>
+              <a:rPr lang="ko-KR" altLang="en-US" dirty="0" smtClean="0"/>
+              <a:t>등이 있다</a:t>
+            </a:r>
+            <a:r>
+              <a:rPr lang="en-US" altLang="ko-KR" dirty="0" smtClean="0"/>
+              <a:t>.</a:t>
+            </a:r>
+          </a:p>
+          <a:p>
+            <a:r>
+              <a:rPr lang="en-US" altLang="ko-KR" dirty="0" smtClean="0"/>
+              <a:t>2. App client </a:t>
+            </a:r>
+            <a:r>
+              <a:rPr lang="ko-KR" altLang="en-US" dirty="0" smtClean="0"/>
+              <a:t>의 기능은 </a:t>
+            </a:r>
+            <a:r>
+              <a:rPr lang="en-US" altLang="ko-KR" dirty="0" smtClean="0"/>
+              <a:t>~~</a:t>
+            </a:r>
+            <a:r>
+              <a:rPr lang="ko-KR" altLang="en-US" dirty="0" smtClean="0"/>
+              <a:t>가 있다</a:t>
+            </a:r>
+            <a:r>
+              <a:rPr lang="en-US" altLang="ko-KR" dirty="0" smtClean="0"/>
+              <a:t>.</a:t>
+            </a:r>
+          </a:p>
+          <a:p>
+            <a:r>
+              <a:rPr lang="en-US" altLang="ko-KR" dirty="0" smtClean="0"/>
+              <a:t>3. Web client </a:t>
+            </a:r>
+            <a:r>
+              <a:rPr lang="ko-KR" altLang="en-US" dirty="0" smtClean="0"/>
+              <a:t>의 기능은 </a:t>
+            </a:r>
+            <a:r>
+              <a:rPr lang="en-US" altLang="ko-KR" dirty="0" smtClean="0"/>
+              <a:t>~~</a:t>
+            </a:r>
+            <a:r>
+              <a:rPr lang="ko-KR" altLang="en-US" dirty="0" smtClean="0"/>
+              <a:t>가 있다</a:t>
+            </a:r>
+            <a:r>
+              <a:rPr lang="en-US" altLang="ko-KR" dirty="0" smtClean="0"/>
+              <a:t>. </a:t>
+            </a:r>
+          </a:p>
+          <a:p>
+            <a:endParaRPr lang="en-US" altLang="ko-KR" dirty="0" smtClean="0"/>
+          </a:p>
+          <a:p>
+            <a:endParaRPr lang="ko-KR" altLang="ko-KR" dirty="0" smtClean="0"/>
+          </a:p>
+          <a:p>
+            <a:endParaRPr lang="ko-KR" altLang="en-US" dirty="0"/>
+          </a:p>
+        </p:txBody>
+      </p:sp>
+      <p:sp>
+        <p:nvSpPr>
+          <p:cNvPr id="4" name="슬라이드 번호 개체 틀 3"/>
+          <p:cNvSpPr>
+            <a:spLocks noGrp="1"/>
+          </p:cNvSpPr>
+          <p:nvPr>
+            <p:ph type="sldNum" sz="quarter" idx="10"/>
+          </p:nvPr>
+        </p:nvSpPr>
+        <p:spPr/>
+        <p:txBody>
+          <a:bodyPr/>
+          <a:lstStyle/>
+          <a:p>
+            <a:fld id="{80DB27A2-3C4B-459A-A634-BE883C249080}" type="slidenum">
+              <a:rPr lang="ko-KR" altLang="en-US" smtClean="0"/>
+              <a:t>4</a:t>
+            </a:fld>
+            <a:endParaRPr lang="ko-KR" altLang="en-US"/>
+          </a:p>
+        </p:txBody>
+      </p:sp>
+    </p:spTree>
+    <p:extLst>
+      <p:ext uri="{BB962C8B-B14F-4D97-AF65-F5344CB8AC3E}">
+        <p14:creationId xmlns:p14="http://schemas.microsoft.com/office/powerpoint/2010/main" val="3472463701"/>
+      </p:ext>
+    </p:extLst>
+  </p:cSld>
+  <p:clrMapOvr>
+    <a:masterClrMapping/>
+  </p:clrMapOvr>
+</p:notes>
+</file>
+
+<file path=ppt/notesSlides/notesSlide2.xml><?xml version="1.0" encoding="utf-8"?>
+<p:notes xmlns:a="http://schemas.openxmlformats.org/drawingml/2006/main" xmlns:r="http://schemas.openxmlformats.org/officeDocument/2006/relationships" xmlns:p="http://schemas.openxmlformats.org/presentationml/2006/main">
+  <p:cSld>
+    <p:spTree>
+      <p:nvGrpSpPr>
+        <p:cNvPr id="1" name=""/>
+        <p:cNvGrpSpPr/>
+        <p:nvPr/>
+      </p:nvGrpSpPr>
+      <p:grpSpPr>
+        <a:xfrm>
+          <a:off x="0" y="0"/>
+          <a:ext cx="0" cy="0"/>
+          <a:chOff x="0" y="0"/>
+          <a:chExt cx="0" cy="0"/>
+        </a:xfrm>
+      </p:grpSpPr>
+      <p:sp>
+        <p:nvSpPr>
+          <p:cNvPr id="2" name="슬라이드 이미지 개체 틀 1"/>
+          <p:cNvSpPr>
+            <a:spLocks noGrp="1" noRot="1" noChangeAspect="1"/>
+          </p:cNvSpPr>
+          <p:nvPr>
+            <p:ph type="sldImg"/>
+          </p:nvPr>
+        </p:nvSpPr>
+        <p:spPr/>
+      </p:sp>
+      <p:sp>
+        <p:nvSpPr>
+          <p:cNvPr id="3" name="슬라이드 노트 개체 틀 2"/>
+          <p:cNvSpPr>
+            <a:spLocks noGrp="1"/>
+          </p:cNvSpPr>
+          <p:nvPr>
+            <p:ph type="body" idx="1"/>
+          </p:nvPr>
+        </p:nvSpPr>
+        <p:spPr/>
+        <p:txBody>
+          <a:bodyPr/>
+          <a:lstStyle/>
+          <a:p>
+            <a:pPr marL="228600" indent="-228600">
+              <a:buAutoNum type="arabicPeriod"/>
+            </a:pPr>
+            <a:r>
+              <a:rPr lang="en-US" altLang="ko-KR" dirty="0" err="1" smtClean="0"/>
+              <a:t>UserInfo</a:t>
+            </a:r>
+            <a:r>
+              <a:rPr lang="en-US" altLang="ko-KR" dirty="0" smtClean="0"/>
+              <a:t> </a:t>
+            </a:r>
+            <a:r>
+              <a:rPr lang="ko-KR" altLang="en-US" dirty="0" smtClean="0"/>
+              <a:t>는</a:t>
+            </a:r>
+            <a:r>
+              <a:rPr lang="en-US" altLang="ko-KR" dirty="0" smtClean="0"/>
+              <a:t> </a:t>
+            </a:r>
+            <a:r>
+              <a:rPr lang="ko-KR" altLang="en-US" dirty="0" smtClean="0"/>
+              <a:t>유저의 정보</a:t>
+            </a:r>
+            <a:r>
+              <a:rPr lang="en-US" altLang="ko-KR" dirty="0" smtClean="0"/>
+              <a:t>,</a:t>
+            </a:r>
+            <a:r>
+              <a:rPr lang="ko-KR" altLang="en-US" dirty="0" smtClean="0"/>
+              <a:t> </a:t>
+            </a:r>
+            <a:r>
+              <a:rPr lang="ko-KR" altLang="en-US" dirty="0" err="1" smtClean="0"/>
+              <a:t>로그인상태</a:t>
+            </a:r>
+            <a:r>
+              <a:rPr lang="en-US" altLang="ko-KR" dirty="0" smtClean="0"/>
+              <a:t>, </a:t>
+            </a:r>
+            <a:r>
+              <a:rPr lang="ko-KR" altLang="en-US" dirty="0" smtClean="0"/>
+              <a:t>권한을 볼 수가 있다</a:t>
+            </a:r>
+            <a:r>
+              <a:rPr lang="en-US" altLang="ko-KR" dirty="0" smtClean="0"/>
+              <a:t>. </a:t>
+            </a:r>
+            <a:r>
+              <a:rPr lang="ko-KR" altLang="en-US" dirty="0" smtClean="0"/>
+              <a:t>중복로그인은 </a:t>
+            </a:r>
+            <a:r>
+              <a:rPr lang="en-US" altLang="ko-KR" sz="1200" b="1" i="0" kern="1200" dirty="0" err="1" smtClean="0">
+                <a:solidFill>
+                  <a:schemeClr val="tx1"/>
+                </a:solidFill>
+                <a:effectLst/>
+                <a:latin typeface="+mn-lt"/>
+                <a:ea typeface="+mn-ea"/>
+                <a:cs typeface="+mn-cs"/>
+              </a:rPr>
+              <a:t>boolean</a:t>
+            </a:r>
+            <a:r>
+              <a:rPr lang="en-US" altLang="ko-KR" sz="1200" b="0" i="0" kern="1200" dirty="0" smtClean="0">
+                <a:solidFill>
+                  <a:schemeClr val="tx1"/>
+                </a:solidFill>
+                <a:effectLst/>
+                <a:latin typeface="+mn-lt"/>
+                <a:ea typeface="+mn-ea"/>
+                <a:cs typeface="+mn-cs"/>
+              </a:rPr>
+              <a:t> date</a:t>
+            </a:r>
+            <a:r>
+              <a:rPr lang="ko-KR" altLang="en-US" sz="1200" b="0" i="0" kern="1200" dirty="0" smtClean="0">
+                <a:solidFill>
+                  <a:schemeClr val="tx1"/>
+                </a:solidFill>
+                <a:effectLst/>
+                <a:latin typeface="+mn-lt"/>
+                <a:ea typeface="+mn-ea"/>
+                <a:cs typeface="+mn-cs"/>
+              </a:rPr>
+              <a:t> </a:t>
+            </a:r>
+            <a:r>
+              <a:rPr lang="en-US" altLang="ko-KR" sz="1200" b="0" i="0" kern="1200" dirty="0" smtClean="0">
+                <a:solidFill>
+                  <a:schemeClr val="tx1"/>
+                </a:solidFill>
+                <a:effectLst/>
+                <a:latin typeface="+mn-lt"/>
+                <a:ea typeface="+mn-ea"/>
+                <a:cs typeface="+mn-cs"/>
+              </a:rPr>
+              <a:t>type </a:t>
+            </a:r>
+            <a:r>
+              <a:rPr lang="ko-KR" altLang="en-US" sz="1200" b="0" i="0" kern="1200" dirty="0" smtClean="0">
+                <a:solidFill>
+                  <a:schemeClr val="tx1"/>
+                </a:solidFill>
+                <a:effectLst/>
+                <a:latin typeface="+mn-lt"/>
+                <a:ea typeface="+mn-ea"/>
+                <a:cs typeface="+mn-cs"/>
+              </a:rPr>
+              <a:t>을 사용해서 </a:t>
+            </a:r>
+            <a:r>
+              <a:rPr lang="en-US" altLang="ko-KR" sz="1200" b="0" i="0" kern="1200" dirty="0" smtClean="0">
+                <a:solidFill>
+                  <a:schemeClr val="tx1"/>
+                </a:solidFill>
+                <a:effectLst/>
+                <a:latin typeface="+mn-lt"/>
+                <a:ea typeface="+mn-ea"/>
+                <a:cs typeface="+mn-cs"/>
+              </a:rPr>
+              <a:t>0</a:t>
+            </a:r>
+            <a:r>
+              <a:rPr lang="ko-KR" altLang="en-US" sz="1200" b="0" i="0" kern="1200" dirty="0" smtClean="0">
+                <a:solidFill>
+                  <a:schemeClr val="tx1"/>
+                </a:solidFill>
+                <a:effectLst/>
+                <a:latin typeface="+mn-lt"/>
+                <a:ea typeface="+mn-ea"/>
+                <a:cs typeface="+mn-cs"/>
+              </a:rPr>
+              <a:t>과 </a:t>
+            </a:r>
+            <a:r>
+              <a:rPr lang="en-US" altLang="ko-KR" sz="1200" b="0" i="0" kern="1200" dirty="0" smtClean="0">
+                <a:solidFill>
+                  <a:schemeClr val="tx1"/>
+                </a:solidFill>
+                <a:effectLst/>
+                <a:latin typeface="+mn-lt"/>
+                <a:ea typeface="+mn-ea"/>
+                <a:cs typeface="+mn-cs"/>
+              </a:rPr>
+              <a:t>1</a:t>
+            </a:r>
+            <a:r>
+              <a:rPr lang="ko-KR" altLang="en-US" sz="1200" b="0" i="0" kern="1200" dirty="0" smtClean="0">
+                <a:solidFill>
+                  <a:schemeClr val="tx1"/>
+                </a:solidFill>
+                <a:effectLst/>
+                <a:latin typeface="+mn-lt"/>
+                <a:ea typeface="+mn-ea"/>
+                <a:cs typeface="+mn-cs"/>
+              </a:rPr>
+              <a:t>로 로그인 상태를 표시하도록 했다</a:t>
+            </a:r>
+            <a:r>
+              <a:rPr lang="en-US" altLang="ko-KR" sz="1200" b="0" i="0" kern="1200" dirty="0" smtClean="0">
+                <a:solidFill>
+                  <a:schemeClr val="tx1"/>
+                </a:solidFill>
+                <a:effectLst/>
+                <a:latin typeface="+mn-lt"/>
+                <a:ea typeface="+mn-ea"/>
+                <a:cs typeface="+mn-cs"/>
+              </a:rPr>
+              <a:t>. </a:t>
+            </a:r>
+            <a:r>
+              <a:rPr lang="ko-KR" altLang="en-US" sz="1200" b="0" i="0" kern="1200" dirty="0" smtClean="0">
+                <a:solidFill>
+                  <a:schemeClr val="tx1"/>
+                </a:solidFill>
+                <a:effectLst/>
+                <a:latin typeface="+mn-lt"/>
+                <a:ea typeface="+mn-ea"/>
+                <a:cs typeface="+mn-cs"/>
+              </a:rPr>
+              <a:t>그리고 유저가 사용자 또는 리서치 권한을 가지는 유무도 </a:t>
+            </a:r>
+            <a:r>
+              <a:rPr lang="en-US" altLang="ko-KR" sz="1200" b="1" i="0" kern="1200" dirty="0" err="1" smtClean="0">
+                <a:solidFill>
+                  <a:schemeClr val="tx1"/>
+                </a:solidFill>
+                <a:effectLst/>
+                <a:latin typeface="+mn-lt"/>
+                <a:ea typeface="+mn-ea"/>
+                <a:cs typeface="+mn-cs"/>
+              </a:rPr>
+              <a:t>boolean</a:t>
+            </a:r>
+            <a:r>
+              <a:rPr lang="ko-KR" altLang="en-US" sz="1200" b="0" i="0" kern="1200" dirty="0" smtClean="0">
+                <a:solidFill>
+                  <a:schemeClr val="tx1"/>
+                </a:solidFill>
+                <a:effectLst/>
+                <a:latin typeface="+mn-lt"/>
+                <a:ea typeface="+mn-ea"/>
+                <a:cs typeface="+mn-cs"/>
+              </a:rPr>
+              <a:t>을 사용했다</a:t>
+            </a:r>
+            <a:endParaRPr lang="en-US" altLang="ko-KR" sz="1200" b="0" i="0" kern="1200" dirty="0" smtClean="0">
+              <a:solidFill>
+                <a:schemeClr val="tx1"/>
+              </a:solidFill>
+              <a:effectLst/>
+              <a:latin typeface="+mn-lt"/>
+              <a:ea typeface="+mn-ea"/>
+              <a:cs typeface="+mn-cs"/>
+            </a:endParaRPr>
+          </a:p>
+          <a:p>
+            <a:pPr marL="228600" indent="-228600">
+              <a:buAutoNum type="arabicPeriod"/>
+            </a:pPr>
+            <a:r>
+              <a:rPr lang="en-US" altLang="ko-KR" sz="1200" b="0" i="0" kern="1200" dirty="0" err="1" smtClean="0">
+                <a:solidFill>
+                  <a:schemeClr val="tx1"/>
+                </a:solidFill>
+                <a:effectLst/>
+                <a:latin typeface="+mn-lt"/>
+                <a:ea typeface="+mn-ea"/>
+                <a:cs typeface="+mn-cs"/>
+              </a:rPr>
+              <a:t>Dayrecord</a:t>
+            </a:r>
+            <a:r>
+              <a:rPr lang="ko-KR" altLang="en-US" sz="1200" b="0" i="0" kern="1200" dirty="0" smtClean="0">
+                <a:solidFill>
+                  <a:schemeClr val="tx1"/>
+                </a:solidFill>
+                <a:effectLst/>
+                <a:latin typeface="+mn-lt"/>
+                <a:ea typeface="+mn-ea"/>
+                <a:cs typeface="+mn-cs"/>
+              </a:rPr>
+              <a:t>는 </a:t>
+            </a:r>
+            <a:r>
+              <a:rPr lang="en-US" altLang="ko-KR" sz="1200" b="0" i="0" kern="1200" dirty="0" smtClean="0">
+                <a:solidFill>
+                  <a:schemeClr val="tx1"/>
+                </a:solidFill>
+                <a:effectLst/>
+                <a:latin typeface="+mn-lt"/>
+                <a:ea typeface="+mn-ea"/>
+                <a:cs typeface="+mn-cs"/>
+              </a:rPr>
+              <a:t>app</a:t>
+            </a:r>
+            <a:r>
+              <a:rPr lang="ko-KR" altLang="en-US" sz="1200" b="0" i="0" kern="1200" dirty="0" smtClean="0">
+                <a:solidFill>
+                  <a:schemeClr val="tx1"/>
+                </a:solidFill>
+                <a:effectLst/>
+                <a:latin typeface="+mn-lt"/>
+                <a:ea typeface="+mn-ea"/>
+                <a:cs typeface="+mn-cs"/>
+              </a:rPr>
+              <a:t>에서 실시간으로 저장되는 </a:t>
+            </a:r>
+            <a:r>
+              <a:rPr lang="ko-KR" altLang="en-US" sz="1200" b="0" i="0" kern="1200" dirty="0" err="1" smtClean="0">
+                <a:solidFill>
+                  <a:schemeClr val="tx1"/>
+                </a:solidFill>
+                <a:effectLst/>
+                <a:latin typeface="+mn-lt"/>
+                <a:ea typeface="+mn-ea"/>
+                <a:cs typeface="+mn-cs"/>
+              </a:rPr>
+              <a:t>공기정보와</a:t>
+            </a:r>
+            <a:r>
+              <a:rPr lang="ko-KR" altLang="en-US" sz="1200" b="0" i="0" kern="1200" dirty="0" smtClean="0">
+                <a:solidFill>
+                  <a:schemeClr val="tx1"/>
+                </a:solidFill>
+                <a:effectLst/>
+                <a:latin typeface="+mn-lt"/>
+                <a:ea typeface="+mn-ea"/>
+                <a:cs typeface="+mn-cs"/>
+              </a:rPr>
+              <a:t> 건강정보를 저장 할 수 있도록 했고 </a:t>
+            </a:r>
+            <a:r>
+              <a:rPr lang="ko-KR" altLang="en-US" sz="1200" b="0" i="0" kern="1200" dirty="0" err="1" smtClean="0">
+                <a:solidFill>
+                  <a:schemeClr val="tx1"/>
+                </a:solidFill>
+                <a:effectLst/>
+                <a:latin typeface="+mn-lt"/>
+                <a:ea typeface="+mn-ea"/>
+                <a:cs typeface="+mn-cs"/>
+              </a:rPr>
+              <a:t>하루단위로</a:t>
+            </a:r>
+            <a:r>
+              <a:rPr lang="ko-KR" altLang="en-US" sz="1200" b="0" i="0" kern="1200" dirty="0" smtClean="0">
+                <a:solidFill>
+                  <a:schemeClr val="tx1"/>
+                </a:solidFill>
+                <a:effectLst/>
+                <a:latin typeface="+mn-lt"/>
+                <a:ea typeface="+mn-ea"/>
+                <a:cs typeface="+mn-cs"/>
+              </a:rPr>
+              <a:t> </a:t>
+            </a:r>
+            <a:r>
+              <a:rPr lang="en-US" altLang="ko-KR" sz="1200" b="0" i="0" kern="1200" dirty="0" smtClean="0">
+                <a:solidFill>
+                  <a:schemeClr val="tx1"/>
+                </a:solidFill>
+                <a:effectLst/>
+                <a:latin typeface="+mn-lt"/>
+                <a:ea typeface="+mn-ea"/>
+                <a:cs typeface="+mn-cs"/>
+              </a:rPr>
+              <a:t>csv </a:t>
+            </a:r>
+            <a:r>
+              <a:rPr lang="ko-KR" altLang="en-US" sz="1200" b="0" i="0" kern="1200" dirty="0" smtClean="0">
+                <a:solidFill>
+                  <a:schemeClr val="tx1"/>
+                </a:solidFill>
+                <a:effectLst/>
+                <a:latin typeface="+mn-lt"/>
+                <a:ea typeface="+mn-ea"/>
+                <a:cs typeface="+mn-cs"/>
+              </a:rPr>
+              <a:t>파일로 내보낸다</a:t>
+            </a:r>
+            <a:r>
+              <a:rPr lang="en-US" altLang="ko-KR" sz="1200" b="0" i="0" kern="1200" dirty="0" smtClean="0">
+                <a:solidFill>
+                  <a:schemeClr val="tx1"/>
+                </a:solidFill>
+                <a:effectLst/>
+                <a:latin typeface="+mn-lt"/>
+                <a:ea typeface="+mn-ea"/>
+                <a:cs typeface="+mn-cs"/>
+              </a:rPr>
+              <a:t>.</a:t>
+            </a:r>
+          </a:p>
+          <a:p>
+            <a:pPr marL="228600" indent="-228600">
+              <a:buAutoNum type="arabicPeriod"/>
+            </a:pPr>
+            <a:r>
+              <a:rPr lang="en-US" altLang="ko-KR" sz="1200" b="0" i="0" kern="1200" dirty="0" smtClean="0">
+                <a:solidFill>
+                  <a:schemeClr val="tx1"/>
+                </a:solidFill>
+                <a:effectLst/>
+                <a:latin typeface="+mn-lt"/>
+                <a:ea typeface="+mn-ea"/>
+                <a:cs typeface="+mn-cs"/>
+              </a:rPr>
+              <a:t>AVG Record</a:t>
+            </a:r>
+            <a:r>
+              <a:rPr lang="ko-KR" altLang="en-US" sz="1200" b="0" i="0" kern="1200" dirty="0" smtClean="0">
+                <a:solidFill>
+                  <a:schemeClr val="tx1"/>
+                </a:solidFill>
+                <a:effectLst/>
+                <a:latin typeface="+mn-lt"/>
+                <a:ea typeface="+mn-ea"/>
+                <a:cs typeface="+mn-cs"/>
+              </a:rPr>
+              <a:t>는 하루의 </a:t>
+            </a:r>
+            <a:r>
+              <a:rPr lang="ko-KR" altLang="en-US" sz="1200" b="0" i="0" kern="1200" dirty="0" err="1" smtClean="0">
+                <a:solidFill>
+                  <a:schemeClr val="tx1"/>
+                </a:solidFill>
+                <a:effectLst/>
+                <a:latin typeface="+mn-lt"/>
+                <a:ea typeface="+mn-ea"/>
+                <a:cs typeface="+mn-cs"/>
+              </a:rPr>
+              <a:t>평균정보를</a:t>
+            </a:r>
+            <a:r>
+              <a:rPr lang="ko-KR" altLang="en-US" sz="1200" b="0" i="0" kern="1200" dirty="0" smtClean="0">
+                <a:solidFill>
+                  <a:schemeClr val="tx1"/>
+                </a:solidFill>
+                <a:effectLst/>
+                <a:latin typeface="+mn-lt"/>
+                <a:ea typeface="+mn-ea"/>
+                <a:cs typeface="+mn-cs"/>
+              </a:rPr>
+              <a:t> 저장하는 </a:t>
+            </a:r>
+            <a:r>
+              <a:rPr lang="en-US" altLang="ko-KR" sz="1200" b="0" i="0" kern="1200" dirty="0" smtClean="0">
+                <a:solidFill>
+                  <a:schemeClr val="tx1"/>
+                </a:solidFill>
+                <a:effectLst/>
+                <a:latin typeface="+mn-lt"/>
+                <a:ea typeface="+mn-ea"/>
+                <a:cs typeface="+mn-cs"/>
+              </a:rPr>
+              <a:t>table</a:t>
+            </a:r>
+            <a:r>
+              <a:rPr lang="ko-KR" altLang="en-US" sz="1200" b="0" i="0" kern="1200" dirty="0" smtClean="0">
+                <a:solidFill>
+                  <a:schemeClr val="tx1"/>
+                </a:solidFill>
+                <a:effectLst/>
+                <a:latin typeface="+mn-lt"/>
+                <a:ea typeface="+mn-ea"/>
+                <a:cs typeface="+mn-cs"/>
+              </a:rPr>
+              <a:t>이고 </a:t>
+            </a:r>
+            <a:r>
+              <a:rPr lang="en-US" altLang="ko-KR" sz="1200" b="0" i="0" kern="1200" dirty="0" smtClean="0">
+                <a:solidFill>
+                  <a:schemeClr val="tx1"/>
+                </a:solidFill>
+                <a:effectLst/>
+                <a:latin typeface="+mn-lt"/>
+                <a:ea typeface="+mn-ea"/>
+                <a:cs typeface="+mn-cs"/>
+              </a:rPr>
+              <a:t>app</a:t>
+            </a:r>
+            <a:r>
+              <a:rPr lang="ko-KR" altLang="en-US" sz="1200" b="0" i="0" kern="1200" dirty="0" smtClean="0">
+                <a:solidFill>
+                  <a:schemeClr val="tx1"/>
+                </a:solidFill>
+                <a:effectLst/>
+                <a:latin typeface="+mn-lt"/>
+                <a:ea typeface="+mn-ea"/>
+                <a:cs typeface="+mn-cs"/>
+              </a:rPr>
+              <a:t>에서 데이터를 가져가기 용이하도록 만들었다</a:t>
+            </a:r>
+            <a:r>
+              <a:rPr lang="en-US" altLang="ko-KR" sz="1200" b="0" i="0" kern="1200" dirty="0" smtClean="0">
+                <a:solidFill>
+                  <a:schemeClr val="tx1"/>
+                </a:solidFill>
+                <a:effectLst/>
+                <a:latin typeface="+mn-lt"/>
+                <a:ea typeface="+mn-ea"/>
+                <a:cs typeface="+mn-cs"/>
+              </a:rPr>
+              <a:t>.</a:t>
+            </a:r>
+          </a:p>
+          <a:p>
+            <a:endParaRPr lang="ko-KR" altLang="en-US" dirty="0"/>
+          </a:p>
+        </p:txBody>
+      </p:sp>
+      <p:sp>
+        <p:nvSpPr>
+          <p:cNvPr id="4" name="슬라이드 번호 개체 틀 3"/>
+          <p:cNvSpPr>
+            <a:spLocks noGrp="1"/>
+          </p:cNvSpPr>
+          <p:nvPr>
+            <p:ph type="sldNum" sz="quarter" idx="10"/>
+          </p:nvPr>
+        </p:nvSpPr>
+        <p:spPr/>
+        <p:txBody>
+          <a:bodyPr/>
+          <a:lstStyle/>
+          <a:p>
+            <a:fld id="{80DB27A2-3C4B-459A-A634-BE883C249080}" type="slidenum">
+              <a:rPr lang="ko-KR" altLang="en-US" smtClean="0"/>
+              <a:t>5</a:t>
+            </a:fld>
+            <a:endParaRPr lang="ko-KR" altLang="en-US"/>
+          </a:p>
+        </p:txBody>
+      </p:sp>
+    </p:spTree>
+    <p:extLst>
+      <p:ext uri="{BB962C8B-B14F-4D97-AF65-F5344CB8AC3E}">
+        <p14:creationId xmlns:p14="http://schemas.microsoft.com/office/powerpoint/2010/main" val="1047997518"/>
+      </p:ext>
+    </p:extLst>
+  </p:cSld>
+  <p:clrMapOvr>
+    <a:masterClrMapping/>
+  </p:clrMapOvr>
+</p:notes>
+</file>
+
 <file path=ppt/slideLayouts/slideLayout1.xml><?xml version="1.0" encoding="utf-8"?>
 <p:sldLayout xmlns:a="http://schemas.openxmlformats.org/drawingml/2006/main" xmlns:r="http://schemas.openxmlformats.org/officeDocument/2006/relationships" xmlns:p="http://schemas.openxmlformats.org/presentationml/2006/main" preserve="1" userDrawn="1">
   <p:cSld name="제목 슬라이드">
@@ -772,17 +1501,7 @@
                 <a:latin typeface="나눔고딕" pitchFamily="50" charset="-127"/>
                 <a:ea typeface="나눔고딕" pitchFamily="50" charset="-127"/>
               </a:rPr>
-              <a:t>3 </a:t>
-            </a:r>
-            <a:r>
-              <a:rPr lang="en-US" altLang="ko-KR" sz="1200" b="1" dirty="0" smtClean="0">
-                <a:solidFill>
-                  <a:schemeClr val="bg1"/>
-                </a:solidFill>
-                <a:latin typeface="나눔고딕" pitchFamily="50" charset="-127"/>
-                <a:ea typeface="나눔고딕" pitchFamily="50" charset="-127"/>
-              </a:rPr>
-              <a:t>Week </a:t>
+              <a:t>3 Week </a:t>
             </a:r>
             <a:r>
               <a:rPr lang="en-US" altLang="ko-KR" sz="1200" b="1" dirty="0">
@@ -1391,14 +2110,7 @@
                 <a:latin typeface="나눔고딕" pitchFamily="50" charset="-127"/>
                 <a:ea typeface="나눔고딕" pitchFamily="50" charset="-127"/>
               </a:rPr>
-              <a:t>3 </a:t>
-            </a:r>
-            <a:r>
-              <a:rPr lang="en-US" altLang="ko-KR" sz="1200" b="1" dirty="0" smtClean="0">
-                <a:latin typeface="나눔고딕" pitchFamily="50" charset="-127"/>
-                <a:ea typeface="나눔고딕" pitchFamily="50" charset="-127"/>
-              </a:rPr>
-              <a:t>week </a:t>
+              <a:t>3 week </a:t>
             </a:r>
             <a:r>
               <a:rPr lang="en-US" altLang="ko-KR" sz="1200" dirty="0">
@@ -1918,14 +2630,7 @@
                 <a:latin typeface="나눔고딕" pitchFamily="50" charset="-127"/>
                 <a:ea typeface="나눔고딕" pitchFamily="50" charset="-127"/>
               </a:rPr>
-              <a:t>3 </a:t>
-            </a:r>
-            <a:r>
-              <a:rPr lang="en-US" altLang="ko-KR" sz="1200" b="1" dirty="0" smtClean="0">
-                <a:latin typeface="나눔고딕" pitchFamily="50" charset="-127"/>
-                <a:ea typeface="나눔고딕" pitchFamily="50" charset="-127"/>
-              </a:rPr>
-              <a:t>week </a:t>
+              <a:t>3 week </a:t>
             </a:r>
             <a:r>
               <a:rPr lang="en-US" altLang="ko-KR" sz="1200" dirty="0">
@@ -2261,14 +2966,7 @@
                 <a:latin typeface="나눔고딕" pitchFamily="50" charset="-127"/>
                 <a:ea typeface="나눔고딕" pitchFamily="50" charset="-127"/>
               </a:rPr>
-              <a:t>3 </a:t>
-            </a:r>
-            <a:r>
-              <a:rPr lang="en-US" altLang="ko-KR" sz="1200" b="1" dirty="0" smtClean="0">
-                <a:latin typeface="나눔고딕" pitchFamily="50" charset="-127"/>
-                <a:ea typeface="나눔고딕" pitchFamily="50" charset="-127"/>
-              </a:rPr>
-              <a:t>week </a:t>
+              <a:t>3 week </a:t>
             </a:r>
             <a:r>
               <a:rPr lang="en-US" altLang="ko-KR" sz="1200" dirty="0">
@@ -2699,14 +3397,7 @@
                 <a:latin typeface="나눔고딕" pitchFamily="50" charset="-127"/>
                 <a:ea typeface="나눔고딕" pitchFamily="50" charset="-127"/>
               </a:rPr>
-              <a:t>3 </a:t>
-            </a:r>
-            <a:r>
-              <a:rPr lang="en-US" altLang="ko-KR" sz="1200" b="1" dirty="0" smtClean="0">
-                <a:latin typeface="나눔고딕" pitchFamily="50" charset="-127"/>
-                <a:ea typeface="나눔고딕" pitchFamily="50" charset="-127"/>
-              </a:rPr>
-              <a:t>week </a:t>
+              <a:t>3 week </a:t>
             </a:r>
             <a:r>
               <a:rPr lang="en-US" altLang="ko-KR" sz="1200" dirty="0">
@@ -3321,6 +4012,48 @@
           </a:p>
         </p:txBody>
       </p:sp>
+      <p:sp>
+        <p:nvSpPr>
+          <p:cNvPr id="3" name="TextBox 2"/>
+          <p:cNvSpPr txBox="1"/>
+          <p:nvPr/>
+        </p:nvSpPr>
+        <p:spPr>
+          <a:xfrm>
+            <a:off x="8746436" y="6500192"/>
+            <a:ext cx="477078" cy="307777"/>
+          </a:xfrm>
+          <a:prstGeom prst="rect">
+            <a:avLst/>
+          </a:prstGeom>
+          <a:noFill/>
+        </p:spPr>
+        <p:txBody>
+          <a:bodyPr wrap="square" rtlCol="0">
+            <a:spAutoFit/>
+          </a:bodyPr>
+          <a:lstStyle/>
+          <a:p>
+            <a:r>
+              <a:rPr lang="en-US" altLang="ko-KR" sz="1400" dirty="0" smtClean="0">
+                <a:solidFill>
+                  <a:schemeClr val="bg1">
+                    <a:lumMod val="50000"/>
+                  </a:schemeClr>
+                </a:solidFill>
+              </a:rPr>
+              <a:t>/18</a:t>
+            </a:r>
+            <a:endParaRPr lang="ko-KR" altLang="en-US" sz="1400" dirty="0">
+              <a:solidFill>
+                <a:schemeClr val="bg1">
+                  <a:lumMod val="50000"/>
+                </a:schemeClr>
+              </a:solidFill>
+            </a:endParaRPr>
+          </a:p>
+        </p:txBody>
+      </p:sp>
     </p:spTree>
     <p:extLst>
       <p:ext uri="{BB962C8B-B14F-4D97-AF65-F5344CB8AC3E}">
@@ -3383,14 +4116,14 @@
       </p:sp>
       <p:sp>
         <p:nvSpPr>
-          <p:cNvPr id="7" name="TextBox 6"/>
+          <p:cNvPr id="4" name="TextBox 3"/>
           <p:cNvSpPr txBox="1"/>
           <p:nvPr/>
         </p:nvSpPr>
         <p:spPr>
           <a:xfrm>
-            <a:off x="251520" y="3566875"/>
-            <a:ext cx="7114480" cy="720197"/>
+            <a:off x="179512" y="461805"/>
+            <a:ext cx="5184576" cy="369332"/>
           </a:xfrm>
           <a:prstGeom prst="rect">
             <a:avLst/>
@@ -3405,122 +4138,244 @@
           <a:p>
             <a:pPr>
               <a:lnSpc>
-                <a:spcPct val="85000"/>
+                <a:spcPct val="90000"/>
               </a:lnSpc>
             </a:pPr>
             <a:r>
-              <a:rPr lang="en-US" altLang="ko-KR" sz="4800" spc="600" dirty="0" smtClean="0">
-                <a:solidFill>
-                  <a:srgbClr val="FF0000"/>
-                </a:solidFill>
-                <a:effectLst>
-                  <a:outerShdw blurRad="38100" dist="38100" dir="2700000" algn="tl">
-                    <a:srgbClr val="000000">
-                      <a:alpha val="43137"/>
-                    </a:srgbClr>
-                  </a:outerShdw>
-                </a:effectLst>
-                <a:latin typeface="나눔고딕" pitchFamily="50" charset="-127"/>
-                <a:ea typeface="나눔고딕" pitchFamily="50" charset="-127"/>
-              </a:rPr>
-              <a:t>A</a:t>
-            </a:r>
-            <a:r>
-              <a:rPr lang="en-US" altLang="ko-KR" sz="4800" spc="600" dirty="0" smtClean="0">
+              <a:rPr lang="en-US" altLang="ko-KR" sz="2000" spc="300" dirty="0" smtClean="0">
                 <a:gradFill>
                   <a:gsLst>
                     <a:gs pos="0">
-                      <a:srgbClr val="7E858E"/>
+                      <a:srgbClr val="C00000"/>
                     </a:gs>
-                    <a:gs pos="50000">
-                      <a:srgbClr val="7E858E"/>
+                    <a:gs pos="100000">
+                      <a:srgbClr val="C00000"/>
                     </a:gs>
                   </a:gsLst>
                   <a:lin ang="5400000" scaled="0"/>
                 </a:gradFill>
-                <a:effectLst>
-                  <a:outerShdw blurRad="38100" dist="38100" dir="2700000" algn="tl">
-                    <a:srgbClr val="000000">
-                      <a:alpha val="43137"/>
-                    </a:srgbClr>
-                  </a:outerShdw>
-                </a:effectLst>
                 <a:latin typeface="나눔고딕" pitchFamily="50" charset="-127"/>
                 <a:ea typeface="나눔고딕" pitchFamily="50" charset="-127"/>
               </a:rPr>
-              <a:t>pp </a:t>
-            </a:r>
-            <a:r>
-              <a:rPr lang="en-US" altLang="ko-KR" sz="4800" spc="600" dirty="0" smtClean="0">
-                <a:solidFill>
-                  <a:srgbClr val="FF0000"/>
-                </a:solidFill>
-                <a:effectLst>
-                  <a:outerShdw blurRad="38100" dist="38100" dir="2700000" algn="tl">
-                    <a:srgbClr val="000000">
-                      <a:alpha val="43137"/>
-                    </a:srgbClr>
-                  </a:outerShdw>
-                </a:effectLst>
-                <a:latin typeface="나눔고딕" pitchFamily="50" charset="-127"/>
-                <a:ea typeface="나눔고딕" pitchFamily="50" charset="-127"/>
-              </a:rPr>
-              <a:t>C</a:t>
-            </a:r>
-            <a:r>
-              <a:rPr lang="en-US" altLang="ko-KR" sz="4800" spc="600" dirty="0" smtClean="0">
+              <a:t>Data send </a:t>
+            </a:r>
+            <a:r>
+              <a:rPr lang="en-US" altLang="ko-KR" sz="2000" spc="300" dirty="0">
                 <a:gradFill>
                   <a:gsLst>
                     <a:gs pos="0">
-                      <a:srgbClr val="7E858E"/>
+                      <a:srgbClr val="C00000"/>
                     </a:gs>
-                    <a:gs pos="50000">
-                      <a:srgbClr val="7E858E"/>
+                    <a:gs pos="100000">
+                      <a:srgbClr val="C00000"/>
                     </a:gs>
                   </a:gsLst>
                   <a:lin ang="5400000" scaled="0"/>
                 </a:gradFill>
-                <a:effectLst>
-                  <a:outerShdw blurRad="38100" dist="38100" dir="2700000" algn="tl">
-                    <a:srgbClr val="000000">
-                      <a:alpha val="43137"/>
-                    </a:srgbClr>
-                  </a:outerShdw>
-                </a:effectLst>
                 <a:latin typeface="나눔고딕" pitchFamily="50" charset="-127"/>
                 <a:ea typeface="나눔고딕" pitchFamily="50" charset="-127"/>
               </a:rPr>
-              <a:t>lient</a:t>
-            </a:r>
-            <a:endParaRPr lang="ko-KR" altLang="en-US" sz="4800" spc="600" dirty="0">
+              <a:t>Sequence  Diagram</a:t>
+            </a:r>
+            <a:endParaRPr lang="ko-KR" altLang="en-US" sz="2000" spc="300" dirty="0">
               <a:gradFill>
                 <a:gsLst>
                   <a:gs pos="0">
-                    <a:srgbClr val="7E858E"/>
+                    <a:srgbClr val="C00000"/>
                   </a:gs>
-                  <a:gs pos="50000">
-                    <a:srgbClr val="7E858E"/>
+                  <a:gs pos="100000">
+                    <a:srgbClr val="C00000"/>
                   </a:gs>
                 </a:gsLst>
                 <a:lin ang="5400000" scaled="0"/>
               </a:gradFill>
-              <a:effectLst>
-                <a:outerShdw blurRad="38100" dist="38100" dir="2700000" algn="tl">
-                  <a:srgbClr val="000000">
-                    <a:alpha val="43137"/>
-                  </a:srgbClr>
-                </a:outerShdw>
-              </a:effectLst>
               <a:latin typeface="나눔고딕" pitchFamily="50" charset="-127"/>
               <a:ea typeface="나눔고딕" pitchFamily="50" charset="-127"/>
             </a:endParaRPr>
           </a:p>
         </p:txBody>
       </p:sp>
+      <p:grpSp>
+        <p:nvGrpSpPr>
+          <p:cNvPr id="5" name="그룹 4"/>
+          <p:cNvGrpSpPr/>
+          <p:nvPr/>
+        </p:nvGrpSpPr>
+        <p:grpSpPr>
+          <a:xfrm>
+            <a:off x="5364088" y="1254520"/>
+            <a:ext cx="3024336" cy="5200955"/>
+            <a:chOff x="-8067016" y="-3574663"/>
+            <a:chExt cx="7670464" cy="10745700"/>
+          </a:xfrm>
+        </p:grpSpPr>
+        <p:pic>
+          <p:nvPicPr>
+            <p:cNvPr id="6" name="그림 5"/>
+            <p:cNvPicPr>
+              <a:picLocks noChangeAspect="1"/>
+            </p:cNvPicPr>
+            <p:nvPr/>
+          </p:nvPicPr>
+          <p:blipFill>
+            <a:blip r:embed="rId2">
+              <a:extLst>
+                <a:ext uri="{28A0092B-C50C-407E-A947-70E740481C1C}">
+                  <a14:useLocalDpi xmlns:a14="http://schemas.microsoft.com/office/drawing/2010/main" val="0"/>
+                </a:ext>
+              </a:extLst>
+            </a:blip>
+            <a:stretch>
+              <a:fillRect/>
+            </a:stretch>
+          </p:blipFill>
+          <p:spPr>
+            <a:xfrm>
+              <a:off x="-8067016" y="-3574663"/>
+              <a:ext cx="6716062" cy="3553321"/>
+            </a:xfrm>
+            <a:prstGeom prst="rect">
+              <a:avLst/>
+            </a:prstGeom>
+          </p:spPr>
+        </p:pic>
+        <p:pic>
+          <p:nvPicPr>
+            <p:cNvPr id="7" name="그림 6"/>
+            <p:cNvPicPr>
+              <a:picLocks noChangeAspect="1"/>
+            </p:cNvPicPr>
+            <p:nvPr/>
+          </p:nvPicPr>
+          <p:blipFill>
+            <a:blip r:embed="rId3">
+              <a:extLst>
+                <a:ext uri="{28A0092B-C50C-407E-A947-70E740481C1C}">
+                  <a14:useLocalDpi xmlns:a14="http://schemas.microsoft.com/office/drawing/2010/main" val="0"/>
+                </a:ext>
+              </a:extLst>
+            </a:blip>
+            <a:stretch>
+              <a:fillRect/>
+            </a:stretch>
+          </p:blipFill>
+          <p:spPr>
+            <a:xfrm>
+              <a:off x="-8046195" y="-21342"/>
+              <a:ext cx="7649643" cy="4210638"/>
+            </a:xfrm>
+            <a:prstGeom prst="rect">
+              <a:avLst/>
+            </a:prstGeom>
+          </p:spPr>
+        </p:pic>
+        <p:pic>
+          <p:nvPicPr>
+            <p:cNvPr id="8" name="그림 7"/>
+            <p:cNvPicPr>
+              <a:picLocks noChangeAspect="1"/>
+            </p:cNvPicPr>
+            <p:nvPr/>
+          </p:nvPicPr>
+          <p:blipFill>
+            <a:blip r:embed="rId4">
+              <a:extLst>
+                <a:ext uri="{28A0092B-C50C-407E-A947-70E740481C1C}">
+                  <a14:useLocalDpi xmlns:a14="http://schemas.microsoft.com/office/drawing/2010/main" val="0"/>
+                </a:ext>
+              </a:extLst>
+            </a:blip>
+            <a:stretch>
+              <a:fillRect/>
+            </a:stretch>
+          </p:blipFill>
+          <p:spPr>
+            <a:xfrm>
+              <a:off x="-8024391" y="4189296"/>
+              <a:ext cx="7220958" cy="2981741"/>
+            </a:xfrm>
+            <a:prstGeom prst="rect">
+              <a:avLst/>
+            </a:prstGeom>
+          </p:spPr>
+        </p:pic>
+      </p:grpSp>
+      <p:pic>
+        <p:nvPicPr>
+          <p:cNvPr id="9" name="그림 8"/>
+          <p:cNvPicPr>
+            <a:picLocks noChangeAspect="1"/>
+          </p:cNvPicPr>
+          <p:nvPr/>
+        </p:nvPicPr>
+        <p:blipFill>
+          <a:blip r:embed="rId4">
+            <a:extLst>
+              <a:ext uri="{28A0092B-C50C-407E-A947-70E740481C1C}">
+                <a14:useLocalDpi xmlns:a14="http://schemas.microsoft.com/office/drawing/2010/main" val="0"/>
+              </a:ext>
+            </a:extLst>
+          </a:blip>
+          <a:stretch>
+            <a:fillRect/>
+          </a:stretch>
+        </p:blipFill>
+        <p:spPr>
+          <a:xfrm>
+            <a:off x="86137" y="2339727"/>
+            <a:ext cx="5416259" cy="2745457"/>
+          </a:xfrm>
+          <a:prstGeom prst="rect">
+            <a:avLst/>
+          </a:prstGeom>
+        </p:spPr>
+      </p:pic>
+      <p:sp>
+        <p:nvSpPr>
+          <p:cNvPr id="10" name="TextBox 9"/>
+          <p:cNvSpPr txBox="1"/>
+          <p:nvPr/>
+        </p:nvSpPr>
+        <p:spPr>
+          <a:xfrm>
+            <a:off x="8746436" y="6500192"/>
+            <a:ext cx="477078" cy="307777"/>
+          </a:xfrm>
+          <a:prstGeom prst="rect">
+            <a:avLst/>
+          </a:prstGeom>
+          <a:noFill/>
+        </p:spPr>
+        <p:txBody>
+          <a:bodyPr wrap="square" rtlCol="0">
+            <a:spAutoFit/>
+          </a:bodyPr>
+          <a:lstStyle/>
+          <a:p>
+            <a:r>
+              <a:rPr lang="en-US" altLang="ko-KR" sz="1400" dirty="0" smtClean="0">
+                <a:solidFill>
+                  <a:schemeClr val="bg1">
+                    <a:lumMod val="50000"/>
+                  </a:schemeClr>
+                </a:solidFill>
+              </a:rPr>
+              <a:t>/18</a:t>
+            </a:r>
+            <a:endParaRPr lang="ko-KR" altLang="en-US" sz="1400" dirty="0">
+              <a:solidFill>
+                <a:schemeClr val="bg1">
+                  <a:lumMod val="50000"/>
+                </a:schemeClr>
+              </a:solidFill>
+            </a:endParaRPr>
+          </a:p>
+        </p:txBody>
+      </p:sp>
     </p:spTree>
     <p:extLst>
       <p:ext uri="{BB962C8B-B14F-4D97-AF65-F5344CB8AC3E}">
-        <p14:creationId xmlns:p14="http://schemas.microsoft.com/office/powerpoint/2010/main" val="2157935345"/>
+        <p14:creationId xmlns:p14="http://schemas.microsoft.com/office/powerpoint/2010/main" val="2144729329"/>
       </p:ext>
     </p:extLst>
   </p:cSld>
@@ -3579,14 +4434,14 @@
       </p:sp>
       <p:sp>
         <p:nvSpPr>
-          <p:cNvPr id="3" name="TextBox 2"/>
+          <p:cNvPr id="4" name="TextBox 3"/>
           <p:cNvSpPr txBox="1"/>
           <p:nvPr/>
         </p:nvSpPr>
         <p:spPr>
           <a:xfrm>
             <a:off x="179512" y="461805"/>
-            <a:ext cx="7056784" cy="369332"/>
+            <a:ext cx="5184576" cy="369332"/>
           </a:xfrm>
           <a:prstGeom prst="rect">
             <a:avLst/>
@@ -3620,7 +4475,25 @@
                 <a:latin typeface="나눔고딕" pitchFamily="50" charset="-127"/>
                 <a:ea typeface="나눔고딕" pitchFamily="50" charset="-127"/>
               </a:rPr>
-              <a:t>App Client</a:t>
+              <a:t>History Sequence </a:t>
+            </a:r>
+            <a:r>
+              <a:rPr lang="en-US" altLang="ko-KR" sz="2000" spc="300" dirty="0">
+                <a:gradFill>
+                  <a:gsLst>
+                    <a:gs pos="0">
+                      <a:srgbClr val="C00000"/>
+                    </a:gs>
+                    <a:gs pos="100000">
+                      <a:srgbClr val="C00000"/>
+                    </a:gs>
+                  </a:gsLst>
+                  <a:lin ang="5400000" scaled="0"/>
+                </a:gradFill>
+                <a:latin typeface="나눔고딕" pitchFamily="50" charset="-127"/>
+                <a:ea typeface="나눔고딕" pitchFamily="50" charset="-127"/>
+              </a:rPr>
+              <a:t>Diagram</a:t>
             </a:r>
             <a:endParaRPr lang="ko-KR" altLang="en-US" sz="2000" spc="300" dirty="0">
               <a:gradFill>
@@ -3640,10 +4513,82 @@
           </a:p>
         </p:txBody>
       </p:sp>
+      <p:pic>
+        <p:nvPicPr>
+          <p:cNvPr id="5" name="그림 4"/>
+          <p:cNvPicPr>
+            <a:picLocks noChangeAspect="1"/>
+          </p:cNvPicPr>
+          <p:nvPr/>
+        </p:nvPicPr>
+        <p:blipFill>
+          <a:blip r:embed="rId2">
+            <a:extLst>
+              <a:ext uri="{28A0092B-C50C-407E-A947-70E740481C1C}">
+                <a14:useLocalDpi xmlns:a14="http://schemas.microsoft.com/office/drawing/2010/main" val="0"/>
+              </a:ext>
+            </a:extLst>
+          </a:blip>
+          <a:stretch>
+            <a:fillRect/>
+          </a:stretch>
+        </p:blipFill>
+        <p:spPr>
+          <a:xfrm>
+            <a:off x="1187523" y="1109121"/>
+            <a:ext cx="6768955" cy="5368054"/>
+          </a:xfrm>
+          <a:prstGeom prst="rect">
+            <a:avLst/>
+          </a:prstGeom>
+        </p:spPr>
+      </p:pic>
+      <p:sp>
+        <p:nvSpPr>
+          <p:cNvPr id="6" name="TextBox 5"/>
+          <p:cNvSpPr txBox="1"/>
+          <p:nvPr/>
+        </p:nvSpPr>
+        <p:spPr>
+          <a:xfrm>
+            <a:off x="8746436" y="6500192"/>
+            <a:ext cx="477078" cy="307777"/>
+          </a:xfrm>
+          <a:prstGeom prst="rect">
+            <a:avLst/>
+          </a:prstGeom>
+          <a:noFill/>
+        </p:spPr>
+        <p:txBody>
+          <a:bodyPr wrap="square" rtlCol="0">
+            <a:spAutoFit/>
+          </a:bodyPr>
+          <a:lstStyle/>
+          <a:p>
+            <a:r>
+              <a:rPr lang="en-US" altLang="ko-KR" sz="1400" dirty="0" smtClean="0">
+                <a:solidFill>
+                  <a:schemeClr val="bg1">
+                    <a:lumMod val="50000"/>
+                  </a:schemeClr>
+                </a:solidFill>
+              </a:rPr>
+              <a:t>/18</a:t>
+            </a:r>
+            <a:endParaRPr lang="ko-KR" altLang="en-US" sz="1400" dirty="0">
+              <a:solidFill>
+                <a:schemeClr val="bg1">
+                  <a:lumMod val="50000"/>
+                </a:schemeClr>
+              </a:solidFill>
+            </a:endParaRPr>
+          </a:p>
+        </p:txBody>
+      </p:sp>
     </p:spTree>
     <p:extLst>
       <p:ext uri="{BB962C8B-B14F-4D97-AF65-F5344CB8AC3E}">
-        <p14:creationId xmlns:p14="http://schemas.microsoft.com/office/powerpoint/2010/main" val="524484752"/>
+        <p14:creationId xmlns:p14="http://schemas.microsoft.com/office/powerpoint/2010/main" val="984797562"/>
       </p:ext>
     </p:extLst>
   </p:cSld>
@@ -3697,6 +4642,1565 @@
               <a:t>12</a:t>
             </a:fld>
             <a:endParaRPr lang="ko-KR" altLang="en-US"/>
+          </a:p>
+        </p:txBody>
+      </p:sp>
+      <p:sp>
+        <p:nvSpPr>
+          <p:cNvPr id="4" name="TextBox 3"/>
+          <p:cNvSpPr txBox="1"/>
+          <p:nvPr/>
+        </p:nvSpPr>
+        <p:spPr>
+          <a:xfrm>
+            <a:off x="179512" y="461805"/>
+            <a:ext cx="5184576" cy="369332"/>
+          </a:xfrm>
+          <a:prstGeom prst="rect">
+            <a:avLst/>
+          </a:prstGeom>
+          <a:noFill/>
+        </p:spPr>
+        <p:txBody>
+          <a:bodyPr wrap="square" rtlCol="0">
+            <a:spAutoFit/>
+          </a:bodyPr>
+          <a:lstStyle/>
+          <a:p>
+            <a:pPr>
+              <a:lnSpc>
+                <a:spcPct val="90000"/>
+              </a:lnSpc>
+            </a:pPr>
+            <a:r>
+              <a:rPr lang="en-US" altLang="ko-KR" sz="2000" spc="300" dirty="0" smtClean="0">
+                <a:gradFill>
+                  <a:gsLst>
+                    <a:gs pos="0">
+                      <a:srgbClr val="C00000"/>
+                    </a:gs>
+                    <a:gs pos="100000">
+                      <a:srgbClr val="C00000"/>
+                    </a:gs>
+                  </a:gsLst>
+                  <a:lin ang="5400000" scaled="0"/>
+                </a:gradFill>
+                <a:latin typeface="나눔고딕" pitchFamily="50" charset="-127"/>
+                <a:ea typeface="나눔고딕" pitchFamily="50" charset="-127"/>
+              </a:rPr>
+              <a:t>Map search Sequence Diagram</a:t>
+            </a:r>
+            <a:endParaRPr lang="ko-KR" altLang="en-US" sz="2000" spc="300" dirty="0">
+              <a:gradFill>
+                <a:gsLst>
+                  <a:gs pos="0">
+                    <a:srgbClr val="C00000"/>
+                  </a:gs>
+                  <a:gs pos="100000">
+                    <a:srgbClr val="C00000"/>
+                  </a:gs>
+                </a:gsLst>
+                <a:lin ang="5400000" scaled="0"/>
+              </a:gradFill>
+              <a:latin typeface="나눔고딕" pitchFamily="50" charset="-127"/>
+              <a:ea typeface="나눔고딕" pitchFamily="50" charset="-127"/>
+            </a:endParaRPr>
+          </a:p>
+        </p:txBody>
+      </p:sp>
+      <p:pic>
+        <p:nvPicPr>
+          <p:cNvPr id="5" name="그림 4"/>
+          <p:cNvPicPr>
+            <a:picLocks noChangeAspect="1"/>
+          </p:cNvPicPr>
+          <p:nvPr/>
+        </p:nvPicPr>
+        <p:blipFill>
+          <a:blip r:embed="rId2">
+            <a:extLst>
+              <a:ext uri="{28A0092B-C50C-407E-A947-70E740481C1C}">
+                <a14:useLocalDpi xmlns:a14="http://schemas.microsoft.com/office/drawing/2010/main" val="0"/>
+              </a:ext>
+            </a:extLst>
+          </a:blip>
+          <a:stretch>
+            <a:fillRect/>
+          </a:stretch>
+        </p:blipFill>
+        <p:spPr>
+          <a:xfrm>
+            <a:off x="1187624" y="1127511"/>
+            <a:ext cx="6931549" cy="5185633"/>
+          </a:xfrm>
+          <a:prstGeom prst="rect">
+            <a:avLst/>
+          </a:prstGeom>
+        </p:spPr>
+      </p:pic>
+      <p:sp>
+        <p:nvSpPr>
+          <p:cNvPr id="6" name="TextBox 5"/>
+          <p:cNvSpPr txBox="1"/>
+          <p:nvPr/>
+        </p:nvSpPr>
+        <p:spPr>
+          <a:xfrm>
+            <a:off x="8746436" y="6500192"/>
+            <a:ext cx="477078" cy="307777"/>
+          </a:xfrm>
+          <a:prstGeom prst="rect">
+            <a:avLst/>
+          </a:prstGeom>
+          <a:noFill/>
+        </p:spPr>
+        <p:txBody>
+          <a:bodyPr wrap="square" rtlCol="0">
+            <a:spAutoFit/>
+          </a:bodyPr>
+          <a:lstStyle/>
+          <a:p>
+            <a:r>
+              <a:rPr lang="en-US" altLang="ko-KR" sz="1400" dirty="0" smtClean="0">
+                <a:solidFill>
+                  <a:schemeClr val="bg1">
+                    <a:lumMod val="50000"/>
+                  </a:schemeClr>
+                </a:solidFill>
+              </a:rPr>
+              <a:t>/18</a:t>
+            </a:r>
+            <a:endParaRPr lang="ko-KR" altLang="en-US" sz="1400" dirty="0">
+              <a:solidFill>
+                <a:schemeClr val="bg1">
+                  <a:lumMod val="50000"/>
+                </a:schemeClr>
+              </a:solidFill>
+            </a:endParaRPr>
+          </a:p>
+        </p:txBody>
+      </p:sp>
+    </p:spTree>
+    <p:extLst>
+      <p:ext uri="{BB962C8B-B14F-4D97-AF65-F5344CB8AC3E}">
+        <p14:creationId xmlns:p14="http://schemas.microsoft.com/office/powerpoint/2010/main" val="3180437891"/>
+      </p:ext>
+    </p:extLst>
+  </p:cSld>
+  <p:clrMapOvr>
+    <a:masterClrMapping/>
+  </p:clrMapOvr>
+  <p:timing>
+    <p:tnLst>
+      <p:par>
+        <p:cTn id="1" dur="indefinite" restart="never" nodeType="tmRoot"/>
+      </p:par>
+    </p:tnLst>
+  </p:timing>
+</p:sld>
+</file>
+
+<file path=ppt/slides/slide13.xml><?xml version="1.0" encoding="utf-8"?>
+<p:sld xmlns:a="http://schemas.openxmlformats.org/drawingml/2006/main" xmlns:r="http://schemas.openxmlformats.org/officeDocument/2006/relationships" xmlns:p="http://schemas.openxmlformats.org/presentationml/2006/main">
+  <p:cSld>
+    <p:spTree>
+      <p:nvGrpSpPr>
+        <p:cNvPr id="1" name=""/>
+        <p:cNvGrpSpPr/>
+        <p:nvPr/>
+      </p:nvGrpSpPr>
+      <p:grpSpPr>
+        <a:xfrm>
+          <a:off x="0" y="0"/>
+          <a:ext cx="0" cy="0"/>
+          <a:chOff x="0" y="0"/>
+          <a:chExt cx="0" cy="0"/>
+        </a:xfrm>
+      </p:grpSpPr>
+      <p:sp>
+        <p:nvSpPr>
+          <p:cNvPr id="2" name="슬라이드 번호 개체 틀 1"/>
+          <p:cNvSpPr>
+            <a:spLocks noGrp="1"/>
+          </p:cNvSpPr>
+          <p:nvPr>
+            <p:ph type="sldNum" sz="quarter" idx="12"/>
+          </p:nvPr>
+        </p:nvSpPr>
+        <p:spPr/>
+        <p:txBody>
+          <a:bodyPr/>
+          <a:lstStyle/>
+          <a:p>
+            <a:fld id="{B91F475D-C4CC-4CE8-81AD-732BFDCB340A}" type="slidenum">
+              <a:rPr lang="ko-KR" altLang="en-US" smtClean="0"/>
+              <a:t>13</a:t>
+            </a:fld>
+            <a:endParaRPr lang="ko-KR" altLang="en-US"/>
+          </a:p>
+        </p:txBody>
+      </p:sp>
+      <p:sp>
+        <p:nvSpPr>
+          <p:cNvPr id="4" name="TextBox 3"/>
+          <p:cNvSpPr txBox="1"/>
+          <p:nvPr/>
+        </p:nvSpPr>
+        <p:spPr>
+          <a:xfrm>
+            <a:off x="179512" y="461805"/>
+            <a:ext cx="7488832" cy="369332"/>
+          </a:xfrm>
+          <a:prstGeom prst="rect">
+            <a:avLst/>
+          </a:prstGeom>
+          <a:noFill/>
+        </p:spPr>
+        <p:txBody>
+          <a:bodyPr wrap="square" rtlCol="0">
+            <a:spAutoFit/>
+          </a:bodyPr>
+          <a:lstStyle/>
+          <a:p>
+            <a:pPr>
+              <a:lnSpc>
+                <a:spcPct val="90000"/>
+              </a:lnSpc>
+            </a:pPr>
+            <a:r>
+              <a:rPr lang="en-US" altLang="ko-KR" sz="2000" spc="300" dirty="0" smtClean="0">
+                <a:gradFill>
+                  <a:gsLst>
+                    <a:gs pos="0">
+                      <a:srgbClr val="C00000"/>
+                    </a:gs>
+                    <a:gs pos="100000">
+                      <a:srgbClr val="C00000"/>
+                    </a:gs>
+                  </a:gsLst>
+                  <a:lin ang="5400000" scaled="0"/>
+                </a:gradFill>
+                <a:latin typeface="나눔고딕" pitchFamily="50" charset="-127"/>
+                <a:ea typeface="나눔고딕" pitchFamily="50" charset="-127"/>
+              </a:rPr>
+              <a:t>Map’s current location Sequence Diagram</a:t>
+            </a:r>
+            <a:endParaRPr lang="ko-KR" altLang="en-US" sz="2000" spc="300" dirty="0">
+              <a:gradFill>
+                <a:gsLst>
+                  <a:gs pos="0">
+                    <a:srgbClr val="C00000"/>
+                  </a:gs>
+                  <a:gs pos="100000">
+                    <a:srgbClr val="C00000"/>
+                  </a:gs>
+                </a:gsLst>
+                <a:lin ang="5400000" scaled="0"/>
+              </a:gradFill>
+              <a:latin typeface="나눔고딕" pitchFamily="50" charset="-127"/>
+              <a:ea typeface="나눔고딕" pitchFamily="50" charset="-127"/>
+            </a:endParaRPr>
+          </a:p>
+        </p:txBody>
+      </p:sp>
+      <p:grpSp>
+        <p:nvGrpSpPr>
+          <p:cNvPr id="5" name="그룹 4"/>
+          <p:cNvGrpSpPr/>
+          <p:nvPr/>
+        </p:nvGrpSpPr>
+        <p:grpSpPr>
+          <a:xfrm>
+            <a:off x="1547664" y="1306346"/>
+            <a:ext cx="6048672" cy="5074982"/>
+            <a:chOff x="842168" y="1574453"/>
+            <a:chExt cx="6902386" cy="5791268"/>
+          </a:xfrm>
+        </p:grpSpPr>
+        <p:pic>
+          <p:nvPicPr>
+            <p:cNvPr id="6" name="그림 5"/>
+            <p:cNvPicPr>
+              <a:picLocks noChangeAspect="1"/>
+            </p:cNvPicPr>
+            <p:nvPr/>
+          </p:nvPicPr>
+          <p:blipFill>
+            <a:blip r:embed="rId2">
+              <a:extLst>
+                <a:ext uri="{28A0092B-C50C-407E-A947-70E740481C1C}">
+                  <a14:useLocalDpi xmlns:a14="http://schemas.microsoft.com/office/drawing/2010/main" val="0"/>
+                </a:ext>
+              </a:extLst>
+            </a:blip>
+            <a:stretch>
+              <a:fillRect/>
+            </a:stretch>
+          </p:blipFill>
+          <p:spPr>
+            <a:xfrm>
+              <a:off x="914176" y="1574453"/>
+              <a:ext cx="6830378" cy="4086795"/>
+            </a:xfrm>
+            <a:prstGeom prst="rect">
+              <a:avLst/>
+            </a:prstGeom>
+          </p:spPr>
+        </p:pic>
+        <p:pic>
+          <p:nvPicPr>
+            <p:cNvPr id="7" name="그림 6"/>
+            <p:cNvPicPr>
+              <a:picLocks noChangeAspect="1"/>
+            </p:cNvPicPr>
+            <p:nvPr/>
+          </p:nvPicPr>
+          <p:blipFill>
+            <a:blip r:embed="rId3">
+              <a:extLst>
+                <a:ext uri="{28A0092B-C50C-407E-A947-70E740481C1C}">
+                  <a14:useLocalDpi xmlns:a14="http://schemas.microsoft.com/office/drawing/2010/main" val="0"/>
+                </a:ext>
+              </a:extLst>
+            </a:blip>
+            <a:stretch>
+              <a:fillRect/>
+            </a:stretch>
+          </p:blipFill>
+          <p:spPr>
+            <a:xfrm>
+              <a:off x="842168" y="5670034"/>
+              <a:ext cx="6754168" cy="1695687"/>
+            </a:xfrm>
+            <a:prstGeom prst="rect">
+              <a:avLst/>
+            </a:prstGeom>
+          </p:spPr>
+        </p:pic>
+      </p:grpSp>
+      <p:sp>
+        <p:nvSpPr>
+          <p:cNvPr id="12" name="TextBox 11"/>
+          <p:cNvSpPr txBox="1"/>
+          <p:nvPr/>
+        </p:nvSpPr>
+        <p:spPr>
+          <a:xfrm>
+            <a:off x="8746436" y="6500192"/>
+            <a:ext cx="477078" cy="307777"/>
+          </a:xfrm>
+          <a:prstGeom prst="rect">
+            <a:avLst/>
+          </a:prstGeom>
+          <a:noFill/>
+        </p:spPr>
+        <p:txBody>
+          <a:bodyPr wrap="square" rtlCol="0">
+            <a:spAutoFit/>
+          </a:bodyPr>
+          <a:lstStyle/>
+          <a:p>
+            <a:r>
+              <a:rPr lang="en-US" altLang="ko-KR" sz="1400" dirty="0" smtClean="0">
+                <a:solidFill>
+                  <a:schemeClr val="bg1">
+                    <a:lumMod val="50000"/>
+                  </a:schemeClr>
+                </a:solidFill>
+              </a:rPr>
+              <a:t>/18</a:t>
+            </a:r>
+            <a:endParaRPr lang="ko-KR" altLang="en-US" sz="1400" dirty="0">
+              <a:solidFill>
+                <a:schemeClr val="bg1">
+                  <a:lumMod val="50000"/>
+                </a:schemeClr>
+              </a:solidFill>
+            </a:endParaRPr>
+          </a:p>
+        </p:txBody>
+      </p:sp>
+    </p:spTree>
+    <p:extLst>
+      <p:ext uri="{BB962C8B-B14F-4D97-AF65-F5344CB8AC3E}">
+        <p14:creationId xmlns:p14="http://schemas.microsoft.com/office/powerpoint/2010/main" val="3484930065"/>
+      </p:ext>
+    </p:extLst>
+  </p:cSld>
+  <p:clrMapOvr>
+    <a:masterClrMapping/>
+  </p:clrMapOvr>
+  <p:timing>
+    <p:tnLst>
+      <p:par>
+        <p:cTn id="1" dur="indefinite" restart="never" nodeType="tmRoot"/>
+      </p:par>
+    </p:tnLst>
+  </p:timing>
+</p:sld>
+</file>
+
+<file path=ppt/slides/slide14.xml><?xml version="1.0" encoding="utf-8"?>
+<p:sld xmlns:a="http://schemas.openxmlformats.org/drawingml/2006/main" xmlns:r="http://schemas.openxmlformats.org/officeDocument/2006/relationships" xmlns:p="http://schemas.openxmlformats.org/presentationml/2006/main">
+  <p:cSld>
+    <p:spTree>
+      <p:nvGrpSpPr>
+        <p:cNvPr id="1" name=""/>
+        <p:cNvGrpSpPr/>
+        <p:nvPr/>
+      </p:nvGrpSpPr>
+      <p:grpSpPr>
+        <a:xfrm>
+          <a:off x="0" y="0"/>
+          <a:ext cx="0" cy="0"/>
+          <a:chOff x="0" y="0"/>
+          <a:chExt cx="0" cy="0"/>
+        </a:xfrm>
+      </p:grpSpPr>
+      <p:sp>
+        <p:nvSpPr>
+          <p:cNvPr id="2" name="슬라이드 번호 개체 틀 1"/>
+          <p:cNvSpPr>
+            <a:spLocks noGrp="1"/>
+          </p:cNvSpPr>
+          <p:nvPr>
+            <p:ph type="sldNum" sz="quarter" idx="12"/>
+          </p:nvPr>
+        </p:nvSpPr>
+        <p:spPr/>
+        <p:txBody>
+          <a:bodyPr/>
+          <a:lstStyle/>
+          <a:p>
+            <a:fld id="{B91F475D-C4CC-4CE8-81AD-732BFDCB340A}" type="slidenum">
+              <a:rPr lang="ko-KR" altLang="en-US" smtClean="0"/>
+              <a:t>14</a:t>
+            </a:fld>
+            <a:endParaRPr lang="ko-KR" altLang="en-US"/>
+          </a:p>
+        </p:txBody>
+      </p:sp>
+      <p:sp>
+        <p:nvSpPr>
+          <p:cNvPr id="7" name="TextBox 6"/>
+          <p:cNvSpPr txBox="1"/>
+          <p:nvPr/>
+        </p:nvSpPr>
+        <p:spPr>
+          <a:xfrm>
+            <a:off x="251520" y="3566875"/>
+            <a:ext cx="7114480" cy="720197"/>
+          </a:xfrm>
+          <a:prstGeom prst="rect">
+            <a:avLst/>
+          </a:prstGeom>
+          <a:noFill/>
+        </p:spPr>
+        <p:txBody>
+          <a:bodyPr wrap="square" rtlCol="0">
+            <a:spAutoFit/>
+          </a:bodyPr>
+          <a:lstStyle/>
+          <a:p>
+            <a:pPr>
+              <a:lnSpc>
+                <a:spcPct val="85000"/>
+              </a:lnSpc>
+            </a:pPr>
+            <a:r>
+              <a:rPr lang="en-US" altLang="ko-KR" sz="4800" spc="600" dirty="0" smtClean="0">
+                <a:solidFill>
+                  <a:srgbClr val="FF0000"/>
+                </a:solidFill>
+                <a:effectLst>
+                  <a:outerShdw blurRad="38100" dist="38100" dir="2700000" algn="tl">
+                    <a:srgbClr val="000000">
+                      <a:alpha val="43137"/>
+                    </a:srgbClr>
+                  </a:outerShdw>
+                </a:effectLst>
+                <a:latin typeface="나눔고딕" pitchFamily="50" charset="-127"/>
+                <a:ea typeface="나눔고딕" pitchFamily="50" charset="-127"/>
+              </a:rPr>
+              <a:t>S</a:t>
+            </a:r>
+            <a:r>
+              <a:rPr lang="en-US" altLang="ko-KR" sz="4800" spc="600" dirty="0" smtClean="0">
+                <a:gradFill>
+                  <a:gsLst>
+                    <a:gs pos="0">
+                      <a:srgbClr val="7E858E"/>
+                    </a:gs>
+                    <a:gs pos="50000">
+                      <a:srgbClr val="7E858E"/>
+                    </a:gs>
+                  </a:gsLst>
+                  <a:lin ang="5400000" scaled="0"/>
+                </a:gradFill>
+                <a:effectLst>
+                  <a:outerShdw blurRad="38100" dist="38100" dir="2700000" algn="tl">
+                    <a:srgbClr val="000000">
+                      <a:alpha val="43137"/>
+                    </a:srgbClr>
+                  </a:outerShdw>
+                </a:effectLst>
+                <a:latin typeface="나눔고딕" pitchFamily="50" charset="-127"/>
+                <a:ea typeface="나눔고딕" pitchFamily="50" charset="-127"/>
+              </a:rPr>
+              <a:t>ensor</a:t>
+            </a:r>
+            <a:endParaRPr lang="ko-KR" altLang="en-US" sz="4800" spc="600" dirty="0">
+              <a:gradFill>
+                <a:gsLst>
+                  <a:gs pos="0">
+                    <a:srgbClr val="7E858E"/>
+                  </a:gs>
+                  <a:gs pos="50000">
+                    <a:srgbClr val="7E858E"/>
+                  </a:gs>
+                </a:gsLst>
+                <a:lin ang="5400000" scaled="0"/>
+              </a:gradFill>
+              <a:effectLst>
+                <a:outerShdw blurRad="38100" dist="38100" dir="2700000" algn="tl">
+                  <a:srgbClr val="000000">
+                    <a:alpha val="43137"/>
+                  </a:srgbClr>
+                </a:outerShdw>
+              </a:effectLst>
+              <a:latin typeface="나눔고딕" pitchFamily="50" charset="-127"/>
+              <a:ea typeface="나눔고딕" pitchFamily="50" charset="-127"/>
+            </a:endParaRPr>
+          </a:p>
+        </p:txBody>
+      </p:sp>
+      <p:sp>
+        <p:nvSpPr>
+          <p:cNvPr id="4" name="TextBox 3"/>
+          <p:cNvSpPr txBox="1"/>
+          <p:nvPr/>
+        </p:nvSpPr>
+        <p:spPr>
+          <a:xfrm>
+            <a:off x="8746436" y="6500192"/>
+            <a:ext cx="477078" cy="307777"/>
+          </a:xfrm>
+          <a:prstGeom prst="rect">
+            <a:avLst/>
+          </a:prstGeom>
+          <a:noFill/>
+        </p:spPr>
+        <p:txBody>
+          <a:bodyPr wrap="square" rtlCol="0">
+            <a:spAutoFit/>
+          </a:bodyPr>
+          <a:lstStyle/>
+          <a:p>
+            <a:r>
+              <a:rPr lang="en-US" altLang="ko-KR" sz="1400" dirty="0" smtClean="0">
+                <a:solidFill>
+                  <a:schemeClr val="bg1">
+                    <a:lumMod val="50000"/>
+                  </a:schemeClr>
+                </a:solidFill>
+              </a:rPr>
+              <a:t>/18</a:t>
+            </a:r>
+            <a:endParaRPr lang="ko-KR" altLang="en-US" sz="1400" dirty="0">
+              <a:solidFill>
+                <a:schemeClr val="bg1">
+                  <a:lumMod val="50000"/>
+                </a:schemeClr>
+              </a:solidFill>
+            </a:endParaRPr>
+          </a:p>
+        </p:txBody>
+      </p:sp>
+    </p:spTree>
+    <p:extLst>
+      <p:ext uri="{BB962C8B-B14F-4D97-AF65-F5344CB8AC3E}">
+        <p14:creationId xmlns:p14="http://schemas.microsoft.com/office/powerpoint/2010/main" val="1974951996"/>
+      </p:ext>
+    </p:extLst>
+  </p:cSld>
+  <p:clrMapOvr>
+    <a:masterClrMapping/>
+  </p:clrMapOvr>
+  <p:timing>
+    <p:tnLst>
+      <p:par>
+        <p:cTn id="1" dur="indefinite" restart="never" nodeType="tmRoot"/>
+      </p:par>
+    </p:tnLst>
+  </p:timing>
+</p:sld>
+</file>
+
+<file path=ppt/slides/slide15.xml><?xml version="1.0" encoding="utf-8"?>
+<p:sld xmlns:a="http://schemas.openxmlformats.org/drawingml/2006/main" xmlns:r="http://schemas.openxmlformats.org/officeDocument/2006/relationships" xmlns:p="http://schemas.openxmlformats.org/presentationml/2006/main">
+  <p:cSld>
+    <p:spTree>
+      <p:nvGrpSpPr>
+        <p:cNvPr id="1" name=""/>
+        <p:cNvGrpSpPr/>
+        <p:nvPr/>
+      </p:nvGrpSpPr>
+      <p:grpSpPr>
+        <a:xfrm>
+          <a:off x="0" y="0"/>
+          <a:ext cx="0" cy="0"/>
+          <a:chOff x="0" y="0"/>
+          <a:chExt cx="0" cy="0"/>
+        </a:xfrm>
+      </p:grpSpPr>
+      <p:sp>
+        <p:nvSpPr>
+          <p:cNvPr id="2" name="슬라이드 번호 개체 틀 1"/>
+          <p:cNvSpPr>
+            <a:spLocks noGrp="1"/>
+          </p:cNvSpPr>
+          <p:nvPr>
+            <p:ph type="sldNum" sz="quarter" idx="12"/>
+          </p:nvPr>
+        </p:nvSpPr>
+        <p:spPr/>
+        <p:txBody>
+          <a:bodyPr/>
+          <a:lstStyle/>
+          <a:p>
+            <a:fld id="{B91F475D-C4CC-4CE8-81AD-732BFDCB340A}" type="slidenum">
+              <a:rPr lang="ko-KR" altLang="en-US" smtClean="0"/>
+              <a:t>15</a:t>
+            </a:fld>
+            <a:endParaRPr lang="ko-KR" altLang="en-US"/>
+          </a:p>
+        </p:txBody>
+      </p:sp>
+      <p:pic>
+        <p:nvPicPr>
+          <p:cNvPr id="4" name="그림 3"/>
+          <p:cNvPicPr>
+            <a:picLocks noChangeAspect="1"/>
+          </p:cNvPicPr>
+          <p:nvPr/>
+        </p:nvPicPr>
+        <p:blipFill>
+          <a:blip r:embed="rId2">
+            <a:extLst>
+              <a:ext uri="{28A0092B-C50C-407E-A947-70E740481C1C}">
+                <a14:useLocalDpi xmlns:a14="http://schemas.microsoft.com/office/drawing/2010/main" val="0"/>
+              </a:ext>
+            </a:extLst>
+          </a:blip>
+          <a:stretch>
+            <a:fillRect/>
+          </a:stretch>
+        </p:blipFill>
+        <p:spPr>
+          <a:xfrm>
+            <a:off x="506818" y="2327247"/>
+            <a:ext cx="3417110" cy="648072"/>
+          </a:xfrm>
+          <a:prstGeom prst="rect">
+            <a:avLst/>
+          </a:prstGeom>
+        </p:spPr>
+      </p:pic>
+      <p:pic>
+        <p:nvPicPr>
+          <p:cNvPr id="5" name="그림 4"/>
+          <p:cNvPicPr>
+            <a:picLocks noChangeAspect="1"/>
+          </p:cNvPicPr>
+          <p:nvPr/>
+        </p:nvPicPr>
+        <p:blipFill>
+          <a:blip r:embed="rId3">
+            <a:extLst>
+              <a:ext uri="{28A0092B-C50C-407E-A947-70E740481C1C}">
+                <a14:useLocalDpi xmlns:a14="http://schemas.microsoft.com/office/drawing/2010/main" val="0"/>
+              </a:ext>
+            </a:extLst>
+          </a:blip>
+          <a:stretch>
+            <a:fillRect/>
+          </a:stretch>
+        </p:blipFill>
+        <p:spPr>
+          <a:xfrm>
+            <a:off x="506818" y="3411466"/>
+            <a:ext cx="4846007" cy="685608"/>
+          </a:xfrm>
+          <a:prstGeom prst="rect">
+            <a:avLst/>
+          </a:prstGeom>
+        </p:spPr>
+      </p:pic>
+      <p:pic>
+        <p:nvPicPr>
+          <p:cNvPr id="6" name="그림 5"/>
+          <p:cNvPicPr>
+            <a:picLocks noChangeAspect="1"/>
+          </p:cNvPicPr>
+          <p:nvPr/>
+        </p:nvPicPr>
+        <p:blipFill>
+          <a:blip r:embed="rId4">
+            <a:extLst>
+              <a:ext uri="{28A0092B-C50C-407E-A947-70E740481C1C}">
+                <a14:useLocalDpi xmlns:a14="http://schemas.microsoft.com/office/drawing/2010/main" val="0"/>
+              </a:ext>
+            </a:extLst>
+          </a:blip>
+          <a:stretch>
+            <a:fillRect/>
+          </a:stretch>
+        </p:blipFill>
+        <p:spPr>
+          <a:xfrm>
+            <a:off x="506818" y="4533221"/>
+            <a:ext cx="7632849" cy="845065"/>
+          </a:xfrm>
+          <a:prstGeom prst="rect">
+            <a:avLst/>
+          </a:prstGeom>
+        </p:spPr>
+      </p:pic>
+      <p:sp>
+        <p:nvSpPr>
+          <p:cNvPr id="7" name="TextBox 6"/>
+          <p:cNvSpPr txBox="1"/>
+          <p:nvPr/>
+        </p:nvSpPr>
+        <p:spPr>
+          <a:xfrm>
+            <a:off x="179512" y="461805"/>
+            <a:ext cx="7488832" cy="369332"/>
+          </a:xfrm>
+          <a:prstGeom prst="rect">
+            <a:avLst/>
+          </a:prstGeom>
+          <a:noFill/>
+        </p:spPr>
+        <p:txBody>
+          <a:bodyPr wrap="square" rtlCol="0">
+            <a:spAutoFit/>
+          </a:bodyPr>
+          <a:lstStyle/>
+          <a:p>
+            <a:pPr>
+              <a:lnSpc>
+                <a:spcPct val="90000"/>
+              </a:lnSpc>
+            </a:pPr>
+            <a:r>
+              <a:rPr lang="en-US" altLang="ko-KR" sz="2000" spc="300" dirty="0" smtClean="0">
+                <a:gradFill>
+                  <a:gsLst>
+                    <a:gs pos="0">
+                      <a:srgbClr val="C00000"/>
+                    </a:gs>
+                    <a:gs pos="100000">
+                      <a:srgbClr val="C00000"/>
+                    </a:gs>
+                  </a:gsLst>
+                  <a:lin ang="5400000" scaled="0"/>
+                </a:gradFill>
+                <a:latin typeface="나눔고딕" pitchFamily="50" charset="-127"/>
+                <a:ea typeface="나눔고딕" pitchFamily="50" charset="-127"/>
+              </a:rPr>
+              <a:t>Modified Code in python</a:t>
+            </a:r>
+            <a:endParaRPr lang="ko-KR" altLang="en-US" sz="2000" spc="300" dirty="0">
+              <a:gradFill>
+                <a:gsLst>
+                  <a:gs pos="0">
+                    <a:srgbClr val="C00000"/>
+                  </a:gs>
+                  <a:gs pos="100000">
+                    <a:srgbClr val="C00000"/>
+                  </a:gs>
+                </a:gsLst>
+                <a:lin ang="5400000" scaled="0"/>
+              </a:gradFill>
+              <a:latin typeface="나눔고딕" pitchFamily="50" charset="-127"/>
+              <a:ea typeface="나눔고딕" pitchFamily="50" charset="-127"/>
+            </a:endParaRPr>
+          </a:p>
+        </p:txBody>
+      </p:sp>
+      <p:sp>
+        <p:nvSpPr>
+          <p:cNvPr id="8" name="TextBox 7"/>
+          <p:cNvSpPr txBox="1"/>
+          <p:nvPr/>
+        </p:nvSpPr>
+        <p:spPr>
+          <a:xfrm>
+            <a:off x="8746436" y="6500192"/>
+            <a:ext cx="477078" cy="307777"/>
+          </a:xfrm>
+          <a:prstGeom prst="rect">
+            <a:avLst/>
+          </a:prstGeom>
+          <a:noFill/>
+        </p:spPr>
+        <p:txBody>
+          <a:bodyPr wrap="square" rtlCol="0">
+            <a:spAutoFit/>
+          </a:bodyPr>
+          <a:lstStyle/>
+          <a:p>
+            <a:r>
+              <a:rPr lang="en-US" altLang="ko-KR" sz="1400" dirty="0" smtClean="0">
+                <a:solidFill>
+                  <a:schemeClr val="bg1">
+                    <a:lumMod val="50000"/>
+                  </a:schemeClr>
+                </a:solidFill>
+              </a:rPr>
+              <a:t>/18</a:t>
+            </a:r>
+            <a:endParaRPr lang="ko-KR" altLang="en-US" sz="1400" dirty="0">
+              <a:solidFill>
+                <a:schemeClr val="bg1">
+                  <a:lumMod val="50000"/>
+                </a:schemeClr>
+              </a:solidFill>
+            </a:endParaRPr>
+          </a:p>
+        </p:txBody>
+      </p:sp>
+    </p:spTree>
+    <p:extLst>
+      <p:ext uri="{BB962C8B-B14F-4D97-AF65-F5344CB8AC3E}">
+        <p14:creationId xmlns:p14="http://schemas.microsoft.com/office/powerpoint/2010/main" val="2762535455"/>
+      </p:ext>
+    </p:extLst>
+  </p:cSld>
+  <p:clrMapOvr>
+    <a:masterClrMapping/>
+  </p:clrMapOvr>
+  <p:timing>
+    <p:tnLst>
+      <p:par>
+        <p:cTn id="1" dur="indefinite" restart="never" nodeType="tmRoot"/>
+      </p:par>
+    </p:tnLst>
+  </p:timing>
+</p:sld>
+</file>
+
+<file path=ppt/slides/slide16.xml><?xml version="1.0" encoding="utf-8"?>
+<p:sld xmlns:a="http://schemas.openxmlformats.org/drawingml/2006/main" xmlns:r="http://schemas.openxmlformats.org/officeDocument/2006/relationships" xmlns:p="http://schemas.openxmlformats.org/presentationml/2006/main">
+  <p:cSld>
+    <p:spTree>
+      <p:nvGrpSpPr>
+        <p:cNvPr id="1" name=""/>
+        <p:cNvGrpSpPr/>
+        <p:nvPr/>
+      </p:nvGrpSpPr>
+      <p:grpSpPr>
+        <a:xfrm>
+          <a:off x="0" y="0"/>
+          <a:ext cx="0" cy="0"/>
+          <a:chOff x="0" y="0"/>
+          <a:chExt cx="0" cy="0"/>
+        </a:xfrm>
+      </p:grpSpPr>
+      <p:sp>
+        <p:nvSpPr>
+          <p:cNvPr id="2" name="슬라이드 번호 개체 틀 1"/>
+          <p:cNvSpPr>
+            <a:spLocks noGrp="1"/>
+          </p:cNvSpPr>
+          <p:nvPr>
+            <p:ph type="sldNum" sz="quarter" idx="12"/>
+          </p:nvPr>
+        </p:nvSpPr>
+        <p:spPr/>
+        <p:txBody>
+          <a:bodyPr/>
+          <a:lstStyle/>
+          <a:p>
+            <a:fld id="{B91F475D-C4CC-4CE8-81AD-732BFDCB340A}" type="slidenum">
+              <a:rPr lang="ko-KR" altLang="en-US" smtClean="0"/>
+              <a:t>16</a:t>
+            </a:fld>
+            <a:endParaRPr lang="ko-KR" altLang="en-US"/>
+          </a:p>
+        </p:txBody>
+      </p:sp>
+      <p:sp>
+        <p:nvSpPr>
+          <p:cNvPr id="7" name="TextBox 6"/>
+          <p:cNvSpPr txBox="1"/>
+          <p:nvPr/>
+        </p:nvSpPr>
+        <p:spPr>
+          <a:xfrm>
+            <a:off x="179512" y="461805"/>
+            <a:ext cx="7488832" cy="369332"/>
+          </a:xfrm>
+          <a:prstGeom prst="rect">
+            <a:avLst/>
+          </a:prstGeom>
+          <a:noFill/>
+        </p:spPr>
+        <p:txBody>
+          <a:bodyPr wrap="square" rtlCol="0">
+            <a:spAutoFit/>
+          </a:bodyPr>
+          <a:lstStyle/>
+          <a:p>
+            <a:pPr>
+              <a:lnSpc>
+                <a:spcPct val="90000"/>
+              </a:lnSpc>
+            </a:pPr>
+            <a:r>
+              <a:rPr lang="en-US" altLang="ko-KR" sz="2000" spc="300" dirty="0" smtClean="0">
+                <a:gradFill>
+                  <a:gsLst>
+                    <a:gs pos="0">
+                      <a:srgbClr val="C00000"/>
+                    </a:gs>
+                    <a:gs pos="100000">
+                      <a:srgbClr val="C00000"/>
+                    </a:gs>
+                  </a:gsLst>
+                  <a:lin ang="5400000" scaled="0"/>
+                </a:gradFill>
+                <a:latin typeface="나눔고딕" pitchFamily="50" charset="-127"/>
+                <a:ea typeface="나눔고딕" pitchFamily="50" charset="-127"/>
+              </a:rPr>
+              <a:t>Result Code in python</a:t>
+            </a:r>
+            <a:endParaRPr lang="ko-KR" altLang="en-US" sz="2000" spc="300" dirty="0">
+              <a:gradFill>
+                <a:gsLst>
+                  <a:gs pos="0">
+                    <a:srgbClr val="C00000"/>
+                  </a:gs>
+                  <a:gs pos="100000">
+                    <a:srgbClr val="C00000"/>
+                  </a:gs>
+                </a:gsLst>
+                <a:lin ang="5400000" scaled="0"/>
+              </a:gradFill>
+              <a:latin typeface="나눔고딕" pitchFamily="50" charset="-127"/>
+              <a:ea typeface="나눔고딕" pitchFamily="50" charset="-127"/>
+            </a:endParaRPr>
+          </a:p>
+        </p:txBody>
+      </p:sp>
+      <p:sp>
+        <p:nvSpPr>
+          <p:cNvPr id="8" name="오른쪽 화살표 7"/>
+          <p:cNvSpPr/>
+          <p:nvPr/>
+        </p:nvSpPr>
+        <p:spPr>
+          <a:xfrm>
+            <a:off x="3721731" y="3226563"/>
+            <a:ext cx="1599121" cy="792088"/>
+          </a:xfrm>
+          <a:prstGeom prst="rightArrow">
+            <a:avLst/>
+          </a:prstGeom>
+          <a:solidFill>
+            <a:srgbClr val="C00000"/>
+          </a:solidFill>
+          <a:ln>
+            <a:solidFill>
+              <a:srgbClr val="C00000"/>
+            </a:solidFill>
+          </a:ln>
+        </p:spPr>
+        <p:style>
+          <a:lnRef idx="2">
+            <a:schemeClr val="accent1">
+              <a:shade val="50000"/>
+            </a:schemeClr>
+          </a:lnRef>
+          <a:fillRef idx="1">
+            <a:schemeClr val="accent1"/>
+          </a:fillRef>
+          <a:effectRef idx="0">
+            <a:schemeClr val="accent1"/>
+          </a:effectRef>
+          <a:fontRef idx="minor">
+            <a:schemeClr val="lt1"/>
+          </a:fontRef>
+        </p:style>
+        <p:txBody>
+          <a:bodyPr rtlCol="0" anchor="ctr"/>
+          <a:lstStyle/>
+          <a:p>
+            <a:pPr algn="ctr"/>
+            <a:endParaRPr lang="ko-KR" altLang="en-US"/>
+          </a:p>
+        </p:txBody>
+      </p:sp>
+      <p:grpSp>
+        <p:nvGrpSpPr>
+          <p:cNvPr id="9" name="그룹 8"/>
+          <p:cNvGrpSpPr/>
+          <p:nvPr/>
+        </p:nvGrpSpPr>
+        <p:grpSpPr>
+          <a:xfrm>
+            <a:off x="5540189" y="2650499"/>
+            <a:ext cx="3307467" cy="1944216"/>
+            <a:chOff x="4899466" y="3830495"/>
+            <a:chExt cx="3307467" cy="1944216"/>
+          </a:xfrm>
+        </p:grpSpPr>
+        <p:pic>
+          <p:nvPicPr>
+            <p:cNvPr id="10" name="그림 9"/>
+            <p:cNvPicPr>
+              <a:picLocks noChangeAspect="1"/>
+            </p:cNvPicPr>
+            <p:nvPr/>
+          </p:nvPicPr>
+          <p:blipFill rotWithShape="1">
+            <a:blip r:embed="rId2">
+              <a:extLst>
+                <a:ext uri="{28A0092B-C50C-407E-A947-70E740481C1C}">
+                  <a14:useLocalDpi xmlns:a14="http://schemas.microsoft.com/office/drawing/2010/main" val="0"/>
+                </a:ext>
+              </a:extLst>
+            </a:blip>
+            <a:srcRect l="-1" t="53150" r="860" b="18500"/>
+            <a:stretch/>
+          </p:blipFill>
+          <p:spPr>
+            <a:xfrm>
+              <a:off x="4899466" y="3830495"/>
+              <a:ext cx="3307467" cy="1944216"/>
+            </a:xfrm>
+            <a:prstGeom prst="rect">
+              <a:avLst/>
+            </a:prstGeom>
+          </p:spPr>
+        </p:pic>
+        <p:sp>
+          <p:nvSpPr>
+            <p:cNvPr id="11" name="직사각형 10"/>
+            <p:cNvSpPr/>
+            <p:nvPr/>
+          </p:nvSpPr>
+          <p:spPr>
+            <a:xfrm>
+              <a:off x="5724127" y="4149080"/>
+              <a:ext cx="1296347" cy="216024"/>
+            </a:xfrm>
+            <a:prstGeom prst="rect">
+              <a:avLst/>
+            </a:prstGeom>
+            <a:noFill/>
+            <a:ln w="57150">
+              <a:solidFill>
+                <a:srgbClr val="C00000"/>
+              </a:solidFill>
+            </a:ln>
+          </p:spPr>
+          <p:style>
+            <a:lnRef idx="2">
+              <a:schemeClr val="accent1">
+                <a:shade val="50000"/>
+              </a:schemeClr>
+            </a:lnRef>
+            <a:fillRef idx="1">
+              <a:schemeClr val="accent1"/>
+            </a:fillRef>
+            <a:effectRef idx="0">
+              <a:schemeClr val="accent1"/>
+            </a:effectRef>
+            <a:fontRef idx="minor">
+              <a:schemeClr val="lt1"/>
+            </a:fontRef>
+          </p:style>
+          <p:txBody>
+            <a:bodyPr rtlCol="0" anchor="ctr"/>
+            <a:lstStyle/>
+            <a:p>
+              <a:pPr algn="ctr"/>
+              <a:endParaRPr lang="ko-KR" altLang="en-US"/>
+            </a:p>
+          </p:txBody>
+        </p:sp>
+      </p:grpSp>
+      <p:grpSp>
+        <p:nvGrpSpPr>
+          <p:cNvPr id="12" name="그룹 11"/>
+          <p:cNvGrpSpPr/>
+          <p:nvPr/>
+        </p:nvGrpSpPr>
+        <p:grpSpPr>
+          <a:xfrm>
+            <a:off x="209929" y="2620413"/>
+            <a:ext cx="3292465" cy="2004389"/>
+            <a:chOff x="209930" y="2709217"/>
+            <a:chExt cx="3055412" cy="1860076"/>
+          </a:xfrm>
+        </p:grpSpPr>
+        <p:pic>
+          <p:nvPicPr>
+            <p:cNvPr id="13" name="그림 12"/>
+            <p:cNvPicPr>
+              <a:picLocks noChangeAspect="1"/>
+            </p:cNvPicPr>
+            <p:nvPr/>
+          </p:nvPicPr>
+          <p:blipFill rotWithShape="1">
+            <a:blip r:embed="rId3">
+              <a:extLst>
+                <a:ext uri="{28A0092B-C50C-407E-A947-70E740481C1C}">
+                  <a14:useLocalDpi xmlns:a14="http://schemas.microsoft.com/office/drawing/2010/main" val="0"/>
+                </a:ext>
+              </a:extLst>
+            </a:blip>
+            <a:srcRect l="-1" t="51563" r="726" b="19038"/>
+            <a:stretch/>
+          </p:blipFill>
+          <p:spPr>
+            <a:xfrm>
+              <a:off x="209930" y="2709217"/>
+              <a:ext cx="3055412" cy="1860076"/>
+            </a:xfrm>
+            <a:prstGeom prst="rect">
+              <a:avLst/>
+            </a:prstGeom>
+          </p:spPr>
+        </p:pic>
+        <p:sp>
+          <p:nvSpPr>
+            <p:cNvPr id="14" name="직사각형 13"/>
+            <p:cNvSpPr/>
+            <p:nvPr/>
+          </p:nvSpPr>
+          <p:spPr>
+            <a:xfrm>
+              <a:off x="1017555" y="3132314"/>
+              <a:ext cx="720081" cy="221793"/>
+            </a:xfrm>
+            <a:prstGeom prst="rect">
+              <a:avLst/>
+            </a:prstGeom>
+            <a:noFill/>
+            <a:ln w="57150">
+              <a:solidFill>
+                <a:srgbClr val="C00000"/>
+              </a:solidFill>
+            </a:ln>
+          </p:spPr>
+          <p:style>
+            <a:lnRef idx="2">
+              <a:schemeClr val="accent1">
+                <a:shade val="50000"/>
+              </a:schemeClr>
+            </a:lnRef>
+            <a:fillRef idx="1">
+              <a:schemeClr val="accent1"/>
+            </a:fillRef>
+            <a:effectRef idx="0">
+              <a:schemeClr val="accent1"/>
+            </a:effectRef>
+            <a:fontRef idx="minor">
+              <a:schemeClr val="lt1"/>
+            </a:fontRef>
+          </p:style>
+          <p:txBody>
+            <a:bodyPr rtlCol="0" anchor="ctr"/>
+            <a:lstStyle/>
+            <a:p>
+              <a:pPr algn="ctr"/>
+              <a:endParaRPr lang="ko-KR" altLang="en-US"/>
+            </a:p>
+          </p:txBody>
+        </p:sp>
+      </p:grpSp>
+      <p:sp>
+        <p:nvSpPr>
+          <p:cNvPr id="15" name="TextBox 14"/>
+          <p:cNvSpPr txBox="1"/>
+          <p:nvPr/>
+        </p:nvSpPr>
+        <p:spPr>
+          <a:xfrm>
+            <a:off x="8746436" y="6500192"/>
+            <a:ext cx="477078" cy="307777"/>
+          </a:xfrm>
+          <a:prstGeom prst="rect">
+            <a:avLst/>
+          </a:prstGeom>
+          <a:noFill/>
+        </p:spPr>
+        <p:txBody>
+          <a:bodyPr wrap="square" rtlCol="0">
+            <a:spAutoFit/>
+          </a:bodyPr>
+          <a:lstStyle/>
+          <a:p>
+            <a:r>
+              <a:rPr lang="en-US" altLang="ko-KR" sz="1400" dirty="0" smtClean="0">
+                <a:solidFill>
+                  <a:schemeClr val="bg1">
+                    <a:lumMod val="50000"/>
+                  </a:schemeClr>
+                </a:solidFill>
+              </a:rPr>
+              <a:t>/18</a:t>
+            </a:r>
+            <a:endParaRPr lang="ko-KR" altLang="en-US" sz="1400" dirty="0">
+              <a:solidFill>
+                <a:schemeClr val="bg1">
+                  <a:lumMod val="50000"/>
+                </a:schemeClr>
+              </a:solidFill>
+            </a:endParaRPr>
+          </a:p>
+        </p:txBody>
+      </p:sp>
+    </p:spTree>
+    <p:extLst>
+      <p:ext uri="{BB962C8B-B14F-4D97-AF65-F5344CB8AC3E}">
+        <p14:creationId xmlns:p14="http://schemas.microsoft.com/office/powerpoint/2010/main" val="1175448337"/>
+      </p:ext>
+    </p:extLst>
+  </p:cSld>
+  <p:clrMapOvr>
+    <a:masterClrMapping/>
+  </p:clrMapOvr>
+  <p:timing>
+    <p:tnLst>
+      <p:par>
+        <p:cTn id="1" dur="indefinite" restart="never" nodeType="tmRoot"/>
+      </p:par>
+    </p:tnLst>
+  </p:timing>
+</p:sld>
+</file>
+
+<file path=ppt/slides/slide17.xml><?xml version="1.0" encoding="utf-8"?>
+<p:sld xmlns:a="http://schemas.openxmlformats.org/drawingml/2006/main" xmlns:r="http://schemas.openxmlformats.org/officeDocument/2006/relationships" xmlns:p="http://schemas.openxmlformats.org/presentationml/2006/main">
+  <p:cSld>
+    <p:spTree>
+      <p:nvGrpSpPr>
+        <p:cNvPr id="1" name=""/>
+        <p:cNvGrpSpPr/>
+        <p:nvPr/>
+      </p:nvGrpSpPr>
+      <p:grpSpPr>
+        <a:xfrm>
+          <a:off x="0" y="0"/>
+          <a:ext cx="0" cy="0"/>
+          <a:chOff x="0" y="0"/>
+          <a:chExt cx="0" cy="0"/>
+        </a:xfrm>
+      </p:grpSpPr>
+      <p:sp>
+        <p:nvSpPr>
+          <p:cNvPr id="2" name="슬라이드 번호 개체 틀 1"/>
+          <p:cNvSpPr>
+            <a:spLocks noGrp="1"/>
+          </p:cNvSpPr>
+          <p:nvPr>
+            <p:ph type="sldNum" sz="quarter" idx="12"/>
+          </p:nvPr>
+        </p:nvSpPr>
+        <p:spPr/>
+        <p:txBody>
+          <a:bodyPr/>
+          <a:lstStyle/>
+          <a:p>
+            <a:fld id="{B91F475D-C4CC-4CE8-81AD-732BFDCB340A}" type="slidenum">
+              <a:rPr lang="ko-KR" altLang="en-US" smtClean="0"/>
+              <a:t>17</a:t>
+            </a:fld>
+            <a:endParaRPr lang="ko-KR" altLang="en-US"/>
+          </a:p>
+        </p:txBody>
+      </p:sp>
+      <p:sp>
+        <p:nvSpPr>
+          <p:cNvPr id="7" name="TextBox 6"/>
+          <p:cNvSpPr txBox="1"/>
+          <p:nvPr/>
+        </p:nvSpPr>
+        <p:spPr>
+          <a:xfrm>
+            <a:off x="251520" y="3566875"/>
+            <a:ext cx="7114480" cy="720197"/>
+          </a:xfrm>
+          <a:prstGeom prst="rect">
+            <a:avLst/>
+          </a:prstGeom>
+          <a:noFill/>
+        </p:spPr>
+        <p:txBody>
+          <a:bodyPr wrap="square" rtlCol="0">
+            <a:spAutoFit/>
+          </a:bodyPr>
+          <a:lstStyle/>
+          <a:p>
+            <a:pPr>
+              <a:lnSpc>
+                <a:spcPct val="85000"/>
+              </a:lnSpc>
+            </a:pPr>
+            <a:r>
+              <a:rPr lang="en-US" altLang="ko-KR" sz="4800" spc="600" dirty="0" smtClean="0">
+                <a:solidFill>
+                  <a:srgbClr val="FF0000"/>
+                </a:solidFill>
+                <a:effectLst>
+                  <a:outerShdw blurRad="38100" dist="38100" dir="2700000" algn="tl">
+                    <a:srgbClr val="000000">
+                      <a:alpha val="43137"/>
+                    </a:srgbClr>
+                  </a:outerShdw>
+                </a:effectLst>
+                <a:latin typeface="나눔고딕" pitchFamily="50" charset="-127"/>
+                <a:ea typeface="나눔고딕" pitchFamily="50" charset="-127"/>
+              </a:rPr>
+              <a:t>A</a:t>
+            </a:r>
+            <a:r>
+              <a:rPr lang="en-US" altLang="ko-KR" sz="4800" spc="600" dirty="0" smtClean="0">
+                <a:gradFill>
+                  <a:gsLst>
+                    <a:gs pos="0">
+                      <a:srgbClr val="7E858E"/>
+                    </a:gs>
+                    <a:gs pos="50000">
+                      <a:srgbClr val="7E858E"/>
+                    </a:gs>
+                  </a:gsLst>
+                  <a:lin ang="5400000" scaled="0"/>
+                </a:gradFill>
+                <a:effectLst>
+                  <a:outerShdw blurRad="38100" dist="38100" dir="2700000" algn="tl">
+                    <a:srgbClr val="000000">
+                      <a:alpha val="43137"/>
+                    </a:srgbClr>
+                  </a:outerShdw>
+                </a:effectLst>
+                <a:latin typeface="나눔고딕" pitchFamily="50" charset="-127"/>
+                <a:ea typeface="나눔고딕" pitchFamily="50" charset="-127"/>
+              </a:rPr>
+              <a:t>pp </a:t>
+            </a:r>
+            <a:r>
+              <a:rPr lang="en-US" altLang="ko-KR" sz="4800" spc="600" dirty="0" smtClean="0">
+                <a:solidFill>
+                  <a:srgbClr val="FF0000"/>
+                </a:solidFill>
+                <a:effectLst>
+                  <a:outerShdw blurRad="38100" dist="38100" dir="2700000" algn="tl">
+                    <a:srgbClr val="000000">
+                      <a:alpha val="43137"/>
+                    </a:srgbClr>
+                  </a:outerShdw>
+                </a:effectLst>
+                <a:latin typeface="나눔고딕" pitchFamily="50" charset="-127"/>
+                <a:ea typeface="나눔고딕" pitchFamily="50" charset="-127"/>
+              </a:rPr>
+              <a:t>C</a:t>
+            </a:r>
+            <a:r>
+              <a:rPr lang="en-US" altLang="ko-KR" sz="4800" spc="600" dirty="0" smtClean="0">
+                <a:gradFill>
+                  <a:gsLst>
+                    <a:gs pos="0">
+                      <a:srgbClr val="7E858E"/>
+                    </a:gs>
+                    <a:gs pos="50000">
+                      <a:srgbClr val="7E858E"/>
+                    </a:gs>
+                  </a:gsLst>
+                  <a:lin ang="5400000" scaled="0"/>
+                </a:gradFill>
+                <a:effectLst>
+                  <a:outerShdw blurRad="38100" dist="38100" dir="2700000" algn="tl">
+                    <a:srgbClr val="000000">
+                      <a:alpha val="43137"/>
+                    </a:srgbClr>
+                  </a:outerShdw>
+                </a:effectLst>
+                <a:latin typeface="나눔고딕" pitchFamily="50" charset="-127"/>
+                <a:ea typeface="나눔고딕" pitchFamily="50" charset="-127"/>
+              </a:rPr>
+              <a:t>lient</a:t>
+            </a:r>
+            <a:endParaRPr lang="ko-KR" altLang="en-US" sz="4800" spc="600" dirty="0">
+              <a:gradFill>
+                <a:gsLst>
+                  <a:gs pos="0">
+                    <a:srgbClr val="7E858E"/>
+                  </a:gs>
+                  <a:gs pos="50000">
+                    <a:srgbClr val="7E858E"/>
+                  </a:gs>
+                </a:gsLst>
+                <a:lin ang="5400000" scaled="0"/>
+              </a:gradFill>
+              <a:effectLst>
+                <a:outerShdw blurRad="38100" dist="38100" dir="2700000" algn="tl">
+                  <a:srgbClr val="000000">
+                    <a:alpha val="43137"/>
+                  </a:srgbClr>
+                </a:outerShdw>
+              </a:effectLst>
+              <a:latin typeface="나눔고딕" pitchFamily="50" charset="-127"/>
+              <a:ea typeface="나눔고딕" pitchFamily="50" charset="-127"/>
+            </a:endParaRPr>
+          </a:p>
+        </p:txBody>
+      </p:sp>
+      <p:sp>
+        <p:nvSpPr>
+          <p:cNvPr id="4" name="TextBox 3"/>
+          <p:cNvSpPr txBox="1"/>
+          <p:nvPr/>
+        </p:nvSpPr>
+        <p:spPr>
+          <a:xfrm>
+            <a:off x="8746436" y="6500192"/>
+            <a:ext cx="477078" cy="307777"/>
+          </a:xfrm>
+          <a:prstGeom prst="rect">
+            <a:avLst/>
+          </a:prstGeom>
+          <a:noFill/>
+        </p:spPr>
+        <p:txBody>
+          <a:bodyPr wrap="square" rtlCol="0">
+            <a:spAutoFit/>
+          </a:bodyPr>
+          <a:lstStyle/>
+          <a:p>
+            <a:r>
+              <a:rPr lang="en-US" altLang="ko-KR" sz="1400" dirty="0" smtClean="0">
+                <a:solidFill>
+                  <a:schemeClr val="bg1">
+                    <a:lumMod val="50000"/>
+                  </a:schemeClr>
+                </a:solidFill>
+              </a:rPr>
+              <a:t>/18</a:t>
+            </a:r>
+            <a:endParaRPr lang="ko-KR" altLang="en-US" sz="1400" dirty="0">
+              <a:solidFill>
+                <a:schemeClr val="bg1">
+                  <a:lumMod val="50000"/>
+                </a:schemeClr>
+              </a:solidFill>
+            </a:endParaRPr>
+          </a:p>
+        </p:txBody>
+      </p:sp>
+    </p:spTree>
+    <p:extLst>
+      <p:ext uri="{BB962C8B-B14F-4D97-AF65-F5344CB8AC3E}">
+        <p14:creationId xmlns:p14="http://schemas.microsoft.com/office/powerpoint/2010/main" val="2157935345"/>
+      </p:ext>
+    </p:extLst>
+  </p:cSld>
+  <p:clrMapOvr>
+    <a:masterClrMapping/>
+  </p:clrMapOvr>
+  <p:timing>
+    <p:tnLst>
+      <p:par>
+        <p:cTn id="1" dur="indefinite" restart="never" nodeType="tmRoot"/>
+      </p:par>
+    </p:tnLst>
+  </p:timing>
+</p:sld>
+</file>
+
+<file path=ppt/slides/slide18.xml><?xml version="1.0" encoding="utf-8"?>
+<p:sld xmlns:a="http://schemas.openxmlformats.org/drawingml/2006/main" xmlns:r="http://schemas.openxmlformats.org/officeDocument/2006/relationships" xmlns:p="http://schemas.openxmlformats.org/presentationml/2006/main">
+  <p:cSld>
+    <p:spTree>
+      <p:nvGrpSpPr>
+        <p:cNvPr id="1" name=""/>
+        <p:cNvGrpSpPr/>
+        <p:nvPr/>
+      </p:nvGrpSpPr>
+      <p:grpSpPr>
+        <a:xfrm>
+          <a:off x="0" y="0"/>
+          <a:ext cx="0" cy="0"/>
+          <a:chOff x="0" y="0"/>
+          <a:chExt cx="0" cy="0"/>
+        </a:xfrm>
+      </p:grpSpPr>
+      <p:sp>
+        <p:nvSpPr>
+          <p:cNvPr id="2" name="슬라이드 번호 개체 틀 1"/>
+          <p:cNvSpPr>
+            <a:spLocks noGrp="1"/>
+          </p:cNvSpPr>
+          <p:nvPr>
+            <p:ph type="sldNum" sz="quarter" idx="12"/>
+          </p:nvPr>
+        </p:nvSpPr>
+        <p:spPr/>
+        <p:txBody>
+          <a:bodyPr/>
+          <a:lstStyle/>
+          <a:p>
+            <a:fld id="{B91F475D-C4CC-4CE8-81AD-732BFDCB340A}" type="slidenum">
+              <a:rPr lang="ko-KR" altLang="en-US" smtClean="0"/>
+              <a:t>18</a:t>
+            </a:fld>
+            <a:endParaRPr lang="ko-KR" altLang="en-US"/>
+          </a:p>
+        </p:txBody>
+      </p:sp>
+      <p:sp>
+        <p:nvSpPr>
+          <p:cNvPr id="3" name="TextBox 2"/>
+          <p:cNvSpPr txBox="1"/>
+          <p:nvPr/>
+        </p:nvSpPr>
+        <p:spPr>
+          <a:xfrm>
+            <a:off x="8746436" y="6500192"/>
+            <a:ext cx="477078" cy="307777"/>
+          </a:xfrm>
+          <a:prstGeom prst="rect">
+            <a:avLst/>
+          </a:prstGeom>
+          <a:noFill/>
+        </p:spPr>
+        <p:txBody>
+          <a:bodyPr wrap="square" rtlCol="0">
+            <a:spAutoFit/>
+          </a:bodyPr>
+          <a:lstStyle/>
+          <a:p>
+            <a:r>
+              <a:rPr lang="en-US" altLang="ko-KR" sz="1400" dirty="0" smtClean="0">
+                <a:solidFill>
+                  <a:schemeClr val="bg1">
+                    <a:lumMod val="50000"/>
+                  </a:schemeClr>
+                </a:solidFill>
+              </a:rPr>
+              <a:t>/18</a:t>
+            </a:r>
+            <a:endParaRPr lang="ko-KR" altLang="en-US" sz="1400" dirty="0">
+              <a:solidFill>
+                <a:schemeClr val="bg1">
+                  <a:lumMod val="50000"/>
+                </a:schemeClr>
+              </a:solidFill>
+            </a:endParaRPr>
           </a:p>
         </p:txBody>
       </p:sp>
@@ -3768,7 +6272,7 @@
         </p:nvSpPr>
         <p:spPr>
           <a:xfrm>
-            <a:off x="-252536" y="2420888"/>
+            <a:off x="-338132" y="1814466"/>
             <a:ext cx="2736304" cy="2736304"/>
           </a:xfrm>
           <a:prstGeom prst="ellipse">
@@ -3856,7 +6360,7 @@
         </p:nvSpPr>
         <p:spPr>
           <a:xfrm>
-            <a:off x="2051720" y="2439936"/>
+            <a:off x="1691687" y="3098889"/>
             <a:ext cx="2736304" cy="2736304"/>
           </a:xfrm>
           <a:prstGeom prst="ellipse">
@@ -3924,7 +6428,7 @@
         </p:nvSpPr>
         <p:spPr>
           <a:xfrm>
-            <a:off x="4338540" y="2439936"/>
+            <a:off x="3488539" y="1730737"/>
             <a:ext cx="2736304" cy="2736304"/>
           </a:xfrm>
           <a:prstGeom prst="ellipse">
@@ -3992,7 +6496,7 @@
         </p:nvSpPr>
         <p:spPr>
           <a:xfrm>
-            <a:off x="6660232" y="2420888"/>
+            <a:off x="6763996" y="1730737"/>
             <a:ext cx="2736304" cy="2736304"/>
           </a:xfrm>
           <a:prstGeom prst="ellipse">
@@ -4048,6 +6552,106 @@
             <a:endParaRPr lang="en-US" altLang="ko-KR" sz="2400" spc="80" dirty="0">
               <a:latin typeface="나눔고딕" pitchFamily="50" charset="-127"/>
               <a:ea typeface="나눔고딕" pitchFamily="50" charset="-127"/>
+            </a:endParaRPr>
+          </a:p>
+        </p:txBody>
+      </p:sp>
+      <p:sp>
+        <p:nvSpPr>
+          <p:cNvPr id="11" name="타원 10"/>
+          <p:cNvSpPr/>
+          <p:nvPr/>
+        </p:nvSpPr>
+        <p:spPr>
+          <a:xfrm>
+            <a:off x="5079877" y="3409225"/>
+            <a:ext cx="2736304" cy="2736304"/>
+          </a:xfrm>
+          <a:prstGeom prst="ellipse">
+            <a:avLst/>
+          </a:prstGeom>
+          <a:solidFill>
+            <a:srgbClr val="C00000">
+              <a:alpha val="85000"/>
+            </a:srgbClr>
+          </a:solidFill>
+          <a:ln>
+            <a:noFill/>
+          </a:ln>
+        </p:spPr>
+        <p:style>
+          <a:lnRef idx="2">
+            <a:schemeClr val="accent1">
+              <a:shade val="50000"/>
+            </a:schemeClr>
+          </a:lnRef>
+          <a:fillRef idx="1">
+            <a:schemeClr val="accent1"/>
+          </a:fillRef>
+          <a:effectRef idx="0">
+            <a:schemeClr val="accent1"/>
+          </a:effectRef>
+          <a:fontRef idx="minor">
+            <a:schemeClr val="lt1"/>
+          </a:fontRef>
+        </p:style>
+        <p:txBody>
+          <a:bodyPr rtlCol="0" anchor="ctr"/>
+          <a:lstStyle/>
+          <a:p>
+            <a:pPr algn="ctr"/>
+            <a:r>
+              <a:rPr lang="en-US" altLang="ko-KR" sz="2400" spc="80" dirty="0" smtClean="0">
+                <a:latin typeface="나눔고딕" pitchFamily="50" charset="-127"/>
+                <a:ea typeface="나눔고딕" pitchFamily="50" charset="-127"/>
+              </a:rPr>
+              <a:t>Sensor</a:t>
+            </a:r>
+            <a:endParaRPr lang="en-US" altLang="ko-KR" sz="2400" spc="80" dirty="0" smtClean="0">
+              <a:latin typeface="나눔고딕" pitchFamily="50" charset="-127"/>
+              <a:ea typeface="나눔고딕" pitchFamily="50" charset="-127"/>
+            </a:endParaRPr>
+          </a:p>
+        </p:txBody>
+      </p:sp>
+      <p:sp>
+        <p:nvSpPr>
+          <p:cNvPr id="12" name="TextBox 11"/>
+          <p:cNvSpPr txBox="1"/>
+          <p:nvPr/>
+        </p:nvSpPr>
+        <p:spPr>
+          <a:xfrm>
+            <a:off x="8746436" y="6500192"/>
+            <a:ext cx="477078" cy="307777"/>
+          </a:xfrm>
+          <a:prstGeom prst="rect">
+            <a:avLst/>
+          </a:prstGeom>
+          <a:noFill/>
+        </p:spPr>
+        <p:txBody>
+          <a:bodyPr wrap="square" rtlCol="0">
+            <a:spAutoFit/>
+          </a:bodyPr>
+          <a:lstStyle/>
+          <a:p>
+            <a:r>
+              <a:rPr lang="en-US" altLang="ko-KR" sz="1400" dirty="0" smtClean="0">
+                <a:solidFill>
+                  <a:schemeClr val="bg1">
+                    <a:lumMod val="50000"/>
+                  </a:schemeClr>
+                </a:solidFill>
+              </a:rPr>
+              <a:t>/18</a:t>
+            </a:r>
+            <a:endParaRPr lang="ko-KR" altLang="en-US" sz="1400" dirty="0">
+              <a:solidFill>
+                <a:schemeClr val="bg1">
+                  <a:lumMod val="50000"/>
+                </a:schemeClr>
+              </a:solidFill>
             </a:endParaRPr>
           </a:p>
         </p:txBody>
@@ -4248,6 +6852,48 @@
           </a:p>
         </p:txBody>
       </p:sp>
+      <p:sp>
+        <p:nvSpPr>
+          <p:cNvPr id="4" name="TextBox 3"/>
+          <p:cNvSpPr txBox="1"/>
+          <p:nvPr/>
+        </p:nvSpPr>
+        <p:spPr>
+          <a:xfrm>
+            <a:off x="8746436" y="6500192"/>
+            <a:ext cx="477078" cy="307777"/>
+          </a:xfrm>
+          <a:prstGeom prst="rect">
+            <a:avLst/>
+          </a:prstGeom>
+          <a:noFill/>
+        </p:spPr>
+        <p:txBody>
+          <a:bodyPr wrap="square" rtlCol="0">
+            <a:spAutoFit/>
+          </a:bodyPr>
+          <a:lstStyle/>
+          <a:p>
+            <a:r>
+              <a:rPr lang="en-US" altLang="ko-KR" sz="1400" dirty="0" smtClean="0">
+                <a:solidFill>
+                  <a:schemeClr val="bg1">
+                    <a:lumMod val="50000"/>
+                  </a:schemeClr>
+                </a:solidFill>
+              </a:rPr>
+              <a:t>/18</a:t>
+            </a:r>
+            <a:endParaRPr lang="ko-KR" altLang="en-US" sz="1400" dirty="0">
+              <a:solidFill>
+                <a:schemeClr val="bg1">
+                  <a:lumMod val="50000"/>
+                </a:schemeClr>
+              </a:solidFill>
+            </a:endParaRPr>
+          </a:p>
+        </p:txBody>
+      </p:sp>
     </p:spTree>
     <p:extLst>
       <p:ext uri="{BB962C8B-B14F-4D97-AF65-F5344CB8AC3E}">
@@ -4371,6 +7017,1115 @@
           </a:p>
         </p:txBody>
       </p:sp>
+      <p:sp>
+        <p:nvSpPr>
+          <p:cNvPr id="4" name="직사각형 3"/>
+          <p:cNvSpPr/>
+          <p:nvPr/>
+        </p:nvSpPr>
+        <p:spPr>
+          <a:xfrm>
+            <a:off x="171449" y="2226080"/>
+            <a:ext cx="2611316" cy="3290522"/>
+          </a:xfrm>
+          <a:prstGeom prst="rect">
+            <a:avLst/>
+          </a:prstGeom>
+          <a:solidFill>
+            <a:schemeClr val="bg1">
+              <a:lumMod val="95000"/>
+            </a:schemeClr>
+          </a:solidFill>
+          <a:ln>
+            <a:solidFill>
+              <a:schemeClr val="bg1">
+                <a:lumMod val="50000"/>
+              </a:schemeClr>
+            </a:solidFill>
+          </a:ln>
+        </p:spPr>
+        <p:style>
+          <a:lnRef idx="1">
+            <a:schemeClr val="accent3"/>
+          </a:lnRef>
+          <a:fillRef idx="2">
+            <a:schemeClr val="accent3"/>
+          </a:fillRef>
+          <a:effectRef idx="1">
+            <a:schemeClr val="accent3"/>
+          </a:effectRef>
+          <a:fontRef idx="minor">
+            <a:schemeClr val="dk1"/>
+          </a:fontRef>
+        </p:style>
+        <p:txBody>
+          <a:bodyPr rtlCol="0" anchor="ctr"/>
+          <a:lstStyle/>
+          <a:p>
+            <a:pPr algn="ctr"/>
+            <a:endParaRPr lang="ko-KR" altLang="en-US" sz="1350" dirty="0"/>
+          </a:p>
+        </p:txBody>
+      </p:sp>
+      <p:sp>
+        <p:nvSpPr>
+          <p:cNvPr id="5" name="직사각형 4"/>
+          <p:cNvSpPr/>
+          <p:nvPr/>
+        </p:nvSpPr>
+        <p:spPr>
+          <a:xfrm>
+            <a:off x="3191607" y="1876586"/>
+            <a:ext cx="2611316" cy="3976321"/>
+          </a:xfrm>
+          <a:prstGeom prst="rect">
+            <a:avLst/>
+          </a:prstGeom>
+          <a:solidFill>
+            <a:schemeClr val="bg1">
+              <a:lumMod val="95000"/>
+            </a:schemeClr>
+          </a:solidFill>
+          <a:ln>
+            <a:solidFill>
+              <a:schemeClr val="bg1">
+                <a:lumMod val="50000"/>
+              </a:schemeClr>
+            </a:solidFill>
+          </a:ln>
+        </p:spPr>
+        <p:style>
+          <a:lnRef idx="1">
+            <a:schemeClr val="accent3"/>
+          </a:lnRef>
+          <a:fillRef idx="2">
+            <a:schemeClr val="accent3"/>
+          </a:fillRef>
+          <a:effectRef idx="1">
+            <a:schemeClr val="accent3"/>
+          </a:effectRef>
+          <a:fontRef idx="minor">
+            <a:schemeClr val="dk1"/>
+          </a:fontRef>
+        </p:style>
+        <p:txBody>
+          <a:bodyPr rtlCol="0" anchor="ctr"/>
+          <a:lstStyle/>
+          <a:p>
+            <a:pPr algn="ctr"/>
+            <a:endParaRPr lang="ko-KR" altLang="en-US" sz="1350" dirty="0"/>
+          </a:p>
+        </p:txBody>
+      </p:sp>
+      <p:sp>
+        <p:nvSpPr>
+          <p:cNvPr id="6" name="모서리가 둥근 직사각형 5"/>
+          <p:cNvSpPr/>
+          <p:nvPr/>
+        </p:nvSpPr>
+        <p:spPr>
+          <a:xfrm>
+            <a:off x="3270737" y="2499655"/>
+            <a:ext cx="1180367" cy="712991"/>
+          </a:xfrm>
+          <a:prstGeom prst="roundRect">
+            <a:avLst/>
+          </a:prstGeom>
+        </p:spPr>
+        <p:style>
+          <a:lnRef idx="2">
+            <a:schemeClr val="dk1"/>
+          </a:lnRef>
+          <a:fillRef idx="1">
+            <a:schemeClr val="lt1"/>
+          </a:fillRef>
+          <a:effectRef idx="0">
+            <a:schemeClr val="dk1"/>
+          </a:effectRef>
+          <a:fontRef idx="minor">
+            <a:schemeClr val="dk1"/>
+          </a:fontRef>
+        </p:style>
+        <p:txBody>
+          <a:bodyPr rtlCol="0" anchor="ctr"/>
+          <a:lstStyle/>
+          <a:p>
+            <a:pPr algn="ctr"/>
+            <a:r>
+              <a:rPr lang="en-US" altLang="ko-KR" sz="1350" dirty="0"/>
+              <a:t>Sign up</a:t>
+            </a:r>
+            <a:endParaRPr lang="ko-KR" altLang="en-US" sz="1350" dirty="0"/>
+          </a:p>
+        </p:txBody>
+      </p:sp>
+      <p:sp>
+        <p:nvSpPr>
+          <p:cNvPr id="7" name="직사각형 6"/>
+          <p:cNvSpPr/>
+          <p:nvPr/>
+        </p:nvSpPr>
+        <p:spPr>
+          <a:xfrm>
+            <a:off x="6211765" y="2226080"/>
+            <a:ext cx="2611316" cy="3290522"/>
+          </a:xfrm>
+          <a:prstGeom prst="rect">
+            <a:avLst/>
+          </a:prstGeom>
+          <a:solidFill>
+            <a:schemeClr val="bg1">
+              <a:lumMod val="95000"/>
+            </a:schemeClr>
+          </a:solidFill>
+          <a:ln>
+            <a:solidFill>
+              <a:schemeClr val="bg1">
+                <a:lumMod val="50000"/>
+              </a:schemeClr>
+            </a:solidFill>
+          </a:ln>
+        </p:spPr>
+        <p:style>
+          <a:lnRef idx="1">
+            <a:schemeClr val="accent3"/>
+          </a:lnRef>
+          <a:fillRef idx="2">
+            <a:schemeClr val="accent3"/>
+          </a:fillRef>
+          <a:effectRef idx="1">
+            <a:schemeClr val="accent3"/>
+          </a:effectRef>
+          <a:fontRef idx="minor">
+            <a:schemeClr val="dk1"/>
+          </a:fontRef>
+        </p:style>
+        <p:txBody>
+          <a:bodyPr rtlCol="0" anchor="ctr"/>
+          <a:lstStyle/>
+          <a:p>
+            <a:pPr algn="ctr"/>
+            <a:endParaRPr lang="ko-KR" altLang="en-US" sz="1350" dirty="0"/>
+          </a:p>
+        </p:txBody>
+      </p:sp>
+      <p:sp>
+        <p:nvSpPr>
+          <p:cNvPr id="8" name="TextBox 7"/>
+          <p:cNvSpPr txBox="1"/>
+          <p:nvPr/>
+        </p:nvSpPr>
+        <p:spPr>
+          <a:xfrm>
+            <a:off x="4019182" y="2006760"/>
+            <a:ext cx="1437542" cy="300082"/>
+          </a:xfrm>
+          <a:prstGeom prst="rect">
+            <a:avLst/>
+          </a:prstGeom>
+          <a:noFill/>
+        </p:spPr>
+        <p:txBody>
+          <a:bodyPr wrap="square" rtlCol="0">
+            <a:spAutoFit/>
+          </a:bodyPr>
+          <a:lstStyle/>
+          <a:p>
+            <a:r>
+              <a:rPr lang="en-US" altLang="ko-KR" sz="1350" b="1" dirty="0">
+                <a:effectLst>
+                  <a:outerShdw blurRad="38100" dist="38100" dir="2700000" algn="tl">
+                    <a:srgbClr val="000000">
+                      <a:alpha val="43137"/>
+                    </a:srgbClr>
+                  </a:outerShdw>
+                </a:effectLst>
+              </a:rPr>
+              <a:t>App Client</a:t>
+            </a:r>
+            <a:endParaRPr lang="ko-KR" altLang="en-US" sz="1350" b="1" dirty="0">
+              <a:effectLst>
+                <a:outerShdw blurRad="38100" dist="38100" dir="2700000" algn="tl">
+                  <a:srgbClr val="000000">
+                    <a:alpha val="43137"/>
+                  </a:srgbClr>
+                </a:outerShdw>
+              </a:effectLst>
+            </a:endParaRPr>
+          </a:p>
+        </p:txBody>
+      </p:sp>
+      <p:sp>
+        <p:nvSpPr>
+          <p:cNvPr id="9" name="TextBox 8"/>
+          <p:cNvSpPr txBox="1"/>
+          <p:nvPr/>
+        </p:nvSpPr>
+        <p:spPr>
+          <a:xfrm>
+            <a:off x="6989885" y="2356254"/>
+            <a:ext cx="1437542" cy="300082"/>
+          </a:xfrm>
+          <a:prstGeom prst="rect">
+            <a:avLst/>
+          </a:prstGeom>
+          <a:noFill/>
+        </p:spPr>
+        <p:txBody>
+          <a:bodyPr wrap="square" rtlCol="0">
+            <a:spAutoFit/>
+          </a:bodyPr>
+          <a:lstStyle/>
+          <a:p>
+            <a:r>
+              <a:rPr lang="en-US" altLang="ko-KR" sz="1350" b="1" dirty="0">
+                <a:effectLst>
+                  <a:outerShdw blurRad="38100" dist="38100" dir="2700000" algn="tl">
+                    <a:srgbClr val="000000">
+                      <a:alpha val="43137"/>
+                    </a:srgbClr>
+                  </a:outerShdw>
+                </a:effectLst>
+              </a:rPr>
+              <a:t>Web Client</a:t>
+            </a:r>
+            <a:endParaRPr lang="ko-KR" altLang="en-US" sz="1350" b="1" dirty="0">
+              <a:effectLst>
+                <a:outerShdw blurRad="38100" dist="38100" dir="2700000" algn="tl">
+                  <a:srgbClr val="000000">
+                    <a:alpha val="43137"/>
+                  </a:srgbClr>
+                </a:outerShdw>
+              </a:effectLst>
+            </a:endParaRPr>
+          </a:p>
+        </p:txBody>
+      </p:sp>
+      <p:sp>
+        <p:nvSpPr>
+          <p:cNvPr id="10" name="TextBox 9"/>
+          <p:cNvSpPr txBox="1"/>
+          <p:nvPr/>
+        </p:nvSpPr>
+        <p:spPr>
+          <a:xfrm>
+            <a:off x="1074858" y="2356254"/>
+            <a:ext cx="1167179" cy="300082"/>
+          </a:xfrm>
+          <a:prstGeom prst="rect">
+            <a:avLst/>
+          </a:prstGeom>
+          <a:noFill/>
+        </p:spPr>
+        <p:txBody>
+          <a:bodyPr wrap="square" rtlCol="0">
+            <a:spAutoFit/>
+          </a:bodyPr>
+          <a:lstStyle/>
+          <a:p>
+            <a:r>
+              <a:rPr lang="en-US" altLang="ko-KR" sz="1350" b="1" dirty="0">
+                <a:effectLst>
+                  <a:outerShdw blurRad="38100" dist="38100" dir="2700000" algn="tl">
+                    <a:srgbClr val="000000">
+                      <a:alpha val="43137"/>
+                    </a:srgbClr>
+                  </a:outerShdw>
+                </a:effectLst>
+              </a:rPr>
+              <a:t>Sensor</a:t>
+            </a:r>
+            <a:endParaRPr lang="ko-KR" altLang="en-US" sz="1350" b="1" dirty="0">
+              <a:effectLst>
+                <a:outerShdw blurRad="38100" dist="38100" dir="2700000" algn="tl">
+                  <a:srgbClr val="000000">
+                    <a:alpha val="43137"/>
+                  </a:srgbClr>
+                </a:outerShdw>
+              </a:effectLst>
+            </a:endParaRPr>
+          </a:p>
+        </p:txBody>
+      </p:sp>
+      <p:sp>
+        <p:nvSpPr>
+          <p:cNvPr id="11" name="모서리가 둥근 직사각형 10"/>
+          <p:cNvSpPr/>
+          <p:nvPr/>
+        </p:nvSpPr>
+        <p:spPr>
+          <a:xfrm>
+            <a:off x="4530234" y="2499655"/>
+            <a:ext cx="1180367" cy="712991"/>
+          </a:xfrm>
+          <a:prstGeom prst="roundRect">
+            <a:avLst/>
+          </a:prstGeom>
+        </p:spPr>
+        <p:style>
+          <a:lnRef idx="2">
+            <a:schemeClr val="dk1"/>
+          </a:lnRef>
+          <a:fillRef idx="1">
+            <a:schemeClr val="lt1"/>
+          </a:fillRef>
+          <a:effectRef idx="0">
+            <a:schemeClr val="dk1"/>
+          </a:effectRef>
+          <a:fontRef idx="minor">
+            <a:schemeClr val="dk1"/>
+          </a:fontRef>
+        </p:style>
+        <p:txBody>
+          <a:bodyPr rtlCol="0" anchor="ctr"/>
+          <a:lstStyle/>
+          <a:p>
+            <a:pPr algn="ctr"/>
+            <a:r>
+              <a:rPr lang="en-US" altLang="ko-KR" sz="1350" dirty="0"/>
+              <a:t>Login &amp; Logout</a:t>
+            </a:r>
+            <a:endParaRPr lang="ko-KR" altLang="en-US" sz="1350" dirty="0"/>
+          </a:p>
+        </p:txBody>
+      </p:sp>
+      <p:sp>
+        <p:nvSpPr>
+          <p:cNvPr id="12" name="모서리가 둥근 직사각형 11"/>
+          <p:cNvSpPr/>
+          <p:nvPr/>
+        </p:nvSpPr>
+        <p:spPr>
+          <a:xfrm>
+            <a:off x="4530233" y="3411766"/>
+            <a:ext cx="1180367" cy="712991"/>
+          </a:xfrm>
+          <a:prstGeom prst="roundRect">
+            <a:avLst/>
+          </a:prstGeom>
+        </p:spPr>
+        <p:style>
+          <a:lnRef idx="2">
+            <a:schemeClr val="dk1"/>
+          </a:lnRef>
+          <a:fillRef idx="1">
+            <a:schemeClr val="lt1"/>
+          </a:fillRef>
+          <a:effectRef idx="0">
+            <a:schemeClr val="dk1"/>
+          </a:effectRef>
+          <a:fontRef idx="minor">
+            <a:schemeClr val="dk1"/>
+          </a:fontRef>
+        </p:style>
+        <p:txBody>
+          <a:bodyPr rtlCol="0" anchor="ctr"/>
+          <a:lstStyle/>
+          <a:p>
+            <a:pPr algn="ctr"/>
+            <a:r>
+              <a:rPr lang="en-US" altLang="ko-KR" sz="1350" dirty="0"/>
+              <a:t>Google map</a:t>
+            </a:r>
+            <a:endParaRPr lang="ko-KR" altLang="en-US" sz="1350" dirty="0"/>
+          </a:p>
+        </p:txBody>
+      </p:sp>
+      <p:sp>
+        <p:nvSpPr>
+          <p:cNvPr id="13" name="모서리가 둥근 직사각형 12"/>
+          <p:cNvSpPr/>
+          <p:nvPr/>
+        </p:nvSpPr>
+        <p:spPr>
+          <a:xfrm>
+            <a:off x="3270737" y="3388333"/>
+            <a:ext cx="1180367" cy="712991"/>
+          </a:xfrm>
+          <a:prstGeom prst="roundRect">
+            <a:avLst/>
+          </a:prstGeom>
+        </p:spPr>
+        <p:style>
+          <a:lnRef idx="2">
+            <a:schemeClr val="dk1"/>
+          </a:lnRef>
+          <a:fillRef idx="1">
+            <a:schemeClr val="lt1"/>
+          </a:fillRef>
+          <a:effectRef idx="0">
+            <a:schemeClr val="dk1"/>
+          </a:effectRef>
+          <a:fontRef idx="minor">
+            <a:schemeClr val="dk1"/>
+          </a:fontRef>
+        </p:style>
+        <p:txBody>
+          <a:bodyPr rtlCol="0" anchor="ctr"/>
+          <a:lstStyle/>
+          <a:p>
+            <a:pPr algn="ctr"/>
+            <a:r>
+              <a:rPr lang="en-US" altLang="ko-KR" sz="1350" dirty="0"/>
+              <a:t>Air Graph</a:t>
+            </a:r>
+            <a:endParaRPr lang="ko-KR" altLang="en-US" sz="1350" dirty="0"/>
+          </a:p>
+        </p:txBody>
+      </p:sp>
+      <p:sp>
+        <p:nvSpPr>
+          <p:cNvPr id="14" name="모서리가 둥근 직사각형 13"/>
+          <p:cNvSpPr/>
+          <p:nvPr/>
+        </p:nvSpPr>
+        <p:spPr>
+          <a:xfrm>
+            <a:off x="3270737" y="4271187"/>
+            <a:ext cx="1180367" cy="712991"/>
+          </a:xfrm>
+          <a:prstGeom prst="roundRect">
+            <a:avLst/>
+          </a:prstGeom>
+        </p:spPr>
+        <p:style>
+          <a:lnRef idx="2">
+            <a:schemeClr val="dk1"/>
+          </a:lnRef>
+          <a:fillRef idx="1">
+            <a:schemeClr val="lt1"/>
+          </a:fillRef>
+          <a:effectRef idx="0">
+            <a:schemeClr val="dk1"/>
+          </a:effectRef>
+          <a:fontRef idx="minor">
+            <a:schemeClr val="dk1"/>
+          </a:fontRef>
+        </p:style>
+        <p:txBody>
+          <a:bodyPr rtlCol="0" anchor="ctr"/>
+          <a:lstStyle/>
+          <a:p>
+            <a:pPr algn="ctr"/>
+            <a:r>
+              <a:rPr lang="en-US" altLang="ko-KR" sz="1350" dirty="0"/>
+              <a:t>History air information</a:t>
+            </a:r>
+            <a:endParaRPr lang="ko-KR" altLang="en-US" sz="1350" dirty="0"/>
+          </a:p>
+        </p:txBody>
+      </p:sp>
+      <p:sp>
+        <p:nvSpPr>
+          <p:cNvPr id="15" name="모서리가 둥근 직사각형 14"/>
+          <p:cNvSpPr/>
+          <p:nvPr/>
+        </p:nvSpPr>
+        <p:spPr>
+          <a:xfrm>
+            <a:off x="4530233" y="4282904"/>
+            <a:ext cx="1180367" cy="712991"/>
+          </a:xfrm>
+          <a:prstGeom prst="roundRect">
+            <a:avLst/>
+          </a:prstGeom>
+        </p:spPr>
+        <p:style>
+          <a:lnRef idx="2">
+            <a:schemeClr val="dk1"/>
+          </a:lnRef>
+          <a:fillRef idx="1">
+            <a:schemeClr val="lt1"/>
+          </a:fillRef>
+          <a:effectRef idx="0">
+            <a:schemeClr val="dk1"/>
+          </a:effectRef>
+          <a:fontRef idx="minor">
+            <a:schemeClr val="dk1"/>
+          </a:fontRef>
+        </p:style>
+        <p:txBody>
+          <a:bodyPr rtlCol="0" anchor="ctr"/>
+          <a:lstStyle/>
+          <a:p>
+            <a:pPr algn="ctr"/>
+            <a:r>
+              <a:rPr lang="en-US" altLang="ko-KR" sz="1350" dirty="0"/>
+              <a:t>Real time view</a:t>
+            </a:r>
+            <a:endParaRPr lang="ko-KR" altLang="en-US" sz="1350" dirty="0"/>
+          </a:p>
+        </p:txBody>
+      </p:sp>
+      <p:sp>
+        <p:nvSpPr>
+          <p:cNvPr id="16" name="모서리가 둥근 직사각형 15"/>
+          <p:cNvSpPr/>
+          <p:nvPr/>
+        </p:nvSpPr>
+        <p:spPr>
+          <a:xfrm>
+            <a:off x="7580069" y="3761260"/>
+            <a:ext cx="1180367" cy="712991"/>
+          </a:xfrm>
+          <a:prstGeom prst="roundRect">
+            <a:avLst/>
+          </a:prstGeom>
+        </p:spPr>
+        <p:style>
+          <a:lnRef idx="2">
+            <a:schemeClr val="dk1"/>
+          </a:lnRef>
+          <a:fillRef idx="1">
+            <a:schemeClr val="lt1"/>
+          </a:fillRef>
+          <a:effectRef idx="0">
+            <a:schemeClr val="dk1"/>
+          </a:effectRef>
+          <a:fontRef idx="minor">
+            <a:schemeClr val="dk1"/>
+          </a:fontRef>
+        </p:style>
+        <p:txBody>
+          <a:bodyPr rtlCol="0" anchor="ctr"/>
+          <a:lstStyle/>
+          <a:p>
+            <a:pPr algn="ctr"/>
+            <a:r>
+              <a:rPr lang="en-US" altLang="ko-KR" sz="1350" dirty="0"/>
+              <a:t>Google map</a:t>
+            </a:r>
+            <a:endParaRPr lang="ko-KR" altLang="en-US" sz="1350" dirty="0"/>
+          </a:p>
+        </p:txBody>
+      </p:sp>
+      <p:sp>
+        <p:nvSpPr>
+          <p:cNvPr id="17" name="모서리가 둥근 직사각형 16"/>
+          <p:cNvSpPr/>
+          <p:nvPr/>
+        </p:nvSpPr>
+        <p:spPr>
+          <a:xfrm>
+            <a:off x="6337057" y="3788913"/>
+            <a:ext cx="1180367" cy="712991"/>
+          </a:xfrm>
+          <a:prstGeom prst="roundRect">
+            <a:avLst/>
+          </a:prstGeom>
+        </p:spPr>
+        <p:style>
+          <a:lnRef idx="2">
+            <a:schemeClr val="dk1"/>
+          </a:lnRef>
+          <a:fillRef idx="1">
+            <a:schemeClr val="lt1"/>
+          </a:fillRef>
+          <a:effectRef idx="0">
+            <a:schemeClr val="dk1"/>
+          </a:effectRef>
+          <a:fontRef idx="minor">
+            <a:schemeClr val="dk1"/>
+          </a:fontRef>
+        </p:style>
+        <p:txBody>
+          <a:bodyPr rtlCol="0" anchor="ctr"/>
+          <a:lstStyle/>
+          <a:p>
+            <a:pPr algn="ctr"/>
+            <a:r>
+              <a:rPr lang="en-US" altLang="ko-KR" sz="1350" dirty="0"/>
+              <a:t>Air Graph</a:t>
+            </a:r>
+            <a:endParaRPr lang="ko-KR" altLang="en-US" sz="1350" dirty="0"/>
+          </a:p>
+        </p:txBody>
+      </p:sp>
+      <p:sp>
+        <p:nvSpPr>
+          <p:cNvPr id="18" name="모서리가 둥근 직사각형 17"/>
+          <p:cNvSpPr/>
+          <p:nvPr/>
+        </p:nvSpPr>
+        <p:spPr>
+          <a:xfrm>
+            <a:off x="6346947" y="4673371"/>
+            <a:ext cx="1180367" cy="712991"/>
+          </a:xfrm>
+          <a:prstGeom prst="roundRect">
+            <a:avLst/>
+          </a:prstGeom>
+        </p:spPr>
+        <p:style>
+          <a:lnRef idx="2">
+            <a:schemeClr val="dk1"/>
+          </a:lnRef>
+          <a:fillRef idx="1">
+            <a:schemeClr val="lt1"/>
+          </a:fillRef>
+          <a:effectRef idx="0">
+            <a:schemeClr val="dk1"/>
+          </a:effectRef>
+          <a:fontRef idx="minor">
+            <a:schemeClr val="dk1"/>
+          </a:fontRef>
+        </p:style>
+        <p:txBody>
+          <a:bodyPr rtlCol="0" anchor="ctr"/>
+          <a:lstStyle/>
+          <a:p>
+            <a:pPr algn="ctr"/>
+            <a:r>
+              <a:rPr lang="en-US" altLang="ko-KR" sz="1350" dirty="0"/>
+              <a:t>History data</a:t>
+            </a:r>
+            <a:endParaRPr lang="ko-KR" altLang="en-US" sz="1350" dirty="0"/>
+          </a:p>
+        </p:txBody>
+      </p:sp>
+      <p:sp>
+        <p:nvSpPr>
+          <p:cNvPr id="19" name="모서리가 둥근 직사각형 18"/>
+          <p:cNvSpPr/>
+          <p:nvPr/>
+        </p:nvSpPr>
+        <p:spPr>
+          <a:xfrm>
+            <a:off x="7580069" y="4673371"/>
+            <a:ext cx="1180367" cy="712991"/>
+          </a:xfrm>
+          <a:prstGeom prst="roundRect">
+            <a:avLst/>
+          </a:prstGeom>
+        </p:spPr>
+        <p:style>
+          <a:lnRef idx="2">
+            <a:schemeClr val="dk1"/>
+          </a:lnRef>
+          <a:fillRef idx="1">
+            <a:schemeClr val="lt1"/>
+          </a:fillRef>
+          <a:effectRef idx="0">
+            <a:schemeClr val="dk1"/>
+          </a:effectRef>
+          <a:fontRef idx="minor">
+            <a:schemeClr val="dk1"/>
+          </a:fontRef>
+        </p:style>
+        <p:txBody>
+          <a:bodyPr rtlCol="0" anchor="ctr"/>
+          <a:lstStyle/>
+          <a:p>
+            <a:pPr algn="ctr"/>
+            <a:r>
+              <a:rPr lang="en-US" altLang="ko-KR" sz="1350" dirty="0"/>
+              <a:t>Research Data</a:t>
+            </a:r>
+            <a:endParaRPr lang="ko-KR" altLang="en-US" sz="1350" dirty="0"/>
+          </a:p>
+        </p:txBody>
+      </p:sp>
+      <p:sp>
+        <p:nvSpPr>
+          <p:cNvPr id="20" name="모서리가 둥근 직사각형 19"/>
+          <p:cNvSpPr/>
+          <p:nvPr/>
+        </p:nvSpPr>
+        <p:spPr>
+          <a:xfrm>
+            <a:off x="6297490" y="2849149"/>
+            <a:ext cx="1180367" cy="712991"/>
+          </a:xfrm>
+          <a:prstGeom prst="roundRect">
+            <a:avLst/>
+          </a:prstGeom>
+        </p:spPr>
+        <p:style>
+          <a:lnRef idx="2">
+            <a:schemeClr val="dk1"/>
+          </a:lnRef>
+          <a:fillRef idx="1">
+            <a:schemeClr val="lt1"/>
+          </a:fillRef>
+          <a:effectRef idx="0">
+            <a:schemeClr val="dk1"/>
+          </a:effectRef>
+          <a:fontRef idx="minor">
+            <a:schemeClr val="dk1"/>
+          </a:fontRef>
+        </p:style>
+        <p:txBody>
+          <a:bodyPr rtlCol="0" anchor="ctr"/>
+          <a:lstStyle/>
+          <a:p>
+            <a:pPr algn="ctr"/>
+            <a:r>
+              <a:rPr lang="en-US" altLang="ko-KR" sz="1350" dirty="0"/>
+              <a:t>Sign up</a:t>
+            </a:r>
+            <a:endParaRPr lang="ko-KR" altLang="en-US" sz="1350" dirty="0"/>
+          </a:p>
+        </p:txBody>
+      </p:sp>
+      <p:sp>
+        <p:nvSpPr>
+          <p:cNvPr id="21" name="모서리가 둥근 직사각형 20"/>
+          <p:cNvSpPr/>
+          <p:nvPr/>
+        </p:nvSpPr>
+        <p:spPr>
+          <a:xfrm>
+            <a:off x="7560286" y="2849149"/>
+            <a:ext cx="1180367" cy="712991"/>
+          </a:xfrm>
+          <a:prstGeom prst="roundRect">
+            <a:avLst/>
+          </a:prstGeom>
+        </p:spPr>
+        <p:style>
+          <a:lnRef idx="2">
+            <a:schemeClr val="dk1"/>
+          </a:lnRef>
+          <a:fillRef idx="1">
+            <a:schemeClr val="lt1"/>
+          </a:fillRef>
+          <a:effectRef idx="0">
+            <a:schemeClr val="dk1"/>
+          </a:effectRef>
+          <a:fontRef idx="minor">
+            <a:schemeClr val="dk1"/>
+          </a:fontRef>
+        </p:style>
+        <p:txBody>
+          <a:bodyPr rtlCol="0" anchor="ctr"/>
+          <a:lstStyle/>
+          <a:p>
+            <a:pPr algn="ctr"/>
+            <a:r>
+              <a:rPr lang="en-US" altLang="ko-KR" sz="1350" dirty="0"/>
+              <a:t>Login &amp; Logout</a:t>
+            </a:r>
+            <a:endParaRPr lang="ko-KR" altLang="en-US" sz="1350" dirty="0"/>
+          </a:p>
+        </p:txBody>
+      </p:sp>
+      <p:sp>
+        <p:nvSpPr>
+          <p:cNvPr id="22" name="모서리가 둥근 직사각형 21"/>
+          <p:cNvSpPr/>
+          <p:nvPr/>
+        </p:nvSpPr>
+        <p:spPr>
+          <a:xfrm>
+            <a:off x="3323488" y="5105678"/>
+            <a:ext cx="2387112" cy="614012"/>
+          </a:xfrm>
+          <a:prstGeom prst="roundRect">
+            <a:avLst/>
+          </a:prstGeom>
+        </p:spPr>
+        <p:style>
+          <a:lnRef idx="2">
+            <a:schemeClr val="dk1"/>
+          </a:lnRef>
+          <a:fillRef idx="1">
+            <a:schemeClr val="lt1"/>
+          </a:fillRef>
+          <a:effectRef idx="0">
+            <a:schemeClr val="dk1"/>
+          </a:effectRef>
+          <a:fontRef idx="minor">
+            <a:schemeClr val="dk1"/>
+          </a:fontRef>
+        </p:style>
+        <p:txBody>
+          <a:bodyPr rtlCol="0" anchor="ctr"/>
+          <a:lstStyle/>
+          <a:p>
+            <a:pPr algn="ctr"/>
+            <a:r>
+              <a:rPr lang="en-US" altLang="ko-KR" sz="1350" dirty="0"/>
+              <a:t>Bluetooth Connection </a:t>
+            </a:r>
+            <a:endParaRPr lang="ko-KR" altLang="en-US" sz="1350" dirty="0"/>
+          </a:p>
+        </p:txBody>
+      </p:sp>
+      <p:sp>
+        <p:nvSpPr>
+          <p:cNvPr id="23" name="모서리가 둥근 직사각형 22"/>
+          <p:cNvSpPr/>
+          <p:nvPr/>
+        </p:nvSpPr>
+        <p:spPr>
+          <a:xfrm>
+            <a:off x="293441" y="4772350"/>
+            <a:ext cx="2387112" cy="614012"/>
+          </a:xfrm>
+          <a:prstGeom prst="roundRect">
+            <a:avLst/>
+          </a:prstGeom>
+        </p:spPr>
+        <p:style>
+          <a:lnRef idx="2">
+            <a:schemeClr val="dk1"/>
+          </a:lnRef>
+          <a:fillRef idx="1">
+            <a:schemeClr val="lt1"/>
+          </a:fillRef>
+          <a:effectRef idx="0">
+            <a:schemeClr val="dk1"/>
+          </a:effectRef>
+          <a:fontRef idx="minor">
+            <a:schemeClr val="dk1"/>
+          </a:fontRef>
+        </p:style>
+        <p:txBody>
+          <a:bodyPr rtlCol="0" anchor="ctr"/>
+          <a:lstStyle/>
+          <a:p>
+            <a:pPr algn="ctr"/>
+            <a:r>
+              <a:rPr lang="en-US" altLang="ko-KR" sz="1350" dirty="0"/>
+              <a:t>Bluetooth Connection </a:t>
+            </a:r>
+            <a:endParaRPr lang="ko-KR" altLang="en-US" sz="1350" dirty="0"/>
+          </a:p>
+        </p:txBody>
+      </p:sp>
+      <p:grpSp>
+        <p:nvGrpSpPr>
+          <p:cNvPr id="24" name="그룹 23"/>
+          <p:cNvGrpSpPr/>
+          <p:nvPr/>
+        </p:nvGrpSpPr>
+        <p:grpSpPr>
+          <a:xfrm>
+            <a:off x="242337" y="2879379"/>
+            <a:ext cx="2469542" cy="1618874"/>
+            <a:chOff x="309058" y="1822764"/>
+            <a:chExt cx="3292723" cy="2158498"/>
+          </a:xfrm>
+        </p:grpSpPr>
+        <p:sp>
+          <p:nvSpPr>
+            <p:cNvPr id="25" name="모서리가 둥근 직사각형 24"/>
+            <p:cNvSpPr/>
+            <p:nvPr/>
+          </p:nvSpPr>
+          <p:spPr>
+            <a:xfrm>
+              <a:off x="309059" y="1822764"/>
+              <a:ext cx="1573823" cy="950654"/>
+            </a:xfrm>
+            <a:prstGeom prst="roundRect">
+              <a:avLst/>
+            </a:prstGeom>
+          </p:spPr>
+          <p:style>
+            <a:lnRef idx="2">
+              <a:schemeClr val="dk1"/>
+            </a:lnRef>
+            <a:fillRef idx="1">
+              <a:schemeClr val="lt1"/>
+            </a:fillRef>
+            <a:effectRef idx="0">
+              <a:schemeClr val="dk1"/>
+            </a:effectRef>
+            <a:fontRef idx="minor">
+              <a:schemeClr val="dk1"/>
+            </a:fontRef>
+          </p:style>
+          <p:txBody>
+            <a:bodyPr rtlCol="0" anchor="ctr"/>
+            <a:lstStyle/>
+            <a:p>
+              <a:pPr algn="ctr"/>
+              <a:r>
+                <a:rPr lang="en-US" altLang="ko-KR" sz="1350" dirty="0"/>
+                <a:t>Change Data to CSV</a:t>
+              </a:r>
+              <a:endParaRPr lang="ko-KR" altLang="en-US" sz="1350" dirty="0"/>
+            </a:p>
+          </p:txBody>
+        </p:sp>
+        <p:sp>
+          <p:nvSpPr>
+            <p:cNvPr id="26" name="모서리가 둥근 직사각형 25"/>
+            <p:cNvSpPr/>
+            <p:nvPr/>
+          </p:nvSpPr>
+          <p:spPr>
+            <a:xfrm>
+              <a:off x="309058" y="3030608"/>
+              <a:ext cx="1573823" cy="950654"/>
+            </a:xfrm>
+            <a:prstGeom prst="roundRect">
+              <a:avLst/>
+            </a:prstGeom>
+          </p:spPr>
+          <p:style>
+            <a:lnRef idx="2">
+              <a:schemeClr val="dk1"/>
+            </a:lnRef>
+            <a:fillRef idx="1">
+              <a:schemeClr val="lt1"/>
+            </a:fillRef>
+            <a:effectRef idx="0">
+              <a:schemeClr val="dk1"/>
+            </a:effectRef>
+            <a:fontRef idx="minor">
+              <a:schemeClr val="dk1"/>
+            </a:fontRef>
+          </p:style>
+          <p:txBody>
+            <a:bodyPr rtlCol="0" anchor="ctr"/>
+            <a:lstStyle/>
+            <a:p>
+              <a:pPr algn="ctr"/>
+              <a:r>
+                <a:rPr lang="en-US" altLang="ko-KR" sz="1350" dirty="0"/>
+                <a:t>Send </a:t>
+              </a:r>
+              <a:r>
+                <a:rPr lang="en-US" altLang="ko-KR" sz="1350" dirty="0" err="1"/>
+                <a:t>Realtime</a:t>
+              </a:r>
+              <a:r>
+                <a:rPr lang="en-US" altLang="ko-KR" sz="1350" dirty="0"/>
+                <a:t> Data </a:t>
+              </a:r>
+              <a:endParaRPr lang="ko-KR" altLang="en-US" sz="1350" dirty="0"/>
+            </a:p>
+          </p:txBody>
+        </p:sp>
+        <p:sp>
+          <p:nvSpPr>
+            <p:cNvPr id="27" name="모서리가 둥근 직사각형 26"/>
+            <p:cNvSpPr/>
+            <p:nvPr/>
+          </p:nvSpPr>
+          <p:spPr>
+            <a:xfrm>
+              <a:off x="2027958" y="1822764"/>
+              <a:ext cx="1573823" cy="950654"/>
+            </a:xfrm>
+            <a:prstGeom prst="roundRect">
+              <a:avLst/>
+            </a:prstGeom>
+          </p:spPr>
+          <p:style>
+            <a:lnRef idx="2">
+              <a:schemeClr val="dk1"/>
+            </a:lnRef>
+            <a:fillRef idx="1">
+              <a:schemeClr val="lt1"/>
+            </a:fillRef>
+            <a:effectRef idx="0">
+              <a:schemeClr val="dk1"/>
+            </a:effectRef>
+            <a:fontRef idx="minor">
+              <a:schemeClr val="dk1"/>
+            </a:fontRef>
+          </p:style>
+          <p:txBody>
+            <a:bodyPr rtlCol="0" anchor="ctr"/>
+            <a:lstStyle/>
+            <a:p>
+              <a:pPr algn="ctr"/>
+              <a:r>
+                <a:rPr lang="en-US" altLang="ko-KR" sz="1350" dirty="0"/>
+                <a:t>Get Air Data</a:t>
+              </a:r>
+              <a:endParaRPr lang="ko-KR" altLang="en-US" sz="1350" dirty="0"/>
+            </a:p>
+          </p:txBody>
+        </p:sp>
+        <p:sp>
+          <p:nvSpPr>
+            <p:cNvPr id="28" name="모서리가 둥근 직사각형 27"/>
+            <p:cNvSpPr/>
+            <p:nvPr/>
+          </p:nvSpPr>
+          <p:spPr>
+            <a:xfrm>
+              <a:off x="2027161" y="3030608"/>
+              <a:ext cx="1573823" cy="950654"/>
+            </a:xfrm>
+            <a:prstGeom prst="roundRect">
+              <a:avLst/>
+            </a:prstGeom>
+          </p:spPr>
+          <p:style>
+            <a:lnRef idx="2">
+              <a:schemeClr val="dk1"/>
+            </a:lnRef>
+            <a:fillRef idx="1">
+              <a:schemeClr val="lt1"/>
+            </a:fillRef>
+            <a:effectRef idx="0">
+              <a:schemeClr val="dk1"/>
+            </a:effectRef>
+            <a:fontRef idx="minor">
+              <a:schemeClr val="dk1"/>
+            </a:fontRef>
+          </p:style>
+          <p:txBody>
+            <a:bodyPr rtlCol="0" anchor="ctr"/>
+            <a:lstStyle/>
+            <a:p>
+              <a:pPr algn="ctr"/>
+              <a:r>
+                <a:rPr lang="en-US" altLang="ko-KR" sz="1350" dirty="0"/>
+                <a:t>Send History Data </a:t>
+              </a:r>
+              <a:endParaRPr lang="ko-KR" altLang="en-US" sz="1350" dirty="0"/>
+            </a:p>
+          </p:txBody>
+        </p:sp>
+      </p:grpSp>
+      <p:sp>
+        <p:nvSpPr>
+          <p:cNvPr id="29" name="TextBox 28"/>
+          <p:cNvSpPr txBox="1"/>
+          <p:nvPr/>
+        </p:nvSpPr>
+        <p:spPr>
+          <a:xfrm>
+            <a:off x="8746436" y="6510131"/>
+            <a:ext cx="477078" cy="307777"/>
+          </a:xfrm>
+          <a:prstGeom prst="rect">
+            <a:avLst/>
+          </a:prstGeom>
+          <a:noFill/>
+        </p:spPr>
+        <p:txBody>
+          <a:bodyPr wrap="square" rtlCol="0">
+            <a:spAutoFit/>
+          </a:bodyPr>
+          <a:lstStyle/>
+          <a:p>
+            <a:r>
+              <a:rPr lang="en-US" altLang="ko-KR" sz="1400" dirty="0" smtClean="0">
+                <a:solidFill>
+                  <a:schemeClr val="bg1">
+                    <a:lumMod val="50000"/>
+                  </a:schemeClr>
+                </a:solidFill>
+              </a:rPr>
+              <a:t>/18</a:t>
+            </a:r>
+            <a:endParaRPr lang="ko-KR" altLang="en-US" sz="1400" dirty="0">
+              <a:solidFill>
+                <a:schemeClr val="bg1">
+                  <a:lumMod val="50000"/>
+                </a:schemeClr>
+              </a:solidFill>
+            </a:endParaRPr>
+          </a:p>
+        </p:txBody>
+      </p:sp>
     </p:spTree>
     <p:extLst>
       <p:ext uri="{BB962C8B-B14F-4D97-AF65-F5344CB8AC3E}">
@@ -4494,6 +8249,413 @@
           </a:p>
         </p:txBody>
       </p:sp>
+      <p:cxnSp>
+        <p:nvCxnSpPr>
+          <p:cNvPr id="4" name="직선 연결선 3"/>
+          <p:cNvCxnSpPr/>
+          <p:nvPr/>
+        </p:nvCxnSpPr>
+        <p:spPr>
+          <a:xfrm>
+            <a:off x="221703" y="1038567"/>
+            <a:ext cx="8640960" cy="0"/>
+          </a:xfrm>
+          <a:prstGeom prst="line">
+            <a:avLst/>
+          </a:prstGeom>
+          <a:ln w="3175">
+            <a:solidFill>
+              <a:srgbClr val="68727E"/>
+            </a:solidFill>
+          </a:ln>
+        </p:spPr>
+        <p:style>
+          <a:lnRef idx="1">
+            <a:schemeClr val="accent1"/>
+          </a:lnRef>
+          <a:fillRef idx="0">
+            <a:schemeClr val="accent1"/>
+          </a:fillRef>
+          <a:effectRef idx="0">
+            <a:schemeClr val="accent1"/>
+          </a:effectRef>
+          <a:fontRef idx="minor">
+            <a:schemeClr val="tx1"/>
+          </a:fontRef>
+        </p:style>
+      </p:cxnSp>
+      <p:pic>
+        <p:nvPicPr>
+          <p:cNvPr id="5" name="그림 4"/>
+          <p:cNvPicPr>
+            <a:picLocks noChangeAspect="1"/>
+          </p:cNvPicPr>
+          <p:nvPr/>
+        </p:nvPicPr>
+        <p:blipFill>
+          <a:blip r:embed="rId3">
+            <a:extLst>
+              <a:ext uri="{28A0092B-C50C-407E-A947-70E740481C1C}">
+                <a14:useLocalDpi xmlns:a14="http://schemas.microsoft.com/office/drawing/2010/main" val="0"/>
+              </a:ext>
+            </a:extLst>
+          </a:blip>
+          <a:stretch>
+            <a:fillRect/>
+          </a:stretch>
+        </p:blipFill>
+        <p:spPr>
+          <a:xfrm>
+            <a:off x="1123950" y="1202792"/>
+            <a:ext cx="6896100" cy="5495925"/>
+          </a:xfrm>
+          <a:prstGeom prst="rect">
+            <a:avLst/>
+          </a:prstGeom>
+        </p:spPr>
+      </p:pic>
+      <p:sp>
+        <p:nvSpPr>
+          <p:cNvPr id="6" name="액자 5">
+            <a:extLst>
+              <a:ext uri="{FF2B5EF4-FFF2-40B4-BE49-F238E27FC236}">
+                <a16:creationId xmlns:a16="http://schemas.microsoft.com/office/drawing/2014/main" id="{7647BD9A-B258-454D-A00C-0E89CF402473}"/>
+              </a:ext>
+            </a:extLst>
+          </p:cNvPr>
+          <p:cNvSpPr/>
+          <p:nvPr/>
+        </p:nvSpPr>
+        <p:spPr>
+          <a:xfrm>
+            <a:off x="1123950" y="1537047"/>
+            <a:ext cx="1800200" cy="3024336"/>
+          </a:xfrm>
+          <a:prstGeom prst="frame">
+            <a:avLst>
+              <a:gd name="adj1" fmla="val 742"/>
+            </a:avLst>
+          </a:prstGeom>
+          <a:solidFill>
+            <a:srgbClr val="FF0000"/>
+          </a:solidFill>
+          <a:ln>
+            <a:solidFill>
+              <a:srgbClr val="FF0000"/>
+            </a:solidFill>
+          </a:ln>
+        </p:spPr>
+        <p:style>
+          <a:lnRef idx="2">
+            <a:schemeClr val="accent1">
+              <a:shade val="50000"/>
+            </a:schemeClr>
+          </a:lnRef>
+          <a:fillRef idx="1">
+            <a:schemeClr val="accent1"/>
+          </a:fillRef>
+          <a:effectRef idx="0">
+            <a:schemeClr val="accent1"/>
+          </a:effectRef>
+          <a:fontRef idx="minor">
+            <a:schemeClr val="lt1"/>
+          </a:fontRef>
+        </p:style>
+        <p:txBody>
+          <a:bodyPr rtlCol="0" anchor="ctr"/>
+          <a:lstStyle/>
+          <a:p>
+            <a:pPr algn="ctr"/>
+            <a:endParaRPr lang="ko-KR" altLang="en-US">
+              <a:solidFill>
+                <a:schemeClr val="tx1"/>
+              </a:solidFill>
+            </a:endParaRPr>
+          </a:p>
+        </p:txBody>
+      </p:sp>
+      <p:sp>
+        <p:nvSpPr>
+          <p:cNvPr id="7" name="액자 6">
+            <a:extLst>
+              <a:ext uri="{FF2B5EF4-FFF2-40B4-BE49-F238E27FC236}">
+                <a16:creationId xmlns:a16="http://schemas.microsoft.com/office/drawing/2014/main" id="{89DD7777-7526-4968-8999-060BBDA063BC}"/>
+              </a:ext>
+            </a:extLst>
+          </p:cNvPr>
+          <p:cNvSpPr/>
+          <p:nvPr/>
+        </p:nvSpPr>
+        <p:spPr>
+          <a:xfrm>
+            <a:off x="1138275" y="4623817"/>
+            <a:ext cx="1800200" cy="1829519"/>
+          </a:xfrm>
+          <a:prstGeom prst="frame">
+            <a:avLst>
+              <a:gd name="adj1" fmla="val 742"/>
+            </a:avLst>
+          </a:prstGeom>
+          <a:solidFill>
+            <a:srgbClr val="FF0000"/>
+          </a:solidFill>
+          <a:ln>
+            <a:solidFill>
+              <a:srgbClr val="FF0000"/>
+            </a:solidFill>
+          </a:ln>
+        </p:spPr>
+        <p:style>
+          <a:lnRef idx="2">
+            <a:schemeClr val="accent1">
+              <a:shade val="50000"/>
+            </a:schemeClr>
+          </a:lnRef>
+          <a:fillRef idx="1">
+            <a:schemeClr val="accent1"/>
+          </a:fillRef>
+          <a:effectRef idx="0">
+            <a:schemeClr val="accent1"/>
+          </a:effectRef>
+          <a:fontRef idx="minor">
+            <a:schemeClr val="lt1"/>
+          </a:fontRef>
+        </p:style>
+        <p:txBody>
+          <a:bodyPr rtlCol="0" anchor="ctr"/>
+          <a:lstStyle/>
+          <a:p>
+            <a:pPr algn="ctr"/>
+            <a:endParaRPr lang="ko-KR" altLang="en-US">
+              <a:solidFill>
+                <a:schemeClr val="tx1"/>
+              </a:solidFill>
+            </a:endParaRPr>
+          </a:p>
+        </p:txBody>
+      </p:sp>
+      <p:sp>
+        <p:nvSpPr>
+          <p:cNvPr id="8" name="액자 7">
+            <a:extLst>
+              <a:ext uri="{FF2B5EF4-FFF2-40B4-BE49-F238E27FC236}">
+                <a16:creationId xmlns:a16="http://schemas.microsoft.com/office/drawing/2014/main" id="{A2A215C2-7DD3-4478-A6DB-E802A14D8E53}"/>
+              </a:ext>
+            </a:extLst>
+          </p:cNvPr>
+          <p:cNvSpPr/>
+          <p:nvPr/>
+        </p:nvSpPr>
+        <p:spPr>
+          <a:xfrm>
+            <a:off x="6228184" y="3933056"/>
+            <a:ext cx="1656184" cy="2765662"/>
+          </a:xfrm>
+          <a:prstGeom prst="frame">
+            <a:avLst>
+              <a:gd name="adj1" fmla="val 742"/>
+            </a:avLst>
+          </a:prstGeom>
+          <a:solidFill>
+            <a:srgbClr val="FF0000"/>
+          </a:solidFill>
+          <a:ln>
+            <a:solidFill>
+              <a:srgbClr val="FF0000"/>
+            </a:solidFill>
+          </a:ln>
+        </p:spPr>
+        <p:style>
+          <a:lnRef idx="2">
+            <a:schemeClr val="accent1">
+              <a:shade val="50000"/>
+            </a:schemeClr>
+          </a:lnRef>
+          <a:fillRef idx="1">
+            <a:schemeClr val="accent1"/>
+          </a:fillRef>
+          <a:effectRef idx="0">
+            <a:schemeClr val="accent1"/>
+          </a:effectRef>
+          <a:fontRef idx="minor">
+            <a:schemeClr val="lt1"/>
+          </a:fontRef>
+        </p:style>
+        <p:txBody>
+          <a:bodyPr rtlCol="0" anchor="ctr"/>
+          <a:lstStyle/>
+          <a:p>
+            <a:pPr algn="ctr"/>
+            <a:endParaRPr lang="ko-KR" altLang="en-US">
+              <a:solidFill>
+                <a:schemeClr val="tx1"/>
+              </a:solidFill>
+            </a:endParaRPr>
+          </a:p>
+        </p:txBody>
+      </p:sp>
+      <p:sp>
+        <p:nvSpPr>
+          <p:cNvPr id="9" name="액자 8">
+            <a:extLst>
+              <a:ext uri="{FF2B5EF4-FFF2-40B4-BE49-F238E27FC236}">
+                <a16:creationId xmlns:a16="http://schemas.microsoft.com/office/drawing/2014/main" id="{FD021CDB-A1DE-4384-B19F-42ADA13515D8}"/>
+              </a:ext>
+            </a:extLst>
+          </p:cNvPr>
+          <p:cNvSpPr/>
+          <p:nvPr/>
+        </p:nvSpPr>
+        <p:spPr>
+          <a:xfrm>
+            <a:off x="6084168" y="1587922"/>
+            <a:ext cx="1935881" cy="2345134"/>
+          </a:xfrm>
+          <a:prstGeom prst="frame">
+            <a:avLst>
+              <a:gd name="adj1" fmla="val 742"/>
+            </a:avLst>
+          </a:prstGeom>
+          <a:solidFill>
+            <a:srgbClr val="FF0000"/>
+          </a:solidFill>
+          <a:ln>
+            <a:solidFill>
+              <a:srgbClr val="FF0000"/>
+            </a:solidFill>
+          </a:ln>
+        </p:spPr>
+        <p:style>
+          <a:lnRef idx="2">
+            <a:schemeClr val="accent1">
+              <a:shade val="50000"/>
+            </a:schemeClr>
+          </a:lnRef>
+          <a:fillRef idx="1">
+            <a:schemeClr val="accent1"/>
+          </a:fillRef>
+          <a:effectRef idx="0">
+            <a:schemeClr val="accent1"/>
+          </a:effectRef>
+          <a:fontRef idx="minor">
+            <a:schemeClr val="lt1"/>
+          </a:fontRef>
+        </p:style>
+        <p:txBody>
+          <a:bodyPr rtlCol="0" anchor="ctr"/>
+          <a:lstStyle/>
+          <a:p>
+            <a:pPr algn="ctr"/>
+            <a:endParaRPr lang="ko-KR" altLang="en-US">
+              <a:solidFill>
+                <a:schemeClr val="tx1"/>
+              </a:solidFill>
+            </a:endParaRPr>
+          </a:p>
+        </p:txBody>
+      </p:sp>
+      <p:sp>
+        <p:nvSpPr>
+          <p:cNvPr id="10" name="액자 9">
+            <a:extLst>
+              <a:ext uri="{FF2B5EF4-FFF2-40B4-BE49-F238E27FC236}">
+                <a16:creationId xmlns:a16="http://schemas.microsoft.com/office/drawing/2014/main" id="{3D100364-D519-46B3-9CCD-A75E3CAA2F5A}"/>
+              </a:ext>
+            </a:extLst>
+          </p:cNvPr>
+          <p:cNvSpPr/>
+          <p:nvPr/>
+        </p:nvSpPr>
+        <p:spPr>
+          <a:xfrm>
+            <a:off x="3449654" y="1153642"/>
+            <a:ext cx="1935881" cy="1627286"/>
+          </a:xfrm>
+          <a:prstGeom prst="frame">
+            <a:avLst>
+              <a:gd name="adj1" fmla="val 742"/>
+            </a:avLst>
+          </a:prstGeom>
+          <a:solidFill>
+            <a:srgbClr val="FF0000"/>
+          </a:solidFill>
+          <a:ln>
+            <a:solidFill>
+              <a:srgbClr val="FF0000"/>
+            </a:solidFill>
+          </a:ln>
+        </p:spPr>
+        <p:style>
+          <a:lnRef idx="2">
+            <a:schemeClr val="accent1">
+              <a:shade val="50000"/>
+            </a:schemeClr>
+          </a:lnRef>
+          <a:fillRef idx="1">
+            <a:schemeClr val="accent1"/>
+          </a:fillRef>
+          <a:effectRef idx="0">
+            <a:schemeClr val="accent1"/>
+          </a:effectRef>
+          <a:fontRef idx="minor">
+            <a:schemeClr val="lt1"/>
+          </a:fontRef>
+        </p:style>
+        <p:txBody>
+          <a:bodyPr rtlCol="0" anchor="ctr"/>
+          <a:lstStyle/>
+          <a:p>
+            <a:pPr algn="ctr"/>
+            <a:endParaRPr lang="ko-KR" altLang="en-US">
+              <a:solidFill>
+                <a:schemeClr val="tx1"/>
+              </a:solidFill>
+            </a:endParaRPr>
+          </a:p>
+        </p:txBody>
+      </p:sp>
+      <p:sp>
+        <p:nvSpPr>
+          <p:cNvPr id="12" name="TextBox 11"/>
+          <p:cNvSpPr txBox="1"/>
+          <p:nvPr/>
+        </p:nvSpPr>
+        <p:spPr>
+          <a:xfrm>
+            <a:off x="8746436" y="6500192"/>
+            <a:ext cx="477078" cy="307777"/>
+          </a:xfrm>
+          <a:prstGeom prst="rect">
+            <a:avLst/>
+          </a:prstGeom>
+          <a:noFill/>
+        </p:spPr>
+        <p:txBody>
+          <a:bodyPr wrap="square" rtlCol="0">
+            <a:spAutoFit/>
+          </a:bodyPr>
+          <a:lstStyle/>
+          <a:p>
+            <a:r>
+              <a:rPr lang="en-US" altLang="ko-KR" sz="1400" dirty="0" smtClean="0">
+                <a:solidFill>
+                  <a:schemeClr val="bg1">
+                    <a:lumMod val="50000"/>
+                  </a:schemeClr>
+                </a:solidFill>
+              </a:rPr>
+              <a:t>/18</a:t>
+            </a:r>
+            <a:endParaRPr lang="ko-KR" altLang="en-US" sz="1400" dirty="0">
+              <a:solidFill>
+                <a:schemeClr val="bg1">
+                  <a:lumMod val="50000"/>
+                </a:schemeClr>
+              </a:solidFill>
+            </a:endParaRPr>
+          </a:p>
+        </p:txBody>
+      </p:sp>
     </p:spTree>
     <p:extLst>
       <p:ext uri="{BB962C8B-B14F-4D97-AF65-F5344CB8AC3E}">
@@ -4507,9 +8669,312 @@
   <p:timing>
     <p:tnLst>
       <p:par>
-        <p:cTn id="1" dur="indefinite" restart="never" nodeType="tmRoot"/>
+        <p:cTn id="1" dur="indefinite" restart="never" nodeType="tmRoot">
+          <p:childTnLst>
+            <p:seq concurrent="1" nextAc="seek">
+              <p:cTn id="2" dur="indefinite" nodeType="mainSeq">
+                <p:childTnLst>
+                  <p:par>
+                    <p:cTn id="3" fill="hold">
+                      <p:stCondLst>
+                        <p:cond delay="indefinite"/>
+                      </p:stCondLst>
+                      <p:childTnLst>
+                        <p:par>
+                          <p:cTn id="4" fill="hold">
+                            <p:stCondLst>
+                              <p:cond delay="0"/>
+                            </p:stCondLst>
+                            <p:childTnLst>
+                              <p:par>
+                                <p:cTn id="5" presetID="1" presetClass="entr" presetSubtype="0" fill="hold" grpId="0" nodeType="clickEffect">
+                                  <p:stCondLst>
+                                    <p:cond delay="0"/>
+                                  </p:stCondLst>
+                                  <p:childTnLst>
+                                    <p:set>
+                                      <p:cBhvr>
+                                        <p:cTn id="6" dur="1" fill="hold">
+                                          <p:stCondLst>
+                                            <p:cond delay="0"/>
+                                          </p:stCondLst>
+                                        </p:cTn>
+                                        <p:tgtEl>
+                                          <p:spTgt spid="6"/>
+                                        </p:tgtEl>
+                                        <p:attrNameLst>
+                                          <p:attrName>style.visibility</p:attrName>
+                                        </p:attrNameLst>
+                                      </p:cBhvr>
+                                      <p:to>
+                                        <p:strVal val="visible"/>
+                                      </p:to>
+                                    </p:set>
+                                  </p:childTnLst>
+                                </p:cTn>
+                              </p:par>
+                            </p:childTnLst>
+                          </p:cTn>
+                        </p:par>
+                      </p:childTnLst>
+                    </p:cTn>
+                  </p:par>
+                  <p:par>
+                    <p:cTn id="7" fill="hold">
+                      <p:stCondLst>
+                        <p:cond delay="indefinite"/>
+                      </p:stCondLst>
+                      <p:childTnLst>
+                        <p:par>
+                          <p:cTn id="8" fill="hold">
+                            <p:stCondLst>
+                              <p:cond delay="0"/>
+                            </p:stCondLst>
+                            <p:childTnLst>
+                              <p:par>
+                                <p:cTn id="9" presetID="1" presetClass="entr" presetSubtype="0" fill="hold" grpId="0" nodeType="clickEffect">
+                                  <p:stCondLst>
+                                    <p:cond delay="0"/>
+                                  </p:stCondLst>
+                                  <p:childTnLst>
+                                    <p:set>
+                                      <p:cBhvr>
+                                        <p:cTn id="10" dur="1" fill="hold">
+                                          <p:stCondLst>
+                                            <p:cond delay="0"/>
+                                          </p:stCondLst>
+                                        </p:cTn>
+                                        <p:tgtEl>
+                                          <p:spTgt spid="8"/>
+                                        </p:tgtEl>
+                                        <p:attrNameLst>
+                                          <p:attrName>style.visibility</p:attrName>
+                                        </p:attrNameLst>
+                                      </p:cBhvr>
+                                      <p:to>
+                                        <p:strVal val="visible"/>
+                                      </p:to>
+                                    </p:set>
+                                  </p:childTnLst>
+                                </p:cTn>
+                              </p:par>
+                              <p:par>
+                                <p:cTn id="11" presetID="1" presetClass="exit" presetSubtype="0" fill="hold" grpId="1" nodeType="withEffect">
+                                  <p:stCondLst>
+                                    <p:cond delay="0"/>
+                                  </p:stCondLst>
+                                  <p:childTnLst>
+                                    <p:set>
+                                      <p:cBhvr>
+                                        <p:cTn id="12" dur="1" fill="hold">
+                                          <p:stCondLst>
+                                            <p:cond delay="0"/>
+                                          </p:stCondLst>
+                                        </p:cTn>
+                                        <p:tgtEl>
+                                          <p:spTgt spid="6"/>
+                                        </p:tgtEl>
+                                        <p:attrNameLst>
+                                          <p:attrName>style.visibility</p:attrName>
+                                        </p:attrNameLst>
+                                      </p:cBhvr>
+                                      <p:to>
+                                        <p:strVal val="hidden"/>
+                                      </p:to>
+                                    </p:set>
+                                  </p:childTnLst>
+                                </p:cTn>
+                              </p:par>
+                              <p:par>
+                                <p:cTn id="13" presetID="1" presetClass="entr" presetSubtype="0" fill="hold" grpId="0" nodeType="withEffect">
+                                  <p:stCondLst>
+                                    <p:cond delay="0"/>
+                                  </p:stCondLst>
+                                  <p:childTnLst>
+                                    <p:set>
+                                      <p:cBhvr>
+                                        <p:cTn id="14" dur="1" fill="hold">
+                                          <p:stCondLst>
+                                            <p:cond delay="0"/>
+                                          </p:stCondLst>
+                                        </p:cTn>
+                                        <p:tgtEl>
+                                          <p:spTgt spid="7"/>
+                                        </p:tgtEl>
+                                        <p:attrNameLst>
+                                          <p:attrName>style.visibility</p:attrName>
+                                        </p:attrNameLst>
+                                      </p:cBhvr>
+                                      <p:to>
+                                        <p:strVal val="visible"/>
+                                      </p:to>
+                                    </p:set>
+                                  </p:childTnLst>
+                                </p:cTn>
+                              </p:par>
+                            </p:childTnLst>
+                          </p:cTn>
+                        </p:par>
+                      </p:childTnLst>
+                    </p:cTn>
+                  </p:par>
+                  <p:par>
+                    <p:cTn id="15" fill="hold">
+                      <p:stCondLst>
+                        <p:cond delay="indefinite"/>
+                      </p:stCondLst>
+                      <p:childTnLst>
+                        <p:par>
+                          <p:cTn id="16" fill="hold">
+                            <p:stCondLst>
+                              <p:cond delay="0"/>
+                            </p:stCondLst>
+                            <p:childTnLst>
+                              <p:par>
+                                <p:cTn id="17" presetID="1" presetClass="entr" presetSubtype="0" fill="hold" grpId="0" nodeType="clickEffect">
+                                  <p:stCondLst>
+                                    <p:cond delay="0"/>
+                                  </p:stCondLst>
+                                  <p:childTnLst>
+                                    <p:set>
+                                      <p:cBhvr>
+                                        <p:cTn id="18" dur="1" fill="hold">
+                                          <p:stCondLst>
+                                            <p:cond delay="0"/>
+                                          </p:stCondLst>
+                                        </p:cTn>
+                                        <p:tgtEl>
+                                          <p:spTgt spid="9"/>
+                                        </p:tgtEl>
+                                        <p:attrNameLst>
+                                          <p:attrName>style.visibility</p:attrName>
+                                        </p:attrNameLst>
+                                      </p:cBhvr>
+                                      <p:to>
+                                        <p:strVal val="visible"/>
+                                      </p:to>
+                                    </p:set>
+                                  </p:childTnLst>
+                                </p:cTn>
+                              </p:par>
+                              <p:par>
+                                <p:cTn id="19" presetID="1" presetClass="entr" presetSubtype="0" fill="hold" grpId="0" nodeType="withEffect">
+                                  <p:stCondLst>
+                                    <p:cond delay="0"/>
+                                  </p:stCondLst>
+                                  <p:childTnLst>
+                                    <p:set>
+                                      <p:cBhvr>
+                                        <p:cTn id="20" dur="1" fill="hold">
+                                          <p:stCondLst>
+                                            <p:cond delay="0"/>
+                                          </p:stCondLst>
+                                        </p:cTn>
+                                        <p:tgtEl>
+                                          <p:spTgt spid="10"/>
+                                        </p:tgtEl>
+                                        <p:attrNameLst>
+                                          <p:attrName>style.visibility</p:attrName>
+                                        </p:attrNameLst>
+                                      </p:cBhvr>
+                                      <p:to>
+                                        <p:strVal val="visible"/>
+                                      </p:to>
+                                    </p:set>
+                                  </p:childTnLst>
+                                </p:cTn>
+                              </p:par>
+                              <p:par>
+                                <p:cTn id="21" presetID="1" presetClass="exit" presetSubtype="0" fill="hold" grpId="1" nodeType="withEffect">
+                                  <p:stCondLst>
+                                    <p:cond delay="0"/>
+                                  </p:stCondLst>
+                                  <p:childTnLst>
+                                    <p:set>
+                                      <p:cBhvr>
+                                        <p:cTn id="22" dur="1" fill="hold">
+                                          <p:stCondLst>
+                                            <p:cond delay="0"/>
+                                          </p:stCondLst>
+                                        </p:cTn>
+                                        <p:tgtEl>
+                                          <p:spTgt spid="8"/>
+                                        </p:tgtEl>
+                                        <p:attrNameLst>
+                                          <p:attrName>style.visibility</p:attrName>
+                                        </p:attrNameLst>
+                                      </p:cBhvr>
+                                      <p:to>
+                                        <p:strVal val="hidden"/>
+                                      </p:to>
+                                    </p:set>
+                                  </p:childTnLst>
+                                </p:cTn>
+                              </p:par>
+                              <p:par>
+                                <p:cTn id="23" presetID="1" presetClass="exit" presetSubtype="0" fill="hold" grpId="1" nodeType="withEffect">
+                                  <p:stCondLst>
+                                    <p:cond delay="0"/>
+                                  </p:stCondLst>
+                                  <p:childTnLst>
+                                    <p:set>
+                                      <p:cBhvr>
+                                        <p:cTn id="24" dur="1" fill="hold">
+                                          <p:stCondLst>
+                                            <p:cond delay="0"/>
+                                          </p:stCondLst>
+                                        </p:cTn>
+                                        <p:tgtEl>
+                                          <p:spTgt spid="7"/>
+                                        </p:tgtEl>
+                                        <p:attrNameLst>
+                                          <p:attrName>style.visibility</p:attrName>
+                                        </p:attrNameLst>
+                                      </p:cBhvr>
+                                      <p:to>
+                                        <p:strVal val="hidden"/>
+                                      </p:to>
+                                    </p:set>
+                                  </p:childTnLst>
+                                </p:cTn>
+                              </p:par>
+                            </p:childTnLst>
+                          </p:cTn>
+                        </p:par>
+                      </p:childTnLst>
+                    </p:cTn>
+                  </p:par>
+                </p:childTnLst>
+              </p:cTn>
+              <p:prevCondLst>
+                <p:cond evt="onPrev" delay="0">
+                  <p:tgtEl>
+                    <p:sldTgt/>
+                  </p:tgtEl>
+                </p:cond>
+              </p:prevCondLst>
+              <p:nextCondLst>
+                <p:cond evt="onNext" delay="0">
+                  <p:tgtEl>
+                    <p:sldTgt/>
+                  </p:tgtEl>
+                </p:cond>
+              </p:nextCondLst>
+            </p:seq>
+          </p:childTnLst>
+        </p:cTn>
       </p:par>
     </p:tnLst>
+    <p:bldLst>
+      <p:bldP spid="6" grpId="0" animBg="1"/>
+      <p:bldP spid="6" grpId="1" animBg="1"/>
+      <p:bldP spid="7" grpId="0" animBg="1"/>
+      <p:bldP spid="7" grpId="1" animBg="1"/>
+      <p:bldP spid="8" grpId="0" animBg="1"/>
+      <p:bldP spid="8" grpId="1" animBg="1"/>
+      <p:bldP spid="9" grpId="0" animBg="1"/>
+      <p:bldP spid="10" grpId="0" animBg="1"/>
+    </p:bldLst>
   </p:timing>
 </p:sld>
 </file>
@@ -4686,6 +9151,48 @@
               </a:effectLst>
               <a:latin typeface="나눔고딕" pitchFamily="50" charset="-127"/>
               <a:ea typeface="나눔고딕" pitchFamily="50" charset="-127"/>
+            </a:endParaRPr>
+          </a:p>
+        </p:txBody>
+      </p:sp>
+      <p:sp>
+        <p:nvSpPr>
+          <p:cNvPr id="4" name="TextBox 3"/>
+          <p:cNvSpPr txBox="1"/>
+          <p:nvPr/>
+        </p:nvSpPr>
+        <p:spPr>
+          <a:xfrm>
+            <a:off x="8746436" y="6500192"/>
+            <a:ext cx="477078" cy="307777"/>
+          </a:xfrm>
+          <a:prstGeom prst="rect">
+            <a:avLst/>
+          </a:prstGeom>
+          <a:noFill/>
+        </p:spPr>
+        <p:txBody>
+          <a:bodyPr wrap="square" rtlCol="0">
+            <a:spAutoFit/>
+          </a:bodyPr>
+          <a:lstStyle/>
+          <a:p>
+            <a:r>
+              <a:rPr lang="en-US" altLang="ko-KR" sz="1400" dirty="0" smtClean="0">
+                <a:solidFill>
+                  <a:schemeClr val="bg1">
+                    <a:lumMod val="50000"/>
+                  </a:schemeClr>
+                </a:solidFill>
+              </a:rPr>
+              <a:t>/18</a:t>
+            </a:r>
+            <a:endParaRPr lang="ko-KR" altLang="en-US" sz="1400" dirty="0">
+              <a:solidFill>
+                <a:schemeClr val="bg1">
+                  <a:lumMod val="50000"/>
+                </a:schemeClr>
+              </a:solidFill>
             </a:endParaRPr>
           </a:p>
         </p:txBody>
@@ -4752,14 +9259,14 @@
       </p:sp>
       <p:sp>
         <p:nvSpPr>
-          <p:cNvPr id="3" name="TextBox 2"/>
+          <p:cNvPr id="7" name="TextBox 6"/>
           <p:cNvSpPr txBox="1"/>
           <p:nvPr/>
         </p:nvSpPr>
         <p:spPr>
           <a:xfrm>
-            <a:off x="179512" y="461805"/>
-            <a:ext cx="7056784" cy="369332"/>
+            <a:off x="251520" y="3566875"/>
+            <a:ext cx="7114480" cy="720197"/>
           </a:xfrm>
           <a:prstGeom prst="rect">
             <a:avLst/>
@@ -4774,49 +9281,164 @@
           <a:p>
             <a:pPr>
               <a:lnSpc>
-                <a:spcPct val="90000"/>
+                <a:spcPct val="85000"/>
               </a:lnSpc>
             </a:pPr>
             <a:r>
-              <a:rPr lang="en-US" altLang="ko-KR" sz="2000" spc="300" dirty="0" smtClean="0">
+              <a:rPr lang="en-US" altLang="ko-KR" sz="4800" spc="600" dirty="0" smtClean="0">
+                <a:solidFill>
+                  <a:srgbClr val="FF0000"/>
+                </a:solidFill>
+                <a:effectLst>
+                  <a:outerShdw blurRad="38100" dist="38100" dir="2700000" algn="tl">
+                    <a:srgbClr val="000000">
+                      <a:alpha val="43137"/>
+                    </a:srgbClr>
+                  </a:outerShdw>
+                </a:effectLst>
+                <a:latin typeface="나눔고딕" pitchFamily="50" charset="-127"/>
+                <a:ea typeface="나눔고딕" pitchFamily="50" charset="-127"/>
+              </a:rPr>
+              <a:t>S</a:t>
+            </a:r>
+            <a:r>
+              <a:rPr lang="en-US" altLang="ko-KR" sz="4800" spc="600" dirty="0" smtClean="0">
                 <a:gradFill>
                   <a:gsLst>
                     <a:gs pos="0">
-                      <a:srgbClr val="C00000"/>
+                      <a:srgbClr val="7E858E"/>
                     </a:gs>
-                    <a:gs pos="100000">
-                      <a:srgbClr val="C00000"/>
+                    <a:gs pos="50000">
+                      <a:srgbClr val="7E858E"/>
                     </a:gs>
                   </a:gsLst>
                   <a:lin ang="5400000" scaled="0"/>
                 </a:gradFill>
+                <a:effectLst>
+                  <a:outerShdw blurRad="38100" dist="38100" dir="2700000" algn="tl">
+                    <a:srgbClr val="000000">
+                      <a:alpha val="43137"/>
+                    </a:srgbClr>
+                  </a:outerShdw>
+                </a:effectLst>
                 <a:latin typeface="나눔고딕" pitchFamily="50" charset="-127"/>
                 <a:ea typeface="나눔고딕" pitchFamily="50" charset="-127"/>
               </a:rPr>
-              <a:t>Web Client</a:t>
-            </a:r>
-            <a:endParaRPr lang="ko-KR" altLang="en-US" sz="2000" spc="300" dirty="0">
+              <a:t>equence </a:t>
+            </a:r>
+            <a:r>
+              <a:rPr lang="en-US" altLang="ko-KR" sz="4800" spc="600" dirty="0" smtClean="0">
+                <a:solidFill>
+                  <a:srgbClr val="FF0000"/>
+                </a:solidFill>
+                <a:effectLst>
+                  <a:outerShdw blurRad="38100" dist="38100" dir="2700000" algn="tl">
+                    <a:srgbClr val="000000">
+                      <a:alpha val="43137"/>
+                    </a:srgbClr>
+                  </a:outerShdw>
+                </a:effectLst>
+                <a:latin typeface="나눔고딕" pitchFamily="50" charset="-127"/>
+                <a:ea typeface="나눔고딕" pitchFamily="50" charset="-127"/>
+              </a:rPr>
+              <a:t>D</a:t>
+            </a:r>
+            <a:r>
+              <a:rPr lang="en-US" altLang="ko-KR" sz="4800" spc="600" dirty="0" smtClean="0">
+                <a:gradFill>
+                  <a:gsLst>
+                    <a:gs pos="0">
+                      <a:srgbClr val="7E858E"/>
+                    </a:gs>
+                    <a:gs pos="50000">
+                      <a:srgbClr val="7E858E"/>
+                    </a:gs>
+                  </a:gsLst>
+                  <a:lin ang="5400000" scaled="0"/>
+                </a:gradFill>
+                <a:effectLst>
+                  <a:outerShdw blurRad="38100" dist="38100" dir="2700000" algn="tl">
+                    <a:srgbClr val="000000">
+                      <a:alpha val="43137"/>
+                    </a:srgbClr>
+                  </a:outerShdw>
+                </a:effectLst>
+                <a:latin typeface="나눔고딕" pitchFamily="50" charset="-127"/>
+                <a:ea typeface="나눔고딕" pitchFamily="50" charset="-127"/>
+              </a:rPr>
+              <a:t>iagram</a:t>
+            </a:r>
+            <a:endParaRPr lang="ko-KR" altLang="en-US" sz="4800" spc="600" dirty="0">
               <a:gradFill>
                 <a:gsLst>
                   <a:gs pos="0">
-                    <a:srgbClr val="C00000"/>
+                    <a:srgbClr val="7E858E"/>
                   </a:gs>
-                  <a:gs pos="100000">
-                    <a:srgbClr val="C00000"/>
+                  <a:gs pos="50000">
+                    <a:srgbClr val="7E858E"/>
                   </a:gs>
                 </a:gsLst>
                 <a:lin ang="5400000" scaled="0"/>
               </a:gradFill>
+              <a:effectLst>
+                <a:outerShdw blurRad="38100" dist="38100" dir="2700000" algn="tl">
+                  <a:srgbClr val="000000">
+                    <a:alpha val="43137"/>
+                  </a:srgbClr>
+                </a:outerShdw>
+              </a:effectLst>
               <a:latin typeface="나눔고딕" pitchFamily="50" charset="-127"/>
               <a:ea typeface="나눔고딕" pitchFamily="50" charset="-127"/>
             </a:endParaRPr>
           </a:p>
         </p:txBody>
       </p:sp>
+      <p:sp>
+        <p:nvSpPr>
+          <p:cNvPr id="4" name="TextBox 3"/>
+          <p:cNvSpPr txBox="1"/>
+          <p:nvPr/>
+        </p:nvSpPr>
+        <p:spPr>
+          <a:xfrm>
+            <a:off x="8746436" y="6500192"/>
+            <a:ext cx="477078" cy="307777"/>
+          </a:xfrm>
+          <a:prstGeom prst="rect">
+            <a:avLst/>
+          </a:prstGeom>
+          <a:noFill/>
+        </p:spPr>
+        <p:txBody>
+          <a:bodyPr wrap="square" rtlCol="0">
+            <a:spAutoFit/>
+          </a:bodyPr>
+          <a:lstStyle/>
+          <a:p>
+            <a:r>
+              <a:rPr lang="en-US" altLang="ko-KR" sz="1400" dirty="0" smtClean="0">
+                <a:solidFill>
+                  <a:schemeClr val="bg1">
+                    <a:lumMod val="50000"/>
+                  </a:schemeClr>
+                </a:solidFill>
+              </a:rPr>
+              <a:t>/18</a:t>
+            </a:r>
+            <a:endParaRPr lang="ko-KR" altLang="en-US" sz="1400" dirty="0">
+              <a:solidFill>
+                <a:schemeClr val="bg1">
+                  <a:lumMod val="50000"/>
+                </a:schemeClr>
+              </a:solidFill>
+            </a:endParaRPr>
+          </a:p>
+        </p:txBody>
+      </p:sp>
     </p:spTree>
     <p:extLst>
       <p:ext uri="{BB962C8B-B14F-4D97-AF65-F5344CB8AC3E}">
-        <p14:creationId xmlns:p14="http://schemas.microsoft.com/office/powerpoint/2010/main" val="1305645593"/>
+        <p14:creationId xmlns:p14="http://schemas.microsoft.com/office/powerpoint/2010/main" val="3022770775"/>
       </p:ext>
     </p:extLst>
   </p:cSld>
@@ -4875,14 +9497,14 @@
       </p:sp>
       <p:sp>
         <p:nvSpPr>
-          <p:cNvPr id="7" name="TextBox 6"/>
+          <p:cNvPr id="4" name="TextBox 3"/>
           <p:cNvSpPr txBox="1"/>
           <p:nvPr/>
         </p:nvSpPr>
         <p:spPr>
           <a:xfrm>
-            <a:off x="251520" y="3566875"/>
-            <a:ext cx="7114480" cy="720197"/>
+            <a:off x="179512" y="461805"/>
+            <a:ext cx="5184576" cy="369332"/>
           </a:xfrm>
           <a:prstGeom prst="rect">
             <a:avLst/>
@@ -4897,122 +9519,244 @@
           <a:p>
             <a:pPr>
               <a:lnSpc>
-                <a:spcPct val="85000"/>
+                <a:spcPct val="90000"/>
               </a:lnSpc>
             </a:pPr>
             <a:r>
-              <a:rPr lang="en-US" altLang="ko-KR" sz="4800" spc="600" dirty="0" smtClean="0">
-                <a:solidFill>
-                  <a:srgbClr val="FF0000"/>
-                </a:solidFill>
-                <a:effectLst>
-                  <a:outerShdw blurRad="38100" dist="38100" dir="2700000" algn="tl">
-                    <a:srgbClr val="000000">
-                      <a:alpha val="43137"/>
-                    </a:srgbClr>
-                  </a:outerShdw>
-                </a:effectLst>
-                <a:latin typeface="나눔고딕" pitchFamily="50" charset="-127"/>
-                <a:ea typeface="나눔고딕" pitchFamily="50" charset="-127"/>
-              </a:rPr>
-              <a:t>S</a:t>
-            </a:r>
-            <a:r>
-              <a:rPr lang="en-US" altLang="ko-KR" sz="4800" spc="600" dirty="0" smtClean="0">
+              <a:rPr lang="en-US" altLang="ko-KR" sz="2000" spc="300" dirty="0" smtClean="0">
                 <a:gradFill>
                   <a:gsLst>
                     <a:gs pos="0">
-                      <a:srgbClr val="7E858E"/>
+                      <a:srgbClr val="C00000"/>
                     </a:gs>
-                    <a:gs pos="50000">
-                      <a:srgbClr val="7E858E"/>
+                    <a:gs pos="100000">
+                      <a:srgbClr val="C00000"/>
                     </a:gs>
                   </a:gsLst>
                   <a:lin ang="5400000" scaled="0"/>
                 </a:gradFill>
-                <a:effectLst>
-                  <a:outerShdw blurRad="38100" dist="38100" dir="2700000" algn="tl">
-                    <a:srgbClr val="000000">
-                      <a:alpha val="43137"/>
-                    </a:srgbClr>
-                  </a:outerShdw>
-                </a:effectLst>
                 <a:latin typeface="나눔고딕" pitchFamily="50" charset="-127"/>
                 <a:ea typeface="나눔고딕" pitchFamily="50" charset="-127"/>
               </a:rPr>
-              <a:t>equence </a:t>
-            </a:r>
-            <a:r>
-              <a:rPr lang="en-US" altLang="ko-KR" sz="4800" spc="600" dirty="0" smtClean="0">
-                <a:solidFill>
-                  <a:srgbClr val="FF0000"/>
-                </a:solidFill>
-                <a:effectLst>
-                  <a:outerShdw blurRad="38100" dist="38100" dir="2700000" algn="tl">
-                    <a:srgbClr val="000000">
-                      <a:alpha val="43137"/>
-                    </a:srgbClr>
-                  </a:outerShdw>
-                </a:effectLst>
-                <a:latin typeface="나눔고딕" pitchFamily="50" charset="-127"/>
-                <a:ea typeface="나눔고딕" pitchFamily="50" charset="-127"/>
-              </a:rPr>
-              <a:t>D</a:t>
-            </a:r>
-            <a:r>
-              <a:rPr lang="en-US" altLang="ko-KR" sz="4800" spc="600" dirty="0" smtClean="0">
+              <a:t>Data send </a:t>
+            </a:r>
+            <a:r>
+              <a:rPr lang="en-US" altLang="ko-KR" sz="2000" spc="300" dirty="0">
                 <a:gradFill>
                   <a:gsLst>
                     <a:gs pos="0">
-                      <a:srgbClr val="7E858E"/>
+                      <a:srgbClr val="C00000"/>
                     </a:gs>
-                    <a:gs pos="50000">
-                      <a:srgbClr val="7E858E"/>
+                    <a:gs pos="100000">
+                      <a:srgbClr val="C00000"/>
                     </a:gs>
                   </a:gsLst>
                   <a:lin ang="5400000" scaled="0"/>
                 </a:gradFill>
-                <a:effectLst>
-                  <a:outerShdw blurRad="38100" dist="38100" dir="2700000" algn="tl">
-                    <a:srgbClr val="000000">
-                      <a:alpha val="43137"/>
-                    </a:srgbClr>
-                  </a:outerShdw>
-                </a:effectLst>
                 <a:latin typeface="나눔고딕" pitchFamily="50" charset="-127"/>
                 <a:ea typeface="나눔고딕" pitchFamily="50" charset="-127"/>
               </a:rPr>
-              <a:t>iagram</a:t>
-            </a:r>
-            <a:endParaRPr lang="ko-KR" altLang="en-US" sz="4800" spc="600" dirty="0">
+              <a:t>Sequence  Diagram</a:t>
+            </a:r>
+            <a:endParaRPr lang="ko-KR" altLang="en-US" sz="2000" spc="300" dirty="0">
               <a:gradFill>
                 <a:gsLst>
                   <a:gs pos="0">
-                    <a:srgbClr val="7E858E"/>
+                    <a:srgbClr val="C00000"/>
                   </a:gs>
-                  <a:gs pos="50000">
-                    <a:srgbClr val="7E858E"/>
+                  <a:gs pos="100000">
+                    <a:srgbClr val="C00000"/>
                   </a:gs>
                 </a:gsLst>
                 <a:lin ang="5400000" scaled="0"/>
               </a:gradFill>
-              <a:effectLst>
-                <a:outerShdw blurRad="38100" dist="38100" dir="2700000" algn="tl">
-                  <a:srgbClr val="000000">
-                    <a:alpha val="43137"/>
-                  </a:srgbClr>
-                </a:outerShdw>
-              </a:effectLst>
               <a:latin typeface="나눔고딕" pitchFamily="50" charset="-127"/>
               <a:ea typeface="나눔고딕" pitchFamily="50" charset="-127"/>
             </a:endParaRPr>
           </a:p>
         </p:txBody>
       </p:sp>
+      <p:grpSp>
+        <p:nvGrpSpPr>
+          <p:cNvPr id="5" name="그룹 4"/>
+          <p:cNvGrpSpPr/>
+          <p:nvPr/>
+        </p:nvGrpSpPr>
+        <p:grpSpPr>
+          <a:xfrm>
+            <a:off x="5364088" y="1254520"/>
+            <a:ext cx="3024336" cy="5200955"/>
+            <a:chOff x="-8067016" y="-3574663"/>
+            <a:chExt cx="7670464" cy="10745700"/>
+          </a:xfrm>
+        </p:grpSpPr>
+        <p:pic>
+          <p:nvPicPr>
+            <p:cNvPr id="6" name="그림 5"/>
+            <p:cNvPicPr>
+              <a:picLocks noChangeAspect="1"/>
+            </p:cNvPicPr>
+            <p:nvPr/>
+          </p:nvPicPr>
+          <p:blipFill>
+            <a:blip r:embed="rId2">
+              <a:extLst>
+                <a:ext uri="{28A0092B-C50C-407E-A947-70E740481C1C}">
+                  <a14:useLocalDpi xmlns:a14="http://schemas.microsoft.com/office/drawing/2010/main" val="0"/>
+                </a:ext>
+              </a:extLst>
+            </a:blip>
+            <a:stretch>
+              <a:fillRect/>
+            </a:stretch>
+          </p:blipFill>
+          <p:spPr>
+            <a:xfrm>
+              <a:off x="-8067016" y="-3574663"/>
+              <a:ext cx="6716062" cy="3553321"/>
+            </a:xfrm>
+            <a:prstGeom prst="rect">
+              <a:avLst/>
+            </a:prstGeom>
+          </p:spPr>
+        </p:pic>
+        <p:pic>
+          <p:nvPicPr>
+            <p:cNvPr id="7" name="그림 6"/>
+            <p:cNvPicPr>
+              <a:picLocks noChangeAspect="1"/>
+            </p:cNvPicPr>
+            <p:nvPr/>
+          </p:nvPicPr>
+          <p:blipFill>
+            <a:blip r:embed="rId3">
+              <a:extLst>
+                <a:ext uri="{28A0092B-C50C-407E-A947-70E740481C1C}">
+                  <a14:useLocalDpi xmlns:a14="http://schemas.microsoft.com/office/drawing/2010/main" val="0"/>
+                </a:ext>
+              </a:extLst>
+            </a:blip>
+            <a:stretch>
+              <a:fillRect/>
+            </a:stretch>
+          </p:blipFill>
+          <p:spPr>
+            <a:xfrm>
+              <a:off x="-8046195" y="-21342"/>
+              <a:ext cx="7649643" cy="4210638"/>
+            </a:xfrm>
+            <a:prstGeom prst="rect">
+              <a:avLst/>
+            </a:prstGeom>
+          </p:spPr>
+        </p:pic>
+        <p:pic>
+          <p:nvPicPr>
+            <p:cNvPr id="8" name="그림 7"/>
+            <p:cNvPicPr>
+              <a:picLocks noChangeAspect="1"/>
+            </p:cNvPicPr>
+            <p:nvPr/>
+          </p:nvPicPr>
+          <p:blipFill>
+            <a:blip r:embed="rId4">
+              <a:extLst>
+                <a:ext uri="{28A0092B-C50C-407E-A947-70E740481C1C}">
+                  <a14:useLocalDpi xmlns:a14="http://schemas.microsoft.com/office/drawing/2010/main" val="0"/>
+                </a:ext>
+              </a:extLst>
+            </a:blip>
+            <a:stretch>
+              <a:fillRect/>
+            </a:stretch>
+          </p:blipFill>
+          <p:spPr>
+            <a:xfrm>
+              <a:off x="-8024391" y="4189296"/>
+              <a:ext cx="7220958" cy="2981741"/>
+            </a:xfrm>
+            <a:prstGeom prst="rect">
+              <a:avLst/>
+            </a:prstGeom>
+          </p:spPr>
+        </p:pic>
+      </p:grpSp>
+      <p:pic>
+        <p:nvPicPr>
+          <p:cNvPr id="9" name="그림 8"/>
+          <p:cNvPicPr>
+            <a:picLocks noChangeAspect="1"/>
+          </p:cNvPicPr>
+          <p:nvPr/>
+        </p:nvPicPr>
+        <p:blipFill>
+          <a:blip r:embed="rId2">
+            <a:extLst>
+              <a:ext uri="{28A0092B-C50C-407E-A947-70E740481C1C}">
+                <a14:useLocalDpi xmlns:a14="http://schemas.microsoft.com/office/drawing/2010/main" val="0"/>
+              </a:ext>
+            </a:extLst>
+          </a:blip>
+          <a:stretch>
+            <a:fillRect/>
+          </a:stretch>
+        </p:blipFill>
+        <p:spPr>
+          <a:xfrm>
+            <a:off x="395536" y="1932360"/>
+            <a:ext cx="4608800" cy="2993281"/>
+          </a:xfrm>
+          <a:prstGeom prst="rect">
+            <a:avLst/>
+          </a:prstGeom>
+        </p:spPr>
+      </p:pic>
+      <p:sp>
+        <p:nvSpPr>
+          <p:cNvPr id="10" name="TextBox 9"/>
+          <p:cNvSpPr txBox="1"/>
+          <p:nvPr/>
+        </p:nvSpPr>
+        <p:spPr>
+          <a:xfrm>
+            <a:off x="8746436" y="6500192"/>
+            <a:ext cx="477078" cy="307777"/>
+          </a:xfrm>
+          <a:prstGeom prst="rect">
+            <a:avLst/>
+          </a:prstGeom>
+          <a:noFill/>
+        </p:spPr>
+        <p:txBody>
+          <a:bodyPr wrap="square" rtlCol="0">
+            <a:spAutoFit/>
+          </a:bodyPr>
+          <a:lstStyle/>
+          <a:p>
+            <a:r>
+              <a:rPr lang="en-US" altLang="ko-KR" sz="1400" dirty="0" smtClean="0">
+                <a:solidFill>
+                  <a:schemeClr val="bg1">
+                    <a:lumMod val="50000"/>
+                  </a:schemeClr>
+                </a:solidFill>
+              </a:rPr>
+              <a:t>/18</a:t>
+            </a:r>
+            <a:endParaRPr lang="ko-KR" altLang="en-US" sz="1400" dirty="0">
+              <a:solidFill>
+                <a:schemeClr val="bg1">
+                  <a:lumMod val="50000"/>
+                </a:schemeClr>
+              </a:solidFill>
+            </a:endParaRPr>
+          </a:p>
+        </p:txBody>
+      </p:sp>
     </p:spTree>
     <p:extLst>
       <p:ext uri="{BB962C8B-B14F-4D97-AF65-F5344CB8AC3E}">
-        <p14:creationId xmlns:p14="http://schemas.microsoft.com/office/powerpoint/2010/main" val="3022770775"/>
+        <p14:creationId xmlns:p14="http://schemas.microsoft.com/office/powerpoint/2010/main" val="3256681367"/>
       </p:ext>
     </p:extLst>
   </p:cSld>
@@ -5071,14 +9815,14 @@
       </p:sp>
       <p:sp>
         <p:nvSpPr>
-          <p:cNvPr id="3" name="TextBox 2"/>
+          <p:cNvPr id="4" name="TextBox 3"/>
           <p:cNvSpPr txBox="1"/>
           <p:nvPr/>
         </p:nvSpPr>
         <p:spPr>
           <a:xfrm>
             <a:off x="179512" y="461805"/>
-            <a:ext cx="7056784" cy="369332"/>
+            <a:ext cx="5184576" cy="369332"/>
           </a:xfrm>
           <a:prstGeom prst="rect">
             <a:avLst/>
@@ -5112,7 +9856,25 @@
                 <a:latin typeface="나눔고딕" pitchFamily="50" charset="-127"/>
                 <a:ea typeface="나눔고딕" pitchFamily="50" charset="-127"/>
               </a:rPr>
-              <a:t>Sequence Diagram</a:t>
+              <a:t>Data send </a:t>
+            </a:r>
+            <a:r>
+              <a:rPr lang="en-US" altLang="ko-KR" sz="2000" spc="300" dirty="0">
+                <a:gradFill>
+                  <a:gsLst>
+                    <a:gs pos="0">
+                      <a:srgbClr val="C00000"/>
+                    </a:gs>
+                    <a:gs pos="100000">
+                      <a:srgbClr val="C00000"/>
+                    </a:gs>
+                  </a:gsLst>
+                  <a:lin ang="5400000" scaled="0"/>
+                </a:gradFill>
+                <a:latin typeface="나눔고딕" pitchFamily="50" charset="-127"/>
+                <a:ea typeface="나눔고딕" pitchFamily="50" charset="-127"/>
+              </a:rPr>
+              <a:t>Sequence  Diagram</a:t>
             </a:r>
             <a:endParaRPr lang="ko-KR" altLang="en-US" sz="2000" spc="300" dirty="0">
               <a:gradFill>
@@ -5132,10 +9894,187 @@
           </a:p>
         </p:txBody>
       </p:sp>
+      <p:grpSp>
+        <p:nvGrpSpPr>
+          <p:cNvPr id="5" name="그룹 4"/>
+          <p:cNvGrpSpPr/>
+          <p:nvPr/>
+        </p:nvGrpSpPr>
+        <p:grpSpPr>
+          <a:xfrm>
+            <a:off x="5364088" y="1254520"/>
+            <a:ext cx="3024336" cy="5200955"/>
+            <a:chOff x="-8067016" y="-3574663"/>
+            <a:chExt cx="7670464" cy="10745700"/>
+          </a:xfrm>
+        </p:grpSpPr>
+        <p:pic>
+          <p:nvPicPr>
+            <p:cNvPr id="6" name="그림 5"/>
+            <p:cNvPicPr>
+              <a:picLocks noChangeAspect="1"/>
+            </p:cNvPicPr>
+            <p:nvPr/>
+          </p:nvPicPr>
+          <p:blipFill>
+            <a:blip r:embed="rId2">
+              <a:extLst>
+                <a:ext uri="{28A0092B-C50C-407E-A947-70E740481C1C}">
+                  <a14:useLocalDpi xmlns:a14="http://schemas.microsoft.com/office/drawing/2010/main" val="0"/>
+                </a:ext>
+              </a:extLst>
+            </a:blip>
+            <a:stretch>
+              <a:fillRect/>
+            </a:stretch>
+          </p:blipFill>
+          <p:spPr>
+            <a:xfrm>
+              <a:off x="-8067016" y="-3574663"/>
+              <a:ext cx="6716062" cy="3553321"/>
+            </a:xfrm>
+            <a:prstGeom prst="rect">
+              <a:avLst/>
+            </a:prstGeom>
+          </p:spPr>
+        </p:pic>
+        <p:pic>
+          <p:nvPicPr>
+            <p:cNvPr id="7" name="그림 6"/>
+            <p:cNvPicPr>
+              <a:picLocks noChangeAspect="1"/>
+            </p:cNvPicPr>
+            <p:nvPr/>
+          </p:nvPicPr>
+          <p:blipFill>
+            <a:blip r:embed="rId3">
+              <a:extLst>
+                <a:ext uri="{28A0092B-C50C-407E-A947-70E740481C1C}">
+                  <a14:useLocalDpi xmlns:a14="http://schemas.microsoft.com/office/drawing/2010/main" val="0"/>
+                </a:ext>
+              </a:extLst>
+            </a:blip>
+            <a:stretch>
+              <a:fillRect/>
+            </a:stretch>
+          </p:blipFill>
+          <p:spPr>
+            <a:xfrm>
+              <a:off x="-8046195" y="-21342"/>
+              <a:ext cx="7649643" cy="4210638"/>
+            </a:xfrm>
+            <a:prstGeom prst="rect">
+              <a:avLst/>
+            </a:prstGeom>
+          </p:spPr>
+        </p:pic>
+        <p:pic>
+          <p:nvPicPr>
+            <p:cNvPr id="8" name="그림 7"/>
+            <p:cNvPicPr>
+              <a:picLocks noChangeAspect="1"/>
+            </p:cNvPicPr>
+            <p:nvPr/>
+          </p:nvPicPr>
+          <p:blipFill>
+            <a:blip r:embed="rId4">
+              <a:extLst>
+                <a:ext uri="{28A0092B-C50C-407E-A947-70E740481C1C}">
+                  <a14:useLocalDpi xmlns:a14="http://schemas.microsoft.com/office/drawing/2010/main" val="0"/>
+                </a:ext>
+              </a:extLst>
+            </a:blip>
+            <a:stretch>
+              <a:fillRect/>
+            </a:stretch>
+          </p:blipFill>
+          <p:spPr>
+            <a:xfrm>
+              <a:off x="-8024391" y="4189296"/>
+              <a:ext cx="7220958" cy="2981741"/>
+            </a:xfrm>
+            <a:prstGeom prst="rect">
+              <a:avLst/>
+            </a:prstGeom>
+          </p:spPr>
+        </p:pic>
+      </p:grpSp>
+      <p:pic>
+        <p:nvPicPr>
+          <p:cNvPr id="9" name="그림 8"/>
+          <p:cNvPicPr>
+            <a:picLocks noChangeAspect="1"/>
+          </p:cNvPicPr>
+          <p:nvPr/>
+        </p:nvPicPr>
+        <p:blipFill>
+          <a:blip r:embed="rId3">
+            <a:extLst>
+              <a:ext uri="{28A0092B-C50C-407E-A947-70E740481C1C}">
+                <a14:useLocalDpi xmlns:a14="http://schemas.microsoft.com/office/drawing/2010/main" val="0"/>
+              </a:ext>
+            </a:extLst>
+          </a:blip>
+          <a:stretch>
+            <a:fillRect/>
+          </a:stretch>
+        </p:blipFill>
+        <p:spPr>
+          <a:xfrm>
+            <a:off x="269779" y="1970405"/>
+            <a:ext cx="5143780" cy="3475594"/>
+          </a:xfrm>
+          <a:prstGeom prst="rect">
+            <a:avLst/>
+          </a:prstGeom>
+        </p:spPr>
+      </p:pic>
+      <p:sp>
+        <p:nvSpPr>
+          <p:cNvPr id="10" name="TextBox 9"/>
+          <p:cNvSpPr txBox="1"/>
+          <p:nvPr/>
+        </p:nvSpPr>
+        <p:spPr>
+          <a:xfrm>
+            <a:off x="8746436" y="6500192"/>
+            <a:ext cx="477078" cy="307777"/>
+          </a:xfrm>
+          <a:prstGeom prst="rect">
+            <a:avLst/>
+          </a:prstGeom>
+          <a:noFill/>
+        </p:spPr>
+        <p:txBody>
+          <a:bodyPr wrap="square" rtlCol="0">
+            <a:spAutoFit/>
+          </a:bodyPr>
+          <a:lstStyle/>
+          <a:p>
+            <a:r>
+              <a:rPr lang="en-US" altLang="ko-KR" sz="1400" dirty="0" smtClean="0">
+                <a:solidFill>
+                  <a:schemeClr val="bg1">
+                    <a:lumMod val="50000"/>
+                  </a:schemeClr>
+                </a:solidFill>
+              </a:rPr>
+              <a:t>/18</a:t>
+            </a:r>
+            <a:endParaRPr lang="ko-KR" altLang="en-US" sz="1400" dirty="0">
+              <a:solidFill>
+                <a:schemeClr val="bg1">
+                  <a:lumMod val="50000"/>
+                </a:schemeClr>
+              </a:solidFill>
+            </a:endParaRPr>
+          </a:p>
+        </p:txBody>
+      </p:sp>
     </p:spTree>
     <p:extLst>
       <p:ext uri="{BB962C8B-B14F-4D97-AF65-F5344CB8AC3E}">
-        <p14:creationId xmlns:p14="http://schemas.microsoft.com/office/powerpoint/2010/main" val="3256681367"/>
+        <p14:creationId xmlns:p14="http://schemas.microsoft.com/office/powerpoint/2010/main" val="1087054046"/>
       </p:ext>
     </p:extLst>
   </p:cSld>

--- a/3week/ppt/3week.pptx
+++ b/3week/ppt/3week.pptx
@@ -5,7 +5,7 @@
     <p:sldMasterId id="2147483660" r:id="rId1"/>
   </p:sldMasterIdLst>
   <p:notesMasterIdLst>
-    <p:notesMasterId r:id="rId21"/>
+    <p:notesMasterId r:id="rId20"/>
   </p:notesMasterIdLst>
   <p:sldIdLst>
     <p:sldId id="256" r:id="rId2"/>
@@ -14,19 +14,18 @@
     <p:sldId id="259" r:id="rId5"/>
     <p:sldId id="268" r:id="rId6"/>
     <p:sldId id="262" r:id="rId7"/>
-    <p:sldId id="263" r:id="rId8"/>
-    <p:sldId id="264" r:id="rId9"/>
+    <p:sldId id="264" r:id="rId8"/>
+    <p:sldId id="265" r:id="rId9"/>
     <p:sldId id="269" r:id="rId10"/>
     <p:sldId id="270" r:id="rId11"/>
     <p:sldId id="271" r:id="rId12"/>
     <p:sldId id="272" r:id="rId13"/>
     <p:sldId id="273" r:id="rId14"/>
     <p:sldId id="274" r:id="rId15"/>
-    <p:sldId id="275" r:id="rId16"/>
-    <p:sldId id="276" r:id="rId17"/>
-    <p:sldId id="277" r:id="rId18"/>
-    <p:sldId id="266" r:id="rId19"/>
-    <p:sldId id="260" r:id="rId20"/>
+    <p:sldId id="276" r:id="rId16"/>
+    <p:sldId id="275" r:id="rId17"/>
+    <p:sldId id="266" r:id="rId18"/>
+    <p:sldId id="260" r:id="rId19"/>
   </p:sldIdLst>
   <p:sldSz cx="9144000" cy="6858000" type="screen4x3"/>
   <p:notesSz cx="6858000" cy="9144000"/>
@@ -502,7 +501,7 @@
       </p:grpSpPr>
       <p:sp>
         <p:nvSpPr>
-          <p:cNvPr id="2" name="Slide Image Placeholder 1"/>
+          <p:cNvPr id="2" name="슬라이드 이미지 개체 틀 1"/>
           <p:cNvSpPr>
             <a:spLocks noGrp="1" noRot="1" noChangeAspect="1"/>
           </p:cNvSpPr>
@@ -514,7 +513,7 @@
       </p:sp>
       <p:sp>
         <p:nvSpPr>
-          <p:cNvPr id="3" name="Notes Placeholder 2"/>
+          <p:cNvPr id="3" name="슬라이드 노트 개체 틀 2"/>
           <p:cNvSpPr>
             <a:spLocks noGrp="1"/>
           </p:cNvSpPr>
@@ -524,18 +523,44 @@
         </p:nvSpPr>
         <p:spPr/>
         <p:txBody>
-          <a:bodyPr>
-            <a:normAutofit/>
-          </a:bodyPr>
-          <a:lstStyle/>
-          <a:p>
-            <a:endParaRPr lang="ko-KR" dirty="0"/>
-          </a:p>
-        </p:txBody>
-      </p:sp>
-      <p:sp>
-        <p:nvSpPr>
-          <p:cNvPr id="4" name="Slide Number Placeholder 3"/>
+          <a:bodyPr/>
+          <a:lstStyle/>
+          <a:p>
+            <a:pPr marL="0" marR="0" indent="0" algn="l" defTabSz="914400" rtl="0" eaLnBrk="1" fontAlgn="auto" latinLnBrk="1" hangingPunct="1">
+              <a:lnSpc>
+                <a:spcPct val="100000"/>
+              </a:lnSpc>
+              <a:spcBef>
+                <a:spcPts val="0"/>
+              </a:spcBef>
+              <a:spcAft>
+                <a:spcPts val="0"/>
+              </a:spcAft>
+              <a:buClrTx/>
+              <a:buSzTx/>
+              <a:buFontTx/>
+              <a:buNone/>
+              <a:tabLst/>
+              <a:defRPr/>
+            </a:pPr>
+            <a:r>
+              <a:rPr lang="en-US" altLang="ko-KR" dirty="0" smtClean="0"/>
+              <a:t>This project</a:t>
+            </a:r>
+            <a:r>
+              <a:rPr lang="en-US" altLang="ko-KR" baseline="0" dirty="0" smtClean="0"/>
+              <a:t> is C team’s Third week Presentation and members are Jim, Cho, Tom, Lina, Missy</a:t>
+            </a:r>
+            <a:endParaRPr lang="ko-KR" altLang="en-US" dirty="0" smtClean="0"/>
+          </a:p>
+          <a:p>
+            <a:endParaRPr lang="ko-KR" altLang="en-US" dirty="0"/>
+          </a:p>
+        </p:txBody>
+      </p:sp>
+      <p:sp>
+        <p:nvSpPr>
+          <p:cNvPr id="4" name="슬라이드 번호 개체 틀 3"/>
           <p:cNvSpPr>
             <a:spLocks noGrp="1"/>
           </p:cNvSpPr>
@@ -548,19 +573,18 @@
           <a:bodyPr/>
           <a:lstStyle/>
           <a:p>
-            <a:fld id="{9B26CD33-4337-4529-948A-94F6960B2374}" type="slidenum">
-              <a:rPr lang="en-US" altLang="ko-KR" smtClean="0"/>
-              <a:pPr/>
-              <a:t>9</a:t>
+            <a:fld id="{80DB27A2-3C4B-459A-A634-BE883C249080}" type="slidenum">
+              <a:rPr lang="ko-KR" altLang="en-US" smtClean="0"/>
+              <a:t>1</a:t>
             </a:fld>
-            <a:endParaRPr lang="ko-KR" dirty="0"/>
+            <a:endParaRPr lang="ko-KR" altLang="en-US"/>
           </a:p>
         </p:txBody>
       </p:sp>
     </p:spTree>
     <p:extLst>
       <p:ext uri="{BB962C8B-B14F-4D97-AF65-F5344CB8AC3E}">
-        <p14:creationId xmlns:p14="http://schemas.microsoft.com/office/powerpoint/2010/main" val="3263644643"/>
+        <p14:creationId xmlns:p14="http://schemas.microsoft.com/office/powerpoint/2010/main" val="2598720118"/>
       </p:ext>
     </p:extLst>
   </p:cSld>
@@ -589,7 +613,7 @@
       </p:grpSpPr>
       <p:sp>
         <p:nvSpPr>
-          <p:cNvPr id="2" name="Slide Image Placeholder 1"/>
+          <p:cNvPr id="2" name="슬라이드 이미지 개체 틀 1"/>
           <p:cNvSpPr>
             <a:spLocks noGrp="1" noRot="1" noChangeAspect="1"/>
           </p:cNvSpPr>
@@ -601,7 +625,7 @@
       </p:sp>
       <p:sp>
         <p:nvSpPr>
-          <p:cNvPr id="3" name="Notes Placeholder 2"/>
+          <p:cNvPr id="3" name="슬라이드 노트 개체 틀 2"/>
           <p:cNvSpPr>
             <a:spLocks noGrp="1"/>
           </p:cNvSpPr>
@@ -611,18 +635,52 @@
         </p:nvSpPr>
         <p:spPr/>
         <p:txBody>
-          <a:bodyPr>
-            <a:normAutofit/>
-          </a:bodyPr>
-          <a:lstStyle/>
-          <a:p>
-            <a:endParaRPr lang="ko-KR" dirty="0"/>
-          </a:p>
-        </p:txBody>
-      </p:sp>
-      <p:sp>
-        <p:nvSpPr>
-          <p:cNvPr id="4" name="Slide Number Placeholder 3"/>
+          <a:bodyPr/>
+          <a:lstStyle/>
+          <a:p>
+            <a:pPr marL="0" marR="0" indent="0" algn="l" defTabSz="914400" rtl="0" eaLnBrk="1" fontAlgn="auto" latinLnBrk="1" hangingPunct="1">
+              <a:lnSpc>
+                <a:spcPct val="100000"/>
+              </a:lnSpc>
+              <a:spcBef>
+                <a:spcPts val="0"/>
+              </a:spcBef>
+              <a:spcAft>
+                <a:spcPts val="0"/>
+              </a:spcAft>
+              <a:buClrTx/>
+              <a:buSzTx/>
+              <a:buFontTx/>
+              <a:buNone/>
+              <a:tabLst/>
+              <a:defRPr/>
+            </a:pPr>
+            <a:r>
+              <a:rPr lang="en-US" altLang="ko-KR" dirty="0" smtClean="0"/>
+              <a:t>And</a:t>
+            </a:r>
+            <a:r>
+              <a:rPr lang="en-US" altLang="ko-KR" baseline="0" dirty="0" smtClean="0"/>
+              <a:t> Contents are </a:t>
+            </a:r>
+            <a:r>
+              <a:rPr lang="ko-KR" altLang="en-US" baseline="0" dirty="0" smtClean="0"/>
+              <a:t>쭉 하나씩 읽으면 돼요</a:t>
+            </a:r>
+            <a:r>
+              <a:rPr lang="en-US" altLang="ko-KR" baseline="0" dirty="0" smtClean="0"/>
+              <a:t>~</a:t>
+            </a:r>
+            <a:endParaRPr lang="ko-KR" altLang="en-US" dirty="0" smtClean="0"/>
+          </a:p>
+          <a:p>
+            <a:endParaRPr lang="ko-KR" altLang="en-US" dirty="0"/>
+          </a:p>
+        </p:txBody>
+      </p:sp>
+      <p:sp>
+        <p:nvSpPr>
+          <p:cNvPr id="4" name="슬라이드 번호 개체 틀 3"/>
           <p:cNvSpPr>
             <a:spLocks noGrp="1"/>
           </p:cNvSpPr>
@@ -635,19 +693,18 @@
           <a:bodyPr/>
           <a:lstStyle/>
           <a:p>
-            <a:fld id="{9B26CD33-4337-4529-948A-94F6960B2374}" type="slidenum">
-              <a:rPr lang="en-US" altLang="ko-KR" smtClean="0"/>
-              <a:pPr/>
-              <a:t>10</a:t>
+            <a:fld id="{80DB27A2-3C4B-459A-A634-BE883C249080}" type="slidenum">
+              <a:rPr lang="ko-KR" altLang="en-US" smtClean="0"/>
+              <a:t>2</a:t>
             </a:fld>
-            <a:endParaRPr lang="ko-KR" dirty="0"/>
+            <a:endParaRPr lang="ko-KR" altLang="en-US"/>
           </a:p>
         </p:txBody>
       </p:sp>
     </p:spTree>
     <p:extLst>
       <p:ext uri="{BB962C8B-B14F-4D97-AF65-F5344CB8AC3E}">
-        <p14:creationId xmlns:p14="http://schemas.microsoft.com/office/powerpoint/2010/main" val="2830387538"/>
+        <p14:creationId xmlns:p14="http://schemas.microsoft.com/office/powerpoint/2010/main" val="1428474203"/>
       </p:ext>
     </p:extLst>
   </p:cSld>
@@ -676,7 +733,7 @@
       </p:grpSpPr>
       <p:sp>
         <p:nvSpPr>
-          <p:cNvPr id="2" name="Slide Image Placeholder 1"/>
+          <p:cNvPr id="2" name="슬라이드 이미지 개체 틀 1"/>
           <p:cNvSpPr>
             <a:spLocks noGrp="1" noRot="1" noChangeAspect="1"/>
           </p:cNvSpPr>
@@ -688,7 +745,7 @@
       </p:sp>
       <p:sp>
         <p:nvSpPr>
-          <p:cNvPr id="3" name="Notes Placeholder 2"/>
+          <p:cNvPr id="3" name="슬라이드 노트 개체 틀 2"/>
           <p:cNvSpPr>
             <a:spLocks noGrp="1"/>
           </p:cNvSpPr>
@@ -698,18 +755,44 @@
         </p:nvSpPr>
         <p:spPr/>
         <p:txBody>
-          <a:bodyPr>
-            <a:normAutofit/>
-          </a:bodyPr>
-          <a:lstStyle/>
-          <a:p>
-            <a:endParaRPr lang="ko-KR" dirty="0"/>
-          </a:p>
-        </p:txBody>
-      </p:sp>
-      <p:sp>
-        <p:nvSpPr>
-          <p:cNvPr id="4" name="Slide Number Placeholder 3"/>
+          <a:bodyPr/>
+          <a:lstStyle/>
+          <a:p>
+            <a:pPr marL="0" marR="0" indent="0" algn="l" defTabSz="914400" rtl="0" eaLnBrk="1" fontAlgn="auto" latinLnBrk="1" hangingPunct="1">
+              <a:lnSpc>
+                <a:spcPct val="100000"/>
+              </a:lnSpc>
+              <a:spcBef>
+                <a:spcPts val="0"/>
+              </a:spcBef>
+              <a:spcAft>
+                <a:spcPts val="0"/>
+              </a:spcAft>
+              <a:buClrTx/>
+              <a:buSzTx/>
+              <a:buFontTx/>
+              <a:buNone/>
+              <a:tabLst/>
+              <a:defRPr/>
+            </a:pPr>
+            <a:r>
+              <a:rPr lang="en-US" altLang="ko-KR" dirty="0" smtClean="0"/>
+              <a:t>At first I will explain about Function Diagram and ER</a:t>
+            </a:r>
+            <a:r>
+              <a:rPr lang="en-US" altLang="ko-KR" baseline="0" dirty="0" smtClean="0"/>
+              <a:t> diagram.</a:t>
+            </a:r>
+            <a:endParaRPr lang="ko-KR" altLang="en-US" dirty="0" smtClean="0"/>
+          </a:p>
+          <a:p>
+            <a:endParaRPr lang="ko-KR" altLang="en-US" dirty="0"/>
+          </a:p>
+        </p:txBody>
+      </p:sp>
+      <p:sp>
+        <p:nvSpPr>
+          <p:cNvPr id="4" name="슬라이드 번호 개체 틀 3"/>
           <p:cNvSpPr>
             <a:spLocks noGrp="1"/>
           </p:cNvSpPr>
@@ -722,19 +805,18 @@
           <a:bodyPr/>
           <a:lstStyle/>
           <a:p>
-            <a:fld id="{9B26CD33-4337-4529-948A-94F6960B2374}" type="slidenum">
-              <a:rPr lang="en-US" altLang="ko-KR" smtClean="0"/>
-              <a:pPr/>
-              <a:t>11</a:t>
+            <a:fld id="{80DB27A2-3C4B-459A-A634-BE883C249080}" type="slidenum">
+              <a:rPr lang="ko-KR" altLang="en-US" smtClean="0"/>
+              <a:t>3</a:t>
             </a:fld>
-            <a:endParaRPr lang="ko-KR" dirty="0"/>
+            <a:endParaRPr lang="ko-KR" altLang="en-US"/>
           </a:p>
         </p:txBody>
       </p:sp>
     </p:spTree>
     <p:extLst>
       <p:ext uri="{BB962C8B-B14F-4D97-AF65-F5344CB8AC3E}">
-        <p14:creationId xmlns:p14="http://schemas.microsoft.com/office/powerpoint/2010/main" val="2179854671"/>
+        <p14:creationId xmlns:p14="http://schemas.microsoft.com/office/powerpoint/2010/main" val="2386114853"/>
       </p:ext>
     </p:extLst>
   </p:cSld>
@@ -763,7 +845,7 @@
       </p:grpSpPr>
       <p:sp>
         <p:nvSpPr>
-          <p:cNvPr id="2" name="Slide Image Placeholder 1"/>
+          <p:cNvPr id="2" name="슬라이드 이미지 개체 틀 1"/>
           <p:cNvSpPr>
             <a:spLocks noGrp="1" noRot="1" noChangeAspect="1"/>
           </p:cNvSpPr>
@@ -775,7 +857,7 @@
       </p:sp>
       <p:sp>
         <p:nvSpPr>
-          <p:cNvPr id="3" name="Notes Placeholder 2"/>
+          <p:cNvPr id="3" name="슬라이드 노트 개체 틀 2"/>
           <p:cNvSpPr>
             <a:spLocks noGrp="1"/>
           </p:cNvSpPr>
@@ -785,18 +867,98 @@
         </p:nvSpPr>
         <p:spPr/>
         <p:txBody>
-          <a:bodyPr>
-            <a:normAutofit/>
-          </a:bodyPr>
-          <a:lstStyle/>
-          <a:p>
-            <a:endParaRPr lang="ko-KR" dirty="0"/>
-          </a:p>
-        </p:txBody>
-      </p:sp>
-      <p:sp>
-        <p:nvSpPr>
-          <p:cNvPr id="4" name="Slide Number Placeholder 3"/>
+          <a:bodyPr/>
+          <a:lstStyle/>
+          <a:p>
+            <a:r>
+              <a:rPr lang="ko-KR" altLang="en-US" dirty="0" smtClean="0"/>
+              <a:t>기능적인 측면에서 아직 수정 될 부분이 존재하지만 우리의 현재까지의 계획은 다음과 같다</a:t>
+            </a:r>
+            <a:r>
+              <a:rPr lang="en-US" altLang="ko-KR" dirty="0" smtClean="0"/>
+              <a:t>.</a:t>
+            </a:r>
+          </a:p>
+          <a:p>
+            <a:r>
+              <a:rPr lang="en-US" altLang="ko-KR" dirty="0" smtClean="0"/>
+              <a:t>1. </a:t>
+            </a:r>
+            <a:r>
+              <a:rPr lang="ko-KR" altLang="en-US" dirty="0" smtClean="0"/>
+              <a:t>센서의 기능은 </a:t>
+            </a:r>
+            <a:r>
+              <a:rPr lang="en-US" altLang="ko-KR" dirty="0" smtClean="0"/>
+              <a:t>change da~~,~~,~~,`~,~~ </a:t>
+            </a:r>
+            <a:r>
+              <a:rPr lang="ko-KR" altLang="en-US" dirty="0" smtClean="0"/>
+              <a:t>등이 있다</a:t>
+            </a:r>
+            <a:r>
+              <a:rPr lang="en-US" altLang="ko-KR" dirty="0" smtClean="0"/>
+              <a:t>.</a:t>
+            </a:r>
+          </a:p>
+          <a:p>
+            <a:r>
+              <a:rPr lang="en-US" altLang="ko-KR" dirty="0" smtClean="0"/>
+              <a:t>2. App client </a:t>
+            </a:r>
+            <a:r>
+              <a:rPr lang="ko-KR" altLang="en-US" dirty="0" smtClean="0"/>
+              <a:t>의 기능은 </a:t>
+            </a:r>
+            <a:r>
+              <a:rPr lang="en-US" altLang="ko-KR" dirty="0" smtClean="0"/>
+              <a:t>~~</a:t>
+            </a:r>
+            <a:r>
+              <a:rPr lang="ko-KR" altLang="en-US" dirty="0" smtClean="0"/>
+              <a:t>가 있다</a:t>
+            </a:r>
+            <a:r>
+              <a:rPr lang="en-US" altLang="ko-KR" dirty="0" smtClean="0"/>
+              <a:t>.</a:t>
+            </a:r>
+          </a:p>
+          <a:p>
+            <a:r>
+              <a:rPr lang="en-US" altLang="ko-KR" dirty="0" smtClean="0"/>
+              <a:t>3. Web client </a:t>
+            </a:r>
+            <a:r>
+              <a:rPr lang="ko-KR" altLang="en-US" dirty="0" smtClean="0"/>
+              <a:t>의 기능은 </a:t>
+            </a:r>
+            <a:r>
+              <a:rPr lang="en-US" altLang="ko-KR" dirty="0" smtClean="0"/>
+              <a:t>~~</a:t>
+            </a:r>
+            <a:r>
+              <a:rPr lang="ko-KR" altLang="en-US" dirty="0" smtClean="0"/>
+              <a:t>가 있다</a:t>
+            </a:r>
+            <a:r>
+              <a:rPr lang="en-US" altLang="ko-KR" dirty="0" smtClean="0"/>
+              <a:t>. </a:t>
+            </a:r>
+          </a:p>
+          <a:p>
+            <a:endParaRPr lang="en-US" altLang="ko-KR" dirty="0" smtClean="0"/>
+          </a:p>
+          <a:p>
+            <a:endParaRPr lang="ko-KR" altLang="ko-KR" dirty="0" smtClean="0"/>
+          </a:p>
+          <a:p>
+            <a:endParaRPr lang="ko-KR" altLang="en-US" dirty="0"/>
+          </a:p>
+        </p:txBody>
+      </p:sp>
+      <p:sp>
+        <p:nvSpPr>
+          <p:cNvPr id="4" name="슬라이드 번호 개체 틀 3"/>
           <p:cNvSpPr>
             <a:spLocks noGrp="1"/>
           </p:cNvSpPr>
@@ -809,19 +971,18 @@
           <a:bodyPr/>
           <a:lstStyle/>
           <a:p>
-            <a:fld id="{9B26CD33-4337-4529-948A-94F6960B2374}" type="slidenum">
-              <a:rPr lang="en-US" altLang="ko-KR" smtClean="0"/>
-              <a:pPr/>
-              <a:t>12</a:t>
+            <a:fld id="{80DB27A2-3C4B-459A-A634-BE883C249080}" type="slidenum">
+              <a:rPr lang="ko-KR" altLang="en-US" smtClean="0"/>
+              <a:t>4</a:t>
             </a:fld>
-            <a:endParaRPr lang="ko-KR" dirty="0"/>
+            <a:endParaRPr lang="ko-KR" altLang="en-US"/>
           </a:p>
         </p:txBody>
       </p:sp>
     </p:spTree>
     <p:extLst>
       <p:ext uri="{BB962C8B-B14F-4D97-AF65-F5344CB8AC3E}">
-        <p14:creationId xmlns:p14="http://schemas.microsoft.com/office/powerpoint/2010/main" val="277002340"/>
+        <p14:creationId xmlns:p14="http://schemas.microsoft.com/office/powerpoint/2010/main" val="3472463701"/>
       </p:ext>
     </p:extLst>
   </p:cSld>
@@ -850,7 +1011,7 @@
       </p:grpSpPr>
       <p:sp>
         <p:nvSpPr>
-          <p:cNvPr id="2" name="Slide Image Placeholder 1"/>
+          <p:cNvPr id="2" name="슬라이드 이미지 개체 틀 1"/>
           <p:cNvSpPr>
             <a:spLocks noGrp="1" noRot="1" noChangeAspect="1"/>
           </p:cNvSpPr>
@@ -862,7 +1023,7 @@
       </p:sp>
       <p:sp>
         <p:nvSpPr>
-          <p:cNvPr id="3" name="Notes Placeholder 2"/>
+          <p:cNvPr id="3" name="슬라이드 노트 개체 틀 2"/>
           <p:cNvSpPr>
             <a:spLocks noGrp="1"/>
           </p:cNvSpPr>
@@ -872,18 +1033,484 @@
         </p:nvSpPr>
         <p:spPr/>
         <p:txBody>
-          <a:bodyPr>
-            <a:normAutofit/>
-          </a:bodyPr>
-          <a:lstStyle/>
-          <a:p>
-            <a:endParaRPr lang="ko-KR" dirty="0"/>
-          </a:p>
-        </p:txBody>
-      </p:sp>
-      <p:sp>
-        <p:nvSpPr>
-          <p:cNvPr id="4" name="Slide Number Placeholder 3"/>
+          <a:bodyPr/>
+          <a:lstStyle/>
+          <a:p>
+            <a:pPr marL="228600" indent="-228600">
+              <a:buAutoNum type="arabicPeriod"/>
+            </a:pPr>
+            <a:r>
+              <a:rPr lang="en-US" altLang="ko-KR" dirty="0" err="1" smtClean="0"/>
+              <a:t>UserInfo</a:t>
+            </a:r>
+            <a:r>
+              <a:rPr lang="en-US" altLang="ko-KR" dirty="0" smtClean="0"/>
+              <a:t> </a:t>
+            </a:r>
+            <a:r>
+              <a:rPr lang="ko-KR" altLang="en-US" dirty="0" smtClean="0"/>
+              <a:t>는</a:t>
+            </a:r>
+            <a:r>
+              <a:rPr lang="en-US" altLang="ko-KR" dirty="0" smtClean="0"/>
+              <a:t> </a:t>
+            </a:r>
+            <a:r>
+              <a:rPr lang="ko-KR" altLang="en-US" dirty="0" smtClean="0"/>
+              <a:t>유저의 정보</a:t>
+            </a:r>
+            <a:r>
+              <a:rPr lang="en-US" altLang="ko-KR" dirty="0" smtClean="0"/>
+              <a:t>,</a:t>
+            </a:r>
+            <a:r>
+              <a:rPr lang="ko-KR" altLang="en-US" dirty="0" smtClean="0"/>
+              <a:t> </a:t>
+            </a:r>
+            <a:r>
+              <a:rPr lang="ko-KR" altLang="en-US" dirty="0" err="1" smtClean="0"/>
+              <a:t>로그인상태</a:t>
+            </a:r>
+            <a:r>
+              <a:rPr lang="en-US" altLang="ko-KR" dirty="0" smtClean="0"/>
+              <a:t>, </a:t>
+            </a:r>
+            <a:r>
+              <a:rPr lang="ko-KR" altLang="en-US" dirty="0" smtClean="0"/>
+              <a:t>권한을 볼 수가 있다</a:t>
+            </a:r>
+            <a:r>
+              <a:rPr lang="en-US" altLang="ko-KR" dirty="0" smtClean="0"/>
+              <a:t>. </a:t>
+            </a:r>
+            <a:r>
+              <a:rPr lang="ko-KR" altLang="en-US" dirty="0" smtClean="0"/>
+              <a:t>중복로그인은 </a:t>
+            </a:r>
+            <a:r>
+              <a:rPr lang="en-US" altLang="ko-KR" sz="1200" b="1" i="0" kern="1200" dirty="0" err="1" smtClean="0">
+                <a:solidFill>
+                  <a:schemeClr val="tx1"/>
+                </a:solidFill>
+                <a:effectLst/>
+                <a:latin typeface="+mn-lt"/>
+                <a:ea typeface="+mn-ea"/>
+                <a:cs typeface="+mn-cs"/>
+              </a:rPr>
+              <a:t>boolean</a:t>
+            </a:r>
+            <a:r>
+              <a:rPr lang="en-US" altLang="ko-KR" sz="1200" b="0" i="0" kern="1200" dirty="0" smtClean="0">
+                <a:solidFill>
+                  <a:schemeClr val="tx1"/>
+                </a:solidFill>
+                <a:effectLst/>
+                <a:latin typeface="+mn-lt"/>
+                <a:ea typeface="+mn-ea"/>
+                <a:cs typeface="+mn-cs"/>
+              </a:rPr>
+              <a:t> date</a:t>
+            </a:r>
+            <a:r>
+              <a:rPr lang="ko-KR" altLang="en-US" sz="1200" b="0" i="0" kern="1200" dirty="0" smtClean="0">
+                <a:solidFill>
+                  <a:schemeClr val="tx1"/>
+                </a:solidFill>
+                <a:effectLst/>
+                <a:latin typeface="+mn-lt"/>
+                <a:ea typeface="+mn-ea"/>
+                <a:cs typeface="+mn-cs"/>
+              </a:rPr>
+              <a:t> </a:t>
+            </a:r>
+            <a:r>
+              <a:rPr lang="en-US" altLang="ko-KR" sz="1200" b="0" i="0" kern="1200" dirty="0" smtClean="0">
+                <a:solidFill>
+                  <a:schemeClr val="tx1"/>
+                </a:solidFill>
+                <a:effectLst/>
+                <a:latin typeface="+mn-lt"/>
+                <a:ea typeface="+mn-ea"/>
+                <a:cs typeface="+mn-cs"/>
+              </a:rPr>
+              <a:t>type </a:t>
+            </a:r>
+            <a:r>
+              <a:rPr lang="ko-KR" altLang="en-US" sz="1200" b="0" i="0" kern="1200" dirty="0" smtClean="0">
+                <a:solidFill>
+                  <a:schemeClr val="tx1"/>
+                </a:solidFill>
+                <a:effectLst/>
+                <a:latin typeface="+mn-lt"/>
+                <a:ea typeface="+mn-ea"/>
+                <a:cs typeface="+mn-cs"/>
+              </a:rPr>
+              <a:t>을 사용해서 </a:t>
+            </a:r>
+            <a:r>
+              <a:rPr lang="en-US" altLang="ko-KR" sz="1200" b="0" i="0" kern="1200" dirty="0" smtClean="0">
+                <a:solidFill>
+                  <a:schemeClr val="tx1"/>
+                </a:solidFill>
+                <a:effectLst/>
+                <a:latin typeface="+mn-lt"/>
+                <a:ea typeface="+mn-ea"/>
+                <a:cs typeface="+mn-cs"/>
+              </a:rPr>
+              <a:t>0</a:t>
+            </a:r>
+            <a:r>
+              <a:rPr lang="ko-KR" altLang="en-US" sz="1200" b="0" i="0" kern="1200" dirty="0" smtClean="0">
+                <a:solidFill>
+                  <a:schemeClr val="tx1"/>
+                </a:solidFill>
+                <a:effectLst/>
+                <a:latin typeface="+mn-lt"/>
+                <a:ea typeface="+mn-ea"/>
+                <a:cs typeface="+mn-cs"/>
+              </a:rPr>
+              <a:t>과 </a:t>
+            </a:r>
+            <a:r>
+              <a:rPr lang="en-US" altLang="ko-KR" sz="1200" b="0" i="0" kern="1200" dirty="0" smtClean="0">
+                <a:solidFill>
+                  <a:schemeClr val="tx1"/>
+                </a:solidFill>
+                <a:effectLst/>
+                <a:latin typeface="+mn-lt"/>
+                <a:ea typeface="+mn-ea"/>
+                <a:cs typeface="+mn-cs"/>
+              </a:rPr>
+              <a:t>1</a:t>
+            </a:r>
+            <a:r>
+              <a:rPr lang="ko-KR" altLang="en-US" sz="1200" b="0" i="0" kern="1200" dirty="0" smtClean="0">
+                <a:solidFill>
+                  <a:schemeClr val="tx1"/>
+                </a:solidFill>
+                <a:effectLst/>
+                <a:latin typeface="+mn-lt"/>
+                <a:ea typeface="+mn-ea"/>
+                <a:cs typeface="+mn-cs"/>
+              </a:rPr>
+              <a:t>로 로그인 상태를 표시하도록 했다</a:t>
+            </a:r>
+            <a:r>
+              <a:rPr lang="en-US" altLang="ko-KR" sz="1200" b="0" i="0" kern="1200" dirty="0" smtClean="0">
+                <a:solidFill>
+                  <a:schemeClr val="tx1"/>
+                </a:solidFill>
+                <a:effectLst/>
+                <a:latin typeface="+mn-lt"/>
+                <a:ea typeface="+mn-ea"/>
+                <a:cs typeface="+mn-cs"/>
+              </a:rPr>
+              <a:t>. </a:t>
+            </a:r>
+            <a:r>
+              <a:rPr lang="ko-KR" altLang="en-US" sz="1200" b="0" i="0" kern="1200" dirty="0" smtClean="0">
+                <a:solidFill>
+                  <a:schemeClr val="tx1"/>
+                </a:solidFill>
+                <a:effectLst/>
+                <a:latin typeface="+mn-lt"/>
+                <a:ea typeface="+mn-ea"/>
+                <a:cs typeface="+mn-cs"/>
+              </a:rPr>
+              <a:t>그리고 유저가 사용자 또는 리서치 권한을 가지는 유무도 </a:t>
+            </a:r>
+            <a:r>
+              <a:rPr lang="en-US" altLang="ko-KR" sz="1200" b="1" i="0" kern="1200" dirty="0" err="1" smtClean="0">
+                <a:solidFill>
+                  <a:schemeClr val="tx1"/>
+                </a:solidFill>
+                <a:effectLst/>
+                <a:latin typeface="+mn-lt"/>
+                <a:ea typeface="+mn-ea"/>
+                <a:cs typeface="+mn-cs"/>
+              </a:rPr>
+              <a:t>boolean</a:t>
+            </a:r>
+            <a:r>
+              <a:rPr lang="ko-KR" altLang="en-US" sz="1200" b="0" i="0" kern="1200" dirty="0" smtClean="0">
+                <a:solidFill>
+                  <a:schemeClr val="tx1"/>
+                </a:solidFill>
+                <a:effectLst/>
+                <a:latin typeface="+mn-lt"/>
+                <a:ea typeface="+mn-ea"/>
+                <a:cs typeface="+mn-cs"/>
+              </a:rPr>
+              <a:t>을 사용했다</a:t>
+            </a:r>
+            <a:endParaRPr lang="en-US" altLang="ko-KR" sz="1200" b="0" i="0" kern="1200" dirty="0" smtClean="0">
+              <a:solidFill>
+                <a:schemeClr val="tx1"/>
+              </a:solidFill>
+              <a:effectLst/>
+              <a:latin typeface="+mn-lt"/>
+              <a:ea typeface="+mn-ea"/>
+              <a:cs typeface="+mn-cs"/>
+            </a:endParaRPr>
+          </a:p>
+          <a:p>
+            <a:pPr marL="228600" indent="-228600">
+              <a:buAutoNum type="arabicPeriod"/>
+            </a:pPr>
+            <a:r>
+              <a:rPr lang="en-US" altLang="ko-KR" sz="1200" b="0" i="0" kern="1200" dirty="0" err="1" smtClean="0">
+                <a:solidFill>
+                  <a:schemeClr val="tx1"/>
+                </a:solidFill>
+                <a:effectLst/>
+                <a:latin typeface="+mn-lt"/>
+                <a:ea typeface="+mn-ea"/>
+                <a:cs typeface="+mn-cs"/>
+              </a:rPr>
+              <a:t>Dayrecord</a:t>
+            </a:r>
+            <a:r>
+              <a:rPr lang="ko-KR" altLang="en-US" sz="1200" b="0" i="0" kern="1200" dirty="0" smtClean="0">
+                <a:solidFill>
+                  <a:schemeClr val="tx1"/>
+                </a:solidFill>
+                <a:effectLst/>
+                <a:latin typeface="+mn-lt"/>
+                <a:ea typeface="+mn-ea"/>
+                <a:cs typeface="+mn-cs"/>
+              </a:rPr>
+              <a:t>는 </a:t>
+            </a:r>
+            <a:r>
+              <a:rPr lang="en-US" altLang="ko-KR" sz="1200" b="0" i="0" kern="1200" dirty="0" smtClean="0">
+                <a:solidFill>
+                  <a:schemeClr val="tx1"/>
+                </a:solidFill>
+                <a:effectLst/>
+                <a:latin typeface="+mn-lt"/>
+                <a:ea typeface="+mn-ea"/>
+                <a:cs typeface="+mn-cs"/>
+              </a:rPr>
+              <a:t>app</a:t>
+            </a:r>
+            <a:r>
+              <a:rPr lang="ko-KR" altLang="en-US" sz="1200" b="0" i="0" kern="1200" dirty="0" smtClean="0">
+                <a:solidFill>
+                  <a:schemeClr val="tx1"/>
+                </a:solidFill>
+                <a:effectLst/>
+                <a:latin typeface="+mn-lt"/>
+                <a:ea typeface="+mn-ea"/>
+                <a:cs typeface="+mn-cs"/>
+              </a:rPr>
+              <a:t>에서 실시간으로 저장되는 </a:t>
+            </a:r>
+            <a:r>
+              <a:rPr lang="ko-KR" altLang="en-US" sz="1200" b="0" i="0" kern="1200" dirty="0" err="1" smtClean="0">
+                <a:solidFill>
+                  <a:schemeClr val="tx1"/>
+                </a:solidFill>
+                <a:effectLst/>
+                <a:latin typeface="+mn-lt"/>
+                <a:ea typeface="+mn-ea"/>
+                <a:cs typeface="+mn-cs"/>
+              </a:rPr>
+              <a:t>공기정보와</a:t>
+            </a:r>
+            <a:r>
+              <a:rPr lang="ko-KR" altLang="en-US" sz="1200" b="0" i="0" kern="1200" dirty="0" smtClean="0">
+                <a:solidFill>
+                  <a:schemeClr val="tx1"/>
+                </a:solidFill>
+                <a:effectLst/>
+                <a:latin typeface="+mn-lt"/>
+                <a:ea typeface="+mn-ea"/>
+                <a:cs typeface="+mn-cs"/>
+              </a:rPr>
+              <a:t> 건강정보를 저장 할 수 있도록 했고 </a:t>
+            </a:r>
+            <a:r>
+              <a:rPr lang="ko-KR" altLang="en-US" sz="1200" b="0" i="0" kern="1200" dirty="0" err="1" smtClean="0">
+                <a:solidFill>
+                  <a:schemeClr val="tx1"/>
+                </a:solidFill>
+                <a:effectLst/>
+                <a:latin typeface="+mn-lt"/>
+                <a:ea typeface="+mn-ea"/>
+                <a:cs typeface="+mn-cs"/>
+              </a:rPr>
+              <a:t>하루단위로</a:t>
+            </a:r>
+            <a:r>
+              <a:rPr lang="ko-KR" altLang="en-US" sz="1200" b="0" i="0" kern="1200" dirty="0" smtClean="0">
+                <a:solidFill>
+                  <a:schemeClr val="tx1"/>
+                </a:solidFill>
+                <a:effectLst/>
+                <a:latin typeface="+mn-lt"/>
+                <a:ea typeface="+mn-ea"/>
+                <a:cs typeface="+mn-cs"/>
+              </a:rPr>
+              <a:t> </a:t>
+            </a:r>
+            <a:r>
+              <a:rPr lang="en-US" altLang="ko-KR" sz="1200" b="0" i="0" kern="1200" dirty="0" smtClean="0">
+                <a:solidFill>
+                  <a:schemeClr val="tx1"/>
+                </a:solidFill>
+                <a:effectLst/>
+                <a:latin typeface="+mn-lt"/>
+                <a:ea typeface="+mn-ea"/>
+                <a:cs typeface="+mn-cs"/>
+              </a:rPr>
+              <a:t>csv </a:t>
+            </a:r>
+            <a:r>
+              <a:rPr lang="ko-KR" altLang="en-US" sz="1200" b="0" i="0" kern="1200" dirty="0" smtClean="0">
+                <a:solidFill>
+                  <a:schemeClr val="tx1"/>
+                </a:solidFill>
+                <a:effectLst/>
+                <a:latin typeface="+mn-lt"/>
+                <a:ea typeface="+mn-ea"/>
+                <a:cs typeface="+mn-cs"/>
+              </a:rPr>
+              <a:t>파일로 내보낸다</a:t>
+            </a:r>
+            <a:r>
+              <a:rPr lang="en-US" altLang="ko-KR" sz="1200" b="0" i="0" kern="1200" dirty="0" smtClean="0">
+                <a:solidFill>
+                  <a:schemeClr val="tx1"/>
+                </a:solidFill>
+                <a:effectLst/>
+                <a:latin typeface="+mn-lt"/>
+                <a:ea typeface="+mn-ea"/>
+                <a:cs typeface="+mn-cs"/>
+              </a:rPr>
+              <a:t>.</a:t>
+            </a:r>
+          </a:p>
+          <a:p>
+            <a:pPr marL="228600" indent="-228600">
+              <a:buAutoNum type="arabicPeriod"/>
+            </a:pPr>
+            <a:r>
+              <a:rPr lang="en-US" altLang="ko-KR" sz="1200" b="0" i="0" kern="1200" dirty="0" smtClean="0">
+                <a:solidFill>
+                  <a:schemeClr val="tx1"/>
+                </a:solidFill>
+                <a:effectLst/>
+                <a:latin typeface="+mn-lt"/>
+                <a:ea typeface="+mn-ea"/>
+                <a:cs typeface="+mn-cs"/>
+              </a:rPr>
+              <a:t>AVG Record</a:t>
+            </a:r>
+            <a:r>
+              <a:rPr lang="ko-KR" altLang="en-US" sz="1200" b="0" i="0" kern="1200" dirty="0" smtClean="0">
+                <a:solidFill>
+                  <a:schemeClr val="tx1"/>
+                </a:solidFill>
+                <a:effectLst/>
+                <a:latin typeface="+mn-lt"/>
+                <a:ea typeface="+mn-ea"/>
+                <a:cs typeface="+mn-cs"/>
+              </a:rPr>
+              <a:t>는 하루의 </a:t>
+            </a:r>
+            <a:r>
+              <a:rPr lang="ko-KR" altLang="en-US" sz="1200" b="0" i="0" kern="1200" dirty="0" err="1" smtClean="0">
+                <a:solidFill>
+                  <a:schemeClr val="tx1"/>
+                </a:solidFill>
+                <a:effectLst/>
+                <a:latin typeface="+mn-lt"/>
+                <a:ea typeface="+mn-ea"/>
+                <a:cs typeface="+mn-cs"/>
+              </a:rPr>
+              <a:t>평균정보를</a:t>
+            </a:r>
+            <a:r>
+              <a:rPr lang="ko-KR" altLang="en-US" sz="1200" b="0" i="0" kern="1200" dirty="0" smtClean="0">
+                <a:solidFill>
+                  <a:schemeClr val="tx1"/>
+                </a:solidFill>
+                <a:effectLst/>
+                <a:latin typeface="+mn-lt"/>
+                <a:ea typeface="+mn-ea"/>
+                <a:cs typeface="+mn-cs"/>
+              </a:rPr>
+              <a:t> 저장하는 </a:t>
+            </a:r>
+            <a:r>
+              <a:rPr lang="en-US" altLang="ko-KR" sz="1200" b="0" i="0" kern="1200" dirty="0" smtClean="0">
+                <a:solidFill>
+                  <a:schemeClr val="tx1"/>
+                </a:solidFill>
+                <a:effectLst/>
+                <a:latin typeface="+mn-lt"/>
+                <a:ea typeface="+mn-ea"/>
+                <a:cs typeface="+mn-cs"/>
+              </a:rPr>
+              <a:t>table</a:t>
+            </a:r>
+            <a:r>
+              <a:rPr lang="ko-KR" altLang="en-US" sz="1200" b="0" i="0" kern="1200" dirty="0" smtClean="0">
+                <a:solidFill>
+                  <a:schemeClr val="tx1"/>
+                </a:solidFill>
+                <a:effectLst/>
+                <a:latin typeface="+mn-lt"/>
+                <a:ea typeface="+mn-ea"/>
+                <a:cs typeface="+mn-cs"/>
+              </a:rPr>
+              <a:t>이고 </a:t>
+            </a:r>
+            <a:r>
+              <a:rPr lang="en-US" altLang="ko-KR" sz="1200" b="0" i="0" kern="1200" dirty="0" smtClean="0">
+                <a:solidFill>
+                  <a:schemeClr val="tx1"/>
+                </a:solidFill>
+                <a:effectLst/>
+                <a:latin typeface="+mn-lt"/>
+                <a:ea typeface="+mn-ea"/>
+                <a:cs typeface="+mn-cs"/>
+              </a:rPr>
+              <a:t>app</a:t>
+            </a:r>
+            <a:r>
+              <a:rPr lang="ko-KR" altLang="en-US" sz="1200" b="0" i="0" kern="1200" dirty="0" smtClean="0">
+                <a:solidFill>
+                  <a:schemeClr val="tx1"/>
+                </a:solidFill>
+                <a:effectLst/>
+                <a:latin typeface="+mn-lt"/>
+                <a:ea typeface="+mn-ea"/>
+                <a:cs typeface="+mn-cs"/>
+              </a:rPr>
+              <a:t>에서 데이터를 가져가기 용이하도록 만들었다</a:t>
+            </a:r>
+            <a:r>
+              <a:rPr lang="en-US" altLang="ko-KR" sz="1200" b="0" i="0" kern="1200" dirty="0" smtClean="0">
+                <a:solidFill>
+                  <a:schemeClr val="tx1"/>
+                </a:solidFill>
+                <a:effectLst/>
+                <a:latin typeface="+mn-lt"/>
+                <a:ea typeface="+mn-ea"/>
+                <a:cs typeface="+mn-cs"/>
+              </a:rPr>
+              <a:t>.</a:t>
+            </a:r>
+          </a:p>
+          <a:p>
+            <a:endParaRPr lang="ko-KR" altLang="en-US" dirty="0"/>
+          </a:p>
+        </p:txBody>
+      </p:sp>
+      <p:sp>
+        <p:nvSpPr>
+          <p:cNvPr id="4" name="슬라이드 번호 개체 틀 3"/>
           <p:cNvSpPr>
             <a:spLocks noGrp="1"/>
           </p:cNvSpPr>
@@ -896,367 +1523,18 @@
           <a:bodyPr/>
           <a:lstStyle/>
           <a:p>
-            <a:fld id="{9B26CD33-4337-4529-948A-94F6960B2374}" type="slidenum">
-              <a:rPr lang="en-US" altLang="ko-KR" smtClean="0"/>
-              <a:pPr/>
-              <a:t>13</a:t>
+            <a:fld id="{80DB27A2-3C4B-459A-A634-BE883C249080}" type="slidenum">
+              <a:rPr lang="ko-KR" altLang="en-US" smtClean="0"/>
+              <a:t>5</a:t>
             </a:fld>
-            <a:endParaRPr lang="ko-KR" dirty="0"/>
+            <a:endParaRPr lang="ko-KR" altLang="en-US"/>
           </a:p>
         </p:txBody>
       </p:sp>
     </p:spTree>
     <p:extLst>
       <p:ext uri="{BB962C8B-B14F-4D97-AF65-F5344CB8AC3E}">
-        <p14:creationId xmlns:p14="http://schemas.microsoft.com/office/powerpoint/2010/main" val="3340728618"/>
-      </p:ext>
-    </p:extLst>
-  </p:cSld>
-  <p:clrMapOvr>
-    <a:masterClrMapping/>
-  </p:clrMapOvr>
-</p:notes>
-</file>
-
-<file path=ppt/notesSlides/notesSlide6.xml><?xml version="1.0" encoding="utf-8"?>
-<p:notes xmlns:a="http://schemas.openxmlformats.org/drawingml/2006/main" xmlns:r="http://schemas.openxmlformats.org/officeDocument/2006/relationships" xmlns:p="http://schemas.openxmlformats.org/presentationml/2006/main">
-  <p:cSld>
-    <p:spTree>
-      <p:nvGrpSpPr>
-        <p:cNvPr id="1" name=""/>
-        <p:cNvGrpSpPr/>
-        <p:nvPr/>
-      </p:nvGrpSpPr>
-      <p:grpSpPr>
-        <a:xfrm>
-          <a:off x="0" y="0"/>
-          <a:ext cx="0" cy="0"/>
-          <a:chOff x="0" y="0"/>
-          <a:chExt cx="0" cy="0"/>
-        </a:xfrm>
-      </p:grpSpPr>
-      <p:sp>
-        <p:nvSpPr>
-          <p:cNvPr id="2" name="Slide Image Placeholder 1"/>
-          <p:cNvSpPr>
-            <a:spLocks noGrp="1" noRot="1" noChangeAspect="1"/>
-          </p:cNvSpPr>
-          <p:nvPr>
-            <p:ph type="sldImg"/>
-          </p:nvPr>
-        </p:nvSpPr>
-        <p:spPr/>
-      </p:sp>
-      <p:sp>
-        <p:nvSpPr>
-          <p:cNvPr id="3" name="Notes Placeholder 2"/>
-          <p:cNvSpPr>
-            <a:spLocks noGrp="1"/>
-          </p:cNvSpPr>
-          <p:nvPr>
-            <p:ph type="body" idx="1"/>
-          </p:nvPr>
-        </p:nvSpPr>
-        <p:spPr/>
-        <p:txBody>
-          <a:bodyPr>
-            <a:normAutofit/>
-          </a:bodyPr>
-          <a:lstStyle/>
-          <a:p>
-            <a:endParaRPr lang="ko-KR" dirty="0"/>
-          </a:p>
-        </p:txBody>
-      </p:sp>
-      <p:sp>
-        <p:nvSpPr>
-          <p:cNvPr id="4" name="Slide Number Placeholder 3"/>
-          <p:cNvSpPr>
-            <a:spLocks noGrp="1"/>
-          </p:cNvSpPr>
-          <p:nvPr>
-            <p:ph type="sldNum" sz="quarter" idx="10"/>
-          </p:nvPr>
-        </p:nvSpPr>
-        <p:spPr/>
-        <p:txBody>
-          <a:bodyPr/>
-          <a:lstStyle/>
-          <a:p>
-            <a:fld id="{9B26CD33-4337-4529-948A-94F6960B2374}" type="slidenum">
-              <a:rPr lang="en-US" altLang="ko-KR" smtClean="0"/>
-              <a:pPr/>
-              <a:t>14</a:t>
-            </a:fld>
-            <a:endParaRPr lang="ko-KR" dirty="0"/>
-          </a:p>
-        </p:txBody>
-      </p:sp>
-    </p:spTree>
-    <p:extLst>
-      <p:ext uri="{BB962C8B-B14F-4D97-AF65-F5344CB8AC3E}">
-        <p14:creationId xmlns:p14="http://schemas.microsoft.com/office/powerpoint/2010/main" val="3362850625"/>
-      </p:ext>
-    </p:extLst>
-  </p:cSld>
-  <p:clrMapOvr>
-    <a:masterClrMapping/>
-  </p:clrMapOvr>
-</p:notes>
-</file>
-
-<file path=ppt/notesSlides/notesSlide7.xml><?xml version="1.0" encoding="utf-8"?>
-<p:notes xmlns:a="http://schemas.openxmlformats.org/drawingml/2006/main" xmlns:r="http://schemas.openxmlformats.org/officeDocument/2006/relationships" xmlns:p="http://schemas.openxmlformats.org/presentationml/2006/main">
-  <p:cSld>
-    <p:spTree>
-      <p:nvGrpSpPr>
-        <p:cNvPr id="1" name=""/>
-        <p:cNvGrpSpPr/>
-        <p:nvPr/>
-      </p:nvGrpSpPr>
-      <p:grpSpPr>
-        <a:xfrm>
-          <a:off x="0" y="0"/>
-          <a:ext cx="0" cy="0"/>
-          <a:chOff x="0" y="0"/>
-          <a:chExt cx="0" cy="0"/>
-        </a:xfrm>
-      </p:grpSpPr>
-      <p:sp>
-        <p:nvSpPr>
-          <p:cNvPr id="2" name="Slide Image Placeholder 1"/>
-          <p:cNvSpPr>
-            <a:spLocks noGrp="1" noRot="1" noChangeAspect="1"/>
-          </p:cNvSpPr>
-          <p:nvPr>
-            <p:ph type="sldImg"/>
-          </p:nvPr>
-        </p:nvSpPr>
-        <p:spPr/>
-      </p:sp>
-      <p:sp>
-        <p:nvSpPr>
-          <p:cNvPr id="3" name="Notes Placeholder 2"/>
-          <p:cNvSpPr>
-            <a:spLocks noGrp="1"/>
-          </p:cNvSpPr>
-          <p:nvPr>
-            <p:ph type="body" idx="1"/>
-          </p:nvPr>
-        </p:nvSpPr>
-        <p:spPr/>
-        <p:txBody>
-          <a:bodyPr>
-            <a:normAutofit/>
-          </a:bodyPr>
-          <a:lstStyle/>
-          <a:p>
-            <a:endParaRPr lang="ko-KR" dirty="0"/>
-          </a:p>
-        </p:txBody>
-      </p:sp>
-      <p:sp>
-        <p:nvSpPr>
-          <p:cNvPr id="4" name="Slide Number Placeholder 3"/>
-          <p:cNvSpPr>
-            <a:spLocks noGrp="1"/>
-          </p:cNvSpPr>
-          <p:nvPr>
-            <p:ph type="sldNum" sz="quarter" idx="10"/>
-          </p:nvPr>
-        </p:nvSpPr>
-        <p:spPr/>
-        <p:txBody>
-          <a:bodyPr/>
-          <a:lstStyle/>
-          <a:p>
-            <a:fld id="{9B26CD33-4337-4529-948A-94F6960B2374}" type="slidenum">
-              <a:rPr lang="en-US" altLang="ko-KR" smtClean="0"/>
-              <a:pPr/>
-              <a:t>15</a:t>
-            </a:fld>
-            <a:endParaRPr lang="ko-KR" dirty="0"/>
-          </a:p>
-        </p:txBody>
-      </p:sp>
-    </p:spTree>
-    <p:extLst>
-      <p:ext uri="{BB962C8B-B14F-4D97-AF65-F5344CB8AC3E}">
-        <p14:creationId xmlns:p14="http://schemas.microsoft.com/office/powerpoint/2010/main" val="3913573603"/>
-      </p:ext>
-    </p:extLst>
-  </p:cSld>
-  <p:clrMapOvr>
-    <a:masterClrMapping/>
-  </p:clrMapOvr>
-</p:notes>
-</file>
-
-<file path=ppt/notesSlides/notesSlide8.xml><?xml version="1.0" encoding="utf-8"?>
-<p:notes xmlns:a="http://schemas.openxmlformats.org/drawingml/2006/main" xmlns:r="http://schemas.openxmlformats.org/officeDocument/2006/relationships" xmlns:p="http://schemas.openxmlformats.org/presentationml/2006/main">
-  <p:cSld>
-    <p:spTree>
-      <p:nvGrpSpPr>
-        <p:cNvPr id="1" name=""/>
-        <p:cNvGrpSpPr/>
-        <p:nvPr/>
-      </p:nvGrpSpPr>
-      <p:grpSpPr>
-        <a:xfrm>
-          <a:off x="0" y="0"/>
-          <a:ext cx="0" cy="0"/>
-          <a:chOff x="0" y="0"/>
-          <a:chExt cx="0" cy="0"/>
-        </a:xfrm>
-      </p:grpSpPr>
-      <p:sp>
-        <p:nvSpPr>
-          <p:cNvPr id="2" name="Slide Image Placeholder 1"/>
-          <p:cNvSpPr>
-            <a:spLocks noGrp="1" noRot="1" noChangeAspect="1"/>
-          </p:cNvSpPr>
-          <p:nvPr>
-            <p:ph type="sldImg"/>
-          </p:nvPr>
-        </p:nvSpPr>
-        <p:spPr/>
-      </p:sp>
-      <p:sp>
-        <p:nvSpPr>
-          <p:cNvPr id="3" name="Notes Placeholder 2"/>
-          <p:cNvSpPr>
-            <a:spLocks noGrp="1"/>
-          </p:cNvSpPr>
-          <p:nvPr>
-            <p:ph type="body" idx="1"/>
-          </p:nvPr>
-        </p:nvSpPr>
-        <p:spPr/>
-        <p:txBody>
-          <a:bodyPr>
-            <a:normAutofit/>
-          </a:bodyPr>
-          <a:lstStyle/>
-          <a:p>
-            <a:endParaRPr lang="ko-KR" dirty="0"/>
-          </a:p>
-        </p:txBody>
-      </p:sp>
-      <p:sp>
-        <p:nvSpPr>
-          <p:cNvPr id="4" name="Slide Number Placeholder 3"/>
-          <p:cNvSpPr>
-            <a:spLocks noGrp="1"/>
-          </p:cNvSpPr>
-          <p:nvPr>
-            <p:ph type="sldNum" sz="quarter" idx="10"/>
-          </p:nvPr>
-        </p:nvSpPr>
-        <p:spPr/>
-        <p:txBody>
-          <a:bodyPr/>
-          <a:lstStyle/>
-          <a:p>
-            <a:fld id="{9B26CD33-4337-4529-948A-94F6960B2374}" type="slidenum">
-              <a:rPr lang="en-US" altLang="ko-KR" smtClean="0"/>
-              <a:pPr/>
-              <a:t>16</a:t>
-            </a:fld>
-            <a:endParaRPr lang="ko-KR" dirty="0"/>
-          </a:p>
-        </p:txBody>
-      </p:sp>
-    </p:spTree>
-    <p:extLst>
-      <p:ext uri="{BB962C8B-B14F-4D97-AF65-F5344CB8AC3E}">
-        <p14:creationId xmlns:p14="http://schemas.microsoft.com/office/powerpoint/2010/main" val="2118594655"/>
-      </p:ext>
-    </p:extLst>
-  </p:cSld>
-  <p:clrMapOvr>
-    <a:masterClrMapping/>
-  </p:clrMapOvr>
-</p:notes>
-</file>
-
-<file path=ppt/notesSlides/notesSlide9.xml><?xml version="1.0" encoding="utf-8"?>
-<p:notes xmlns:a="http://schemas.openxmlformats.org/drawingml/2006/main" xmlns:r="http://schemas.openxmlformats.org/officeDocument/2006/relationships" xmlns:p="http://schemas.openxmlformats.org/presentationml/2006/main">
-  <p:cSld>
-    <p:spTree>
-      <p:nvGrpSpPr>
-        <p:cNvPr id="1" name=""/>
-        <p:cNvGrpSpPr/>
-        <p:nvPr/>
-      </p:nvGrpSpPr>
-      <p:grpSpPr>
-        <a:xfrm>
-          <a:off x="0" y="0"/>
-          <a:ext cx="0" cy="0"/>
-          <a:chOff x="0" y="0"/>
-          <a:chExt cx="0" cy="0"/>
-        </a:xfrm>
-      </p:grpSpPr>
-      <p:sp>
-        <p:nvSpPr>
-          <p:cNvPr id="2" name="Slide Image Placeholder 1"/>
-          <p:cNvSpPr>
-            <a:spLocks noGrp="1" noRot="1" noChangeAspect="1"/>
-          </p:cNvSpPr>
-          <p:nvPr>
-            <p:ph type="sldImg"/>
-          </p:nvPr>
-        </p:nvSpPr>
-        <p:spPr/>
-      </p:sp>
-      <p:sp>
-        <p:nvSpPr>
-          <p:cNvPr id="3" name="Notes Placeholder 2"/>
-          <p:cNvSpPr>
-            <a:spLocks noGrp="1"/>
-          </p:cNvSpPr>
-          <p:nvPr>
-            <p:ph type="body" idx="1"/>
-          </p:nvPr>
-        </p:nvSpPr>
-        <p:spPr/>
-        <p:txBody>
-          <a:bodyPr>
-            <a:normAutofit/>
-          </a:bodyPr>
-          <a:lstStyle/>
-          <a:p>
-            <a:endParaRPr lang="ko-KR" dirty="0"/>
-          </a:p>
-        </p:txBody>
-      </p:sp>
-      <p:sp>
-        <p:nvSpPr>
-          <p:cNvPr id="4" name="Slide Number Placeholder 3"/>
-          <p:cNvSpPr>
-            <a:spLocks noGrp="1"/>
-          </p:cNvSpPr>
-          <p:nvPr>
-            <p:ph type="sldNum" sz="quarter" idx="10"/>
-          </p:nvPr>
-        </p:nvSpPr>
-        <p:spPr/>
-        <p:txBody>
-          <a:bodyPr/>
-          <a:lstStyle/>
-          <a:p>
-            <a:fld id="{9B26CD33-4337-4529-948A-94F6960B2374}" type="slidenum">
-              <a:rPr lang="en-US" altLang="ko-KR" smtClean="0"/>
-              <a:pPr/>
-              <a:t>17</a:t>
-            </a:fld>
-            <a:endParaRPr lang="ko-KR" dirty="0"/>
-          </a:p>
-        </p:txBody>
-      </p:sp>
-    </p:spTree>
-    <p:extLst>
-      <p:ext uri="{BB962C8B-B14F-4D97-AF65-F5344CB8AC3E}">
-        <p14:creationId xmlns:p14="http://schemas.microsoft.com/office/powerpoint/2010/main" val="731192328"/>
+        <p14:creationId xmlns:p14="http://schemas.microsoft.com/office/powerpoint/2010/main" val="1047997518"/>
       </p:ext>
     </p:extLst>
   </p:cSld>
@@ -3499,123 +3777,6 @@
 </p:sldLayout>
 </file>
 
-<file path=ppt/slideLayouts/slideLayout6.xml><?xml version="1.0" encoding="utf-8"?>
-<p:sldLayout xmlns:a="http://schemas.openxmlformats.org/drawingml/2006/main" xmlns:r="http://schemas.openxmlformats.org/officeDocument/2006/relationships" xmlns:p="http://schemas.openxmlformats.org/presentationml/2006/main" showMasterSp="0" userDrawn="1">
-  <p:cSld name="빈화면">
-    <p:spTree>
-      <p:nvGrpSpPr>
-        <p:cNvPr id="1" name=""/>
-        <p:cNvGrpSpPr/>
-        <p:nvPr/>
-      </p:nvGrpSpPr>
-      <p:grpSpPr>
-        <a:xfrm>
-          <a:off x="0" y="0"/>
-          <a:ext cx="0" cy="0"/>
-          <a:chOff x="0" y="0"/>
-          <a:chExt cx="0" cy="0"/>
-        </a:xfrm>
-      </p:grpSpPr>
-      <p:sp>
-        <p:nvSpPr>
-          <p:cNvPr id="2" name="슬라이드 번호 개체 틀 5"/>
-          <p:cNvSpPr>
-            <a:spLocks noGrp="1"/>
-          </p:cNvSpPr>
-          <p:nvPr>
-            <p:ph type="sldNum" sz="quarter" idx="12"/>
-          </p:nvPr>
-        </p:nvSpPr>
-        <p:spPr>
-          <a:xfrm>
-            <a:off x="6553200" y="6356350"/>
-            <a:ext cx="2133600" cy="365125"/>
-          </a:xfrm>
-        </p:spPr>
-        <p:txBody>
-          <a:bodyPr/>
-          <a:lstStyle/>
-          <a:p>
-            <a:fld id="{963B0023-0CED-47F7-85AE-654F0B232C29}" type="slidenum">
-              <a:rPr lang="en-US" altLang="ko-KR" smtClean="0"/>
-              <a:pPr/>
-              <a:t>‹#›</a:t>
-            </a:fld>
-            <a:endParaRPr kumimoji="0" lang="ko-KR" altLang="en-US"/>
-          </a:p>
-        </p:txBody>
-      </p:sp>
-      <p:sp>
-        <p:nvSpPr>
-          <p:cNvPr id="3" name="TextBox 2"/>
-          <p:cNvSpPr txBox="1"/>
-          <p:nvPr userDrawn="1"/>
-        </p:nvSpPr>
-        <p:spPr>
-          <a:xfrm>
-            <a:off x="7164288" y="69724"/>
-            <a:ext cx="1872208" cy="240066"/>
-          </a:xfrm>
-          <a:prstGeom prst="rect">
-            <a:avLst/>
-          </a:prstGeom>
-          <a:noFill/>
-        </p:spPr>
-        <p:txBody>
-          <a:bodyPr wrap="square" rtlCol="0">
-            <a:spAutoFit/>
-          </a:bodyPr>
-          <a:lstStyle/>
-          <a:p>
-            <a:pPr algn="r">
-              <a:lnSpc>
-                <a:spcPct val="80000"/>
-              </a:lnSpc>
-            </a:pPr>
-            <a:r>
-              <a:rPr lang="en-US" altLang="ko-KR" sz="1200" b="1" dirty="0" smtClean="0">
-                <a:latin typeface="나눔고딕" pitchFamily="50" charset="-127"/>
-                <a:ea typeface="나눔고딕" pitchFamily="50" charset="-127"/>
-              </a:rPr>
-              <a:t>2 week </a:t>
-            </a:r>
-            <a:r>
-              <a:rPr lang="en-US" altLang="ko-KR" sz="1200" dirty="0">
-                <a:latin typeface="나눔고딕" pitchFamily="50" charset="-127"/>
-                <a:ea typeface="나눔고딕" pitchFamily="50" charset="-127"/>
-              </a:rPr>
-              <a:t>presentation</a:t>
-            </a:r>
-            <a:endParaRPr lang="ko-KR" altLang="en-US" sz="1200" dirty="0">
-              <a:latin typeface="나눔고딕" pitchFamily="50" charset="-127"/>
-              <a:ea typeface="나눔고딕" pitchFamily="50" charset="-127"/>
-            </a:endParaRPr>
-          </a:p>
-        </p:txBody>
-      </p:sp>
-    </p:spTree>
-    <p:extLst>
-      <p:ext uri="{BB962C8B-B14F-4D97-AF65-F5344CB8AC3E}">
-        <p14:creationId xmlns:p14="http://schemas.microsoft.com/office/powerpoint/2010/main" val="2195200358"/>
-      </p:ext>
-    </p:extLst>
-  </p:cSld>
-  <p:clrMapOvr>
-    <a:masterClrMapping/>
-  </p:clrMapOvr>
-  <p:transition>
-    <p:fade/>
-  </p:transition>
-  <p:timing>
-    <p:tnLst>
-      <p:par>
-        <p:cTn id="1" dur="indefinite" restart="never" nodeType="tmRoot"/>
-      </p:par>
-    </p:tnLst>
-  </p:timing>
-</p:sldLayout>
-</file>
-
 <file path=ppt/slideMasters/slideMaster1.xml><?xml version="1.0" encoding="utf-8"?>
 <p:sldMaster xmlns:a="http://schemas.openxmlformats.org/drawingml/2006/main" xmlns:r="http://schemas.openxmlformats.org/officeDocument/2006/relationships" xmlns:p="http://schemas.openxmlformats.org/presentationml/2006/main">
   <p:cSld>
@@ -3863,7 +4024,6 @@
     <p:sldLayoutId id="2147483663" r:id="rId3"/>
     <p:sldLayoutId id="2147483662" r:id="rId4"/>
     <p:sldLayoutId id="2147483666" r:id="rId5"/>
-    <p:sldLayoutId id="2147483668" r:id="rId6"/>
   </p:sldLayoutIdLst>
   <p:timing>
     <p:tnLst>
@@ -4196,6 +4356,48 @@
           </a:p>
         </p:txBody>
       </p:sp>
+      <p:sp>
+        <p:nvSpPr>
+          <p:cNvPr id="3" name="TextBox 2"/>
+          <p:cNvSpPr txBox="1"/>
+          <p:nvPr/>
+        </p:nvSpPr>
+        <p:spPr>
+          <a:xfrm>
+            <a:off x="8746436" y="6500192"/>
+            <a:ext cx="477078" cy="307777"/>
+          </a:xfrm>
+          <a:prstGeom prst="rect">
+            <a:avLst/>
+          </a:prstGeom>
+          <a:noFill/>
+        </p:spPr>
+        <p:txBody>
+          <a:bodyPr wrap="square" rtlCol="0">
+            <a:spAutoFit/>
+          </a:bodyPr>
+          <a:lstStyle/>
+          <a:p>
+            <a:r>
+              <a:rPr lang="en-US" altLang="ko-KR" sz="1400" dirty="0" smtClean="0">
+                <a:solidFill>
+                  <a:schemeClr val="bg1">
+                    <a:lumMod val="50000"/>
+                  </a:schemeClr>
+                </a:solidFill>
+              </a:rPr>
+              <a:t>/18</a:t>
+            </a:r>
+            <a:endParaRPr lang="ko-KR" altLang="en-US" sz="1400" dirty="0">
+              <a:solidFill>
+                <a:schemeClr val="bg1">
+                  <a:lumMod val="50000"/>
+                </a:schemeClr>
+              </a:solidFill>
+            </a:endParaRPr>
+          </a:p>
+        </p:txBody>
+      </p:sp>
     </p:spTree>
     <p:extLst>
       <p:ext uri="{BB962C8B-B14F-4D97-AF65-F5344CB8AC3E}">
@@ -4233,159 +4435,32 @@
           <a:chExt cx="0" cy="0"/>
         </a:xfrm>
       </p:grpSpPr>
-      <p:cxnSp>
-        <p:nvCxnSpPr>
-          <p:cNvPr id="15" name="직선 연결선 14"/>
-          <p:cNvCxnSpPr/>
-          <p:nvPr/>
-        </p:nvCxnSpPr>
-        <p:spPr>
-          <a:xfrm>
-            <a:off x="251520" y="332656"/>
-            <a:ext cx="8640960" cy="0"/>
-          </a:xfrm>
-          <a:prstGeom prst="line">
-            <a:avLst/>
-          </a:prstGeom>
-          <a:ln w="3175">
-            <a:solidFill>
-              <a:srgbClr val="68727E"/>
-            </a:solidFill>
-          </a:ln>
-        </p:spPr>
-        <p:style>
-          <a:lnRef idx="1">
-            <a:schemeClr val="accent1"/>
-          </a:lnRef>
-          <a:fillRef idx="0">
-            <a:schemeClr val="accent1"/>
-          </a:fillRef>
-          <a:effectRef idx="0">
-            <a:schemeClr val="accent1"/>
-          </a:effectRef>
-          <a:fontRef idx="minor">
-            <a:schemeClr val="tx1"/>
-          </a:fontRef>
-        </p:style>
-      </p:cxnSp>
-      <p:cxnSp>
-        <p:nvCxnSpPr>
-          <p:cNvPr id="19" name="직선 연결선 18"/>
-          <p:cNvCxnSpPr/>
-          <p:nvPr/>
-        </p:nvCxnSpPr>
-        <p:spPr>
-          <a:xfrm>
-            <a:off x="221703" y="1038567"/>
-            <a:ext cx="8640960" cy="0"/>
-          </a:xfrm>
-          <a:prstGeom prst="line">
-            <a:avLst/>
-          </a:prstGeom>
-          <a:ln w="3175">
-            <a:solidFill>
-              <a:srgbClr val="68727E"/>
-            </a:solidFill>
-          </a:ln>
-        </p:spPr>
-        <p:style>
-          <a:lnRef idx="1">
-            <a:schemeClr val="accent1"/>
-          </a:lnRef>
-          <a:fillRef idx="0">
-            <a:schemeClr val="accent1"/>
-          </a:fillRef>
-          <a:effectRef idx="0">
-            <a:schemeClr val="accent1"/>
-          </a:effectRef>
-          <a:fontRef idx="minor">
-            <a:schemeClr val="tx1"/>
-          </a:fontRef>
-        </p:style>
-      </p:cxnSp>
-      <p:sp>
-        <p:nvSpPr>
-          <p:cNvPr id="16" name="TextBox 15"/>
-          <p:cNvSpPr txBox="1"/>
-          <p:nvPr/>
-        </p:nvSpPr>
-        <p:spPr>
-          <a:xfrm>
-            <a:off x="7020475" y="755296"/>
-            <a:ext cx="1872208" cy="240066"/>
-          </a:xfrm>
-          <a:prstGeom prst="rect">
-            <a:avLst/>
-          </a:prstGeom>
-          <a:noFill/>
-        </p:spPr>
-        <p:txBody>
-          <a:bodyPr wrap="square" rtlCol="0">
-            <a:spAutoFit/>
-          </a:bodyPr>
-          <a:lstStyle/>
-          <a:p>
-            <a:pPr algn="r">
-              <a:lnSpc>
-                <a:spcPct val="80000"/>
-              </a:lnSpc>
-            </a:pPr>
-            <a:r>
-              <a:rPr lang="en-US" altLang="ko-KR" sz="1200" b="1" dirty="0">
-                <a:solidFill>
-                  <a:srgbClr val="FFC000"/>
-                </a:solidFill>
-                <a:effectLst>
-                  <a:outerShdw blurRad="38100" dist="38100" dir="2700000" algn="tl">
-                    <a:srgbClr val="000000">
-                      <a:alpha val="43137"/>
-                    </a:srgbClr>
-                  </a:outerShdw>
-                </a:effectLst>
-                <a:latin typeface="나눔고딕" pitchFamily="50" charset="-127"/>
-                <a:ea typeface="나눔고딕" pitchFamily="50" charset="-127"/>
-              </a:rPr>
-              <a:t>C</a:t>
-            </a:r>
-            <a:r>
-              <a:rPr lang="en-US" altLang="ko-KR" sz="1200" b="1" dirty="0">
-                <a:gradFill>
-                  <a:gsLst>
-                    <a:gs pos="0">
-                      <a:srgbClr val="68727E"/>
-                    </a:gs>
-                    <a:gs pos="50000">
-                      <a:srgbClr val="68727E"/>
-                    </a:gs>
-                  </a:gsLst>
-                  <a:lin ang="5400000" scaled="0"/>
-                </a:gradFill>
-                <a:latin typeface="나눔고딕" pitchFamily="50" charset="-127"/>
-                <a:ea typeface="나눔고딕" pitchFamily="50" charset="-127"/>
-              </a:rPr>
-              <a:t> team</a:t>
-            </a:r>
-            <a:endParaRPr lang="ko-KR" altLang="en-US" sz="1200" b="1" dirty="0">
-              <a:gradFill>
-                <a:gsLst>
-                  <a:gs pos="0">
-                    <a:srgbClr val="68727E"/>
-                  </a:gs>
-                  <a:gs pos="50000">
-                    <a:srgbClr val="68727E"/>
-                  </a:gs>
-                </a:gsLst>
-                <a:lin ang="5400000" scaled="0"/>
-              </a:gradFill>
-              <a:latin typeface="나눔고딕" pitchFamily="50" charset="-127"/>
-              <a:ea typeface="나눔고딕" pitchFamily="50" charset="-127"/>
-            </a:endParaRPr>
-          </a:p>
-        </p:txBody>
-      </p:sp>
-      <p:sp>
-        <p:nvSpPr>
-          <p:cNvPr id="21" name="TextBox 20"/>
+      <p:sp>
+        <p:nvSpPr>
+          <p:cNvPr id="2" name="슬라이드 번호 개체 틀 1"/>
+          <p:cNvSpPr>
+            <a:spLocks noGrp="1"/>
+          </p:cNvSpPr>
+          <p:nvPr>
+            <p:ph type="sldNum" sz="quarter" idx="12"/>
+          </p:nvPr>
+        </p:nvSpPr>
+        <p:spPr/>
+        <p:txBody>
+          <a:bodyPr/>
+          <a:lstStyle/>
+          <a:p>
+            <a:fld id="{B91F475D-C4CC-4CE8-81AD-732BFDCB340A}" type="slidenum">
+              <a:rPr lang="ko-KR" altLang="en-US" smtClean="0"/>
+              <a:t>10</a:t>
+            </a:fld>
+            <a:endParaRPr lang="ko-KR" altLang="en-US"/>
+          </a:p>
+        </p:txBody>
+      </p:sp>
+      <p:sp>
+        <p:nvSpPr>
+          <p:cNvPr id="4" name="TextBox 3"/>
           <p:cNvSpPr txBox="1"/>
           <p:nvPr/>
         </p:nvSpPr>
@@ -4464,75 +4539,9 @@
           </a:p>
         </p:txBody>
       </p:sp>
-      <p:sp>
-        <p:nvSpPr>
-          <p:cNvPr id="5" name="슬라이드 번호 개체 틀 4"/>
-          <p:cNvSpPr>
-            <a:spLocks noGrp="1"/>
-          </p:cNvSpPr>
-          <p:nvPr>
-            <p:ph type="sldNum" sz="quarter" idx="12"/>
-          </p:nvPr>
-        </p:nvSpPr>
-        <p:spPr/>
-        <p:txBody>
-          <a:bodyPr/>
-          <a:lstStyle/>
-          <a:p>
-            <a:fld id="{963B0023-0CED-47F7-85AE-654F0B232C29}" type="slidenum">
-              <a:rPr lang="en-US" altLang="ko-KR" smtClean="0"/>
-              <a:pPr/>
-              <a:t>10</a:t>
-            </a:fld>
-            <a:endParaRPr kumimoji="0" lang="ko-KR" altLang="en-US"/>
-          </a:p>
-        </p:txBody>
-      </p:sp>
-      <p:sp>
-        <p:nvSpPr>
-          <p:cNvPr id="9" name="TextBox 8"/>
-          <p:cNvSpPr txBox="1"/>
-          <p:nvPr/>
-        </p:nvSpPr>
-        <p:spPr>
-          <a:xfrm>
-            <a:off x="8585385" y="6377836"/>
-            <a:ext cx="637728" cy="307777"/>
-          </a:xfrm>
-          <a:prstGeom prst="rect">
-            <a:avLst/>
-          </a:prstGeom>
-          <a:noFill/>
-        </p:spPr>
-        <p:txBody>
-          <a:bodyPr wrap="square" rtlCol="0">
-            <a:spAutoFit/>
-          </a:bodyPr>
-          <a:lstStyle/>
-          <a:p>
-            <a:r>
-              <a:rPr lang="en-US" altLang="ko-KR" sz="1400" dirty="0" smtClean="0">
-                <a:solidFill>
-                  <a:schemeClr val="bg1">
-                    <a:lumMod val="50000"/>
-                  </a:schemeClr>
-                </a:solidFill>
-              </a:rPr>
-              <a:t>/19</a:t>
-            </a:r>
-            <a:endParaRPr lang="ko-KR" altLang="en-US" sz="1400" dirty="0">
-              <a:solidFill>
-                <a:schemeClr val="bg1">
-                  <a:lumMod val="50000"/>
-                </a:schemeClr>
-              </a:solidFill>
-            </a:endParaRPr>
-          </a:p>
-        </p:txBody>
-      </p:sp>
       <p:grpSp>
         <p:nvGrpSpPr>
-          <p:cNvPr id="26" name="그룹 25"/>
+          <p:cNvPr id="5" name="그룹 4"/>
           <p:cNvGrpSpPr/>
           <p:nvPr/>
         </p:nvGrpSpPr>
@@ -4546,14 +4555,14 @@
         </p:grpSpPr>
         <p:pic>
           <p:nvPicPr>
-            <p:cNvPr id="12" name="그림 11"/>
+            <p:cNvPr id="6" name="그림 5"/>
             <p:cNvPicPr>
               <a:picLocks noChangeAspect="1"/>
             </p:cNvPicPr>
             <p:nvPr/>
           </p:nvPicPr>
           <p:blipFill>
-            <a:blip r:embed="rId3">
+            <a:blip r:embed="rId2">
               <a:extLst>
                 <a:ext uri="{28A0092B-C50C-407E-A947-70E740481C1C}">
                   <a14:useLocalDpi xmlns:a14="http://schemas.microsoft.com/office/drawing/2010/main" val="0"/>
@@ -4576,14 +4585,14 @@
         </p:pic>
         <p:pic>
           <p:nvPicPr>
-            <p:cNvPr id="13" name="그림 12"/>
+            <p:cNvPr id="7" name="그림 6"/>
             <p:cNvPicPr>
               <a:picLocks noChangeAspect="1"/>
             </p:cNvPicPr>
             <p:nvPr/>
           </p:nvPicPr>
           <p:blipFill>
-            <a:blip r:embed="rId4">
+            <a:blip r:embed="rId3">
               <a:extLst>
                 <a:ext uri="{28A0092B-C50C-407E-A947-70E740481C1C}">
                   <a14:useLocalDpi xmlns:a14="http://schemas.microsoft.com/office/drawing/2010/main" val="0"/>
@@ -4606,14 +4615,14 @@
         </p:pic>
         <p:pic>
           <p:nvPicPr>
-            <p:cNvPr id="14" name="그림 13"/>
+            <p:cNvPr id="8" name="그림 7"/>
             <p:cNvPicPr>
               <a:picLocks noChangeAspect="1"/>
             </p:cNvPicPr>
             <p:nvPr/>
           </p:nvPicPr>
           <p:blipFill>
-            <a:blip r:embed="rId5">
+            <a:blip r:embed="rId4">
               <a:extLst>
                 <a:ext uri="{28A0092B-C50C-407E-A947-70E740481C1C}">
                   <a14:useLocalDpi xmlns:a14="http://schemas.microsoft.com/office/drawing/2010/main" val="0"/>
@@ -4637,7 +4646,7 @@
       </p:grpSp>
       <p:pic>
         <p:nvPicPr>
-          <p:cNvPr id="17" name="그림 16"/>
+          <p:cNvPr id="9" name="그림 8"/>
           <p:cNvPicPr>
             <a:picLocks noChangeAspect="1"/>
           </p:cNvPicPr>
@@ -4657,55 +4666,66 @@
         </p:blipFill>
         <p:spPr>
           <a:xfrm>
-            <a:off x="269779" y="1970405"/>
-            <a:ext cx="5143780" cy="3475594"/>
+            <a:off x="86137" y="2339727"/>
+            <a:ext cx="5416259" cy="2745457"/>
           </a:xfrm>
           <a:prstGeom prst="rect">
             <a:avLst/>
           </a:prstGeom>
         </p:spPr>
       </p:pic>
-      <p:pic>
-        <p:nvPicPr>
-          <p:cNvPr id="18" name="그림 17"/>
-          <p:cNvPicPr>
-            <a:picLocks noChangeAspect="1"/>
-          </p:cNvPicPr>
+      <p:sp>
+        <p:nvSpPr>
+          <p:cNvPr id="10" name="TextBox 9"/>
+          <p:cNvSpPr txBox="1"/>
           <p:nvPr/>
-        </p:nvPicPr>
-        <p:blipFill>
-          <a:blip r:embed="rId5">
-            <a:extLst>
-              <a:ext uri="{28A0092B-C50C-407E-A947-70E740481C1C}">
-                <a14:useLocalDpi xmlns:a14="http://schemas.microsoft.com/office/drawing/2010/main" val="0"/>
-              </a:ext>
-            </a:extLst>
-          </a:blip>
-          <a:stretch>
-            <a:fillRect/>
-          </a:stretch>
-        </p:blipFill>
-        <p:spPr>
-          <a:xfrm>
-            <a:off x="-4501008" y="3271733"/>
-            <a:ext cx="2847103" cy="1443173"/>
+        </p:nvSpPr>
+        <p:spPr>
+          <a:xfrm>
+            <a:off x="8746436" y="6500192"/>
+            <a:ext cx="477078" cy="307777"/>
           </a:xfrm>
           <a:prstGeom prst="rect">
             <a:avLst/>
           </a:prstGeom>
-        </p:spPr>
-      </p:pic>
+          <a:noFill/>
+        </p:spPr>
+        <p:txBody>
+          <a:bodyPr wrap="square" rtlCol="0">
+            <a:spAutoFit/>
+          </a:bodyPr>
+          <a:lstStyle/>
+          <a:p>
+            <a:r>
+              <a:rPr lang="en-US" altLang="ko-KR" sz="1400" dirty="0" smtClean="0">
+                <a:solidFill>
+                  <a:schemeClr val="bg1">
+                    <a:lumMod val="50000"/>
+                  </a:schemeClr>
+                </a:solidFill>
+              </a:rPr>
+              <a:t>/18</a:t>
+            </a:r>
+            <a:endParaRPr lang="ko-KR" altLang="en-US" sz="1400" dirty="0">
+              <a:solidFill>
+                <a:schemeClr val="bg1">
+                  <a:lumMod val="50000"/>
+                </a:schemeClr>
+              </a:solidFill>
+            </a:endParaRPr>
+          </a:p>
+        </p:txBody>
+      </p:sp>
     </p:spTree>
     <p:extLst>
       <p:ext uri="{BB962C8B-B14F-4D97-AF65-F5344CB8AC3E}">
-        <p14:creationId xmlns:p14="http://schemas.microsoft.com/office/powerpoint/2010/main" val="2209355502"/>
+        <p14:creationId xmlns:p14="http://schemas.microsoft.com/office/powerpoint/2010/main" val="2144729329"/>
       </p:ext>
     </p:extLst>
   </p:cSld>
   <p:clrMapOvr>
     <a:masterClrMapping/>
   </p:clrMapOvr>
-  <p:transition/>
   <p:timing>
     <p:tnLst>
       <p:par>
@@ -4733,159 +4753,32 @@
           <a:chExt cx="0" cy="0"/>
         </a:xfrm>
       </p:grpSpPr>
-      <p:cxnSp>
-        <p:nvCxnSpPr>
-          <p:cNvPr id="15" name="직선 연결선 14"/>
-          <p:cNvCxnSpPr/>
-          <p:nvPr/>
-        </p:nvCxnSpPr>
-        <p:spPr>
-          <a:xfrm>
-            <a:off x="251520" y="332656"/>
-            <a:ext cx="8640960" cy="0"/>
-          </a:xfrm>
-          <a:prstGeom prst="line">
-            <a:avLst/>
-          </a:prstGeom>
-          <a:ln w="3175">
-            <a:solidFill>
-              <a:srgbClr val="68727E"/>
-            </a:solidFill>
-          </a:ln>
-        </p:spPr>
-        <p:style>
-          <a:lnRef idx="1">
-            <a:schemeClr val="accent1"/>
-          </a:lnRef>
-          <a:fillRef idx="0">
-            <a:schemeClr val="accent1"/>
-          </a:fillRef>
-          <a:effectRef idx="0">
-            <a:schemeClr val="accent1"/>
-          </a:effectRef>
-          <a:fontRef idx="minor">
-            <a:schemeClr val="tx1"/>
-          </a:fontRef>
-        </p:style>
-      </p:cxnSp>
-      <p:cxnSp>
-        <p:nvCxnSpPr>
-          <p:cNvPr id="19" name="직선 연결선 18"/>
-          <p:cNvCxnSpPr/>
-          <p:nvPr/>
-        </p:nvCxnSpPr>
-        <p:spPr>
-          <a:xfrm>
-            <a:off x="221703" y="1038567"/>
-            <a:ext cx="8640960" cy="0"/>
-          </a:xfrm>
-          <a:prstGeom prst="line">
-            <a:avLst/>
-          </a:prstGeom>
-          <a:ln w="3175">
-            <a:solidFill>
-              <a:srgbClr val="68727E"/>
-            </a:solidFill>
-          </a:ln>
-        </p:spPr>
-        <p:style>
-          <a:lnRef idx="1">
-            <a:schemeClr val="accent1"/>
-          </a:lnRef>
-          <a:fillRef idx="0">
-            <a:schemeClr val="accent1"/>
-          </a:fillRef>
-          <a:effectRef idx="0">
-            <a:schemeClr val="accent1"/>
-          </a:effectRef>
-          <a:fontRef idx="minor">
-            <a:schemeClr val="tx1"/>
-          </a:fontRef>
-        </p:style>
-      </p:cxnSp>
-      <p:sp>
-        <p:nvSpPr>
-          <p:cNvPr id="16" name="TextBox 15"/>
-          <p:cNvSpPr txBox="1"/>
-          <p:nvPr/>
-        </p:nvSpPr>
-        <p:spPr>
-          <a:xfrm>
-            <a:off x="7020475" y="755296"/>
-            <a:ext cx="1872208" cy="240066"/>
-          </a:xfrm>
-          <a:prstGeom prst="rect">
-            <a:avLst/>
-          </a:prstGeom>
-          <a:noFill/>
-        </p:spPr>
-        <p:txBody>
-          <a:bodyPr wrap="square" rtlCol="0">
-            <a:spAutoFit/>
-          </a:bodyPr>
-          <a:lstStyle/>
-          <a:p>
-            <a:pPr algn="r">
-              <a:lnSpc>
-                <a:spcPct val="80000"/>
-              </a:lnSpc>
-            </a:pPr>
-            <a:r>
-              <a:rPr lang="en-US" altLang="ko-KR" sz="1200" b="1" dirty="0">
-                <a:solidFill>
-                  <a:srgbClr val="FFC000"/>
-                </a:solidFill>
-                <a:effectLst>
-                  <a:outerShdw blurRad="38100" dist="38100" dir="2700000" algn="tl">
-                    <a:srgbClr val="000000">
-                      <a:alpha val="43137"/>
-                    </a:srgbClr>
-                  </a:outerShdw>
-                </a:effectLst>
-                <a:latin typeface="나눔고딕" pitchFamily="50" charset="-127"/>
-                <a:ea typeface="나눔고딕" pitchFamily="50" charset="-127"/>
-              </a:rPr>
-              <a:t>C</a:t>
-            </a:r>
-            <a:r>
-              <a:rPr lang="en-US" altLang="ko-KR" sz="1200" b="1" dirty="0">
-                <a:gradFill>
-                  <a:gsLst>
-                    <a:gs pos="0">
-                      <a:srgbClr val="68727E"/>
-                    </a:gs>
-                    <a:gs pos="50000">
-                      <a:srgbClr val="68727E"/>
-                    </a:gs>
-                  </a:gsLst>
-                  <a:lin ang="5400000" scaled="0"/>
-                </a:gradFill>
-                <a:latin typeface="나눔고딕" pitchFamily="50" charset="-127"/>
-                <a:ea typeface="나눔고딕" pitchFamily="50" charset="-127"/>
-              </a:rPr>
-              <a:t> team</a:t>
-            </a:r>
-            <a:endParaRPr lang="ko-KR" altLang="en-US" sz="1200" b="1" dirty="0">
-              <a:gradFill>
-                <a:gsLst>
-                  <a:gs pos="0">
-                    <a:srgbClr val="68727E"/>
-                  </a:gs>
-                  <a:gs pos="50000">
-                    <a:srgbClr val="68727E"/>
-                  </a:gs>
-                </a:gsLst>
-                <a:lin ang="5400000" scaled="0"/>
-              </a:gradFill>
-              <a:latin typeface="나눔고딕" pitchFamily="50" charset="-127"/>
-              <a:ea typeface="나눔고딕" pitchFamily="50" charset="-127"/>
-            </a:endParaRPr>
-          </a:p>
-        </p:txBody>
-      </p:sp>
-      <p:sp>
-        <p:nvSpPr>
-          <p:cNvPr id="21" name="TextBox 20"/>
+      <p:sp>
+        <p:nvSpPr>
+          <p:cNvPr id="2" name="슬라이드 번호 개체 틀 1"/>
+          <p:cNvSpPr>
+            <a:spLocks noGrp="1"/>
+          </p:cNvSpPr>
+          <p:nvPr>
+            <p:ph type="sldNum" sz="quarter" idx="12"/>
+          </p:nvPr>
+        </p:nvSpPr>
+        <p:spPr/>
+        <p:txBody>
+          <a:bodyPr/>
+          <a:lstStyle/>
+          <a:p>
+            <a:fld id="{B91F475D-C4CC-4CE8-81AD-732BFDCB340A}" type="slidenum">
+              <a:rPr lang="ko-KR" altLang="en-US" smtClean="0"/>
+              <a:t>11</a:t>
+            </a:fld>
+            <a:endParaRPr lang="ko-KR" altLang="en-US"/>
+          </a:p>
+        </p:txBody>
+      </p:sp>
+      <p:sp>
+        <p:nvSpPr>
+          <p:cNvPr id="4" name="TextBox 3"/>
           <p:cNvSpPr txBox="1"/>
           <p:nvPr/>
         </p:nvSpPr>
@@ -4926,7 +4819,7 @@
                 <a:latin typeface="나눔고딕" pitchFamily="50" charset="-127"/>
                 <a:ea typeface="나눔고딕" pitchFamily="50" charset="-127"/>
               </a:rPr>
-              <a:t>Data send </a:t>
+              <a:t>History Sequence </a:t>
             </a:r>
             <a:r>
               <a:rPr lang="en-US" altLang="ko-KR" sz="2000" spc="300" dirty="0">
@@ -4944,7 +4837,7 @@
                 <a:latin typeface="나눔고딕" pitchFamily="50" charset="-127"/>
                 <a:ea typeface="나눔고딕" pitchFamily="50" charset="-127"/>
               </a:rPr>
-              <a:t>Sequence  Diagram</a:t>
+              <a:t>Diagram</a:t>
             </a:r>
             <a:endParaRPr lang="ko-KR" altLang="en-US" sz="2000" spc="300" dirty="0">
               <a:gradFill>
@@ -4964,187 +4857,16 @@
           </a:p>
         </p:txBody>
       </p:sp>
-      <p:sp>
-        <p:nvSpPr>
-          <p:cNvPr id="5" name="슬라이드 번호 개체 틀 4"/>
-          <p:cNvSpPr>
-            <a:spLocks noGrp="1"/>
-          </p:cNvSpPr>
-          <p:nvPr>
-            <p:ph type="sldNum" sz="quarter" idx="12"/>
-          </p:nvPr>
-        </p:nvSpPr>
-        <p:spPr/>
-        <p:txBody>
-          <a:bodyPr/>
-          <a:lstStyle/>
-          <a:p>
-            <a:fld id="{963B0023-0CED-47F7-85AE-654F0B232C29}" type="slidenum">
-              <a:rPr lang="en-US" altLang="ko-KR" smtClean="0"/>
-              <a:pPr/>
-              <a:t>11</a:t>
-            </a:fld>
-            <a:endParaRPr kumimoji="0" lang="ko-KR" altLang="en-US"/>
-          </a:p>
-        </p:txBody>
-      </p:sp>
-      <p:sp>
-        <p:nvSpPr>
-          <p:cNvPr id="9" name="TextBox 8"/>
-          <p:cNvSpPr txBox="1"/>
-          <p:nvPr/>
-        </p:nvSpPr>
-        <p:spPr>
-          <a:xfrm>
-            <a:off x="8585385" y="6377836"/>
-            <a:ext cx="637728" cy="307777"/>
-          </a:xfrm>
-          <a:prstGeom prst="rect">
-            <a:avLst/>
-          </a:prstGeom>
-          <a:noFill/>
-        </p:spPr>
-        <p:txBody>
-          <a:bodyPr wrap="square" rtlCol="0">
-            <a:spAutoFit/>
-          </a:bodyPr>
-          <a:lstStyle/>
-          <a:p>
-            <a:r>
-              <a:rPr lang="en-US" altLang="ko-KR" sz="1400" dirty="0" smtClean="0">
-                <a:solidFill>
-                  <a:schemeClr val="bg1">
-                    <a:lumMod val="50000"/>
-                  </a:schemeClr>
-                </a:solidFill>
-              </a:rPr>
-              <a:t>/19</a:t>
-            </a:r>
-            <a:endParaRPr lang="ko-KR" altLang="en-US" sz="1400" dirty="0">
-              <a:solidFill>
-                <a:schemeClr val="bg1">
-                  <a:lumMod val="50000"/>
-                </a:schemeClr>
-              </a:solidFill>
-            </a:endParaRPr>
-          </a:p>
-        </p:txBody>
-      </p:sp>
-      <p:grpSp>
-        <p:nvGrpSpPr>
-          <p:cNvPr id="26" name="그룹 25"/>
-          <p:cNvGrpSpPr/>
-          <p:nvPr/>
-        </p:nvGrpSpPr>
-        <p:grpSpPr>
-          <a:xfrm>
-            <a:off x="5364088" y="1254520"/>
-            <a:ext cx="3024336" cy="5200955"/>
-            <a:chOff x="-8067016" y="-3574663"/>
-            <a:chExt cx="7670464" cy="10745700"/>
-          </a:xfrm>
-        </p:grpSpPr>
-        <p:pic>
-          <p:nvPicPr>
-            <p:cNvPr id="12" name="그림 11"/>
-            <p:cNvPicPr>
-              <a:picLocks noChangeAspect="1"/>
-            </p:cNvPicPr>
-            <p:nvPr/>
-          </p:nvPicPr>
-          <p:blipFill>
-            <a:blip r:embed="rId3">
-              <a:extLst>
-                <a:ext uri="{28A0092B-C50C-407E-A947-70E740481C1C}">
-                  <a14:useLocalDpi xmlns:a14="http://schemas.microsoft.com/office/drawing/2010/main" val="0"/>
-                </a:ext>
-              </a:extLst>
-            </a:blip>
-            <a:stretch>
-              <a:fillRect/>
-            </a:stretch>
-          </p:blipFill>
-          <p:spPr>
-            <a:xfrm>
-              <a:off x="-8067016" y="-3574663"/>
-              <a:ext cx="6716062" cy="3553321"/>
-            </a:xfrm>
-            <a:prstGeom prst="rect">
-              <a:avLst/>
-            </a:prstGeom>
-          </p:spPr>
-        </p:pic>
-        <p:pic>
-          <p:nvPicPr>
-            <p:cNvPr id="13" name="그림 12"/>
-            <p:cNvPicPr>
-              <a:picLocks noChangeAspect="1"/>
-            </p:cNvPicPr>
-            <p:nvPr/>
-          </p:nvPicPr>
-          <p:blipFill>
-            <a:blip r:embed="rId4">
-              <a:extLst>
-                <a:ext uri="{28A0092B-C50C-407E-A947-70E740481C1C}">
-                  <a14:useLocalDpi xmlns:a14="http://schemas.microsoft.com/office/drawing/2010/main" val="0"/>
-                </a:ext>
-              </a:extLst>
-            </a:blip>
-            <a:stretch>
-              <a:fillRect/>
-            </a:stretch>
-          </p:blipFill>
-          <p:spPr>
-            <a:xfrm>
-              <a:off x="-8046195" y="-21342"/>
-              <a:ext cx="7649643" cy="4210638"/>
-            </a:xfrm>
-            <a:prstGeom prst="rect">
-              <a:avLst/>
-            </a:prstGeom>
-          </p:spPr>
-        </p:pic>
-        <p:pic>
-          <p:nvPicPr>
-            <p:cNvPr id="14" name="그림 13"/>
-            <p:cNvPicPr>
-              <a:picLocks noChangeAspect="1"/>
-            </p:cNvPicPr>
-            <p:nvPr/>
-          </p:nvPicPr>
-          <p:blipFill>
-            <a:blip r:embed="rId5">
-              <a:extLst>
-                <a:ext uri="{28A0092B-C50C-407E-A947-70E740481C1C}">
-                  <a14:useLocalDpi xmlns:a14="http://schemas.microsoft.com/office/drawing/2010/main" val="0"/>
-                </a:ext>
-              </a:extLst>
-            </a:blip>
-            <a:stretch>
-              <a:fillRect/>
-            </a:stretch>
-          </p:blipFill>
-          <p:spPr>
-            <a:xfrm>
-              <a:off x="-8024391" y="4189296"/>
-              <a:ext cx="7220958" cy="2981741"/>
-            </a:xfrm>
-            <a:prstGeom prst="rect">
-              <a:avLst/>
-            </a:prstGeom>
-          </p:spPr>
-        </p:pic>
-      </p:grpSp>
       <p:pic>
         <p:nvPicPr>
-          <p:cNvPr id="18" name="그림 17"/>
+          <p:cNvPr id="5" name="그림 4"/>
           <p:cNvPicPr>
             <a:picLocks noChangeAspect="1"/>
           </p:cNvPicPr>
           <p:nvPr/>
         </p:nvPicPr>
         <p:blipFill>
-          <a:blip r:embed="rId5">
+          <a:blip r:embed="rId2">
             <a:extLst>
               <a:ext uri="{28A0092B-C50C-407E-A947-70E740481C1C}">
                 <a14:useLocalDpi xmlns:a14="http://schemas.microsoft.com/office/drawing/2010/main" val="0"/>
@@ -5157,25 +4879,66 @@
         </p:blipFill>
         <p:spPr>
           <a:xfrm>
-            <a:off x="86137" y="2339727"/>
-            <a:ext cx="5416259" cy="2745457"/>
+            <a:off x="1187523" y="1109121"/>
+            <a:ext cx="6768955" cy="5368054"/>
           </a:xfrm>
           <a:prstGeom prst="rect">
             <a:avLst/>
           </a:prstGeom>
         </p:spPr>
       </p:pic>
+      <p:sp>
+        <p:nvSpPr>
+          <p:cNvPr id="6" name="TextBox 5"/>
+          <p:cNvSpPr txBox="1"/>
+          <p:nvPr/>
+        </p:nvSpPr>
+        <p:spPr>
+          <a:xfrm>
+            <a:off x="8746436" y="6500192"/>
+            <a:ext cx="477078" cy="307777"/>
+          </a:xfrm>
+          <a:prstGeom prst="rect">
+            <a:avLst/>
+          </a:prstGeom>
+          <a:noFill/>
+        </p:spPr>
+        <p:txBody>
+          <a:bodyPr wrap="square" rtlCol="0">
+            <a:spAutoFit/>
+          </a:bodyPr>
+          <a:lstStyle/>
+          <a:p>
+            <a:r>
+              <a:rPr lang="en-US" altLang="ko-KR" sz="1400" dirty="0" smtClean="0">
+                <a:solidFill>
+                  <a:schemeClr val="bg1">
+                    <a:lumMod val="50000"/>
+                  </a:schemeClr>
+                </a:solidFill>
+              </a:rPr>
+              <a:t>/18</a:t>
+            </a:r>
+            <a:endParaRPr lang="ko-KR" altLang="en-US" sz="1400" dirty="0">
+              <a:solidFill>
+                <a:schemeClr val="bg1">
+                  <a:lumMod val="50000"/>
+                </a:schemeClr>
+              </a:solidFill>
+            </a:endParaRPr>
+          </a:p>
+        </p:txBody>
+      </p:sp>
     </p:spTree>
     <p:extLst>
       <p:ext uri="{BB962C8B-B14F-4D97-AF65-F5344CB8AC3E}">
-        <p14:creationId xmlns:p14="http://schemas.microsoft.com/office/powerpoint/2010/main" val="2228105092"/>
+        <p14:creationId xmlns:p14="http://schemas.microsoft.com/office/powerpoint/2010/main" val="984797562"/>
       </p:ext>
     </p:extLst>
   </p:cSld>
   <p:clrMapOvr>
     <a:masterClrMapping/>
   </p:clrMapOvr>
-  <p:transition/>
   <p:timing>
     <p:tnLst>
       <p:par>
@@ -5203,159 +4966,32 @@
           <a:chExt cx="0" cy="0"/>
         </a:xfrm>
       </p:grpSpPr>
-      <p:cxnSp>
-        <p:nvCxnSpPr>
-          <p:cNvPr id="15" name="직선 연결선 14"/>
-          <p:cNvCxnSpPr/>
-          <p:nvPr/>
-        </p:nvCxnSpPr>
-        <p:spPr>
-          <a:xfrm>
-            <a:off x="251520" y="332656"/>
-            <a:ext cx="8640960" cy="0"/>
-          </a:xfrm>
-          <a:prstGeom prst="line">
-            <a:avLst/>
-          </a:prstGeom>
-          <a:ln w="3175">
-            <a:solidFill>
-              <a:srgbClr val="68727E"/>
-            </a:solidFill>
-          </a:ln>
-        </p:spPr>
-        <p:style>
-          <a:lnRef idx="1">
-            <a:schemeClr val="accent1"/>
-          </a:lnRef>
-          <a:fillRef idx="0">
-            <a:schemeClr val="accent1"/>
-          </a:fillRef>
-          <a:effectRef idx="0">
-            <a:schemeClr val="accent1"/>
-          </a:effectRef>
-          <a:fontRef idx="minor">
-            <a:schemeClr val="tx1"/>
-          </a:fontRef>
-        </p:style>
-      </p:cxnSp>
-      <p:cxnSp>
-        <p:nvCxnSpPr>
-          <p:cNvPr id="19" name="직선 연결선 18"/>
-          <p:cNvCxnSpPr/>
-          <p:nvPr/>
-        </p:nvCxnSpPr>
-        <p:spPr>
-          <a:xfrm>
-            <a:off x="221703" y="1038567"/>
-            <a:ext cx="8640960" cy="0"/>
-          </a:xfrm>
-          <a:prstGeom prst="line">
-            <a:avLst/>
-          </a:prstGeom>
-          <a:ln w="3175">
-            <a:solidFill>
-              <a:srgbClr val="68727E"/>
-            </a:solidFill>
-          </a:ln>
-        </p:spPr>
-        <p:style>
-          <a:lnRef idx="1">
-            <a:schemeClr val="accent1"/>
-          </a:lnRef>
-          <a:fillRef idx="0">
-            <a:schemeClr val="accent1"/>
-          </a:fillRef>
-          <a:effectRef idx="0">
-            <a:schemeClr val="accent1"/>
-          </a:effectRef>
-          <a:fontRef idx="minor">
-            <a:schemeClr val="tx1"/>
-          </a:fontRef>
-        </p:style>
-      </p:cxnSp>
-      <p:sp>
-        <p:nvSpPr>
-          <p:cNvPr id="16" name="TextBox 15"/>
-          <p:cNvSpPr txBox="1"/>
-          <p:nvPr/>
-        </p:nvSpPr>
-        <p:spPr>
-          <a:xfrm>
-            <a:off x="7020475" y="755296"/>
-            <a:ext cx="1872208" cy="240066"/>
-          </a:xfrm>
-          <a:prstGeom prst="rect">
-            <a:avLst/>
-          </a:prstGeom>
-          <a:noFill/>
-        </p:spPr>
-        <p:txBody>
-          <a:bodyPr wrap="square" rtlCol="0">
-            <a:spAutoFit/>
-          </a:bodyPr>
-          <a:lstStyle/>
-          <a:p>
-            <a:pPr algn="r">
-              <a:lnSpc>
-                <a:spcPct val="80000"/>
-              </a:lnSpc>
-            </a:pPr>
-            <a:r>
-              <a:rPr lang="en-US" altLang="ko-KR" sz="1200" b="1" dirty="0">
-                <a:solidFill>
-                  <a:srgbClr val="FFC000"/>
-                </a:solidFill>
-                <a:effectLst>
-                  <a:outerShdw blurRad="38100" dist="38100" dir="2700000" algn="tl">
-                    <a:srgbClr val="000000">
-                      <a:alpha val="43137"/>
-                    </a:srgbClr>
-                  </a:outerShdw>
-                </a:effectLst>
-                <a:latin typeface="나눔고딕" pitchFamily="50" charset="-127"/>
-                <a:ea typeface="나눔고딕" pitchFamily="50" charset="-127"/>
-              </a:rPr>
-              <a:t>C</a:t>
-            </a:r>
-            <a:r>
-              <a:rPr lang="en-US" altLang="ko-KR" sz="1200" b="1" dirty="0">
-                <a:gradFill>
-                  <a:gsLst>
-                    <a:gs pos="0">
-                      <a:srgbClr val="68727E"/>
-                    </a:gs>
-                    <a:gs pos="50000">
-                      <a:srgbClr val="68727E"/>
-                    </a:gs>
-                  </a:gsLst>
-                  <a:lin ang="5400000" scaled="0"/>
-                </a:gradFill>
-                <a:latin typeface="나눔고딕" pitchFamily="50" charset="-127"/>
-                <a:ea typeface="나눔고딕" pitchFamily="50" charset="-127"/>
-              </a:rPr>
-              <a:t> team</a:t>
-            </a:r>
-            <a:endParaRPr lang="ko-KR" altLang="en-US" sz="1200" b="1" dirty="0">
-              <a:gradFill>
-                <a:gsLst>
-                  <a:gs pos="0">
-                    <a:srgbClr val="68727E"/>
-                  </a:gs>
-                  <a:gs pos="50000">
-                    <a:srgbClr val="68727E"/>
-                  </a:gs>
-                </a:gsLst>
-                <a:lin ang="5400000" scaled="0"/>
-              </a:gradFill>
-              <a:latin typeface="나눔고딕" pitchFamily="50" charset="-127"/>
-              <a:ea typeface="나눔고딕" pitchFamily="50" charset="-127"/>
-            </a:endParaRPr>
-          </a:p>
-        </p:txBody>
-      </p:sp>
-      <p:sp>
-        <p:nvSpPr>
-          <p:cNvPr id="21" name="TextBox 20"/>
+      <p:sp>
+        <p:nvSpPr>
+          <p:cNvPr id="2" name="슬라이드 번호 개체 틀 1"/>
+          <p:cNvSpPr>
+            <a:spLocks noGrp="1"/>
+          </p:cNvSpPr>
+          <p:nvPr>
+            <p:ph type="sldNum" sz="quarter" idx="12"/>
+          </p:nvPr>
+        </p:nvSpPr>
+        <p:spPr/>
+        <p:txBody>
+          <a:bodyPr/>
+          <a:lstStyle/>
+          <a:p>
+            <a:fld id="{B91F475D-C4CC-4CE8-81AD-732BFDCB340A}" type="slidenum">
+              <a:rPr lang="ko-KR" altLang="en-US" smtClean="0"/>
+              <a:t>12</a:t>
+            </a:fld>
+            <a:endParaRPr lang="ko-KR" altLang="en-US"/>
+          </a:p>
+        </p:txBody>
+      </p:sp>
+      <p:sp>
+        <p:nvSpPr>
+          <p:cNvPr id="4" name="TextBox 3"/>
           <p:cNvSpPr txBox="1"/>
           <p:nvPr/>
         </p:nvSpPr>
@@ -5396,25 +5032,7 @@
                 <a:latin typeface="나눔고딕" pitchFamily="50" charset="-127"/>
                 <a:ea typeface="나눔고딕" pitchFamily="50" charset="-127"/>
               </a:rPr>
-              <a:t>History Sequence </a:t>
-            </a:r>
-            <a:r>
-              <a:rPr lang="en-US" altLang="ko-KR" sz="2000" spc="300" dirty="0">
-                <a:gradFill>
-                  <a:gsLst>
-                    <a:gs pos="0">
-                      <a:srgbClr val="C00000"/>
-                    </a:gs>
-                    <a:gs pos="100000">
-                      <a:srgbClr val="C00000"/>
-                    </a:gs>
-                  </a:gsLst>
-                  <a:lin ang="5400000" scaled="0"/>
-                </a:gradFill>
-                <a:latin typeface="나눔고딕" pitchFamily="50" charset="-127"/>
-                <a:ea typeface="나눔고딕" pitchFamily="50" charset="-127"/>
-              </a:rPr>
-              <a:t>Diagram</a:t>
+              <a:t>Map search Sequence Diagram</a:t>
             </a:r>
             <a:endParaRPr lang="ko-KR" altLang="en-US" sz="2000" spc="300" dirty="0">
               <a:gradFill>
@@ -5434,82 +5052,16 @@
           </a:p>
         </p:txBody>
       </p:sp>
-      <p:sp>
-        <p:nvSpPr>
-          <p:cNvPr id="5" name="슬라이드 번호 개체 틀 4"/>
-          <p:cNvSpPr>
-            <a:spLocks noGrp="1"/>
-          </p:cNvSpPr>
-          <p:nvPr>
-            <p:ph type="sldNum" sz="quarter" idx="12"/>
-          </p:nvPr>
-        </p:nvSpPr>
-        <p:spPr/>
-        <p:txBody>
-          <a:bodyPr/>
-          <a:lstStyle/>
-          <a:p>
-            <a:fld id="{963B0023-0CED-47F7-85AE-654F0B232C29}" type="slidenum">
-              <a:rPr lang="en-US" altLang="ko-KR" smtClean="0"/>
-              <a:pPr/>
-              <a:t>12</a:t>
-            </a:fld>
-            <a:endParaRPr kumimoji="0" lang="ko-KR" altLang="en-US"/>
-          </a:p>
-        </p:txBody>
-      </p:sp>
-      <p:sp>
-        <p:nvSpPr>
-          <p:cNvPr id="9" name="TextBox 8"/>
-          <p:cNvSpPr txBox="1"/>
-          <p:nvPr/>
-        </p:nvSpPr>
-        <p:spPr>
-          <a:xfrm>
-            <a:off x="8585385" y="6377836"/>
-            <a:ext cx="637728" cy="307777"/>
-          </a:xfrm>
-          <a:prstGeom prst="rect">
-            <a:avLst/>
-          </a:prstGeom>
-          <a:noFill/>
-        </p:spPr>
-        <p:txBody>
-          <a:bodyPr wrap="square" rtlCol="0">
-            <a:spAutoFit/>
-          </a:bodyPr>
-          <a:lstStyle/>
-          <a:p>
-            <a:r>
-              <a:rPr lang="en-US" altLang="ko-KR" sz="1400" dirty="0" smtClean="0">
-                <a:solidFill>
-                  <a:schemeClr val="bg1">
-                    <a:lumMod val="50000"/>
-                  </a:schemeClr>
-                </a:solidFill>
-              </a:rPr>
-              <a:t>/19</a:t>
-            </a:r>
-            <a:endParaRPr lang="ko-KR" altLang="en-US" sz="1400" dirty="0">
-              <a:solidFill>
-                <a:schemeClr val="bg1">
-                  <a:lumMod val="50000"/>
-                </a:schemeClr>
-              </a:solidFill>
-            </a:endParaRPr>
-          </a:p>
-        </p:txBody>
-      </p:sp>
       <p:pic>
         <p:nvPicPr>
-          <p:cNvPr id="2" name="그림 1"/>
+          <p:cNvPr id="5" name="그림 4"/>
           <p:cNvPicPr>
             <a:picLocks noChangeAspect="1"/>
           </p:cNvPicPr>
           <p:nvPr/>
         </p:nvPicPr>
         <p:blipFill>
-          <a:blip r:embed="rId3">
+          <a:blip r:embed="rId2">
             <a:extLst>
               <a:ext uri="{28A0092B-C50C-407E-A947-70E740481C1C}">
                 <a14:useLocalDpi xmlns:a14="http://schemas.microsoft.com/office/drawing/2010/main" val="0"/>
@@ -5522,25 +5074,66 @@
         </p:blipFill>
         <p:spPr>
           <a:xfrm>
-            <a:off x="1187523" y="1109121"/>
-            <a:ext cx="6768955" cy="5368054"/>
+            <a:off x="1187624" y="1127511"/>
+            <a:ext cx="6931549" cy="5185633"/>
           </a:xfrm>
           <a:prstGeom prst="rect">
             <a:avLst/>
           </a:prstGeom>
         </p:spPr>
       </p:pic>
+      <p:sp>
+        <p:nvSpPr>
+          <p:cNvPr id="6" name="TextBox 5"/>
+          <p:cNvSpPr txBox="1"/>
+          <p:nvPr/>
+        </p:nvSpPr>
+        <p:spPr>
+          <a:xfrm>
+            <a:off x="8746436" y="6500192"/>
+            <a:ext cx="477078" cy="307777"/>
+          </a:xfrm>
+          <a:prstGeom prst="rect">
+            <a:avLst/>
+          </a:prstGeom>
+          <a:noFill/>
+        </p:spPr>
+        <p:txBody>
+          <a:bodyPr wrap="square" rtlCol="0">
+            <a:spAutoFit/>
+          </a:bodyPr>
+          <a:lstStyle/>
+          <a:p>
+            <a:r>
+              <a:rPr lang="en-US" altLang="ko-KR" sz="1400" dirty="0" smtClean="0">
+                <a:solidFill>
+                  <a:schemeClr val="bg1">
+                    <a:lumMod val="50000"/>
+                  </a:schemeClr>
+                </a:solidFill>
+              </a:rPr>
+              <a:t>/18</a:t>
+            </a:r>
+            <a:endParaRPr lang="ko-KR" altLang="en-US" sz="1400" dirty="0">
+              <a:solidFill>
+                <a:schemeClr val="bg1">
+                  <a:lumMod val="50000"/>
+                </a:schemeClr>
+              </a:solidFill>
+            </a:endParaRPr>
+          </a:p>
+        </p:txBody>
+      </p:sp>
     </p:spTree>
     <p:extLst>
       <p:ext uri="{BB962C8B-B14F-4D97-AF65-F5344CB8AC3E}">
-        <p14:creationId xmlns:p14="http://schemas.microsoft.com/office/powerpoint/2010/main" val="533364916"/>
+        <p14:creationId xmlns:p14="http://schemas.microsoft.com/office/powerpoint/2010/main" val="3180437891"/>
       </p:ext>
     </p:extLst>
   </p:cSld>
   <p:clrMapOvr>
     <a:masterClrMapping/>
   </p:clrMapOvr>
-  <p:transition/>
   <p:timing>
     <p:tnLst>
       <p:par>
@@ -5568,166 +5161,39 @@
           <a:chExt cx="0" cy="0"/>
         </a:xfrm>
       </p:grpSpPr>
-      <p:cxnSp>
-        <p:nvCxnSpPr>
-          <p:cNvPr id="15" name="직선 연결선 14"/>
-          <p:cNvCxnSpPr/>
-          <p:nvPr/>
-        </p:nvCxnSpPr>
-        <p:spPr>
-          <a:xfrm>
-            <a:off x="251520" y="332656"/>
-            <a:ext cx="8640960" cy="0"/>
-          </a:xfrm>
-          <a:prstGeom prst="line">
-            <a:avLst/>
-          </a:prstGeom>
-          <a:ln w="3175">
-            <a:solidFill>
-              <a:srgbClr val="68727E"/>
-            </a:solidFill>
-          </a:ln>
-        </p:spPr>
-        <p:style>
-          <a:lnRef idx="1">
-            <a:schemeClr val="accent1"/>
-          </a:lnRef>
-          <a:fillRef idx="0">
-            <a:schemeClr val="accent1"/>
-          </a:fillRef>
-          <a:effectRef idx="0">
-            <a:schemeClr val="accent1"/>
-          </a:effectRef>
-          <a:fontRef idx="minor">
-            <a:schemeClr val="tx1"/>
-          </a:fontRef>
-        </p:style>
-      </p:cxnSp>
-      <p:cxnSp>
-        <p:nvCxnSpPr>
-          <p:cNvPr id="19" name="직선 연결선 18"/>
-          <p:cNvCxnSpPr/>
-          <p:nvPr/>
-        </p:nvCxnSpPr>
-        <p:spPr>
-          <a:xfrm>
-            <a:off x="221703" y="1038567"/>
-            <a:ext cx="8640960" cy="0"/>
-          </a:xfrm>
-          <a:prstGeom prst="line">
-            <a:avLst/>
-          </a:prstGeom>
-          <a:ln w="3175">
-            <a:solidFill>
-              <a:srgbClr val="68727E"/>
-            </a:solidFill>
-          </a:ln>
-        </p:spPr>
-        <p:style>
-          <a:lnRef idx="1">
-            <a:schemeClr val="accent1"/>
-          </a:lnRef>
-          <a:fillRef idx="0">
-            <a:schemeClr val="accent1"/>
-          </a:fillRef>
-          <a:effectRef idx="0">
-            <a:schemeClr val="accent1"/>
-          </a:effectRef>
-          <a:fontRef idx="minor">
-            <a:schemeClr val="tx1"/>
-          </a:fontRef>
-        </p:style>
-      </p:cxnSp>
-      <p:sp>
-        <p:nvSpPr>
-          <p:cNvPr id="16" name="TextBox 15"/>
+      <p:sp>
+        <p:nvSpPr>
+          <p:cNvPr id="2" name="슬라이드 번호 개체 틀 1"/>
+          <p:cNvSpPr>
+            <a:spLocks noGrp="1"/>
+          </p:cNvSpPr>
+          <p:nvPr>
+            <p:ph type="sldNum" sz="quarter" idx="12"/>
+          </p:nvPr>
+        </p:nvSpPr>
+        <p:spPr/>
+        <p:txBody>
+          <a:bodyPr/>
+          <a:lstStyle/>
+          <a:p>
+            <a:fld id="{B91F475D-C4CC-4CE8-81AD-732BFDCB340A}" type="slidenum">
+              <a:rPr lang="ko-KR" altLang="en-US" smtClean="0"/>
+              <a:t>13</a:t>
+            </a:fld>
+            <a:endParaRPr lang="ko-KR" altLang="en-US"/>
+          </a:p>
+        </p:txBody>
+      </p:sp>
+      <p:sp>
+        <p:nvSpPr>
+          <p:cNvPr id="4" name="TextBox 3"/>
           <p:cNvSpPr txBox="1"/>
           <p:nvPr/>
         </p:nvSpPr>
         <p:spPr>
           <a:xfrm>
-            <a:off x="7020475" y="755296"/>
-            <a:ext cx="1872208" cy="240066"/>
-          </a:xfrm>
-          <a:prstGeom prst="rect">
-            <a:avLst/>
-          </a:prstGeom>
-          <a:noFill/>
-        </p:spPr>
-        <p:txBody>
-          <a:bodyPr wrap="square" rtlCol="0">
-            <a:spAutoFit/>
-          </a:bodyPr>
-          <a:lstStyle/>
-          <a:p>
-            <a:pPr algn="r">
-              <a:lnSpc>
-                <a:spcPct val="80000"/>
-              </a:lnSpc>
-            </a:pPr>
-            <a:r>
-              <a:rPr lang="en-US" altLang="ko-KR" sz="1200" b="1" dirty="0">
-                <a:solidFill>
-                  <a:srgbClr val="FFC000"/>
-                </a:solidFill>
-                <a:effectLst>
-                  <a:outerShdw blurRad="38100" dist="38100" dir="2700000" algn="tl">
-                    <a:srgbClr val="000000">
-                      <a:alpha val="43137"/>
-                    </a:srgbClr>
-                  </a:outerShdw>
-                </a:effectLst>
-                <a:latin typeface="나눔고딕" pitchFamily="50" charset="-127"/>
-                <a:ea typeface="나눔고딕" pitchFamily="50" charset="-127"/>
-              </a:rPr>
-              <a:t>C</a:t>
-            </a:r>
-            <a:r>
-              <a:rPr lang="en-US" altLang="ko-KR" sz="1200" b="1" dirty="0">
-                <a:gradFill>
-                  <a:gsLst>
-                    <a:gs pos="0">
-                      <a:srgbClr val="68727E"/>
-                    </a:gs>
-                    <a:gs pos="50000">
-                      <a:srgbClr val="68727E"/>
-                    </a:gs>
-                  </a:gsLst>
-                  <a:lin ang="5400000" scaled="0"/>
-                </a:gradFill>
-                <a:latin typeface="나눔고딕" pitchFamily="50" charset="-127"/>
-                <a:ea typeface="나눔고딕" pitchFamily="50" charset="-127"/>
-              </a:rPr>
-              <a:t> team</a:t>
-            </a:r>
-            <a:endParaRPr lang="ko-KR" altLang="en-US" sz="1200" b="1" dirty="0">
-              <a:gradFill>
-                <a:gsLst>
-                  <a:gs pos="0">
-                    <a:srgbClr val="68727E"/>
-                  </a:gs>
-                  <a:gs pos="50000">
-                    <a:srgbClr val="68727E"/>
-                  </a:gs>
-                </a:gsLst>
-                <a:lin ang="5400000" scaled="0"/>
-              </a:gradFill>
-              <a:latin typeface="나눔고딕" pitchFamily="50" charset="-127"/>
-              <a:ea typeface="나눔고딕" pitchFamily="50" charset="-127"/>
-            </a:endParaRPr>
-          </a:p>
-        </p:txBody>
-      </p:sp>
-      <p:sp>
-        <p:nvSpPr>
-          <p:cNvPr id="21" name="TextBox 20"/>
-          <p:cNvSpPr txBox="1"/>
-          <p:nvPr/>
-        </p:nvSpPr>
-        <p:spPr>
-          <a:xfrm>
             <a:off x="179512" y="461805"/>
-            <a:ext cx="5184576" cy="369332"/>
+            <a:ext cx="7488832" cy="369332"/>
           </a:xfrm>
           <a:prstGeom prst="rect">
             <a:avLst/>
@@ -5761,7 +5227,7 @@
                 <a:latin typeface="나눔고딕" pitchFamily="50" charset="-127"/>
                 <a:ea typeface="나눔고딕" pitchFamily="50" charset="-127"/>
               </a:rPr>
-              <a:t>Map search Sequence Diagram</a:t>
+              <a:t>Map’s current location Sequence Diagram</a:t>
             </a:r>
             <a:endParaRPr lang="ko-KR" altLang="en-US" sz="2000" spc="300" dirty="0">
               <a:gradFill>
@@ -5781,40 +5247,91 @@
           </a:p>
         </p:txBody>
       </p:sp>
-      <p:sp>
-        <p:nvSpPr>
-          <p:cNvPr id="5" name="슬라이드 번호 개체 틀 4"/>
-          <p:cNvSpPr>
-            <a:spLocks noGrp="1"/>
-          </p:cNvSpPr>
-          <p:nvPr>
-            <p:ph type="sldNum" sz="quarter" idx="12"/>
-          </p:nvPr>
-        </p:nvSpPr>
-        <p:spPr/>
-        <p:txBody>
-          <a:bodyPr/>
-          <a:lstStyle/>
-          <a:p>
-            <a:fld id="{963B0023-0CED-47F7-85AE-654F0B232C29}" type="slidenum">
-              <a:rPr lang="en-US" altLang="ko-KR" smtClean="0"/>
-              <a:pPr/>
-              <a:t>13</a:t>
-            </a:fld>
-            <a:endParaRPr kumimoji="0" lang="ko-KR" altLang="en-US"/>
-          </a:p>
-        </p:txBody>
-      </p:sp>
-      <p:sp>
-        <p:nvSpPr>
-          <p:cNvPr id="9" name="TextBox 8"/>
+      <p:grpSp>
+        <p:nvGrpSpPr>
+          <p:cNvPr id="5" name="그룹 4"/>
+          <p:cNvGrpSpPr/>
+          <p:nvPr/>
+        </p:nvGrpSpPr>
+        <p:grpSpPr>
+          <a:xfrm>
+            <a:off x="1547664" y="1306346"/>
+            <a:ext cx="6048672" cy="5074982"/>
+            <a:chOff x="842168" y="1574453"/>
+            <a:chExt cx="6902386" cy="5791268"/>
+          </a:xfrm>
+        </p:grpSpPr>
+        <p:pic>
+          <p:nvPicPr>
+            <p:cNvPr id="6" name="그림 5"/>
+            <p:cNvPicPr>
+              <a:picLocks noChangeAspect="1"/>
+            </p:cNvPicPr>
+            <p:nvPr/>
+          </p:nvPicPr>
+          <p:blipFill>
+            <a:blip r:embed="rId2">
+              <a:extLst>
+                <a:ext uri="{28A0092B-C50C-407E-A947-70E740481C1C}">
+                  <a14:useLocalDpi xmlns:a14="http://schemas.microsoft.com/office/drawing/2010/main" val="0"/>
+                </a:ext>
+              </a:extLst>
+            </a:blip>
+            <a:stretch>
+              <a:fillRect/>
+            </a:stretch>
+          </p:blipFill>
+          <p:spPr>
+            <a:xfrm>
+              <a:off x="914176" y="1574453"/>
+              <a:ext cx="6830378" cy="4086795"/>
+            </a:xfrm>
+            <a:prstGeom prst="rect">
+              <a:avLst/>
+            </a:prstGeom>
+          </p:spPr>
+        </p:pic>
+        <p:pic>
+          <p:nvPicPr>
+            <p:cNvPr id="7" name="그림 6"/>
+            <p:cNvPicPr>
+              <a:picLocks noChangeAspect="1"/>
+            </p:cNvPicPr>
+            <p:nvPr/>
+          </p:nvPicPr>
+          <p:blipFill>
+            <a:blip r:embed="rId3">
+              <a:extLst>
+                <a:ext uri="{28A0092B-C50C-407E-A947-70E740481C1C}">
+                  <a14:useLocalDpi xmlns:a14="http://schemas.microsoft.com/office/drawing/2010/main" val="0"/>
+                </a:ext>
+              </a:extLst>
+            </a:blip>
+            <a:stretch>
+              <a:fillRect/>
+            </a:stretch>
+          </p:blipFill>
+          <p:spPr>
+            <a:xfrm>
+              <a:off x="842168" y="5670034"/>
+              <a:ext cx="6754168" cy="1695687"/>
+            </a:xfrm>
+            <a:prstGeom prst="rect">
+              <a:avLst/>
+            </a:prstGeom>
+          </p:spPr>
+        </p:pic>
+      </p:grpSp>
+      <p:sp>
+        <p:nvSpPr>
+          <p:cNvPr id="12" name="TextBox 11"/>
           <p:cNvSpPr txBox="1"/>
           <p:nvPr/>
         </p:nvSpPr>
         <p:spPr>
           <a:xfrm>
-            <a:off x="8585385" y="6377836"/>
-            <a:ext cx="637728" cy="307777"/>
+            <a:off x="8746436" y="6500192"/>
+            <a:ext cx="477078" cy="307777"/>
           </a:xfrm>
           <a:prstGeom prst="rect">
             <a:avLst/>
@@ -5835,7 +5352,7 @@
                   </a:schemeClr>
                 </a:solidFill>
               </a:rPr>
-              <a:t>/19</a:t>
+              <a:t>/18</a:t>
             </a:r>
             <a:endParaRPr lang="ko-KR" altLang="en-US" sz="1400" dirty="0">
               <a:solidFill>
@@ -5847,47 +5364,16 @@
           </a:p>
         </p:txBody>
       </p:sp>
-      <p:pic>
-        <p:nvPicPr>
-          <p:cNvPr id="3" name="그림 2"/>
-          <p:cNvPicPr>
-            <a:picLocks noChangeAspect="1"/>
-          </p:cNvPicPr>
-          <p:nvPr/>
-        </p:nvPicPr>
-        <p:blipFill>
-          <a:blip r:embed="rId3">
-            <a:extLst>
-              <a:ext uri="{28A0092B-C50C-407E-A947-70E740481C1C}">
-                <a14:useLocalDpi xmlns:a14="http://schemas.microsoft.com/office/drawing/2010/main" val="0"/>
-              </a:ext>
-            </a:extLst>
-          </a:blip>
-          <a:stretch>
-            <a:fillRect/>
-          </a:stretch>
-        </p:blipFill>
-        <p:spPr>
-          <a:xfrm>
-            <a:off x="1187624" y="1127511"/>
-            <a:ext cx="6931549" cy="5185633"/>
-          </a:xfrm>
-          <a:prstGeom prst="rect">
-            <a:avLst/>
-          </a:prstGeom>
-        </p:spPr>
-      </p:pic>
     </p:spTree>
     <p:extLst>
       <p:ext uri="{BB962C8B-B14F-4D97-AF65-F5344CB8AC3E}">
-        <p14:creationId xmlns:p14="http://schemas.microsoft.com/office/powerpoint/2010/main" val="764175078"/>
+        <p14:creationId xmlns:p14="http://schemas.microsoft.com/office/powerpoint/2010/main" val="3484930065"/>
       </p:ext>
     </p:extLst>
   </p:cSld>
   <p:clrMapOvr>
     <a:masterClrMapping/>
   </p:clrMapOvr>
-  <p:transition/>
   <p:timing>
     <p:tnLst>
       <p:par>
@@ -5915,86 +5401,39 @@
           <a:chExt cx="0" cy="0"/>
         </a:xfrm>
       </p:grpSpPr>
-      <p:cxnSp>
-        <p:nvCxnSpPr>
-          <p:cNvPr id="15" name="직선 연결선 14"/>
-          <p:cNvCxnSpPr/>
-          <p:nvPr/>
-        </p:nvCxnSpPr>
-        <p:spPr>
-          <a:xfrm>
-            <a:off x="251520" y="332656"/>
-            <a:ext cx="8640960" cy="0"/>
-          </a:xfrm>
-          <a:prstGeom prst="line">
-            <a:avLst/>
-          </a:prstGeom>
-          <a:ln w="3175">
-            <a:solidFill>
-              <a:srgbClr val="68727E"/>
-            </a:solidFill>
-          </a:ln>
-        </p:spPr>
-        <p:style>
-          <a:lnRef idx="1">
-            <a:schemeClr val="accent1"/>
-          </a:lnRef>
-          <a:fillRef idx="0">
-            <a:schemeClr val="accent1"/>
-          </a:fillRef>
-          <a:effectRef idx="0">
-            <a:schemeClr val="accent1"/>
-          </a:effectRef>
-          <a:fontRef idx="minor">
-            <a:schemeClr val="tx1"/>
-          </a:fontRef>
-        </p:style>
-      </p:cxnSp>
-      <p:cxnSp>
-        <p:nvCxnSpPr>
-          <p:cNvPr id="19" name="직선 연결선 18"/>
-          <p:cNvCxnSpPr/>
-          <p:nvPr/>
-        </p:nvCxnSpPr>
-        <p:spPr>
-          <a:xfrm>
-            <a:off x="221703" y="1038567"/>
-            <a:ext cx="8640960" cy="0"/>
-          </a:xfrm>
-          <a:prstGeom prst="line">
-            <a:avLst/>
-          </a:prstGeom>
-          <a:ln w="3175">
-            <a:solidFill>
-              <a:srgbClr val="68727E"/>
-            </a:solidFill>
-          </a:ln>
-        </p:spPr>
-        <p:style>
-          <a:lnRef idx="1">
-            <a:schemeClr val="accent1"/>
-          </a:lnRef>
-          <a:fillRef idx="0">
-            <a:schemeClr val="accent1"/>
-          </a:fillRef>
-          <a:effectRef idx="0">
-            <a:schemeClr val="accent1"/>
-          </a:effectRef>
-          <a:fontRef idx="minor">
-            <a:schemeClr val="tx1"/>
-          </a:fontRef>
-        </p:style>
-      </p:cxnSp>
-      <p:sp>
-        <p:nvSpPr>
-          <p:cNvPr id="16" name="TextBox 15"/>
+      <p:sp>
+        <p:nvSpPr>
+          <p:cNvPr id="2" name="슬라이드 번호 개체 틀 1"/>
+          <p:cNvSpPr>
+            <a:spLocks noGrp="1"/>
+          </p:cNvSpPr>
+          <p:nvPr>
+            <p:ph type="sldNum" sz="quarter" idx="12"/>
+          </p:nvPr>
+        </p:nvSpPr>
+        <p:spPr/>
+        <p:txBody>
+          <a:bodyPr/>
+          <a:lstStyle/>
+          <a:p>
+            <a:fld id="{B91F475D-C4CC-4CE8-81AD-732BFDCB340A}" type="slidenum">
+              <a:rPr lang="ko-KR" altLang="en-US" smtClean="0"/>
+              <a:t>14</a:t>
+            </a:fld>
+            <a:endParaRPr lang="ko-KR" altLang="en-US"/>
+          </a:p>
+        </p:txBody>
+      </p:sp>
+      <p:sp>
+        <p:nvSpPr>
+          <p:cNvPr id="7" name="TextBox 6"/>
           <p:cNvSpPr txBox="1"/>
           <p:nvPr/>
         </p:nvSpPr>
         <p:spPr>
           <a:xfrm>
-            <a:off x="7020475" y="755296"/>
-            <a:ext cx="1872208" cy="240066"/>
+            <a:off x="251520" y="3566875"/>
+            <a:ext cx="7114480" cy="720197"/>
           </a:xfrm>
           <a:prstGeom prst="rect">
             <a:avLst/>
@@ -6007,15 +5446,15 @@
           </a:bodyPr>
           <a:lstStyle/>
           <a:p>
-            <a:pPr algn="r">
+            <a:pPr>
               <a:lnSpc>
-                <a:spcPct val="80000"/>
+                <a:spcPct val="85000"/>
               </a:lnSpc>
             </a:pPr>
             <a:r>
-              <a:rPr lang="en-US" altLang="ko-KR" sz="1200" b="1" dirty="0">
+              <a:rPr lang="en-US" altLang="ko-KR" sz="4800" spc="600" dirty="0" smtClean="0">
                 <a:solidFill>
-                  <a:srgbClr val="FFC000"/>
+                  <a:srgbClr val="FF0000"/>
                 </a:solidFill>
                 <a:effectLst>
                   <a:outerShdw blurRad="38100" dist="38100" dir="2700000" algn="tl">
@@ -6027,38 +5466,52 @@
                 <a:latin typeface="나눔고딕" pitchFamily="50" charset="-127"/>
                 <a:ea typeface="나눔고딕" pitchFamily="50" charset="-127"/>
               </a:rPr>
-              <a:t>C</a:t>
-            </a:r>
-            <a:r>
-              <a:rPr lang="en-US" altLang="ko-KR" sz="1200" b="1" dirty="0">
+              <a:t>S</a:t>
+            </a:r>
+            <a:r>
+              <a:rPr lang="en-US" altLang="ko-KR" sz="4800" spc="600" dirty="0" smtClean="0">
                 <a:gradFill>
                   <a:gsLst>
                     <a:gs pos="0">
-                      <a:srgbClr val="68727E"/>
+                      <a:srgbClr val="7E858E"/>
                     </a:gs>
                     <a:gs pos="50000">
-                      <a:srgbClr val="68727E"/>
+                      <a:srgbClr val="7E858E"/>
                     </a:gs>
                   </a:gsLst>
                   <a:lin ang="5400000" scaled="0"/>
                 </a:gradFill>
+                <a:effectLst>
+                  <a:outerShdw blurRad="38100" dist="38100" dir="2700000" algn="tl">
+                    <a:srgbClr val="000000">
+                      <a:alpha val="43137"/>
+                    </a:srgbClr>
+                  </a:outerShdw>
+                </a:effectLst>
                 <a:latin typeface="나눔고딕" pitchFamily="50" charset="-127"/>
                 <a:ea typeface="나눔고딕" pitchFamily="50" charset="-127"/>
               </a:rPr>
-              <a:t> team</a:t>
-            </a:r>
-            <a:endParaRPr lang="ko-KR" altLang="en-US" sz="1200" b="1" dirty="0">
+              <a:t>ensor</a:t>
+            </a:r>
+            <a:endParaRPr lang="ko-KR" altLang="en-US" sz="4800" spc="600" dirty="0">
               <a:gradFill>
                 <a:gsLst>
                   <a:gs pos="0">
-                    <a:srgbClr val="68727E"/>
+                    <a:srgbClr val="7E858E"/>
                   </a:gs>
                   <a:gs pos="50000">
-                    <a:srgbClr val="68727E"/>
+                    <a:srgbClr val="7E858E"/>
                   </a:gs>
                 </a:gsLst>
                 <a:lin ang="5400000" scaled="0"/>
               </a:gradFill>
+              <a:effectLst>
+                <a:outerShdw blurRad="38100" dist="38100" dir="2700000" algn="tl">
+                  <a:srgbClr val="000000">
+                    <a:alpha val="43137"/>
+                  </a:srgbClr>
+                </a:outerShdw>
+              </a:effectLst>
               <a:latin typeface="나눔고딕" pitchFamily="50" charset="-127"/>
               <a:ea typeface="나눔고딕" pitchFamily="50" charset="-127"/>
             </a:endParaRPr>
@@ -6067,101 +5520,14 @@
       </p:sp>
       <p:sp>
         <p:nvSpPr>
-          <p:cNvPr id="21" name="TextBox 20"/>
+          <p:cNvPr id="4" name="TextBox 3"/>
           <p:cNvSpPr txBox="1"/>
           <p:nvPr/>
         </p:nvSpPr>
         <p:spPr>
           <a:xfrm>
-            <a:off x="179512" y="461805"/>
-            <a:ext cx="7488832" cy="369332"/>
-          </a:xfrm>
-          <a:prstGeom prst="rect">
-            <a:avLst/>
-          </a:prstGeom>
-          <a:noFill/>
-        </p:spPr>
-        <p:txBody>
-          <a:bodyPr wrap="square" rtlCol="0">
-            <a:spAutoFit/>
-          </a:bodyPr>
-          <a:lstStyle/>
-          <a:p>
-            <a:pPr>
-              <a:lnSpc>
-                <a:spcPct val="90000"/>
-              </a:lnSpc>
-            </a:pPr>
-            <a:r>
-              <a:rPr lang="en-US" altLang="ko-KR" sz="2000" spc="300" dirty="0" smtClean="0">
-                <a:gradFill>
-                  <a:gsLst>
-                    <a:gs pos="0">
-                      <a:srgbClr val="C00000"/>
-                    </a:gs>
-                    <a:gs pos="100000">
-                      <a:srgbClr val="C00000"/>
-                    </a:gs>
-                  </a:gsLst>
-                  <a:lin ang="5400000" scaled="0"/>
-                </a:gradFill>
-                <a:latin typeface="나눔고딕" pitchFamily="50" charset="-127"/>
-                <a:ea typeface="나눔고딕" pitchFamily="50" charset="-127"/>
-              </a:rPr>
-              <a:t>Map’s current location Sequence Diagram</a:t>
-            </a:r>
-            <a:endParaRPr lang="ko-KR" altLang="en-US" sz="2000" spc="300" dirty="0">
-              <a:gradFill>
-                <a:gsLst>
-                  <a:gs pos="0">
-                    <a:srgbClr val="C00000"/>
-                  </a:gs>
-                  <a:gs pos="100000">
-                    <a:srgbClr val="C00000"/>
-                  </a:gs>
-                </a:gsLst>
-                <a:lin ang="5400000" scaled="0"/>
-              </a:gradFill>
-              <a:latin typeface="나눔고딕" pitchFamily="50" charset="-127"/>
-              <a:ea typeface="나눔고딕" pitchFamily="50" charset="-127"/>
-            </a:endParaRPr>
-          </a:p>
-        </p:txBody>
-      </p:sp>
-      <p:sp>
-        <p:nvSpPr>
-          <p:cNvPr id="5" name="슬라이드 번호 개체 틀 4"/>
-          <p:cNvSpPr>
-            <a:spLocks noGrp="1"/>
-          </p:cNvSpPr>
-          <p:nvPr>
-            <p:ph type="sldNum" sz="quarter" idx="12"/>
-          </p:nvPr>
-        </p:nvSpPr>
-        <p:spPr/>
-        <p:txBody>
-          <a:bodyPr/>
-          <a:lstStyle/>
-          <a:p>
-            <a:fld id="{963B0023-0CED-47F7-85AE-654F0B232C29}" type="slidenum">
-              <a:rPr lang="en-US" altLang="ko-KR" smtClean="0"/>
-              <a:pPr/>
-              <a:t>14</a:t>
-            </a:fld>
-            <a:endParaRPr kumimoji="0" lang="ko-KR" altLang="en-US"/>
-          </a:p>
-        </p:txBody>
-      </p:sp>
-      <p:sp>
-        <p:nvSpPr>
-          <p:cNvPr id="9" name="TextBox 8"/>
-          <p:cNvSpPr txBox="1"/>
-          <p:nvPr/>
-        </p:nvSpPr>
-        <p:spPr>
-          <a:xfrm>
-            <a:off x="8585385" y="6377836"/>
-            <a:ext cx="637728" cy="307777"/>
+            <a:off x="8746436" y="6500192"/>
+            <a:ext cx="477078" cy="307777"/>
           </a:xfrm>
           <a:prstGeom prst="rect">
             <a:avLst/>
@@ -6182,7 +5548,7 @@
                   </a:schemeClr>
                 </a:solidFill>
               </a:rPr>
-              <a:t>/19</a:t>
+              <a:t>/18</a:t>
             </a:r>
             <a:endParaRPr lang="ko-KR" altLang="en-US" sz="1400" dirty="0">
               <a:solidFill>
@@ -6194,92 +5560,16 @@
           </a:p>
         </p:txBody>
       </p:sp>
-      <p:grpSp>
-        <p:nvGrpSpPr>
-          <p:cNvPr id="6" name="그룹 5"/>
-          <p:cNvGrpSpPr/>
-          <p:nvPr/>
-        </p:nvGrpSpPr>
-        <p:grpSpPr>
-          <a:xfrm>
-            <a:off x="1547664" y="1306346"/>
-            <a:ext cx="6048672" cy="5074982"/>
-            <a:chOff x="842168" y="1574453"/>
-            <a:chExt cx="6902386" cy="5791268"/>
-          </a:xfrm>
-        </p:grpSpPr>
-        <p:pic>
-          <p:nvPicPr>
-            <p:cNvPr id="2" name="그림 1"/>
-            <p:cNvPicPr>
-              <a:picLocks noChangeAspect="1"/>
-            </p:cNvPicPr>
-            <p:nvPr/>
-          </p:nvPicPr>
-          <p:blipFill>
-            <a:blip r:embed="rId3">
-              <a:extLst>
-                <a:ext uri="{28A0092B-C50C-407E-A947-70E740481C1C}">
-                  <a14:useLocalDpi xmlns:a14="http://schemas.microsoft.com/office/drawing/2010/main" val="0"/>
-                </a:ext>
-              </a:extLst>
-            </a:blip>
-            <a:stretch>
-              <a:fillRect/>
-            </a:stretch>
-          </p:blipFill>
-          <p:spPr>
-            <a:xfrm>
-              <a:off x="914176" y="1574453"/>
-              <a:ext cx="6830378" cy="4086795"/>
-            </a:xfrm>
-            <a:prstGeom prst="rect">
-              <a:avLst/>
-            </a:prstGeom>
-          </p:spPr>
-        </p:pic>
-        <p:pic>
-          <p:nvPicPr>
-            <p:cNvPr id="4" name="그림 3"/>
-            <p:cNvPicPr>
-              <a:picLocks noChangeAspect="1"/>
-            </p:cNvPicPr>
-            <p:nvPr/>
-          </p:nvPicPr>
-          <p:blipFill>
-            <a:blip r:embed="rId4">
-              <a:extLst>
-                <a:ext uri="{28A0092B-C50C-407E-A947-70E740481C1C}">
-                  <a14:useLocalDpi xmlns:a14="http://schemas.microsoft.com/office/drawing/2010/main" val="0"/>
-                </a:ext>
-              </a:extLst>
-            </a:blip>
-            <a:stretch>
-              <a:fillRect/>
-            </a:stretch>
-          </p:blipFill>
-          <p:spPr>
-            <a:xfrm>
-              <a:off x="842168" y="5670034"/>
-              <a:ext cx="6754168" cy="1695687"/>
-            </a:xfrm>
-            <a:prstGeom prst="rect">
-              <a:avLst/>
-            </a:prstGeom>
-          </p:spPr>
-        </p:pic>
-      </p:grpSp>
     </p:spTree>
     <p:extLst>
       <p:ext uri="{BB962C8B-B14F-4D97-AF65-F5344CB8AC3E}">
-        <p14:creationId xmlns:p14="http://schemas.microsoft.com/office/powerpoint/2010/main" val="745414300"/>
+        <p14:creationId xmlns:p14="http://schemas.microsoft.com/office/powerpoint/2010/main" val="1974951996"/>
       </p:ext>
     </p:extLst>
   </p:cSld>
   <p:clrMapOvr>
     <a:masterClrMapping/>
   </p:clrMapOvr>
-  <p:transition/>
   <p:timing>
     <p:tnLst>
       <p:par>
@@ -6309,14 +5599,127 @@
       </p:grpSpPr>
       <p:sp>
         <p:nvSpPr>
-          <p:cNvPr id="20" name="TextBox 19"/>
+          <p:cNvPr id="2" name="슬라이드 번호 개체 틀 1"/>
+          <p:cNvSpPr>
+            <a:spLocks noGrp="1"/>
+          </p:cNvSpPr>
+          <p:nvPr>
+            <p:ph type="sldNum" sz="quarter" idx="12"/>
+          </p:nvPr>
+        </p:nvSpPr>
+        <p:spPr/>
+        <p:txBody>
+          <a:bodyPr/>
+          <a:lstStyle/>
+          <a:p>
+            <a:fld id="{B91F475D-C4CC-4CE8-81AD-732BFDCB340A}" type="slidenum">
+              <a:rPr lang="ko-KR" altLang="en-US" smtClean="0"/>
+              <a:t>15</a:t>
+            </a:fld>
+            <a:endParaRPr lang="ko-KR" altLang="en-US"/>
+          </a:p>
+        </p:txBody>
+      </p:sp>
+      <p:pic>
+        <p:nvPicPr>
+          <p:cNvPr id="4" name="그림 3"/>
+          <p:cNvPicPr>
+            <a:picLocks noChangeAspect="1"/>
+          </p:cNvPicPr>
+          <p:nvPr/>
+        </p:nvPicPr>
+        <p:blipFill>
+          <a:blip r:embed="rId2">
+            <a:extLst>
+              <a:ext uri="{28A0092B-C50C-407E-A947-70E740481C1C}">
+                <a14:useLocalDpi xmlns:a14="http://schemas.microsoft.com/office/drawing/2010/main" val="0"/>
+              </a:ext>
+            </a:extLst>
+          </a:blip>
+          <a:stretch>
+            <a:fillRect/>
+          </a:stretch>
+        </p:blipFill>
+        <p:spPr>
+          <a:xfrm>
+            <a:off x="506818" y="2327247"/>
+            <a:ext cx="3417110" cy="648072"/>
+          </a:xfrm>
+          <a:prstGeom prst="rect">
+            <a:avLst/>
+          </a:prstGeom>
+        </p:spPr>
+      </p:pic>
+      <p:pic>
+        <p:nvPicPr>
+          <p:cNvPr id="5" name="그림 4"/>
+          <p:cNvPicPr>
+            <a:picLocks noChangeAspect="1"/>
+          </p:cNvPicPr>
+          <p:nvPr/>
+        </p:nvPicPr>
+        <p:blipFill>
+          <a:blip r:embed="rId3">
+            <a:extLst>
+              <a:ext uri="{28A0092B-C50C-407E-A947-70E740481C1C}">
+                <a14:useLocalDpi xmlns:a14="http://schemas.microsoft.com/office/drawing/2010/main" val="0"/>
+              </a:ext>
+            </a:extLst>
+          </a:blip>
+          <a:stretch>
+            <a:fillRect/>
+          </a:stretch>
+        </p:blipFill>
+        <p:spPr>
+          <a:xfrm>
+            <a:off x="506818" y="3411466"/>
+            <a:ext cx="4846007" cy="685608"/>
+          </a:xfrm>
+          <a:prstGeom prst="rect">
+            <a:avLst/>
+          </a:prstGeom>
+        </p:spPr>
+      </p:pic>
+      <p:pic>
+        <p:nvPicPr>
+          <p:cNvPr id="6" name="그림 5"/>
+          <p:cNvPicPr>
+            <a:picLocks noChangeAspect="1"/>
+          </p:cNvPicPr>
+          <p:nvPr/>
+        </p:nvPicPr>
+        <p:blipFill>
+          <a:blip r:embed="rId4">
+            <a:extLst>
+              <a:ext uri="{28A0092B-C50C-407E-A947-70E740481C1C}">
+                <a14:useLocalDpi xmlns:a14="http://schemas.microsoft.com/office/drawing/2010/main" val="0"/>
+              </a:ext>
+            </a:extLst>
+          </a:blip>
+          <a:stretch>
+            <a:fillRect/>
+          </a:stretch>
+        </p:blipFill>
+        <p:spPr>
+          <a:xfrm>
+            <a:off x="506818" y="4533221"/>
+            <a:ext cx="7632849" cy="845065"/>
+          </a:xfrm>
+          <a:prstGeom prst="rect">
+            <a:avLst/>
+          </a:prstGeom>
+        </p:spPr>
+      </p:pic>
+      <p:sp>
+        <p:nvSpPr>
+          <p:cNvPr id="7" name="TextBox 6"/>
           <p:cNvSpPr txBox="1"/>
           <p:nvPr/>
         </p:nvSpPr>
         <p:spPr>
           <a:xfrm>
-            <a:off x="251520" y="3566875"/>
-            <a:ext cx="5304078" cy="720197"/>
+            <a:off x="179512" y="461805"/>
+            <a:ext cx="7488832" cy="369332"/>
           </a:xfrm>
           <a:prstGeom prst="rect">
             <a:avLst/>
@@ -6331,172 +5734,18 @@
           <a:p>
             <a:pPr>
               <a:lnSpc>
-                <a:spcPct val="85000"/>
+                <a:spcPct val="90000"/>
               </a:lnSpc>
             </a:pPr>
             <a:r>
-              <a:rPr lang="en-US" altLang="ko-KR" sz="4800" spc="600" dirty="0" smtClean="0">
-                <a:solidFill>
-                  <a:srgbClr val="FF0000"/>
-                </a:solidFill>
-                <a:effectLst>
-                  <a:outerShdw blurRad="38100" dist="38100" dir="2700000" algn="tl">
-                    <a:srgbClr val="000000">
-                      <a:alpha val="43137"/>
-                    </a:srgbClr>
-                  </a:outerShdw>
-                </a:effectLst>
-                <a:latin typeface="나눔고딕" pitchFamily="50" charset="-127"/>
-                <a:ea typeface="나눔고딕" pitchFamily="50" charset="-127"/>
-              </a:rPr>
-              <a:t>S</a:t>
-            </a:r>
-            <a:r>
-              <a:rPr lang="en-US" altLang="ko-KR" sz="4800" spc="600" dirty="0" smtClean="0">
-                <a:solidFill>
-                  <a:srgbClr val="7E858E"/>
-                </a:solidFill>
-                <a:effectLst>
-                  <a:outerShdw blurRad="38100" dist="38100" dir="2700000" algn="tl">
-                    <a:srgbClr val="000000">
-                      <a:alpha val="43137"/>
-                    </a:srgbClr>
-                  </a:outerShdw>
-                </a:effectLst>
-                <a:latin typeface="나눔고딕" pitchFamily="50" charset="-127"/>
-                <a:ea typeface="나눔고딕" pitchFamily="50" charset="-127"/>
-              </a:rPr>
-              <a:t>ensor</a:t>
-            </a:r>
-            <a:r>
-              <a:rPr lang="en-US" altLang="ko-KR" sz="4800" spc="600" dirty="0" smtClean="0">
+              <a:rPr lang="en-US" altLang="ko-KR" sz="2000" spc="300" dirty="0" smtClean="0">
                 <a:gradFill>
                   <a:gsLst>
                     <a:gs pos="0">
-                      <a:srgbClr val="7E858E"/>
+                      <a:srgbClr val="C00000"/>
                     </a:gs>
-                    <a:gs pos="50000">
-                      <a:srgbClr val="7E858E"/>
-                    </a:gs>
-                  </a:gsLst>
-                  <a:lin ang="5400000" scaled="0"/>
-                </a:gradFill>
-                <a:effectLst>
-                  <a:outerShdw blurRad="38100" dist="38100" dir="2700000" algn="tl">
-                    <a:srgbClr val="000000">
-                      <a:alpha val="43137"/>
-                    </a:srgbClr>
-                  </a:outerShdw>
-                </a:effectLst>
-                <a:latin typeface="나눔고딕" pitchFamily="50" charset="-127"/>
-                <a:ea typeface="나눔고딕" pitchFamily="50" charset="-127"/>
-              </a:rPr>
-              <a:t> </a:t>
-            </a:r>
-            <a:r>
-              <a:rPr lang="en-US" altLang="ko-KR" sz="4800" spc="600" dirty="0" smtClean="0">
-                <a:solidFill>
-                  <a:srgbClr val="FF0000"/>
-                </a:solidFill>
-                <a:effectLst>
-                  <a:outerShdw blurRad="38100" dist="38100" dir="2700000" algn="tl">
-                    <a:srgbClr val="000000">
-                      <a:alpha val="43137"/>
-                    </a:srgbClr>
-                  </a:outerShdw>
-                </a:effectLst>
-                <a:latin typeface="나눔고딕" pitchFamily="50" charset="-127"/>
-                <a:ea typeface="나눔고딕" pitchFamily="50" charset="-127"/>
-              </a:rPr>
-              <a:t>C</a:t>
-            </a:r>
-            <a:r>
-              <a:rPr lang="en-US" altLang="ko-KR" sz="4800" spc="600" dirty="0" smtClean="0">
-                <a:solidFill>
-                  <a:srgbClr val="7E858E"/>
-                </a:solidFill>
-                <a:effectLst>
-                  <a:outerShdw blurRad="38100" dist="38100" dir="2700000" algn="tl">
-                    <a:srgbClr val="000000">
-                      <a:alpha val="43137"/>
-                    </a:srgbClr>
-                  </a:outerShdw>
-                </a:effectLst>
-                <a:latin typeface="나눔고딕" pitchFamily="50" charset="-127"/>
-                <a:ea typeface="나눔고딕" pitchFamily="50" charset="-127"/>
-              </a:rPr>
-              <a:t>ode</a:t>
-            </a:r>
-            <a:endParaRPr lang="en-US" altLang="ko-KR" sz="4800" spc="600" dirty="0">
-              <a:solidFill>
-                <a:srgbClr val="FF0000"/>
-              </a:solidFill>
-              <a:effectLst>
-                <a:outerShdw blurRad="38100" dist="38100" dir="2700000" algn="tl">
-                  <a:srgbClr val="000000">
-                    <a:alpha val="43137"/>
-                  </a:srgbClr>
-                </a:outerShdw>
-              </a:effectLst>
-              <a:latin typeface="나눔고딕" pitchFamily="50" charset="-127"/>
-              <a:ea typeface="나눔고딕" pitchFamily="50" charset="-127"/>
-            </a:endParaRPr>
-          </a:p>
-        </p:txBody>
-      </p:sp>
-      <p:sp>
-        <p:nvSpPr>
-          <p:cNvPr id="21" name="TextBox 20"/>
-          <p:cNvSpPr txBox="1"/>
-          <p:nvPr/>
-        </p:nvSpPr>
-        <p:spPr>
-          <a:xfrm>
-            <a:off x="7092280" y="3501008"/>
-            <a:ext cx="1872208" cy="240066"/>
-          </a:xfrm>
-          <a:prstGeom prst="rect">
-            <a:avLst/>
-          </a:prstGeom>
-          <a:noFill/>
-        </p:spPr>
-        <p:txBody>
-          <a:bodyPr wrap="square" rtlCol="0">
-            <a:spAutoFit/>
-          </a:bodyPr>
-          <a:lstStyle/>
-          <a:p>
-            <a:pPr algn="r">
-              <a:lnSpc>
-                <a:spcPct val="80000"/>
-              </a:lnSpc>
-            </a:pPr>
-            <a:r>
-              <a:rPr lang="en-US" altLang="ko-KR" sz="1200" b="1" dirty="0">
-                <a:solidFill>
-                  <a:srgbClr val="FFC000"/>
-                </a:solidFill>
-                <a:effectLst>
-                  <a:outerShdw blurRad="38100" dist="38100" dir="2700000" algn="tl">
-                    <a:srgbClr val="000000">
-                      <a:alpha val="43137"/>
-                    </a:srgbClr>
-                  </a:outerShdw>
-                </a:effectLst>
-                <a:latin typeface="나눔고딕" pitchFamily="50" charset="-127"/>
-                <a:ea typeface="나눔고딕" pitchFamily="50" charset="-127"/>
-              </a:rPr>
-              <a:t>C</a:t>
-            </a:r>
-            <a:r>
-              <a:rPr lang="en-US" altLang="ko-KR" sz="1200" b="1" dirty="0">
-                <a:gradFill>
-                  <a:gsLst>
-                    <a:gs pos="0">
-                      <a:srgbClr val="68727E"/>
-                    </a:gs>
-                    <a:gs pos="50000">
-                      <a:srgbClr val="68727E"/>
+                    <a:gs pos="100000">
+                      <a:srgbClr val="C00000"/>
                     </a:gs>
                   </a:gsLst>
                   <a:lin ang="5400000" scaled="0"/>
@@ -6504,16 +5753,16 @@
                 <a:latin typeface="나눔고딕" pitchFamily="50" charset="-127"/>
                 <a:ea typeface="나눔고딕" pitchFamily="50" charset="-127"/>
               </a:rPr>
-              <a:t> team</a:t>
-            </a:r>
-            <a:endParaRPr lang="ko-KR" altLang="en-US" sz="1200" b="1" dirty="0">
+              <a:t>Modified Code in python</a:t>
+            </a:r>
+            <a:endParaRPr lang="ko-KR" altLang="en-US" sz="2000" spc="300" dirty="0">
               <a:gradFill>
                 <a:gsLst>
                   <a:gs pos="0">
-                    <a:srgbClr val="68727E"/>
+                    <a:srgbClr val="C00000"/>
                   </a:gs>
-                  <a:gs pos="50000">
-                    <a:srgbClr val="68727E"/>
+                  <a:gs pos="100000">
+                    <a:srgbClr val="C00000"/>
                   </a:gs>
                 </a:gsLst>
                 <a:lin ang="5400000" scaled="0"/>
@@ -6524,254 +5773,16 @@
           </a:p>
         </p:txBody>
       </p:sp>
-      <p:cxnSp>
-        <p:nvCxnSpPr>
-          <p:cNvPr id="10" name="직선 연결선 9"/>
-          <p:cNvCxnSpPr/>
-          <p:nvPr/>
-        </p:nvCxnSpPr>
-        <p:spPr>
-          <a:xfrm>
-            <a:off x="251520" y="3429000"/>
-            <a:ext cx="8640960" cy="0"/>
-          </a:xfrm>
-          <a:prstGeom prst="line">
-            <a:avLst/>
-          </a:prstGeom>
-          <a:ln w="3175">
-            <a:solidFill>
-              <a:srgbClr val="68727E"/>
-            </a:solidFill>
-          </a:ln>
-        </p:spPr>
-        <p:style>
-          <a:lnRef idx="1">
-            <a:schemeClr val="accent1"/>
-          </a:lnRef>
-          <a:fillRef idx="0">
-            <a:schemeClr val="accent1"/>
-          </a:fillRef>
-          <a:effectRef idx="0">
-            <a:schemeClr val="accent1"/>
-          </a:effectRef>
-          <a:fontRef idx="minor">
-            <a:schemeClr val="tx1"/>
-          </a:fontRef>
-        </p:style>
-      </p:cxnSp>
-      <p:cxnSp>
-        <p:nvCxnSpPr>
-          <p:cNvPr id="12" name="직선 연결선 11"/>
-          <p:cNvCxnSpPr/>
-          <p:nvPr/>
-        </p:nvCxnSpPr>
-        <p:spPr>
-          <a:xfrm>
-            <a:off x="251520" y="332656"/>
-            <a:ext cx="8640960" cy="0"/>
-          </a:xfrm>
-          <a:prstGeom prst="line">
-            <a:avLst/>
-          </a:prstGeom>
-          <a:ln w="3175">
-            <a:solidFill>
-              <a:srgbClr val="68727E"/>
-            </a:solidFill>
-          </a:ln>
-        </p:spPr>
-        <p:style>
-          <a:lnRef idx="1">
-            <a:schemeClr val="accent1"/>
-          </a:lnRef>
-          <a:fillRef idx="0">
-            <a:schemeClr val="accent1"/>
-          </a:fillRef>
-          <a:effectRef idx="0">
-            <a:schemeClr val="accent1"/>
-          </a:effectRef>
-          <a:fontRef idx="minor">
-            <a:schemeClr val="tx1"/>
-          </a:fontRef>
-        </p:style>
-      </p:cxnSp>
-      <p:cxnSp>
-        <p:nvCxnSpPr>
-          <p:cNvPr id="13" name="직선 연결선 12"/>
-          <p:cNvCxnSpPr/>
-          <p:nvPr/>
-        </p:nvCxnSpPr>
-        <p:spPr>
-          <a:xfrm>
-            <a:off x="251520" y="6534000"/>
-            <a:ext cx="8640960" cy="0"/>
-          </a:xfrm>
-          <a:prstGeom prst="line">
-            <a:avLst/>
-          </a:prstGeom>
-          <a:ln w="3175">
-            <a:solidFill>
-              <a:srgbClr val="68727E"/>
-            </a:solidFill>
-          </a:ln>
-        </p:spPr>
-        <p:style>
-          <a:lnRef idx="1">
-            <a:schemeClr val="accent1"/>
-          </a:lnRef>
-          <a:fillRef idx="0">
-            <a:schemeClr val="accent1"/>
-          </a:fillRef>
-          <a:effectRef idx="0">
-            <a:schemeClr val="accent1"/>
-          </a:effectRef>
-          <a:fontRef idx="minor">
-            <a:schemeClr val="tx1"/>
-          </a:fontRef>
-        </p:style>
-      </p:cxnSp>
-      <p:sp>
-        <p:nvSpPr>
-          <p:cNvPr id="9" name="TextBox 8"/>
+      <p:sp>
+        <p:nvSpPr>
+          <p:cNvPr id="8" name="TextBox 7"/>
           <p:cNvSpPr txBox="1"/>
           <p:nvPr/>
         </p:nvSpPr>
         <p:spPr>
           <a:xfrm>
-            <a:off x="172156" y="6133150"/>
-            <a:ext cx="4039705" cy="418576"/>
-          </a:xfrm>
-          <a:prstGeom prst="rect">
-            <a:avLst/>
-          </a:prstGeom>
-          <a:noFill/>
-        </p:spPr>
-        <p:txBody>
-          <a:bodyPr wrap="square" rtlCol="0">
-            <a:spAutoFit/>
-          </a:bodyPr>
-          <a:lstStyle/>
-          <a:p>
-            <a:pPr>
-              <a:lnSpc>
-                <a:spcPct val="150000"/>
-              </a:lnSpc>
-            </a:pPr>
-            <a:r>
-              <a:rPr lang="en-US" altLang="ko-KR" sz="1600" dirty="0">
-                <a:solidFill>
-                  <a:srgbClr val="FFC000"/>
-                </a:solidFill>
-                <a:effectLst>
-                  <a:outerShdw blurRad="38100" dist="38100" dir="2700000" algn="tl">
-                    <a:srgbClr val="000000">
-                      <a:alpha val="43137"/>
-                    </a:srgbClr>
-                  </a:outerShdw>
-                </a:effectLst>
-                <a:latin typeface="나눔고딕" pitchFamily="50" charset="-127"/>
-                <a:ea typeface="나눔고딕" pitchFamily="50" charset="-127"/>
-              </a:rPr>
-              <a:t>Q</a:t>
-            </a:r>
-            <a:r>
-              <a:rPr lang="en-US" altLang="ko-KR" sz="1600" dirty="0">
-                <a:solidFill>
-                  <a:schemeClr val="tx1">
-                    <a:lumMod val="85000"/>
-                    <a:lumOff val="15000"/>
-                  </a:schemeClr>
-                </a:solidFill>
-                <a:effectLst>
-                  <a:outerShdw blurRad="38100" dist="38100" dir="2700000" algn="tl">
-                    <a:srgbClr val="000000">
-                      <a:alpha val="43137"/>
-                    </a:srgbClr>
-                  </a:outerShdw>
-                </a:effectLst>
-                <a:latin typeface="나눔고딕" pitchFamily="50" charset="-127"/>
-                <a:ea typeface="나눔고딕" pitchFamily="50" charset="-127"/>
-              </a:rPr>
-              <a:t>ualcomm </a:t>
-            </a:r>
-            <a:r>
-              <a:rPr lang="en-US" altLang="ko-KR" sz="1600" dirty="0">
-                <a:solidFill>
-                  <a:srgbClr val="FFC000"/>
-                </a:solidFill>
-                <a:effectLst>
-                  <a:outerShdw blurRad="38100" dist="38100" dir="2700000" algn="tl">
-                    <a:srgbClr val="000000">
-                      <a:alpha val="43137"/>
-                    </a:srgbClr>
-                  </a:outerShdw>
-                </a:effectLst>
-                <a:latin typeface="나눔고딕" pitchFamily="50" charset="-127"/>
-                <a:ea typeface="나눔고딕" pitchFamily="50" charset="-127"/>
-              </a:rPr>
-              <a:t>I</a:t>
-            </a:r>
-            <a:r>
-              <a:rPr lang="en-US" altLang="ko-KR" sz="1600" dirty="0">
-                <a:solidFill>
-                  <a:schemeClr val="tx1">
-                    <a:lumMod val="85000"/>
-                    <a:lumOff val="15000"/>
-                  </a:schemeClr>
-                </a:solidFill>
-                <a:effectLst>
-                  <a:outerShdw blurRad="38100" dist="38100" dir="2700000" algn="tl">
-                    <a:srgbClr val="000000">
-                      <a:alpha val="43137"/>
-                    </a:srgbClr>
-                  </a:outerShdw>
-                </a:effectLst>
-                <a:latin typeface="나눔고딕" pitchFamily="50" charset="-127"/>
-                <a:ea typeface="나눔고딕" pitchFamily="50" charset="-127"/>
-              </a:rPr>
-              <a:t>nstitute</a:t>
-            </a:r>
-          </a:p>
-        </p:txBody>
-      </p:sp>
-      <p:sp>
-        <p:nvSpPr>
-          <p:cNvPr id="2" name="슬라이드 번호 개체 틀 1"/>
-          <p:cNvSpPr>
-            <a:spLocks noGrp="1"/>
-          </p:cNvSpPr>
-          <p:nvPr>
-            <p:ph type="sldNum" sz="quarter" idx="12"/>
-          </p:nvPr>
-        </p:nvSpPr>
-        <p:spPr>
-          <a:xfrm>
-            <a:off x="6588224" y="6482418"/>
-            <a:ext cx="2133600" cy="365125"/>
-          </a:xfrm>
-        </p:spPr>
-        <p:txBody>
-          <a:bodyPr/>
-          <a:lstStyle/>
-          <a:p>
-            <a:fld id="{963B0023-0CED-47F7-85AE-654F0B232C29}" type="slidenum">
-              <a:rPr lang="en-US" altLang="ko-KR" smtClean="0"/>
-              <a:pPr/>
-              <a:t>15</a:t>
-            </a:fld>
-            <a:endParaRPr kumimoji="0" lang="ko-KR" altLang="en-US" dirty="0"/>
-          </a:p>
-        </p:txBody>
-      </p:sp>
-      <p:sp>
-        <p:nvSpPr>
-          <p:cNvPr id="11" name="TextBox 10"/>
-          <p:cNvSpPr txBox="1"/>
-          <p:nvPr/>
-        </p:nvSpPr>
-        <p:spPr>
-          <a:xfrm>
-            <a:off x="8661616" y="6494448"/>
-            <a:ext cx="579753" cy="307777"/>
+            <a:off x="8746436" y="6500192"/>
+            <a:ext cx="477078" cy="307777"/>
           </a:xfrm>
           <a:prstGeom prst="rect">
             <a:avLst/>
@@ -6792,7 +5803,7 @@
                   </a:schemeClr>
                 </a:solidFill>
               </a:rPr>
-              <a:t>/19</a:t>
+              <a:t>/18</a:t>
             </a:r>
             <a:endParaRPr lang="ko-KR" altLang="en-US" sz="1400" dirty="0">
               <a:solidFill>
@@ -6807,14 +5818,13 @@
     </p:spTree>
     <p:extLst>
       <p:ext uri="{BB962C8B-B14F-4D97-AF65-F5344CB8AC3E}">
-        <p14:creationId xmlns:p14="http://schemas.microsoft.com/office/powerpoint/2010/main" val="988522020"/>
+        <p14:creationId xmlns:p14="http://schemas.microsoft.com/office/powerpoint/2010/main" val="2762535455"/>
       </p:ext>
     </p:extLst>
   </p:cSld>
   <p:clrMapOvr>
     <a:masterClrMapping/>
   </p:clrMapOvr>
-  <p:transition/>
   <p:timing>
     <p:tnLst>
       <p:par>
@@ -6842,159 +5852,32 @@
           <a:chExt cx="0" cy="0"/>
         </a:xfrm>
       </p:grpSpPr>
-      <p:cxnSp>
-        <p:nvCxnSpPr>
-          <p:cNvPr id="15" name="직선 연결선 14"/>
-          <p:cNvCxnSpPr/>
-          <p:nvPr/>
-        </p:nvCxnSpPr>
-        <p:spPr>
-          <a:xfrm>
-            <a:off x="251520" y="332656"/>
-            <a:ext cx="8640960" cy="0"/>
-          </a:xfrm>
-          <a:prstGeom prst="line">
-            <a:avLst/>
-          </a:prstGeom>
-          <a:ln w="3175">
-            <a:solidFill>
-              <a:srgbClr val="68727E"/>
-            </a:solidFill>
-          </a:ln>
-        </p:spPr>
-        <p:style>
-          <a:lnRef idx="1">
-            <a:schemeClr val="accent1"/>
-          </a:lnRef>
-          <a:fillRef idx="0">
-            <a:schemeClr val="accent1"/>
-          </a:fillRef>
-          <a:effectRef idx="0">
-            <a:schemeClr val="accent1"/>
-          </a:effectRef>
-          <a:fontRef idx="minor">
-            <a:schemeClr val="tx1"/>
-          </a:fontRef>
-        </p:style>
-      </p:cxnSp>
-      <p:cxnSp>
-        <p:nvCxnSpPr>
-          <p:cNvPr id="19" name="직선 연결선 18"/>
-          <p:cNvCxnSpPr/>
-          <p:nvPr/>
-        </p:nvCxnSpPr>
-        <p:spPr>
-          <a:xfrm>
-            <a:off x="221703" y="1038567"/>
-            <a:ext cx="8640960" cy="0"/>
-          </a:xfrm>
-          <a:prstGeom prst="line">
-            <a:avLst/>
-          </a:prstGeom>
-          <a:ln w="3175">
-            <a:solidFill>
-              <a:srgbClr val="68727E"/>
-            </a:solidFill>
-          </a:ln>
-        </p:spPr>
-        <p:style>
-          <a:lnRef idx="1">
-            <a:schemeClr val="accent1"/>
-          </a:lnRef>
-          <a:fillRef idx="0">
-            <a:schemeClr val="accent1"/>
-          </a:fillRef>
-          <a:effectRef idx="0">
-            <a:schemeClr val="accent1"/>
-          </a:effectRef>
-          <a:fontRef idx="minor">
-            <a:schemeClr val="tx1"/>
-          </a:fontRef>
-        </p:style>
-      </p:cxnSp>
-      <p:sp>
-        <p:nvSpPr>
-          <p:cNvPr id="16" name="TextBox 15"/>
-          <p:cNvSpPr txBox="1"/>
-          <p:nvPr/>
-        </p:nvSpPr>
-        <p:spPr>
-          <a:xfrm>
-            <a:off x="7020475" y="755296"/>
-            <a:ext cx="1872208" cy="240066"/>
-          </a:xfrm>
-          <a:prstGeom prst="rect">
-            <a:avLst/>
-          </a:prstGeom>
-          <a:noFill/>
-        </p:spPr>
-        <p:txBody>
-          <a:bodyPr wrap="square" rtlCol="0">
-            <a:spAutoFit/>
-          </a:bodyPr>
-          <a:lstStyle/>
-          <a:p>
-            <a:pPr algn="r">
-              <a:lnSpc>
-                <a:spcPct val="80000"/>
-              </a:lnSpc>
-            </a:pPr>
-            <a:r>
-              <a:rPr lang="en-US" altLang="ko-KR" sz="1200" b="1" dirty="0">
-                <a:solidFill>
-                  <a:srgbClr val="FFC000"/>
-                </a:solidFill>
-                <a:effectLst>
-                  <a:outerShdw blurRad="38100" dist="38100" dir="2700000" algn="tl">
-                    <a:srgbClr val="000000">
-                      <a:alpha val="43137"/>
-                    </a:srgbClr>
-                  </a:outerShdw>
-                </a:effectLst>
-                <a:latin typeface="나눔고딕" pitchFamily="50" charset="-127"/>
-                <a:ea typeface="나눔고딕" pitchFamily="50" charset="-127"/>
-              </a:rPr>
-              <a:t>C</a:t>
-            </a:r>
-            <a:r>
-              <a:rPr lang="en-US" altLang="ko-KR" sz="1200" b="1" dirty="0">
-                <a:gradFill>
-                  <a:gsLst>
-                    <a:gs pos="0">
-                      <a:srgbClr val="68727E"/>
-                    </a:gs>
-                    <a:gs pos="50000">
-                      <a:srgbClr val="68727E"/>
-                    </a:gs>
-                  </a:gsLst>
-                  <a:lin ang="5400000" scaled="0"/>
-                </a:gradFill>
-                <a:latin typeface="나눔고딕" pitchFamily="50" charset="-127"/>
-                <a:ea typeface="나눔고딕" pitchFamily="50" charset="-127"/>
-              </a:rPr>
-              <a:t> team</a:t>
-            </a:r>
-            <a:endParaRPr lang="ko-KR" altLang="en-US" sz="1200" b="1" dirty="0">
-              <a:gradFill>
-                <a:gsLst>
-                  <a:gs pos="0">
-                    <a:srgbClr val="68727E"/>
-                  </a:gs>
-                  <a:gs pos="50000">
-                    <a:srgbClr val="68727E"/>
-                  </a:gs>
-                </a:gsLst>
-                <a:lin ang="5400000" scaled="0"/>
-              </a:gradFill>
-              <a:latin typeface="나눔고딕" pitchFamily="50" charset="-127"/>
-              <a:ea typeface="나눔고딕" pitchFamily="50" charset="-127"/>
-            </a:endParaRPr>
-          </a:p>
-        </p:txBody>
-      </p:sp>
-      <p:sp>
-        <p:nvSpPr>
-          <p:cNvPr id="21" name="TextBox 20"/>
+      <p:sp>
+        <p:nvSpPr>
+          <p:cNvPr id="2" name="슬라이드 번호 개체 틀 1"/>
+          <p:cNvSpPr>
+            <a:spLocks noGrp="1"/>
+          </p:cNvSpPr>
+          <p:nvPr>
+            <p:ph type="sldNum" sz="quarter" idx="12"/>
+          </p:nvPr>
+        </p:nvSpPr>
+        <p:spPr/>
+        <p:txBody>
+          <a:bodyPr/>
+          <a:lstStyle/>
+          <a:p>
+            <a:fld id="{B91F475D-C4CC-4CE8-81AD-732BFDCB340A}" type="slidenum">
+              <a:rPr lang="ko-KR" altLang="en-US" smtClean="0"/>
+              <a:t>16</a:t>
+            </a:fld>
+            <a:endParaRPr lang="ko-KR" altLang="en-US"/>
+          </a:p>
+        </p:txBody>
+      </p:sp>
+      <p:sp>
+        <p:nvSpPr>
+          <p:cNvPr id="7" name="TextBox 6"/>
           <p:cNvSpPr txBox="1"/>
           <p:nvPr/>
         </p:nvSpPr>
@@ -7035,7 +5918,7 @@
                 <a:latin typeface="나눔고딕" pitchFamily="50" charset="-127"/>
                 <a:ea typeface="나눔고딕" pitchFamily="50" charset="-127"/>
               </a:rPr>
-              <a:t>Modified Code in python</a:t>
+              <a:t>Result Code in python</a:t>
             </a:r>
             <a:endParaRPr lang="ko-KR" altLang="en-US" sz="2000" spc="300" dirty="0">
               <a:gradFill>
@@ -7057,480 +5940,7 @@
       </p:sp>
       <p:sp>
         <p:nvSpPr>
-          <p:cNvPr id="5" name="슬라이드 번호 개체 틀 4"/>
-          <p:cNvSpPr>
-            <a:spLocks noGrp="1"/>
-          </p:cNvSpPr>
-          <p:nvPr>
-            <p:ph type="sldNum" sz="quarter" idx="12"/>
-          </p:nvPr>
-        </p:nvSpPr>
-        <p:spPr/>
-        <p:txBody>
-          <a:bodyPr/>
-          <a:lstStyle/>
-          <a:p>
-            <a:fld id="{963B0023-0CED-47F7-85AE-654F0B232C29}" type="slidenum">
-              <a:rPr lang="en-US" altLang="ko-KR" smtClean="0"/>
-              <a:pPr/>
-              <a:t>16</a:t>
-            </a:fld>
-            <a:endParaRPr kumimoji="0" lang="ko-KR" altLang="en-US"/>
-          </a:p>
-        </p:txBody>
-      </p:sp>
-      <p:sp>
-        <p:nvSpPr>
-          <p:cNvPr id="9" name="TextBox 8"/>
-          <p:cNvSpPr txBox="1"/>
-          <p:nvPr/>
-        </p:nvSpPr>
-        <p:spPr>
-          <a:xfrm>
-            <a:off x="8585385" y="6377836"/>
-            <a:ext cx="637728" cy="307777"/>
-          </a:xfrm>
-          <a:prstGeom prst="rect">
-            <a:avLst/>
-          </a:prstGeom>
-          <a:noFill/>
-        </p:spPr>
-        <p:txBody>
-          <a:bodyPr wrap="square" rtlCol="0">
-            <a:spAutoFit/>
-          </a:bodyPr>
-          <a:lstStyle/>
-          <a:p>
-            <a:r>
-              <a:rPr lang="en-US" altLang="ko-KR" sz="1400" dirty="0" smtClean="0">
-                <a:solidFill>
-                  <a:schemeClr val="bg1">
-                    <a:lumMod val="50000"/>
-                  </a:schemeClr>
-                </a:solidFill>
-              </a:rPr>
-              <a:t>/19</a:t>
-            </a:r>
-            <a:endParaRPr lang="ko-KR" altLang="en-US" sz="1400" dirty="0">
-              <a:solidFill>
-                <a:schemeClr val="bg1">
-                  <a:lumMod val="50000"/>
-                </a:schemeClr>
-              </a:solidFill>
-            </a:endParaRPr>
-          </a:p>
-        </p:txBody>
-      </p:sp>
-      <p:pic>
-        <p:nvPicPr>
-          <p:cNvPr id="3" name="그림 2"/>
-          <p:cNvPicPr>
-            <a:picLocks noChangeAspect="1"/>
-          </p:cNvPicPr>
-          <p:nvPr/>
-        </p:nvPicPr>
-        <p:blipFill>
-          <a:blip r:embed="rId3">
-            <a:extLst>
-              <a:ext uri="{28A0092B-C50C-407E-A947-70E740481C1C}">
-                <a14:useLocalDpi xmlns:a14="http://schemas.microsoft.com/office/drawing/2010/main" val="0"/>
-              </a:ext>
-            </a:extLst>
-          </a:blip>
-          <a:stretch>
-            <a:fillRect/>
-          </a:stretch>
-        </p:blipFill>
-        <p:spPr>
-          <a:xfrm>
-            <a:off x="506818" y="2327247"/>
-            <a:ext cx="3417110" cy="648072"/>
-          </a:xfrm>
-          <a:prstGeom prst="rect">
-            <a:avLst/>
-          </a:prstGeom>
-        </p:spPr>
-      </p:pic>
-      <p:pic>
-        <p:nvPicPr>
-          <p:cNvPr id="7" name="그림 6"/>
-          <p:cNvPicPr>
-            <a:picLocks noChangeAspect="1"/>
-          </p:cNvPicPr>
-          <p:nvPr/>
-        </p:nvPicPr>
-        <p:blipFill>
-          <a:blip r:embed="rId4">
-            <a:extLst>
-              <a:ext uri="{28A0092B-C50C-407E-A947-70E740481C1C}">
-                <a14:useLocalDpi xmlns:a14="http://schemas.microsoft.com/office/drawing/2010/main" val="0"/>
-              </a:ext>
-            </a:extLst>
-          </a:blip>
-          <a:stretch>
-            <a:fillRect/>
-          </a:stretch>
-        </p:blipFill>
-        <p:spPr>
-          <a:xfrm>
-            <a:off x="506818" y="3411466"/>
-            <a:ext cx="4846007" cy="685608"/>
-          </a:xfrm>
-          <a:prstGeom prst="rect">
-            <a:avLst/>
-          </a:prstGeom>
-        </p:spPr>
-      </p:pic>
-      <p:pic>
-        <p:nvPicPr>
-          <p:cNvPr id="8" name="그림 7"/>
-          <p:cNvPicPr>
-            <a:picLocks noChangeAspect="1"/>
-          </p:cNvPicPr>
-          <p:nvPr/>
-        </p:nvPicPr>
-        <p:blipFill>
-          <a:blip r:embed="rId5">
-            <a:extLst>
-              <a:ext uri="{28A0092B-C50C-407E-A947-70E740481C1C}">
-                <a14:useLocalDpi xmlns:a14="http://schemas.microsoft.com/office/drawing/2010/main" val="0"/>
-              </a:ext>
-            </a:extLst>
-          </a:blip>
-          <a:stretch>
-            <a:fillRect/>
-          </a:stretch>
-        </p:blipFill>
-        <p:spPr>
-          <a:xfrm>
-            <a:off x="506818" y="4533221"/>
-            <a:ext cx="7632849" cy="845065"/>
-          </a:xfrm>
-          <a:prstGeom prst="rect">
-            <a:avLst/>
-          </a:prstGeom>
-        </p:spPr>
-      </p:pic>
-    </p:spTree>
-    <p:extLst>
-      <p:ext uri="{BB962C8B-B14F-4D97-AF65-F5344CB8AC3E}">
-        <p14:creationId xmlns:p14="http://schemas.microsoft.com/office/powerpoint/2010/main" val="1021492564"/>
-      </p:ext>
-    </p:extLst>
-  </p:cSld>
-  <p:clrMapOvr>
-    <a:masterClrMapping/>
-  </p:clrMapOvr>
-  <p:transition/>
-  <p:timing>
-    <p:tnLst>
-      <p:par>
-        <p:cTn id="1" dur="indefinite" restart="never" nodeType="tmRoot"/>
-      </p:par>
-    </p:tnLst>
-  </p:timing>
-</p:sld>
-</file>
-
-<file path=ppt/slides/slide17.xml><?xml version="1.0" encoding="utf-8"?>
-<p:sld xmlns:a="http://schemas.openxmlformats.org/drawingml/2006/main" xmlns:r="http://schemas.openxmlformats.org/officeDocument/2006/relationships" xmlns:p="http://schemas.openxmlformats.org/presentationml/2006/main">
-  <p:cSld>
-    <p:spTree>
-      <p:nvGrpSpPr>
-        <p:cNvPr id="1" name=""/>
-        <p:cNvGrpSpPr/>
-        <p:nvPr/>
-      </p:nvGrpSpPr>
-      <p:grpSpPr>
-        <a:xfrm>
-          <a:off x="0" y="0"/>
-          <a:ext cx="0" cy="0"/>
-          <a:chOff x="0" y="0"/>
-          <a:chExt cx="0" cy="0"/>
-        </a:xfrm>
-      </p:grpSpPr>
-      <p:cxnSp>
-        <p:nvCxnSpPr>
-          <p:cNvPr id="15" name="직선 연결선 14"/>
-          <p:cNvCxnSpPr/>
-          <p:nvPr/>
-        </p:nvCxnSpPr>
-        <p:spPr>
-          <a:xfrm>
-            <a:off x="251520" y="332656"/>
-            <a:ext cx="8640960" cy="0"/>
-          </a:xfrm>
-          <a:prstGeom prst="line">
-            <a:avLst/>
-          </a:prstGeom>
-          <a:ln w="3175">
-            <a:solidFill>
-              <a:srgbClr val="68727E"/>
-            </a:solidFill>
-          </a:ln>
-        </p:spPr>
-        <p:style>
-          <a:lnRef idx="1">
-            <a:schemeClr val="accent1"/>
-          </a:lnRef>
-          <a:fillRef idx="0">
-            <a:schemeClr val="accent1"/>
-          </a:fillRef>
-          <a:effectRef idx="0">
-            <a:schemeClr val="accent1"/>
-          </a:effectRef>
-          <a:fontRef idx="minor">
-            <a:schemeClr val="tx1"/>
-          </a:fontRef>
-        </p:style>
-      </p:cxnSp>
-      <p:cxnSp>
-        <p:nvCxnSpPr>
-          <p:cNvPr id="19" name="직선 연결선 18"/>
-          <p:cNvCxnSpPr/>
-          <p:nvPr/>
-        </p:nvCxnSpPr>
-        <p:spPr>
-          <a:xfrm>
-            <a:off x="221703" y="1038567"/>
-            <a:ext cx="8640960" cy="0"/>
-          </a:xfrm>
-          <a:prstGeom prst="line">
-            <a:avLst/>
-          </a:prstGeom>
-          <a:ln w="3175">
-            <a:solidFill>
-              <a:srgbClr val="68727E"/>
-            </a:solidFill>
-          </a:ln>
-        </p:spPr>
-        <p:style>
-          <a:lnRef idx="1">
-            <a:schemeClr val="accent1"/>
-          </a:lnRef>
-          <a:fillRef idx="0">
-            <a:schemeClr val="accent1"/>
-          </a:fillRef>
-          <a:effectRef idx="0">
-            <a:schemeClr val="accent1"/>
-          </a:effectRef>
-          <a:fontRef idx="minor">
-            <a:schemeClr val="tx1"/>
-          </a:fontRef>
-        </p:style>
-      </p:cxnSp>
-      <p:sp>
-        <p:nvSpPr>
-          <p:cNvPr id="16" name="TextBox 15"/>
-          <p:cNvSpPr txBox="1"/>
-          <p:nvPr/>
-        </p:nvSpPr>
-        <p:spPr>
-          <a:xfrm>
-            <a:off x="7020475" y="755296"/>
-            <a:ext cx="1872208" cy="240066"/>
-          </a:xfrm>
-          <a:prstGeom prst="rect">
-            <a:avLst/>
-          </a:prstGeom>
-          <a:noFill/>
-        </p:spPr>
-        <p:txBody>
-          <a:bodyPr wrap="square" rtlCol="0">
-            <a:spAutoFit/>
-          </a:bodyPr>
-          <a:lstStyle/>
-          <a:p>
-            <a:pPr algn="r">
-              <a:lnSpc>
-                <a:spcPct val="80000"/>
-              </a:lnSpc>
-            </a:pPr>
-            <a:r>
-              <a:rPr lang="en-US" altLang="ko-KR" sz="1200" b="1" dirty="0">
-                <a:solidFill>
-                  <a:srgbClr val="FFC000"/>
-                </a:solidFill>
-                <a:effectLst>
-                  <a:outerShdw blurRad="38100" dist="38100" dir="2700000" algn="tl">
-                    <a:srgbClr val="000000">
-                      <a:alpha val="43137"/>
-                    </a:srgbClr>
-                  </a:outerShdw>
-                </a:effectLst>
-                <a:latin typeface="나눔고딕" pitchFamily="50" charset="-127"/>
-                <a:ea typeface="나눔고딕" pitchFamily="50" charset="-127"/>
-              </a:rPr>
-              <a:t>C</a:t>
-            </a:r>
-            <a:r>
-              <a:rPr lang="en-US" altLang="ko-KR" sz="1200" b="1" dirty="0">
-                <a:gradFill>
-                  <a:gsLst>
-                    <a:gs pos="0">
-                      <a:srgbClr val="68727E"/>
-                    </a:gs>
-                    <a:gs pos="50000">
-                      <a:srgbClr val="68727E"/>
-                    </a:gs>
-                  </a:gsLst>
-                  <a:lin ang="5400000" scaled="0"/>
-                </a:gradFill>
-                <a:latin typeface="나눔고딕" pitchFamily="50" charset="-127"/>
-                <a:ea typeface="나눔고딕" pitchFamily="50" charset="-127"/>
-              </a:rPr>
-              <a:t> team</a:t>
-            </a:r>
-            <a:endParaRPr lang="ko-KR" altLang="en-US" sz="1200" b="1" dirty="0">
-              <a:gradFill>
-                <a:gsLst>
-                  <a:gs pos="0">
-                    <a:srgbClr val="68727E"/>
-                  </a:gs>
-                  <a:gs pos="50000">
-                    <a:srgbClr val="68727E"/>
-                  </a:gs>
-                </a:gsLst>
-                <a:lin ang="5400000" scaled="0"/>
-              </a:gradFill>
-              <a:latin typeface="나눔고딕" pitchFamily="50" charset="-127"/>
-              <a:ea typeface="나눔고딕" pitchFamily="50" charset="-127"/>
-            </a:endParaRPr>
-          </a:p>
-        </p:txBody>
-      </p:sp>
-      <p:sp>
-        <p:nvSpPr>
-          <p:cNvPr id="21" name="TextBox 20"/>
-          <p:cNvSpPr txBox="1"/>
-          <p:nvPr/>
-        </p:nvSpPr>
-        <p:spPr>
-          <a:xfrm>
-            <a:off x="179512" y="461805"/>
-            <a:ext cx="7488832" cy="369332"/>
-          </a:xfrm>
-          <a:prstGeom prst="rect">
-            <a:avLst/>
-          </a:prstGeom>
-          <a:noFill/>
-        </p:spPr>
-        <p:txBody>
-          <a:bodyPr wrap="square" rtlCol="0">
-            <a:spAutoFit/>
-          </a:bodyPr>
-          <a:lstStyle/>
-          <a:p>
-            <a:pPr>
-              <a:lnSpc>
-                <a:spcPct val="90000"/>
-              </a:lnSpc>
-            </a:pPr>
-            <a:r>
-              <a:rPr lang="en-US" altLang="ko-KR" sz="2000" spc="300" dirty="0" smtClean="0">
-                <a:gradFill>
-                  <a:gsLst>
-                    <a:gs pos="0">
-                      <a:srgbClr val="C00000"/>
-                    </a:gs>
-                    <a:gs pos="100000">
-                      <a:srgbClr val="C00000"/>
-                    </a:gs>
-                  </a:gsLst>
-                  <a:lin ang="5400000" scaled="0"/>
-                </a:gradFill>
-                <a:latin typeface="나눔고딕" pitchFamily="50" charset="-127"/>
-                <a:ea typeface="나눔고딕" pitchFamily="50" charset="-127"/>
-              </a:rPr>
-              <a:t>Result Code in python</a:t>
-            </a:r>
-            <a:endParaRPr lang="ko-KR" altLang="en-US" sz="2000" spc="300" dirty="0">
-              <a:gradFill>
-                <a:gsLst>
-                  <a:gs pos="0">
-                    <a:srgbClr val="C00000"/>
-                  </a:gs>
-                  <a:gs pos="100000">
-                    <a:srgbClr val="C00000"/>
-                  </a:gs>
-                </a:gsLst>
-                <a:lin ang="5400000" scaled="0"/>
-              </a:gradFill>
-              <a:latin typeface="나눔고딕" pitchFamily="50" charset="-127"/>
-              <a:ea typeface="나눔고딕" pitchFamily="50" charset="-127"/>
-            </a:endParaRPr>
-          </a:p>
-        </p:txBody>
-      </p:sp>
-      <p:sp>
-        <p:nvSpPr>
-          <p:cNvPr id="5" name="슬라이드 번호 개체 틀 4"/>
-          <p:cNvSpPr>
-            <a:spLocks noGrp="1"/>
-          </p:cNvSpPr>
-          <p:nvPr>
-            <p:ph type="sldNum" sz="quarter" idx="12"/>
-          </p:nvPr>
-        </p:nvSpPr>
-        <p:spPr/>
-        <p:txBody>
-          <a:bodyPr/>
-          <a:lstStyle/>
-          <a:p>
-            <a:fld id="{963B0023-0CED-47F7-85AE-654F0B232C29}" type="slidenum">
-              <a:rPr lang="en-US" altLang="ko-KR" smtClean="0"/>
-              <a:pPr/>
-              <a:t>17</a:t>
-            </a:fld>
-            <a:endParaRPr kumimoji="0" lang="ko-KR" altLang="en-US"/>
-          </a:p>
-        </p:txBody>
-      </p:sp>
-      <p:sp>
-        <p:nvSpPr>
-          <p:cNvPr id="9" name="TextBox 8"/>
-          <p:cNvSpPr txBox="1"/>
-          <p:nvPr/>
-        </p:nvSpPr>
-        <p:spPr>
-          <a:xfrm>
-            <a:off x="8585385" y="6377836"/>
-            <a:ext cx="637728" cy="307777"/>
-          </a:xfrm>
-          <a:prstGeom prst="rect">
-            <a:avLst/>
-          </a:prstGeom>
-          <a:noFill/>
-        </p:spPr>
-        <p:txBody>
-          <a:bodyPr wrap="square" rtlCol="0">
-            <a:spAutoFit/>
-          </a:bodyPr>
-          <a:lstStyle/>
-          <a:p>
-            <a:r>
-              <a:rPr lang="en-US" altLang="ko-KR" sz="1400" dirty="0" smtClean="0">
-                <a:solidFill>
-                  <a:schemeClr val="bg1">
-                    <a:lumMod val="50000"/>
-                  </a:schemeClr>
-                </a:solidFill>
-              </a:rPr>
-              <a:t>/19</a:t>
-            </a:r>
-            <a:endParaRPr lang="ko-KR" altLang="en-US" sz="1400" dirty="0">
-              <a:solidFill>
-                <a:schemeClr val="bg1">
-                  <a:lumMod val="50000"/>
-                </a:schemeClr>
-              </a:solidFill>
-            </a:endParaRPr>
-          </a:p>
-        </p:txBody>
-      </p:sp>
-      <p:sp>
-        <p:nvSpPr>
-          <p:cNvPr id="6" name="오른쪽 화살표 5"/>
+          <p:cNvPr id="8" name="오른쪽 화살표 7"/>
           <p:cNvSpPr/>
           <p:nvPr/>
         </p:nvSpPr>
@@ -7578,7 +5988,7 @@
       </p:sp>
       <p:grpSp>
         <p:nvGrpSpPr>
-          <p:cNvPr id="14" name="그룹 13"/>
+          <p:cNvPr id="9" name="그룹 8"/>
           <p:cNvGrpSpPr/>
           <p:nvPr/>
         </p:nvGrpSpPr>
@@ -7592,14 +6002,14 @@
         </p:grpSpPr>
         <p:pic>
           <p:nvPicPr>
-            <p:cNvPr id="12" name="그림 11"/>
+            <p:cNvPr id="10" name="그림 9"/>
             <p:cNvPicPr>
               <a:picLocks noChangeAspect="1"/>
             </p:cNvPicPr>
             <p:nvPr/>
           </p:nvPicPr>
           <p:blipFill rotWithShape="1">
-            <a:blip r:embed="rId3">
+            <a:blip r:embed="rId2">
               <a:extLst>
                 <a:ext uri="{28A0092B-C50C-407E-A947-70E740481C1C}">
                   <a14:useLocalDpi xmlns:a14="http://schemas.microsoft.com/office/drawing/2010/main" val="0"/>
@@ -7668,7 +6078,7 @@
       </p:grpSp>
       <p:grpSp>
         <p:nvGrpSpPr>
-          <p:cNvPr id="13" name="그룹 12"/>
+          <p:cNvPr id="12" name="그룹 11"/>
           <p:cNvGrpSpPr/>
           <p:nvPr/>
         </p:nvGrpSpPr>
@@ -7682,14 +6092,14 @@
         </p:grpSpPr>
         <p:pic>
           <p:nvPicPr>
-            <p:cNvPr id="2" name="그림 1"/>
+            <p:cNvPr id="13" name="그림 12"/>
             <p:cNvPicPr>
               <a:picLocks noChangeAspect="1"/>
             </p:cNvPicPr>
             <p:nvPr/>
           </p:nvPicPr>
           <p:blipFill rotWithShape="1">
-            <a:blip r:embed="rId4">
+            <a:blip r:embed="rId3">
               <a:extLst>
                 <a:ext uri="{28A0092B-C50C-407E-A947-70E740481C1C}">
                   <a14:useLocalDpi xmlns:a14="http://schemas.microsoft.com/office/drawing/2010/main" val="0"/>
@@ -7711,7 +6121,7 @@
         </p:pic>
         <p:sp>
           <p:nvSpPr>
-            <p:cNvPr id="17" name="직사각형 16"/>
+            <p:cNvPr id="14" name="직사각형 13"/>
             <p:cNvSpPr/>
             <p:nvPr/>
           </p:nvSpPr>
@@ -7756,17 +6166,296 @@
           </p:txBody>
         </p:sp>
       </p:grpSp>
+      <p:sp>
+        <p:nvSpPr>
+          <p:cNvPr id="15" name="TextBox 14"/>
+          <p:cNvSpPr txBox="1"/>
+          <p:nvPr/>
+        </p:nvSpPr>
+        <p:spPr>
+          <a:xfrm>
+            <a:off x="8746436" y="6500192"/>
+            <a:ext cx="477078" cy="307777"/>
+          </a:xfrm>
+          <a:prstGeom prst="rect">
+            <a:avLst/>
+          </a:prstGeom>
+          <a:noFill/>
+        </p:spPr>
+        <p:txBody>
+          <a:bodyPr wrap="square" rtlCol="0">
+            <a:spAutoFit/>
+          </a:bodyPr>
+          <a:lstStyle/>
+          <a:p>
+            <a:r>
+              <a:rPr lang="en-US" altLang="ko-KR" sz="1400" dirty="0" smtClean="0">
+                <a:solidFill>
+                  <a:schemeClr val="bg1">
+                    <a:lumMod val="50000"/>
+                  </a:schemeClr>
+                </a:solidFill>
+              </a:rPr>
+              <a:t>/18</a:t>
+            </a:r>
+            <a:endParaRPr lang="ko-KR" altLang="en-US" sz="1400" dirty="0">
+              <a:solidFill>
+                <a:schemeClr val="bg1">
+                  <a:lumMod val="50000"/>
+                </a:schemeClr>
+              </a:solidFill>
+            </a:endParaRPr>
+          </a:p>
+        </p:txBody>
+      </p:sp>
     </p:spTree>
     <p:extLst>
       <p:ext uri="{BB962C8B-B14F-4D97-AF65-F5344CB8AC3E}">
-        <p14:creationId xmlns:p14="http://schemas.microsoft.com/office/powerpoint/2010/main" val="136664612"/>
+        <p14:creationId xmlns:p14="http://schemas.microsoft.com/office/powerpoint/2010/main" val="1175448337"/>
       </p:ext>
     </p:extLst>
   </p:cSld>
   <p:clrMapOvr>
     <a:masterClrMapping/>
   </p:clrMapOvr>
-  <p:transition/>
+  <p:timing>
+    <p:tnLst>
+      <p:par>
+        <p:cTn id="1" dur="indefinite" restart="never" nodeType="tmRoot"/>
+      </p:par>
+    </p:tnLst>
+  </p:timing>
+</p:sld>
+</file>
+
+<file path=ppt/slides/slide17.xml><?xml version="1.0" encoding="utf-8"?>
+<p:sld xmlns:a="http://schemas.openxmlformats.org/drawingml/2006/main" xmlns:r="http://schemas.openxmlformats.org/officeDocument/2006/relationships" xmlns:p="http://schemas.openxmlformats.org/presentationml/2006/main">
+  <p:cSld>
+    <p:spTree>
+      <p:nvGrpSpPr>
+        <p:cNvPr id="1" name=""/>
+        <p:cNvGrpSpPr/>
+        <p:nvPr/>
+      </p:nvGrpSpPr>
+      <p:grpSpPr>
+        <a:xfrm>
+          <a:off x="0" y="0"/>
+          <a:ext cx="0" cy="0"/>
+          <a:chOff x="0" y="0"/>
+          <a:chExt cx="0" cy="0"/>
+        </a:xfrm>
+      </p:grpSpPr>
+      <p:sp>
+        <p:nvSpPr>
+          <p:cNvPr id="2" name="슬라이드 번호 개체 틀 1"/>
+          <p:cNvSpPr>
+            <a:spLocks noGrp="1"/>
+          </p:cNvSpPr>
+          <p:nvPr>
+            <p:ph type="sldNum" sz="quarter" idx="12"/>
+          </p:nvPr>
+        </p:nvSpPr>
+        <p:spPr/>
+        <p:txBody>
+          <a:bodyPr/>
+          <a:lstStyle/>
+          <a:p>
+            <a:fld id="{B91F475D-C4CC-4CE8-81AD-732BFDCB340A}" type="slidenum">
+              <a:rPr lang="ko-KR" altLang="en-US" smtClean="0"/>
+              <a:t>17</a:t>
+            </a:fld>
+            <a:endParaRPr lang="ko-KR" altLang="en-US"/>
+          </a:p>
+        </p:txBody>
+      </p:sp>
+      <p:sp>
+        <p:nvSpPr>
+          <p:cNvPr id="7" name="TextBox 6"/>
+          <p:cNvSpPr txBox="1"/>
+          <p:nvPr/>
+        </p:nvSpPr>
+        <p:spPr>
+          <a:xfrm>
+            <a:off x="251520" y="3566875"/>
+            <a:ext cx="7114480" cy="720197"/>
+          </a:xfrm>
+          <a:prstGeom prst="rect">
+            <a:avLst/>
+          </a:prstGeom>
+          <a:noFill/>
+        </p:spPr>
+        <p:txBody>
+          <a:bodyPr wrap="square" rtlCol="0">
+            <a:spAutoFit/>
+          </a:bodyPr>
+          <a:lstStyle/>
+          <a:p>
+            <a:pPr>
+              <a:lnSpc>
+                <a:spcPct val="85000"/>
+              </a:lnSpc>
+            </a:pPr>
+            <a:r>
+              <a:rPr lang="en-US" altLang="ko-KR" sz="4800" spc="600" dirty="0" smtClean="0">
+                <a:solidFill>
+                  <a:srgbClr val="FF0000"/>
+                </a:solidFill>
+                <a:effectLst>
+                  <a:outerShdw blurRad="38100" dist="38100" dir="2700000" algn="tl">
+                    <a:srgbClr val="000000">
+                      <a:alpha val="43137"/>
+                    </a:srgbClr>
+                  </a:outerShdw>
+                </a:effectLst>
+                <a:latin typeface="나눔고딕" pitchFamily="50" charset="-127"/>
+                <a:ea typeface="나눔고딕" pitchFamily="50" charset="-127"/>
+              </a:rPr>
+              <a:t>A</a:t>
+            </a:r>
+            <a:r>
+              <a:rPr lang="en-US" altLang="ko-KR" sz="4800" spc="600" dirty="0" smtClean="0">
+                <a:gradFill>
+                  <a:gsLst>
+                    <a:gs pos="0">
+                      <a:srgbClr val="7E858E"/>
+                    </a:gs>
+                    <a:gs pos="50000">
+                      <a:srgbClr val="7E858E"/>
+                    </a:gs>
+                  </a:gsLst>
+                  <a:lin ang="5400000" scaled="0"/>
+                </a:gradFill>
+                <a:effectLst>
+                  <a:outerShdw blurRad="38100" dist="38100" dir="2700000" algn="tl">
+                    <a:srgbClr val="000000">
+                      <a:alpha val="43137"/>
+                    </a:srgbClr>
+                  </a:outerShdw>
+                </a:effectLst>
+                <a:latin typeface="나눔고딕" pitchFamily="50" charset="-127"/>
+                <a:ea typeface="나눔고딕" pitchFamily="50" charset="-127"/>
+              </a:rPr>
+              <a:t>pp </a:t>
+            </a:r>
+            <a:r>
+              <a:rPr lang="en-US" altLang="ko-KR" sz="4800" spc="600" dirty="0" smtClean="0">
+                <a:solidFill>
+                  <a:srgbClr val="FF0000"/>
+                </a:solidFill>
+                <a:effectLst>
+                  <a:outerShdw blurRad="38100" dist="38100" dir="2700000" algn="tl">
+                    <a:srgbClr val="000000">
+                      <a:alpha val="43137"/>
+                    </a:srgbClr>
+                  </a:outerShdw>
+                </a:effectLst>
+                <a:latin typeface="나눔고딕" pitchFamily="50" charset="-127"/>
+                <a:ea typeface="나눔고딕" pitchFamily="50" charset="-127"/>
+              </a:rPr>
+              <a:t>C</a:t>
+            </a:r>
+            <a:r>
+              <a:rPr lang="en-US" altLang="ko-KR" sz="4800" spc="600" dirty="0" smtClean="0">
+                <a:gradFill>
+                  <a:gsLst>
+                    <a:gs pos="0">
+                      <a:srgbClr val="7E858E"/>
+                    </a:gs>
+                    <a:gs pos="50000">
+                      <a:srgbClr val="7E858E"/>
+                    </a:gs>
+                  </a:gsLst>
+                  <a:lin ang="5400000" scaled="0"/>
+                </a:gradFill>
+                <a:effectLst>
+                  <a:outerShdw blurRad="38100" dist="38100" dir="2700000" algn="tl">
+                    <a:srgbClr val="000000">
+                      <a:alpha val="43137"/>
+                    </a:srgbClr>
+                  </a:outerShdw>
+                </a:effectLst>
+                <a:latin typeface="나눔고딕" pitchFamily="50" charset="-127"/>
+                <a:ea typeface="나눔고딕" pitchFamily="50" charset="-127"/>
+              </a:rPr>
+              <a:t>lient</a:t>
+            </a:r>
+            <a:endParaRPr lang="ko-KR" altLang="en-US" sz="4800" spc="600" dirty="0">
+              <a:gradFill>
+                <a:gsLst>
+                  <a:gs pos="0">
+                    <a:srgbClr val="7E858E"/>
+                  </a:gs>
+                  <a:gs pos="50000">
+                    <a:srgbClr val="7E858E"/>
+                  </a:gs>
+                </a:gsLst>
+                <a:lin ang="5400000" scaled="0"/>
+              </a:gradFill>
+              <a:effectLst>
+                <a:outerShdw blurRad="38100" dist="38100" dir="2700000" algn="tl">
+                  <a:srgbClr val="000000">
+                    <a:alpha val="43137"/>
+                  </a:srgbClr>
+                </a:outerShdw>
+              </a:effectLst>
+              <a:latin typeface="나눔고딕" pitchFamily="50" charset="-127"/>
+              <a:ea typeface="나눔고딕" pitchFamily="50" charset="-127"/>
+            </a:endParaRPr>
+          </a:p>
+        </p:txBody>
+      </p:sp>
+      <p:sp>
+        <p:nvSpPr>
+          <p:cNvPr id="4" name="TextBox 3"/>
+          <p:cNvSpPr txBox="1"/>
+          <p:nvPr/>
+        </p:nvSpPr>
+        <p:spPr>
+          <a:xfrm>
+            <a:off x="8746436" y="6500192"/>
+            <a:ext cx="477078" cy="307777"/>
+          </a:xfrm>
+          <a:prstGeom prst="rect">
+            <a:avLst/>
+          </a:prstGeom>
+          <a:noFill/>
+        </p:spPr>
+        <p:txBody>
+          <a:bodyPr wrap="square" rtlCol="0">
+            <a:spAutoFit/>
+          </a:bodyPr>
+          <a:lstStyle/>
+          <a:p>
+            <a:r>
+              <a:rPr lang="en-US" altLang="ko-KR" sz="1400" dirty="0" smtClean="0">
+                <a:solidFill>
+                  <a:schemeClr val="bg1">
+                    <a:lumMod val="50000"/>
+                  </a:schemeClr>
+                </a:solidFill>
+              </a:rPr>
+              <a:t>/18</a:t>
+            </a:r>
+            <a:endParaRPr lang="ko-KR" altLang="en-US" sz="1400" dirty="0">
+              <a:solidFill>
+                <a:schemeClr val="bg1">
+                  <a:lumMod val="50000"/>
+                </a:schemeClr>
+              </a:solidFill>
+            </a:endParaRPr>
+          </a:p>
+        </p:txBody>
+      </p:sp>
+    </p:spTree>
+    <p:extLst>
+      <p:ext uri="{BB962C8B-B14F-4D97-AF65-F5344CB8AC3E}">
+        <p14:creationId xmlns:p14="http://schemas.microsoft.com/office/powerpoint/2010/main" val="2157935345"/>
+      </p:ext>
+    </p:extLst>
+  </p:cSld>
+  <p:clrMapOvr>
+    <a:masterClrMapping/>
+  </p:clrMapOvr>
   <p:timing>
     <p:tnLst>
       <p:par>
@@ -7819,14 +6508,14 @@
       </p:sp>
       <p:sp>
         <p:nvSpPr>
-          <p:cNvPr id="7" name="TextBox 6"/>
+          <p:cNvPr id="3" name="TextBox 2"/>
           <p:cNvSpPr txBox="1"/>
           <p:nvPr/>
         </p:nvSpPr>
         <p:spPr>
           <a:xfrm>
-            <a:off x="251520" y="3566875"/>
-            <a:ext cx="7114480" cy="720197"/>
+            <a:off x="8746436" y="6500192"/>
+            <a:ext cx="477078" cy="307777"/>
           </a:xfrm>
           <a:prstGeom prst="rect">
             <a:avLst/>
@@ -7839,177 +6528,23 @@
           </a:bodyPr>
           <a:lstStyle/>
           <a:p>
-            <a:pPr>
-              <a:lnSpc>
-                <a:spcPct val="85000"/>
-              </a:lnSpc>
-            </a:pPr>
-            <a:r>
-              <a:rPr lang="en-US" altLang="ko-KR" sz="4800" spc="600" dirty="0" smtClean="0">
+            <a:r>
+              <a:rPr lang="en-US" altLang="ko-KR" sz="1400" dirty="0" smtClean="0">
                 <a:solidFill>
-                  <a:srgbClr val="FF0000"/>
+                  <a:schemeClr val="bg1">
+                    <a:lumMod val="50000"/>
+                  </a:schemeClr>
                 </a:solidFill>
-                <a:effectLst>
-                  <a:outerShdw blurRad="38100" dist="38100" dir="2700000" algn="tl">
-                    <a:srgbClr val="000000">
-                      <a:alpha val="43137"/>
-                    </a:srgbClr>
-                  </a:outerShdw>
-                </a:effectLst>
-                <a:latin typeface="나눔고딕" pitchFamily="50" charset="-127"/>
-                <a:ea typeface="나눔고딕" pitchFamily="50" charset="-127"/>
-              </a:rPr>
-              <a:t>A</a:t>
-            </a:r>
-            <a:r>
-              <a:rPr lang="en-US" altLang="ko-KR" sz="4800" spc="600" dirty="0" smtClean="0">
-                <a:gradFill>
-                  <a:gsLst>
-                    <a:gs pos="0">
-                      <a:srgbClr val="7E858E"/>
-                    </a:gs>
-                    <a:gs pos="50000">
-                      <a:srgbClr val="7E858E"/>
-                    </a:gs>
-                  </a:gsLst>
-                  <a:lin ang="5400000" scaled="0"/>
-                </a:gradFill>
-                <a:effectLst>
-                  <a:outerShdw blurRad="38100" dist="38100" dir="2700000" algn="tl">
-                    <a:srgbClr val="000000">
-                      <a:alpha val="43137"/>
-                    </a:srgbClr>
-                  </a:outerShdw>
-                </a:effectLst>
-                <a:latin typeface="나눔고딕" pitchFamily="50" charset="-127"/>
-                <a:ea typeface="나눔고딕" pitchFamily="50" charset="-127"/>
-              </a:rPr>
-              <a:t>pp </a:t>
-            </a:r>
-            <a:r>
-              <a:rPr lang="en-US" altLang="ko-KR" sz="4800" spc="600" dirty="0" smtClean="0">
-                <a:solidFill>
-                  <a:srgbClr val="FF0000"/>
-                </a:solidFill>
-                <a:effectLst>
-                  <a:outerShdw blurRad="38100" dist="38100" dir="2700000" algn="tl">
-                    <a:srgbClr val="000000">
-                      <a:alpha val="43137"/>
-                    </a:srgbClr>
-                  </a:outerShdw>
-                </a:effectLst>
-                <a:latin typeface="나눔고딕" pitchFamily="50" charset="-127"/>
-                <a:ea typeface="나눔고딕" pitchFamily="50" charset="-127"/>
-              </a:rPr>
-              <a:t>C</a:t>
-            </a:r>
-            <a:r>
-              <a:rPr lang="en-US" altLang="ko-KR" sz="4800" spc="600" dirty="0" smtClean="0">
-                <a:gradFill>
-                  <a:gsLst>
-                    <a:gs pos="0">
-                      <a:srgbClr val="7E858E"/>
-                    </a:gs>
-                    <a:gs pos="50000">
-                      <a:srgbClr val="7E858E"/>
-                    </a:gs>
-                  </a:gsLst>
-                  <a:lin ang="5400000" scaled="0"/>
-                </a:gradFill>
-                <a:effectLst>
-                  <a:outerShdw blurRad="38100" dist="38100" dir="2700000" algn="tl">
-                    <a:srgbClr val="000000">
-                      <a:alpha val="43137"/>
-                    </a:srgbClr>
-                  </a:outerShdw>
-                </a:effectLst>
-                <a:latin typeface="나눔고딕" pitchFamily="50" charset="-127"/>
-                <a:ea typeface="나눔고딕" pitchFamily="50" charset="-127"/>
-              </a:rPr>
-              <a:t>lient</a:t>
-            </a:r>
-            <a:endParaRPr lang="ko-KR" altLang="en-US" sz="4800" spc="600" dirty="0">
-              <a:gradFill>
-                <a:gsLst>
-                  <a:gs pos="0">
-                    <a:srgbClr val="7E858E"/>
-                  </a:gs>
-                  <a:gs pos="50000">
-                    <a:srgbClr val="7E858E"/>
-                  </a:gs>
-                </a:gsLst>
-                <a:lin ang="5400000" scaled="0"/>
-              </a:gradFill>
-              <a:effectLst>
-                <a:outerShdw blurRad="38100" dist="38100" dir="2700000" algn="tl">
-                  <a:srgbClr val="000000">
-                    <a:alpha val="43137"/>
-                  </a:srgbClr>
-                </a:outerShdw>
-              </a:effectLst>
-              <a:latin typeface="나눔고딕" pitchFamily="50" charset="-127"/>
-              <a:ea typeface="나눔고딕" pitchFamily="50" charset="-127"/>
+              </a:rPr>
+              <a:t>/18</a:t>
+            </a:r>
+            <a:endParaRPr lang="ko-KR" altLang="en-US" sz="1400" dirty="0">
+              <a:solidFill>
+                <a:schemeClr val="bg1">
+                  <a:lumMod val="50000"/>
+                </a:schemeClr>
+              </a:solidFill>
             </a:endParaRPr>
-          </a:p>
-        </p:txBody>
-      </p:sp>
-    </p:spTree>
-    <p:extLst>
-      <p:ext uri="{BB962C8B-B14F-4D97-AF65-F5344CB8AC3E}">
-        <p14:creationId xmlns:p14="http://schemas.microsoft.com/office/powerpoint/2010/main" val="2157935345"/>
-      </p:ext>
-    </p:extLst>
-  </p:cSld>
-  <p:clrMapOvr>
-    <a:masterClrMapping/>
-  </p:clrMapOvr>
-  <p:timing>
-    <p:tnLst>
-      <p:par>
-        <p:cTn id="1" dur="indefinite" restart="never" nodeType="tmRoot"/>
-      </p:par>
-    </p:tnLst>
-  </p:timing>
-</p:sld>
-</file>
-
-<file path=ppt/slides/slide19.xml><?xml version="1.0" encoding="utf-8"?>
-<p:sld xmlns:a="http://schemas.openxmlformats.org/drawingml/2006/main" xmlns:r="http://schemas.openxmlformats.org/officeDocument/2006/relationships" xmlns:p="http://schemas.openxmlformats.org/presentationml/2006/main">
-  <p:cSld>
-    <p:spTree>
-      <p:nvGrpSpPr>
-        <p:cNvPr id="1" name=""/>
-        <p:cNvGrpSpPr/>
-        <p:nvPr/>
-      </p:nvGrpSpPr>
-      <p:grpSpPr>
-        <a:xfrm>
-          <a:off x="0" y="0"/>
-          <a:ext cx="0" cy="0"/>
-          <a:chOff x="0" y="0"/>
-          <a:chExt cx="0" cy="0"/>
-        </a:xfrm>
-      </p:grpSpPr>
-      <p:sp>
-        <p:nvSpPr>
-          <p:cNvPr id="2" name="슬라이드 번호 개체 틀 1"/>
-          <p:cNvSpPr>
-            <a:spLocks noGrp="1"/>
-          </p:cNvSpPr>
-          <p:nvPr>
-            <p:ph type="sldNum" sz="quarter" idx="12"/>
-          </p:nvPr>
-        </p:nvSpPr>
-        <p:spPr/>
-        <p:txBody>
-          <a:bodyPr/>
-          <a:lstStyle/>
-          <a:p>
-            <a:fld id="{B91F475D-C4CC-4CE8-81AD-732BFDCB340A}" type="slidenum">
-              <a:rPr lang="ko-KR" altLang="en-US" smtClean="0"/>
-              <a:t>19</a:t>
-            </a:fld>
-            <a:endParaRPr lang="ko-KR" altLang="en-US"/>
           </a:p>
         </p:txBody>
       </p:sp>
@@ -8081,7 +6616,7 @@
         </p:nvSpPr>
         <p:spPr>
           <a:xfrm>
-            <a:off x="113224" y="1563456"/>
+            <a:off x="-338132" y="1814466"/>
             <a:ext cx="2736304" cy="2736304"/>
           </a:xfrm>
           <a:prstGeom prst="ellipse">
@@ -8169,7 +6704,7 @@
         </p:nvSpPr>
         <p:spPr>
           <a:xfrm>
-            <a:off x="1781210" y="2988576"/>
+            <a:off x="1691687" y="3098889"/>
             <a:ext cx="2736304" cy="2736304"/>
           </a:xfrm>
           <a:prstGeom prst="ellipse">
@@ -8237,7 +6772,7 @@
         </p:nvSpPr>
         <p:spPr>
           <a:xfrm>
-            <a:off x="3449196" y="1563456"/>
+            <a:off x="3488539" y="1730737"/>
             <a:ext cx="2736304" cy="2736304"/>
           </a:xfrm>
           <a:prstGeom prst="ellipse">
@@ -8305,7 +6840,7 @@
         </p:nvSpPr>
         <p:spPr>
           <a:xfrm>
-            <a:off x="6785168" y="1563456"/>
+            <a:off x="6763996" y="1730737"/>
             <a:ext cx="2736304" cy="2736304"/>
           </a:xfrm>
           <a:prstGeom prst="ellipse">
@@ -8373,7 +6908,7 @@
         </p:nvSpPr>
         <p:spPr>
           <a:xfrm>
-            <a:off x="5117182" y="2988576"/>
+            <a:off x="5079877" y="3409225"/>
             <a:ext cx="2736304" cy="2736304"/>
           </a:xfrm>
           <a:prstGeom prst="ellipse">
@@ -8416,9 +6951,47 @@
               </a:rPr>
               <a:t>Sensor</a:t>
             </a:r>
-            <a:endParaRPr lang="ko-KR" altLang="en-US" sz="2400" spc="80" dirty="0">
-              <a:latin typeface="나눔고딕" pitchFamily="50" charset="-127"/>
-              <a:ea typeface="나눔고딕" pitchFamily="50" charset="-127"/>
+          </a:p>
+        </p:txBody>
+      </p:sp>
+      <p:sp>
+        <p:nvSpPr>
+          <p:cNvPr id="12" name="TextBox 11"/>
+          <p:cNvSpPr txBox="1"/>
+          <p:nvPr/>
+        </p:nvSpPr>
+        <p:spPr>
+          <a:xfrm>
+            <a:off x="8746436" y="6500192"/>
+            <a:ext cx="477078" cy="307777"/>
+          </a:xfrm>
+          <a:prstGeom prst="rect">
+            <a:avLst/>
+          </a:prstGeom>
+          <a:noFill/>
+        </p:spPr>
+        <p:txBody>
+          <a:bodyPr wrap="square" rtlCol="0">
+            <a:spAutoFit/>
+          </a:bodyPr>
+          <a:lstStyle/>
+          <a:p>
+            <a:r>
+              <a:rPr lang="en-US" altLang="ko-KR" sz="1400" dirty="0" smtClean="0">
+                <a:solidFill>
+                  <a:schemeClr val="bg1">
+                    <a:lumMod val="50000"/>
+                  </a:schemeClr>
+                </a:solidFill>
+              </a:rPr>
+              <a:t>/18</a:t>
+            </a:r>
+            <a:endParaRPr lang="ko-KR" altLang="en-US" sz="1400" dirty="0">
+              <a:solidFill>
+                <a:schemeClr val="bg1">
+                  <a:lumMod val="50000"/>
+                </a:schemeClr>
+              </a:solidFill>
             </a:endParaRPr>
           </a:p>
         </p:txBody>
@@ -8619,6 +7192,48 @@
           </a:p>
         </p:txBody>
       </p:sp>
+      <p:sp>
+        <p:nvSpPr>
+          <p:cNvPr id="4" name="TextBox 3"/>
+          <p:cNvSpPr txBox="1"/>
+          <p:nvPr/>
+        </p:nvSpPr>
+        <p:spPr>
+          <a:xfrm>
+            <a:off x="8746436" y="6500192"/>
+            <a:ext cx="477078" cy="307777"/>
+          </a:xfrm>
+          <a:prstGeom prst="rect">
+            <a:avLst/>
+          </a:prstGeom>
+          <a:noFill/>
+        </p:spPr>
+        <p:txBody>
+          <a:bodyPr wrap="square" rtlCol="0">
+            <a:spAutoFit/>
+          </a:bodyPr>
+          <a:lstStyle/>
+          <a:p>
+            <a:r>
+              <a:rPr lang="en-US" altLang="ko-KR" sz="1400" dirty="0" smtClean="0">
+                <a:solidFill>
+                  <a:schemeClr val="bg1">
+                    <a:lumMod val="50000"/>
+                  </a:schemeClr>
+                </a:solidFill>
+              </a:rPr>
+              <a:t>/18</a:t>
+            </a:r>
+            <a:endParaRPr lang="ko-KR" altLang="en-US" sz="1400" dirty="0">
+              <a:solidFill>
+                <a:schemeClr val="bg1">
+                  <a:lumMod val="50000"/>
+                </a:schemeClr>
+              </a:solidFill>
+            </a:endParaRPr>
+          </a:p>
+        </p:txBody>
+      </p:sp>
     </p:spTree>
     <p:extLst>
       <p:ext uri="{BB962C8B-B14F-4D97-AF65-F5344CB8AC3E}">
@@ -8742,6 +7357,1115 @@
           </a:p>
         </p:txBody>
       </p:sp>
+      <p:sp>
+        <p:nvSpPr>
+          <p:cNvPr id="4" name="직사각형 3"/>
+          <p:cNvSpPr/>
+          <p:nvPr/>
+        </p:nvSpPr>
+        <p:spPr>
+          <a:xfrm>
+            <a:off x="171449" y="2226080"/>
+            <a:ext cx="2611316" cy="3290522"/>
+          </a:xfrm>
+          <a:prstGeom prst="rect">
+            <a:avLst/>
+          </a:prstGeom>
+          <a:solidFill>
+            <a:schemeClr val="bg1">
+              <a:lumMod val="95000"/>
+            </a:schemeClr>
+          </a:solidFill>
+          <a:ln>
+            <a:solidFill>
+              <a:schemeClr val="bg1">
+                <a:lumMod val="50000"/>
+              </a:schemeClr>
+            </a:solidFill>
+          </a:ln>
+        </p:spPr>
+        <p:style>
+          <a:lnRef idx="1">
+            <a:schemeClr val="accent3"/>
+          </a:lnRef>
+          <a:fillRef idx="2">
+            <a:schemeClr val="accent3"/>
+          </a:fillRef>
+          <a:effectRef idx="1">
+            <a:schemeClr val="accent3"/>
+          </a:effectRef>
+          <a:fontRef idx="minor">
+            <a:schemeClr val="dk1"/>
+          </a:fontRef>
+        </p:style>
+        <p:txBody>
+          <a:bodyPr rtlCol="0" anchor="ctr"/>
+          <a:lstStyle/>
+          <a:p>
+            <a:pPr algn="ctr"/>
+            <a:endParaRPr lang="ko-KR" altLang="en-US" sz="1350" dirty="0"/>
+          </a:p>
+        </p:txBody>
+      </p:sp>
+      <p:sp>
+        <p:nvSpPr>
+          <p:cNvPr id="5" name="직사각형 4"/>
+          <p:cNvSpPr/>
+          <p:nvPr/>
+        </p:nvSpPr>
+        <p:spPr>
+          <a:xfrm>
+            <a:off x="3191607" y="1876586"/>
+            <a:ext cx="2611316" cy="3976321"/>
+          </a:xfrm>
+          <a:prstGeom prst="rect">
+            <a:avLst/>
+          </a:prstGeom>
+          <a:solidFill>
+            <a:schemeClr val="bg1">
+              <a:lumMod val="95000"/>
+            </a:schemeClr>
+          </a:solidFill>
+          <a:ln>
+            <a:solidFill>
+              <a:schemeClr val="bg1">
+                <a:lumMod val="50000"/>
+              </a:schemeClr>
+            </a:solidFill>
+          </a:ln>
+        </p:spPr>
+        <p:style>
+          <a:lnRef idx="1">
+            <a:schemeClr val="accent3"/>
+          </a:lnRef>
+          <a:fillRef idx="2">
+            <a:schemeClr val="accent3"/>
+          </a:fillRef>
+          <a:effectRef idx="1">
+            <a:schemeClr val="accent3"/>
+          </a:effectRef>
+          <a:fontRef idx="minor">
+            <a:schemeClr val="dk1"/>
+          </a:fontRef>
+        </p:style>
+        <p:txBody>
+          <a:bodyPr rtlCol="0" anchor="ctr"/>
+          <a:lstStyle/>
+          <a:p>
+            <a:pPr algn="ctr"/>
+            <a:endParaRPr lang="ko-KR" altLang="en-US" sz="1350" dirty="0"/>
+          </a:p>
+        </p:txBody>
+      </p:sp>
+      <p:sp>
+        <p:nvSpPr>
+          <p:cNvPr id="6" name="모서리가 둥근 직사각형 5"/>
+          <p:cNvSpPr/>
+          <p:nvPr/>
+        </p:nvSpPr>
+        <p:spPr>
+          <a:xfrm>
+            <a:off x="3270737" y="2499655"/>
+            <a:ext cx="1180367" cy="712991"/>
+          </a:xfrm>
+          <a:prstGeom prst="roundRect">
+            <a:avLst/>
+          </a:prstGeom>
+        </p:spPr>
+        <p:style>
+          <a:lnRef idx="2">
+            <a:schemeClr val="dk1"/>
+          </a:lnRef>
+          <a:fillRef idx="1">
+            <a:schemeClr val="lt1"/>
+          </a:fillRef>
+          <a:effectRef idx="0">
+            <a:schemeClr val="dk1"/>
+          </a:effectRef>
+          <a:fontRef idx="minor">
+            <a:schemeClr val="dk1"/>
+          </a:fontRef>
+        </p:style>
+        <p:txBody>
+          <a:bodyPr rtlCol="0" anchor="ctr"/>
+          <a:lstStyle/>
+          <a:p>
+            <a:pPr algn="ctr"/>
+            <a:r>
+              <a:rPr lang="en-US" altLang="ko-KR" sz="1350" dirty="0"/>
+              <a:t>Sign up</a:t>
+            </a:r>
+            <a:endParaRPr lang="ko-KR" altLang="en-US" sz="1350" dirty="0"/>
+          </a:p>
+        </p:txBody>
+      </p:sp>
+      <p:sp>
+        <p:nvSpPr>
+          <p:cNvPr id="7" name="직사각형 6"/>
+          <p:cNvSpPr/>
+          <p:nvPr/>
+        </p:nvSpPr>
+        <p:spPr>
+          <a:xfrm>
+            <a:off x="6211765" y="2226080"/>
+            <a:ext cx="2611316" cy="3290522"/>
+          </a:xfrm>
+          <a:prstGeom prst="rect">
+            <a:avLst/>
+          </a:prstGeom>
+          <a:solidFill>
+            <a:schemeClr val="bg1">
+              <a:lumMod val="95000"/>
+            </a:schemeClr>
+          </a:solidFill>
+          <a:ln>
+            <a:solidFill>
+              <a:schemeClr val="bg1">
+                <a:lumMod val="50000"/>
+              </a:schemeClr>
+            </a:solidFill>
+          </a:ln>
+        </p:spPr>
+        <p:style>
+          <a:lnRef idx="1">
+            <a:schemeClr val="accent3"/>
+          </a:lnRef>
+          <a:fillRef idx="2">
+            <a:schemeClr val="accent3"/>
+          </a:fillRef>
+          <a:effectRef idx="1">
+            <a:schemeClr val="accent3"/>
+          </a:effectRef>
+          <a:fontRef idx="minor">
+            <a:schemeClr val="dk1"/>
+          </a:fontRef>
+        </p:style>
+        <p:txBody>
+          <a:bodyPr rtlCol="0" anchor="ctr"/>
+          <a:lstStyle/>
+          <a:p>
+            <a:pPr algn="ctr"/>
+            <a:endParaRPr lang="ko-KR" altLang="en-US" sz="1350" dirty="0"/>
+          </a:p>
+        </p:txBody>
+      </p:sp>
+      <p:sp>
+        <p:nvSpPr>
+          <p:cNvPr id="8" name="TextBox 7"/>
+          <p:cNvSpPr txBox="1"/>
+          <p:nvPr/>
+        </p:nvSpPr>
+        <p:spPr>
+          <a:xfrm>
+            <a:off x="4019182" y="2006760"/>
+            <a:ext cx="1437542" cy="300082"/>
+          </a:xfrm>
+          <a:prstGeom prst="rect">
+            <a:avLst/>
+          </a:prstGeom>
+          <a:noFill/>
+        </p:spPr>
+        <p:txBody>
+          <a:bodyPr wrap="square" rtlCol="0">
+            <a:spAutoFit/>
+          </a:bodyPr>
+          <a:lstStyle/>
+          <a:p>
+            <a:r>
+              <a:rPr lang="en-US" altLang="ko-KR" sz="1350" b="1" dirty="0">
+                <a:effectLst>
+                  <a:outerShdw blurRad="38100" dist="38100" dir="2700000" algn="tl">
+                    <a:srgbClr val="000000">
+                      <a:alpha val="43137"/>
+                    </a:srgbClr>
+                  </a:outerShdw>
+                </a:effectLst>
+              </a:rPr>
+              <a:t>App Client</a:t>
+            </a:r>
+            <a:endParaRPr lang="ko-KR" altLang="en-US" sz="1350" b="1" dirty="0">
+              <a:effectLst>
+                <a:outerShdw blurRad="38100" dist="38100" dir="2700000" algn="tl">
+                  <a:srgbClr val="000000">
+                    <a:alpha val="43137"/>
+                  </a:srgbClr>
+                </a:outerShdw>
+              </a:effectLst>
+            </a:endParaRPr>
+          </a:p>
+        </p:txBody>
+      </p:sp>
+      <p:sp>
+        <p:nvSpPr>
+          <p:cNvPr id="9" name="TextBox 8"/>
+          <p:cNvSpPr txBox="1"/>
+          <p:nvPr/>
+        </p:nvSpPr>
+        <p:spPr>
+          <a:xfrm>
+            <a:off x="6989885" y="2356254"/>
+            <a:ext cx="1437542" cy="300082"/>
+          </a:xfrm>
+          <a:prstGeom prst="rect">
+            <a:avLst/>
+          </a:prstGeom>
+          <a:noFill/>
+        </p:spPr>
+        <p:txBody>
+          <a:bodyPr wrap="square" rtlCol="0">
+            <a:spAutoFit/>
+          </a:bodyPr>
+          <a:lstStyle/>
+          <a:p>
+            <a:r>
+              <a:rPr lang="en-US" altLang="ko-KR" sz="1350" b="1" dirty="0">
+                <a:effectLst>
+                  <a:outerShdw blurRad="38100" dist="38100" dir="2700000" algn="tl">
+                    <a:srgbClr val="000000">
+                      <a:alpha val="43137"/>
+                    </a:srgbClr>
+                  </a:outerShdw>
+                </a:effectLst>
+              </a:rPr>
+              <a:t>Web Client</a:t>
+            </a:r>
+            <a:endParaRPr lang="ko-KR" altLang="en-US" sz="1350" b="1" dirty="0">
+              <a:effectLst>
+                <a:outerShdw blurRad="38100" dist="38100" dir="2700000" algn="tl">
+                  <a:srgbClr val="000000">
+                    <a:alpha val="43137"/>
+                  </a:srgbClr>
+                </a:outerShdw>
+              </a:effectLst>
+            </a:endParaRPr>
+          </a:p>
+        </p:txBody>
+      </p:sp>
+      <p:sp>
+        <p:nvSpPr>
+          <p:cNvPr id="10" name="TextBox 9"/>
+          <p:cNvSpPr txBox="1"/>
+          <p:nvPr/>
+        </p:nvSpPr>
+        <p:spPr>
+          <a:xfrm>
+            <a:off x="1074858" y="2356254"/>
+            <a:ext cx="1167179" cy="300082"/>
+          </a:xfrm>
+          <a:prstGeom prst="rect">
+            <a:avLst/>
+          </a:prstGeom>
+          <a:noFill/>
+        </p:spPr>
+        <p:txBody>
+          <a:bodyPr wrap="square" rtlCol="0">
+            <a:spAutoFit/>
+          </a:bodyPr>
+          <a:lstStyle/>
+          <a:p>
+            <a:r>
+              <a:rPr lang="en-US" altLang="ko-KR" sz="1350" b="1" dirty="0">
+                <a:effectLst>
+                  <a:outerShdw blurRad="38100" dist="38100" dir="2700000" algn="tl">
+                    <a:srgbClr val="000000">
+                      <a:alpha val="43137"/>
+                    </a:srgbClr>
+                  </a:outerShdw>
+                </a:effectLst>
+              </a:rPr>
+              <a:t>Sensor</a:t>
+            </a:r>
+            <a:endParaRPr lang="ko-KR" altLang="en-US" sz="1350" b="1" dirty="0">
+              <a:effectLst>
+                <a:outerShdw blurRad="38100" dist="38100" dir="2700000" algn="tl">
+                  <a:srgbClr val="000000">
+                    <a:alpha val="43137"/>
+                  </a:srgbClr>
+                </a:outerShdw>
+              </a:effectLst>
+            </a:endParaRPr>
+          </a:p>
+        </p:txBody>
+      </p:sp>
+      <p:sp>
+        <p:nvSpPr>
+          <p:cNvPr id="11" name="모서리가 둥근 직사각형 10"/>
+          <p:cNvSpPr/>
+          <p:nvPr/>
+        </p:nvSpPr>
+        <p:spPr>
+          <a:xfrm>
+            <a:off x="4530234" y="2499655"/>
+            <a:ext cx="1180367" cy="712991"/>
+          </a:xfrm>
+          <a:prstGeom prst="roundRect">
+            <a:avLst/>
+          </a:prstGeom>
+        </p:spPr>
+        <p:style>
+          <a:lnRef idx="2">
+            <a:schemeClr val="dk1"/>
+          </a:lnRef>
+          <a:fillRef idx="1">
+            <a:schemeClr val="lt1"/>
+          </a:fillRef>
+          <a:effectRef idx="0">
+            <a:schemeClr val="dk1"/>
+          </a:effectRef>
+          <a:fontRef idx="minor">
+            <a:schemeClr val="dk1"/>
+          </a:fontRef>
+        </p:style>
+        <p:txBody>
+          <a:bodyPr rtlCol="0" anchor="ctr"/>
+          <a:lstStyle/>
+          <a:p>
+            <a:pPr algn="ctr"/>
+            <a:r>
+              <a:rPr lang="en-US" altLang="ko-KR" sz="1350" dirty="0"/>
+              <a:t>Login &amp; Logout</a:t>
+            </a:r>
+            <a:endParaRPr lang="ko-KR" altLang="en-US" sz="1350" dirty="0"/>
+          </a:p>
+        </p:txBody>
+      </p:sp>
+      <p:sp>
+        <p:nvSpPr>
+          <p:cNvPr id="12" name="모서리가 둥근 직사각형 11"/>
+          <p:cNvSpPr/>
+          <p:nvPr/>
+        </p:nvSpPr>
+        <p:spPr>
+          <a:xfrm>
+            <a:off x="4530233" y="3411766"/>
+            <a:ext cx="1180367" cy="712991"/>
+          </a:xfrm>
+          <a:prstGeom prst="roundRect">
+            <a:avLst/>
+          </a:prstGeom>
+        </p:spPr>
+        <p:style>
+          <a:lnRef idx="2">
+            <a:schemeClr val="dk1"/>
+          </a:lnRef>
+          <a:fillRef idx="1">
+            <a:schemeClr val="lt1"/>
+          </a:fillRef>
+          <a:effectRef idx="0">
+            <a:schemeClr val="dk1"/>
+          </a:effectRef>
+          <a:fontRef idx="minor">
+            <a:schemeClr val="dk1"/>
+          </a:fontRef>
+        </p:style>
+        <p:txBody>
+          <a:bodyPr rtlCol="0" anchor="ctr"/>
+          <a:lstStyle/>
+          <a:p>
+            <a:pPr algn="ctr"/>
+            <a:r>
+              <a:rPr lang="en-US" altLang="ko-KR" sz="1350" dirty="0"/>
+              <a:t>Google map</a:t>
+            </a:r>
+            <a:endParaRPr lang="ko-KR" altLang="en-US" sz="1350" dirty="0"/>
+          </a:p>
+        </p:txBody>
+      </p:sp>
+      <p:sp>
+        <p:nvSpPr>
+          <p:cNvPr id="13" name="모서리가 둥근 직사각형 12"/>
+          <p:cNvSpPr/>
+          <p:nvPr/>
+        </p:nvSpPr>
+        <p:spPr>
+          <a:xfrm>
+            <a:off x="3270737" y="3388333"/>
+            <a:ext cx="1180367" cy="712991"/>
+          </a:xfrm>
+          <a:prstGeom prst="roundRect">
+            <a:avLst/>
+          </a:prstGeom>
+        </p:spPr>
+        <p:style>
+          <a:lnRef idx="2">
+            <a:schemeClr val="dk1"/>
+          </a:lnRef>
+          <a:fillRef idx="1">
+            <a:schemeClr val="lt1"/>
+          </a:fillRef>
+          <a:effectRef idx="0">
+            <a:schemeClr val="dk1"/>
+          </a:effectRef>
+          <a:fontRef idx="minor">
+            <a:schemeClr val="dk1"/>
+          </a:fontRef>
+        </p:style>
+        <p:txBody>
+          <a:bodyPr rtlCol="0" anchor="ctr"/>
+          <a:lstStyle/>
+          <a:p>
+            <a:pPr algn="ctr"/>
+            <a:r>
+              <a:rPr lang="en-US" altLang="ko-KR" sz="1350" dirty="0"/>
+              <a:t>Air Graph</a:t>
+            </a:r>
+            <a:endParaRPr lang="ko-KR" altLang="en-US" sz="1350" dirty="0"/>
+          </a:p>
+        </p:txBody>
+      </p:sp>
+      <p:sp>
+        <p:nvSpPr>
+          <p:cNvPr id="14" name="모서리가 둥근 직사각형 13"/>
+          <p:cNvSpPr/>
+          <p:nvPr/>
+        </p:nvSpPr>
+        <p:spPr>
+          <a:xfrm>
+            <a:off x="3270737" y="4271187"/>
+            <a:ext cx="1180367" cy="712991"/>
+          </a:xfrm>
+          <a:prstGeom prst="roundRect">
+            <a:avLst/>
+          </a:prstGeom>
+        </p:spPr>
+        <p:style>
+          <a:lnRef idx="2">
+            <a:schemeClr val="dk1"/>
+          </a:lnRef>
+          <a:fillRef idx="1">
+            <a:schemeClr val="lt1"/>
+          </a:fillRef>
+          <a:effectRef idx="0">
+            <a:schemeClr val="dk1"/>
+          </a:effectRef>
+          <a:fontRef idx="minor">
+            <a:schemeClr val="dk1"/>
+          </a:fontRef>
+        </p:style>
+        <p:txBody>
+          <a:bodyPr rtlCol="0" anchor="ctr"/>
+          <a:lstStyle/>
+          <a:p>
+            <a:pPr algn="ctr"/>
+            <a:r>
+              <a:rPr lang="en-US" altLang="ko-KR" sz="1350" dirty="0"/>
+              <a:t>History air information</a:t>
+            </a:r>
+            <a:endParaRPr lang="ko-KR" altLang="en-US" sz="1350" dirty="0"/>
+          </a:p>
+        </p:txBody>
+      </p:sp>
+      <p:sp>
+        <p:nvSpPr>
+          <p:cNvPr id="15" name="모서리가 둥근 직사각형 14"/>
+          <p:cNvSpPr/>
+          <p:nvPr/>
+        </p:nvSpPr>
+        <p:spPr>
+          <a:xfrm>
+            <a:off x="4530233" y="4282904"/>
+            <a:ext cx="1180367" cy="712991"/>
+          </a:xfrm>
+          <a:prstGeom prst="roundRect">
+            <a:avLst/>
+          </a:prstGeom>
+        </p:spPr>
+        <p:style>
+          <a:lnRef idx="2">
+            <a:schemeClr val="dk1"/>
+          </a:lnRef>
+          <a:fillRef idx="1">
+            <a:schemeClr val="lt1"/>
+          </a:fillRef>
+          <a:effectRef idx="0">
+            <a:schemeClr val="dk1"/>
+          </a:effectRef>
+          <a:fontRef idx="minor">
+            <a:schemeClr val="dk1"/>
+          </a:fontRef>
+        </p:style>
+        <p:txBody>
+          <a:bodyPr rtlCol="0" anchor="ctr"/>
+          <a:lstStyle/>
+          <a:p>
+            <a:pPr algn="ctr"/>
+            <a:r>
+              <a:rPr lang="en-US" altLang="ko-KR" sz="1350" dirty="0"/>
+              <a:t>Real time view</a:t>
+            </a:r>
+            <a:endParaRPr lang="ko-KR" altLang="en-US" sz="1350" dirty="0"/>
+          </a:p>
+        </p:txBody>
+      </p:sp>
+      <p:sp>
+        <p:nvSpPr>
+          <p:cNvPr id="16" name="모서리가 둥근 직사각형 15"/>
+          <p:cNvSpPr/>
+          <p:nvPr/>
+        </p:nvSpPr>
+        <p:spPr>
+          <a:xfrm>
+            <a:off x="7580069" y="3761260"/>
+            <a:ext cx="1180367" cy="712991"/>
+          </a:xfrm>
+          <a:prstGeom prst="roundRect">
+            <a:avLst/>
+          </a:prstGeom>
+        </p:spPr>
+        <p:style>
+          <a:lnRef idx="2">
+            <a:schemeClr val="dk1"/>
+          </a:lnRef>
+          <a:fillRef idx="1">
+            <a:schemeClr val="lt1"/>
+          </a:fillRef>
+          <a:effectRef idx="0">
+            <a:schemeClr val="dk1"/>
+          </a:effectRef>
+          <a:fontRef idx="minor">
+            <a:schemeClr val="dk1"/>
+          </a:fontRef>
+        </p:style>
+        <p:txBody>
+          <a:bodyPr rtlCol="0" anchor="ctr"/>
+          <a:lstStyle/>
+          <a:p>
+            <a:pPr algn="ctr"/>
+            <a:r>
+              <a:rPr lang="en-US" altLang="ko-KR" sz="1350" dirty="0"/>
+              <a:t>Google map</a:t>
+            </a:r>
+            <a:endParaRPr lang="ko-KR" altLang="en-US" sz="1350" dirty="0"/>
+          </a:p>
+        </p:txBody>
+      </p:sp>
+      <p:sp>
+        <p:nvSpPr>
+          <p:cNvPr id="17" name="모서리가 둥근 직사각형 16"/>
+          <p:cNvSpPr/>
+          <p:nvPr/>
+        </p:nvSpPr>
+        <p:spPr>
+          <a:xfrm>
+            <a:off x="6337057" y="3788913"/>
+            <a:ext cx="1180367" cy="712991"/>
+          </a:xfrm>
+          <a:prstGeom prst="roundRect">
+            <a:avLst/>
+          </a:prstGeom>
+        </p:spPr>
+        <p:style>
+          <a:lnRef idx="2">
+            <a:schemeClr val="dk1"/>
+          </a:lnRef>
+          <a:fillRef idx="1">
+            <a:schemeClr val="lt1"/>
+          </a:fillRef>
+          <a:effectRef idx="0">
+            <a:schemeClr val="dk1"/>
+          </a:effectRef>
+          <a:fontRef idx="minor">
+            <a:schemeClr val="dk1"/>
+          </a:fontRef>
+        </p:style>
+        <p:txBody>
+          <a:bodyPr rtlCol="0" anchor="ctr"/>
+          <a:lstStyle/>
+          <a:p>
+            <a:pPr algn="ctr"/>
+            <a:r>
+              <a:rPr lang="en-US" altLang="ko-KR" sz="1350" dirty="0"/>
+              <a:t>Air Graph</a:t>
+            </a:r>
+            <a:endParaRPr lang="ko-KR" altLang="en-US" sz="1350" dirty="0"/>
+          </a:p>
+        </p:txBody>
+      </p:sp>
+      <p:sp>
+        <p:nvSpPr>
+          <p:cNvPr id="18" name="모서리가 둥근 직사각형 17"/>
+          <p:cNvSpPr/>
+          <p:nvPr/>
+        </p:nvSpPr>
+        <p:spPr>
+          <a:xfrm>
+            <a:off x="6346947" y="4673371"/>
+            <a:ext cx="1180367" cy="712991"/>
+          </a:xfrm>
+          <a:prstGeom prst="roundRect">
+            <a:avLst/>
+          </a:prstGeom>
+        </p:spPr>
+        <p:style>
+          <a:lnRef idx="2">
+            <a:schemeClr val="dk1"/>
+          </a:lnRef>
+          <a:fillRef idx="1">
+            <a:schemeClr val="lt1"/>
+          </a:fillRef>
+          <a:effectRef idx="0">
+            <a:schemeClr val="dk1"/>
+          </a:effectRef>
+          <a:fontRef idx="minor">
+            <a:schemeClr val="dk1"/>
+          </a:fontRef>
+        </p:style>
+        <p:txBody>
+          <a:bodyPr rtlCol="0" anchor="ctr"/>
+          <a:lstStyle/>
+          <a:p>
+            <a:pPr algn="ctr"/>
+            <a:r>
+              <a:rPr lang="en-US" altLang="ko-KR" sz="1350" dirty="0"/>
+              <a:t>History data</a:t>
+            </a:r>
+            <a:endParaRPr lang="ko-KR" altLang="en-US" sz="1350" dirty="0"/>
+          </a:p>
+        </p:txBody>
+      </p:sp>
+      <p:sp>
+        <p:nvSpPr>
+          <p:cNvPr id="19" name="모서리가 둥근 직사각형 18"/>
+          <p:cNvSpPr/>
+          <p:nvPr/>
+        </p:nvSpPr>
+        <p:spPr>
+          <a:xfrm>
+            <a:off x="7580069" y="4673371"/>
+            <a:ext cx="1180367" cy="712991"/>
+          </a:xfrm>
+          <a:prstGeom prst="roundRect">
+            <a:avLst/>
+          </a:prstGeom>
+        </p:spPr>
+        <p:style>
+          <a:lnRef idx="2">
+            <a:schemeClr val="dk1"/>
+          </a:lnRef>
+          <a:fillRef idx="1">
+            <a:schemeClr val="lt1"/>
+          </a:fillRef>
+          <a:effectRef idx="0">
+            <a:schemeClr val="dk1"/>
+          </a:effectRef>
+          <a:fontRef idx="minor">
+            <a:schemeClr val="dk1"/>
+          </a:fontRef>
+        </p:style>
+        <p:txBody>
+          <a:bodyPr rtlCol="0" anchor="ctr"/>
+          <a:lstStyle/>
+          <a:p>
+            <a:pPr algn="ctr"/>
+            <a:r>
+              <a:rPr lang="en-US" altLang="ko-KR" sz="1350" dirty="0"/>
+              <a:t>Research Data</a:t>
+            </a:r>
+            <a:endParaRPr lang="ko-KR" altLang="en-US" sz="1350" dirty="0"/>
+          </a:p>
+        </p:txBody>
+      </p:sp>
+      <p:sp>
+        <p:nvSpPr>
+          <p:cNvPr id="20" name="모서리가 둥근 직사각형 19"/>
+          <p:cNvSpPr/>
+          <p:nvPr/>
+        </p:nvSpPr>
+        <p:spPr>
+          <a:xfrm>
+            <a:off x="6297490" y="2849149"/>
+            <a:ext cx="1180367" cy="712991"/>
+          </a:xfrm>
+          <a:prstGeom prst="roundRect">
+            <a:avLst/>
+          </a:prstGeom>
+        </p:spPr>
+        <p:style>
+          <a:lnRef idx="2">
+            <a:schemeClr val="dk1"/>
+          </a:lnRef>
+          <a:fillRef idx="1">
+            <a:schemeClr val="lt1"/>
+          </a:fillRef>
+          <a:effectRef idx="0">
+            <a:schemeClr val="dk1"/>
+          </a:effectRef>
+          <a:fontRef idx="minor">
+            <a:schemeClr val="dk1"/>
+          </a:fontRef>
+        </p:style>
+        <p:txBody>
+          <a:bodyPr rtlCol="0" anchor="ctr"/>
+          <a:lstStyle/>
+          <a:p>
+            <a:pPr algn="ctr"/>
+            <a:r>
+              <a:rPr lang="en-US" altLang="ko-KR" sz="1350" dirty="0"/>
+              <a:t>Sign up</a:t>
+            </a:r>
+            <a:endParaRPr lang="ko-KR" altLang="en-US" sz="1350" dirty="0"/>
+          </a:p>
+        </p:txBody>
+      </p:sp>
+      <p:sp>
+        <p:nvSpPr>
+          <p:cNvPr id="21" name="모서리가 둥근 직사각형 20"/>
+          <p:cNvSpPr/>
+          <p:nvPr/>
+        </p:nvSpPr>
+        <p:spPr>
+          <a:xfrm>
+            <a:off x="7560286" y="2849149"/>
+            <a:ext cx="1180367" cy="712991"/>
+          </a:xfrm>
+          <a:prstGeom prst="roundRect">
+            <a:avLst/>
+          </a:prstGeom>
+        </p:spPr>
+        <p:style>
+          <a:lnRef idx="2">
+            <a:schemeClr val="dk1"/>
+          </a:lnRef>
+          <a:fillRef idx="1">
+            <a:schemeClr val="lt1"/>
+          </a:fillRef>
+          <a:effectRef idx="0">
+            <a:schemeClr val="dk1"/>
+          </a:effectRef>
+          <a:fontRef idx="minor">
+            <a:schemeClr val="dk1"/>
+          </a:fontRef>
+        </p:style>
+        <p:txBody>
+          <a:bodyPr rtlCol="0" anchor="ctr"/>
+          <a:lstStyle/>
+          <a:p>
+            <a:pPr algn="ctr"/>
+            <a:r>
+              <a:rPr lang="en-US" altLang="ko-KR" sz="1350" dirty="0"/>
+              <a:t>Login &amp; Logout</a:t>
+            </a:r>
+            <a:endParaRPr lang="ko-KR" altLang="en-US" sz="1350" dirty="0"/>
+          </a:p>
+        </p:txBody>
+      </p:sp>
+      <p:sp>
+        <p:nvSpPr>
+          <p:cNvPr id="22" name="모서리가 둥근 직사각형 21"/>
+          <p:cNvSpPr/>
+          <p:nvPr/>
+        </p:nvSpPr>
+        <p:spPr>
+          <a:xfrm>
+            <a:off x="3323488" y="5105678"/>
+            <a:ext cx="2387112" cy="614012"/>
+          </a:xfrm>
+          <a:prstGeom prst="roundRect">
+            <a:avLst/>
+          </a:prstGeom>
+        </p:spPr>
+        <p:style>
+          <a:lnRef idx="2">
+            <a:schemeClr val="dk1"/>
+          </a:lnRef>
+          <a:fillRef idx="1">
+            <a:schemeClr val="lt1"/>
+          </a:fillRef>
+          <a:effectRef idx="0">
+            <a:schemeClr val="dk1"/>
+          </a:effectRef>
+          <a:fontRef idx="minor">
+            <a:schemeClr val="dk1"/>
+          </a:fontRef>
+        </p:style>
+        <p:txBody>
+          <a:bodyPr rtlCol="0" anchor="ctr"/>
+          <a:lstStyle/>
+          <a:p>
+            <a:pPr algn="ctr"/>
+            <a:r>
+              <a:rPr lang="en-US" altLang="ko-KR" sz="1350" dirty="0"/>
+              <a:t>Bluetooth Connection </a:t>
+            </a:r>
+            <a:endParaRPr lang="ko-KR" altLang="en-US" sz="1350" dirty="0"/>
+          </a:p>
+        </p:txBody>
+      </p:sp>
+      <p:sp>
+        <p:nvSpPr>
+          <p:cNvPr id="23" name="모서리가 둥근 직사각형 22"/>
+          <p:cNvSpPr/>
+          <p:nvPr/>
+        </p:nvSpPr>
+        <p:spPr>
+          <a:xfrm>
+            <a:off x="293441" y="4772350"/>
+            <a:ext cx="2387112" cy="614012"/>
+          </a:xfrm>
+          <a:prstGeom prst="roundRect">
+            <a:avLst/>
+          </a:prstGeom>
+        </p:spPr>
+        <p:style>
+          <a:lnRef idx="2">
+            <a:schemeClr val="dk1"/>
+          </a:lnRef>
+          <a:fillRef idx="1">
+            <a:schemeClr val="lt1"/>
+          </a:fillRef>
+          <a:effectRef idx="0">
+            <a:schemeClr val="dk1"/>
+          </a:effectRef>
+          <a:fontRef idx="minor">
+            <a:schemeClr val="dk1"/>
+          </a:fontRef>
+        </p:style>
+        <p:txBody>
+          <a:bodyPr rtlCol="0" anchor="ctr"/>
+          <a:lstStyle/>
+          <a:p>
+            <a:pPr algn="ctr"/>
+            <a:r>
+              <a:rPr lang="en-US" altLang="ko-KR" sz="1350" dirty="0"/>
+              <a:t>Bluetooth Connection </a:t>
+            </a:r>
+            <a:endParaRPr lang="ko-KR" altLang="en-US" sz="1350" dirty="0"/>
+          </a:p>
+        </p:txBody>
+      </p:sp>
+      <p:grpSp>
+        <p:nvGrpSpPr>
+          <p:cNvPr id="24" name="그룹 23"/>
+          <p:cNvGrpSpPr/>
+          <p:nvPr/>
+        </p:nvGrpSpPr>
+        <p:grpSpPr>
+          <a:xfrm>
+            <a:off x="242337" y="2879379"/>
+            <a:ext cx="2469542" cy="1618874"/>
+            <a:chOff x="309058" y="1822764"/>
+            <a:chExt cx="3292723" cy="2158498"/>
+          </a:xfrm>
+        </p:grpSpPr>
+        <p:sp>
+          <p:nvSpPr>
+            <p:cNvPr id="25" name="모서리가 둥근 직사각형 24"/>
+            <p:cNvSpPr/>
+            <p:nvPr/>
+          </p:nvSpPr>
+          <p:spPr>
+            <a:xfrm>
+              <a:off x="309059" y="1822764"/>
+              <a:ext cx="1573823" cy="950654"/>
+            </a:xfrm>
+            <a:prstGeom prst="roundRect">
+              <a:avLst/>
+            </a:prstGeom>
+          </p:spPr>
+          <p:style>
+            <a:lnRef idx="2">
+              <a:schemeClr val="dk1"/>
+            </a:lnRef>
+            <a:fillRef idx="1">
+              <a:schemeClr val="lt1"/>
+            </a:fillRef>
+            <a:effectRef idx="0">
+              <a:schemeClr val="dk1"/>
+            </a:effectRef>
+            <a:fontRef idx="minor">
+              <a:schemeClr val="dk1"/>
+            </a:fontRef>
+          </p:style>
+          <p:txBody>
+            <a:bodyPr rtlCol="0" anchor="ctr"/>
+            <a:lstStyle/>
+            <a:p>
+              <a:pPr algn="ctr"/>
+              <a:r>
+                <a:rPr lang="en-US" altLang="ko-KR" sz="1350" dirty="0"/>
+                <a:t>Change Data to CSV</a:t>
+              </a:r>
+              <a:endParaRPr lang="ko-KR" altLang="en-US" sz="1350" dirty="0"/>
+            </a:p>
+          </p:txBody>
+        </p:sp>
+        <p:sp>
+          <p:nvSpPr>
+            <p:cNvPr id="26" name="모서리가 둥근 직사각형 25"/>
+            <p:cNvSpPr/>
+            <p:nvPr/>
+          </p:nvSpPr>
+          <p:spPr>
+            <a:xfrm>
+              <a:off x="309058" y="3030608"/>
+              <a:ext cx="1573823" cy="950654"/>
+            </a:xfrm>
+            <a:prstGeom prst="roundRect">
+              <a:avLst/>
+            </a:prstGeom>
+          </p:spPr>
+          <p:style>
+            <a:lnRef idx="2">
+              <a:schemeClr val="dk1"/>
+            </a:lnRef>
+            <a:fillRef idx="1">
+              <a:schemeClr val="lt1"/>
+            </a:fillRef>
+            <a:effectRef idx="0">
+              <a:schemeClr val="dk1"/>
+            </a:effectRef>
+            <a:fontRef idx="minor">
+              <a:schemeClr val="dk1"/>
+            </a:fontRef>
+          </p:style>
+          <p:txBody>
+            <a:bodyPr rtlCol="0" anchor="ctr"/>
+            <a:lstStyle/>
+            <a:p>
+              <a:pPr algn="ctr"/>
+              <a:r>
+                <a:rPr lang="en-US" altLang="ko-KR" sz="1350" dirty="0"/>
+                <a:t>Send </a:t>
+              </a:r>
+              <a:r>
+                <a:rPr lang="en-US" altLang="ko-KR" sz="1350" dirty="0" err="1"/>
+                <a:t>Realtime</a:t>
+              </a:r>
+              <a:r>
+                <a:rPr lang="en-US" altLang="ko-KR" sz="1350" dirty="0"/>
+                <a:t> Data </a:t>
+              </a:r>
+              <a:endParaRPr lang="ko-KR" altLang="en-US" sz="1350" dirty="0"/>
+            </a:p>
+          </p:txBody>
+        </p:sp>
+        <p:sp>
+          <p:nvSpPr>
+            <p:cNvPr id="27" name="모서리가 둥근 직사각형 26"/>
+            <p:cNvSpPr/>
+            <p:nvPr/>
+          </p:nvSpPr>
+          <p:spPr>
+            <a:xfrm>
+              <a:off x="2027958" y="1822764"/>
+              <a:ext cx="1573823" cy="950654"/>
+            </a:xfrm>
+            <a:prstGeom prst="roundRect">
+              <a:avLst/>
+            </a:prstGeom>
+          </p:spPr>
+          <p:style>
+            <a:lnRef idx="2">
+              <a:schemeClr val="dk1"/>
+            </a:lnRef>
+            <a:fillRef idx="1">
+              <a:schemeClr val="lt1"/>
+            </a:fillRef>
+            <a:effectRef idx="0">
+              <a:schemeClr val="dk1"/>
+            </a:effectRef>
+            <a:fontRef idx="minor">
+              <a:schemeClr val="dk1"/>
+            </a:fontRef>
+          </p:style>
+          <p:txBody>
+            <a:bodyPr rtlCol="0" anchor="ctr"/>
+            <a:lstStyle/>
+            <a:p>
+              <a:pPr algn="ctr"/>
+              <a:r>
+                <a:rPr lang="en-US" altLang="ko-KR" sz="1350" dirty="0"/>
+                <a:t>Get Air Data</a:t>
+              </a:r>
+              <a:endParaRPr lang="ko-KR" altLang="en-US" sz="1350" dirty="0"/>
+            </a:p>
+          </p:txBody>
+        </p:sp>
+        <p:sp>
+          <p:nvSpPr>
+            <p:cNvPr id="28" name="모서리가 둥근 직사각형 27"/>
+            <p:cNvSpPr/>
+            <p:nvPr/>
+          </p:nvSpPr>
+          <p:spPr>
+            <a:xfrm>
+              <a:off x="2027161" y="3030608"/>
+              <a:ext cx="1573823" cy="950654"/>
+            </a:xfrm>
+            <a:prstGeom prst="roundRect">
+              <a:avLst/>
+            </a:prstGeom>
+          </p:spPr>
+          <p:style>
+            <a:lnRef idx="2">
+              <a:schemeClr val="dk1"/>
+            </a:lnRef>
+            <a:fillRef idx="1">
+              <a:schemeClr val="lt1"/>
+            </a:fillRef>
+            <a:effectRef idx="0">
+              <a:schemeClr val="dk1"/>
+            </a:effectRef>
+            <a:fontRef idx="minor">
+              <a:schemeClr val="dk1"/>
+            </a:fontRef>
+          </p:style>
+          <p:txBody>
+            <a:bodyPr rtlCol="0" anchor="ctr"/>
+            <a:lstStyle/>
+            <a:p>
+              <a:pPr algn="ctr"/>
+              <a:r>
+                <a:rPr lang="en-US" altLang="ko-KR" sz="1350" dirty="0"/>
+                <a:t>Send History Data </a:t>
+              </a:r>
+              <a:endParaRPr lang="ko-KR" altLang="en-US" sz="1350" dirty="0"/>
+            </a:p>
+          </p:txBody>
+        </p:sp>
+      </p:grpSp>
+      <p:sp>
+        <p:nvSpPr>
+          <p:cNvPr id="29" name="TextBox 28"/>
+          <p:cNvSpPr txBox="1"/>
+          <p:nvPr/>
+        </p:nvSpPr>
+        <p:spPr>
+          <a:xfrm>
+            <a:off x="8746436" y="6510131"/>
+            <a:ext cx="477078" cy="307777"/>
+          </a:xfrm>
+          <a:prstGeom prst="rect">
+            <a:avLst/>
+          </a:prstGeom>
+          <a:noFill/>
+        </p:spPr>
+        <p:txBody>
+          <a:bodyPr wrap="square" rtlCol="0">
+            <a:spAutoFit/>
+          </a:bodyPr>
+          <a:lstStyle/>
+          <a:p>
+            <a:r>
+              <a:rPr lang="en-US" altLang="ko-KR" sz="1400" dirty="0" smtClean="0">
+                <a:solidFill>
+                  <a:schemeClr val="bg1">
+                    <a:lumMod val="50000"/>
+                  </a:schemeClr>
+                </a:solidFill>
+              </a:rPr>
+              <a:t>/18</a:t>
+            </a:r>
+            <a:endParaRPr lang="ko-KR" altLang="en-US" sz="1400" dirty="0">
+              <a:solidFill>
+                <a:schemeClr val="bg1">
+                  <a:lumMod val="50000"/>
+                </a:schemeClr>
+              </a:solidFill>
+            </a:endParaRPr>
+          </a:p>
+        </p:txBody>
+      </p:sp>
     </p:spTree>
     <p:extLst>
       <p:ext uri="{BB962C8B-B14F-4D97-AF65-F5344CB8AC3E}">
@@ -8865,6 +8589,413 @@
           </a:p>
         </p:txBody>
       </p:sp>
+      <p:cxnSp>
+        <p:nvCxnSpPr>
+          <p:cNvPr id="4" name="직선 연결선 3"/>
+          <p:cNvCxnSpPr/>
+          <p:nvPr/>
+        </p:nvCxnSpPr>
+        <p:spPr>
+          <a:xfrm>
+            <a:off x="221703" y="1038567"/>
+            <a:ext cx="8640960" cy="0"/>
+          </a:xfrm>
+          <a:prstGeom prst="line">
+            <a:avLst/>
+          </a:prstGeom>
+          <a:ln w="3175">
+            <a:solidFill>
+              <a:srgbClr val="68727E"/>
+            </a:solidFill>
+          </a:ln>
+        </p:spPr>
+        <p:style>
+          <a:lnRef idx="1">
+            <a:schemeClr val="accent1"/>
+          </a:lnRef>
+          <a:fillRef idx="0">
+            <a:schemeClr val="accent1"/>
+          </a:fillRef>
+          <a:effectRef idx="0">
+            <a:schemeClr val="accent1"/>
+          </a:effectRef>
+          <a:fontRef idx="minor">
+            <a:schemeClr val="tx1"/>
+          </a:fontRef>
+        </p:style>
+      </p:cxnSp>
+      <p:pic>
+        <p:nvPicPr>
+          <p:cNvPr id="5" name="그림 4"/>
+          <p:cNvPicPr>
+            <a:picLocks noChangeAspect="1"/>
+          </p:cNvPicPr>
+          <p:nvPr/>
+        </p:nvPicPr>
+        <p:blipFill>
+          <a:blip r:embed="rId3">
+            <a:extLst>
+              <a:ext uri="{28A0092B-C50C-407E-A947-70E740481C1C}">
+                <a14:useLocalDpi xmlns:a14="http://schemas.microsoft.com/office/drawing/2010/main" val="0"/>
+              </a:ext>
+            </a:extLst>
+          </a:blip>
+          <a:stretch>
+            <a:fillRect/>
+          </a:stretch>
+        </p:blipFill>
+        <p:spPr>
+          <a:xfrm>
+            <a:off x="1123950" y="1202792"/>
+            <a:ext cx="6896100" cy="5495925"/>
+          </a:xfrm>
+          <a:prstGeom prst="rect">
+            <a:avLst/>
+          </a:prstGeom>
+        </p:spPr>
+      </p:pic>
+      <p:sp>
+        <p:nvSpPr>
+          <p:cNvPr id="6" name="액자 5">
+            <a:extLst>
+              <a:ext uri="{FF2B5EF4-FFF2-40B4-BE49-F238E27FC236}">
+                <a16:creationId xmlns:a16="http://schemas.microsoft.com/office/drawing/2014/main" id="{7647BD9A-B258-454D-A00C-0E89CF402473}"/>
+              </a:ext>
+            </a:extLst>
+          </p:cNvPr>
+          <p:cNvSpPr/>
+          <p:nvPr/>
+        </p:nvSpPr>
+        <p:spPr>
+          <a:xfrm>
+            <a:off x="1123950" y="1537047"/>
+            <a:ext cx="1800200" cy="3024336"/>
+          </a:xfrm>
+          <a:prstGeom prst="frame">
+            <a:avLst>
+              <a:gd name="adj1" fmla="val 742"/>
+            </a:avLst>
+          </a:prstGeom>
+          <a:solidFill>
+            <a:srgbClr val="FF0000"/>
+          </a:solidFill>
+          <a:ln>
+            <a:solidFill>
+              <a:srgbClr val="FF0000"/>
+            </a:solidFill>
+          </a:ln>
+        </p:spPr>
+        <p:style>
+          <a:lnRef idx="2">
+            <a:schemeClr val="accent1">
+              <a:shade val="50000"/>
+            </a:schemeClr>
+          </a:lnRef>
+          <a:fillRef idx="1">
+            <a:schemeClr val="accent1"/>
+          </a:fillRef>
+          <a:effectRef idx="0">
+            <a:schemeClr val="accent1"/>
+          </a:effectRef>
+          <a:fontRef idx="minor">
+            <a:schemeClr val="lt1"/>
+          </a:fontRef>
+        </p:style>
+        <p:txBody>
+          <a:bodyPr rtlCol="0" anchor="ctr"/>
+          <a:lstStyle/>
+          <a:p>
+            <a:pPr algn="ctr"/>
+            <a:endParaRPr lang="ko-KR" altLang="en-US">
+              <a:solidFill>
+                <a:schemeClr val="tx1"/>
+              </a:solidFill>
+            </a:endParaRPr>
+          </a:p>
+        </p:txBody>
+      </p:sp>
+      <p:sp>
+        <p:nvSpPr>
+          <p:cNvPr id="7" name="액자 6">
+            <a:extLst>
+              <a:ext uri="{FF2B5EF4-FFF2-40B4-BE49-F238E27FC236}">
+                <a16:creationId xmlns:a16="http://schemas.microsoft.com/office/drawing/2014/main" id="{89DD7777-7526-4968-8999-060BBDA063BC}"/>
+              </a:ext>
+            </a:extLst>
+          </p:cNvPr>
+          <p:cNvSpPr/>
+          <p:nvPr/>
+        </p:nvSpPr>
+        <p:spPr>
+          <a:xfrm>
+            <a:off x="1138275" y="4623817"/>
+            <a:ext cx="1800200" cy="1829519"/>
+          </a:xfrm>
+          <a:prstGeom prst="frame">
+            <a:avLst>
+              <a:gd name="adj1" fmla="val 742"/>
+            </a:avLst>
+          </a:prstGeom>
+          <a:solidFill>
+            <a:srgbClr val="FF0000"/>
+          </a:solidFill>
+          <a:ln>
+            <a:solidFill>
+              <a:srgbClr val="FF0000"/>
+            </a:solidFill>
+          </a:ln>
+        </p:spPr>
+        <p:style>
+          <a:lnRef idx="2">
+            <a:schemeClr val="accent1">
+              <a:shade val="50000"/>
+            </a:schemeClr>
+          </a:lnRef>
+          <a:fillRef idx="1">
+            <a:schemeClr val="accent1"/>
+          </a:fillRef>
+          <a:effectRef idx="0">
+            <a:schemeClr val="accent1"/>
+          </a:effectRef>
+          <a:fontRef idx="minor">
+            <a:schemeClr val="lt1"/>
+          </a:fontRef>
+        </p:style>
+        <p:txBody>
+          <a:bodyPr rtlCol="0" anchor="ctr"/>
+          <a:lstStyle/>
+          <a:p>
+            <a:pPr algn="ctr"/>
+            <a:endParaRPr lang="ko-KR" altLang="en-US">
+              <a:solidFill>
+                <a:schemeClr val="tx1"/>
+              </a:solidFill>
+            </a:endParaRPr>
+          </a:p>
+        </p:txBody>
+      </p:sp>
+      <p:sp>
+        <p:nvSpPr>
+          <p:cNvPr id="8" name="액자 7">
+            <a:extLst>
+              <a:ext uri="{FF2B5EF4-FFF2-40B4-BE49-F238E27FC236}">
+                <a16:creationId xmlns:a16="http://schemas.microsoft.com/office/drawing/2014/main" id="{A2A215C2-7DD3-4478-A6DB-E802A14D8E53}"/>
+              </a:ext>
+            </a:extLst>
+          </p:cNvPr>
+          <p:cNvSpPr/>
+          <p:nvPr/>
+        </p:nvSpPr>
+        <p:spPr>
+          <a:xfrm>
+            <a:off x="6228184" y="3933056"/>
+            <a:ext cx="1656184" cy="2765662"/>
+          </a:xfrm>
+          <a:prstGeom prst="frame">
+            <a:avLst>
+              <a:gd name="adj1" fmla="val 742"/>
+            </a:avLst>
+          </a:prstGeom>
+          <a:solidFill>
+            <a:srgbClr val="FF0000"/>
+          </a:solidFill>
+          <a:ln>
+            <a:solidFill>
+              <a:srgbClr val="FF0000"/>
+            </a:solidFill>
+          </a:ln>
+        </p:spPr>
+        <p:style>
+          <a:lnRef idx="2">
+            <a:schemeClr val="accent1">
+              <a:shade val="50000"/>
+            </a:schemeClr>
+          </a:lnRef>
+          <a:fillRef idx="1">
+            <a:schemeClr val="accent1"/>
+          </a:fillRef>
+          <a:effectRef idx="0">
+            <a:schemeClr val="accent1"/>
+          </a:effectRef>
+          <a:fontRef idx="minor">
+            <a:schemeClr val="lt1"/>
+          </a:fontRef>
+        </p:style>
+        <p:txBody>
+          <a:bodyPr rtlCol="0" anchor="ctr"/>
+          <a:lstStyle/>
+          <a:p>
+            <a:pPr algn="ctr"/>
+            <a:endParaRPr lang="ko-KR" altLang="en-US">
+              <a:solidFill>
+                <a:schemeClr val="tx1"/>
+              </a:solidFill>
+            </a:endParaRPr>
+          </a:p>
+        </p:txBody>
+      </p:sp>
+      <p:sp>
+        <p:nvSpPr>
+          <p:cNvPr id="9" name="액자 8">
+            <a:extLst>
+              <a:ext uri="{FF2B5EF4-FFF2-40B4-BE49-F238E27FC236}">
+                <a16:creationId xmlns:a16="http://schemas.microsoft.com/office/drawing/2014/main" id="{FD021CDB-A1DE-4384-B19F-42ADA13515D8}"/>
+              </a:ext>
+            </a:extLst>
+          </p:cNvPr>
+          <p:cNvSpPr/>
+          <p:nvPr/>
+        </p:nvSpPr>
+        <p:spPr>
+          <a:xfrm>
+            <a:off x="6084168" y="1587922"/>
+            <a:ext cx="1935881" cy="2345134"/>
+          </a:xfrm>
+          <a:prstGeom prst="frame">
+            <a:avLst>
+              <a:gd name="adj1" fmla="val 742"/>
+            </a:avLst>
+          </a:prstGeom>
+          <a:solidFill>
+            <a:srgbClr val="FF0000"/>
+          </a:solidFill>
+          <a:ln>
+            <a:solidFill>
+              <a:srgbClr val="FF0000"/>
+            </a:solidFill>
+          </a:ln>
+        </p:spPr>
+        <p:style>
+          <a:lnRef idx="2">
+            <a:schemeClr val="accent1">
+              <a:shade val="50000"/>
+            </a:schemeClr>
+          </a:lnRef>
+          <a:fillRef idx="1">
+            <a:schemeClr val="accent1"/>
+          </a:fillRef>
+          <a:effectRef idx="0">
+            <a:schemeClr val="accent1"/>
+          </a:effectRef>
+          <a:fontRef idx="minor">
+            <a:schemeClr val="lt1"/>
+          </a:fontRef>
+        </p:style>
+        <p:txBody>
+          <a:bodyPr rtlCol="0" anchor="ctr"/>
+          <a:lstStyle/>
+          <a:p>
+            <a:pPr algn="ctr"/>
+            <a:endParaRPr lang="ko-KR" altLang="en-US">
+              <a:solidFill>
+                <a:schemeClr val="tx1"/>
+              </a:solidFill>
+            </a:endParaRPr>
+          </a:p>
+        </p:txBody>
+      </p:sp>
+      <p:sp>
+        <p:nvSpPr>
+          <p:cNvPr id="10" name="액자 9">
+            <a:extLst>
+              <a:ext uri="{FF2B5EF4-FFF2-40B4-BE49-F238E27FC236}">
+                <a16:creationId xmlns:a16="http://schemas.microsoft.com/office/drawing/2014/main" id="{3D100364-D519-46B3-9CCD-A75E3CAA2F5A}"/>
+              </a:ext>
+            </a:extLst>
+          </p:cNvPr>
+          <p:cNvSpPr/>
+          <p:nvPr/>
+        </p:nvSpPr>
+        <p:spPr>
+          <a:xfrm>
+            <a:off x="3449654" y="1153642"/>
+            <a:ext cx="1935881" cy="1627286"/>
+          </a:xfrm>
+          <a:prstGeom prst="frame">
+            <a:avLst>
+              <a:gd name="adj1" fmla="val 742"/>
+            </a:avLst>
+          </a:prstGeom>
+          <a:solidFill>
+            <a:srgbClr val="FF0000"/>
+          </a:solidFill>
+          <a:ln>
+            <a:solidFill>
+              <a:srgbClr val="FF0000"/>
+            </a:solidFill>
+          </a:ln>
+        </p:spPr>
+        <p:style>
+          <a:lnRef idx="2">
+            <a:schemeClr val="accent1">
+              <a:shade val="50000"/>
+            </a:schemeClr>
+          </a:lnRef>
+          <a:fillRef idx="1">
+            <a:schemeClr val="accent1"/>
+          </a:fillRef>
+          <a:effectRef idx="0">
+            <a:schemeClr val="accent1"/>
+          </a:effectRef>
+          <a:fontRef idx="minor">
+            <a:schemeClr val="lt1"/>
+          </a:fontRef>
+        </p:style>
+        <p:txBody>
+          <a:bodyPr rtlCol="0" anchor="ctr"/>
+          <a:lstStyle/>
+          <a:p>
+            <a:pPr algn="ctr"/>
+            <a:endParaRPr lang="ko-KR" altLang="en-US">
+              <a:solidFill>
+                <a:schemeClr val="tx1"/>
+              </a:solidFill>
+            </a:endParaRPr>
+          </a:p>
+        </p:txBody>
+      </p:sp>
+      <p:sp>
+        <p:nvSpPr>
+          <p:cNvPr id="12" name="TextBox 11"/>
+          <p:cNvSpPr txBox="1"/>
+          <p:nvPr/>
+        </p:nvSpPr>
+        <p:spPr>
+          <a:xfrm>
+            <a:off x="8746436" y="6500192"/>
+            <a:ext cx="477078" cy="307777"/>
+          </a:xfrm>
+          <a:prstGeom prst="rect">
+            <a:avLst/>
+          </a:prstGeom>
+          <a:noFill/>
+        </p:spPr>
+        <p:txBody>
+          <a:bodyPr wrap="square" rtlCol="0">
+            <a:spAutoFit/>
+          </a:bodyPr>
+          <a:lstStyle/>
+          <a:p>
+            <a:r>
+              <a:rPr lang="en-US" altLang="ko-KR" sz="1400" dirty="0" smtClean="0">
+                <a:solidFill>
+                  <a:schemeClr val="bg1">
+                    <a:lumMod val="50000"/>
+                  </a:schemeClr>
+                </a:solidFill>
+              </a:rPr>
+              <a:t>/18</a:t>
+            </a:r>
+            <a:endParaRPr lang="ko-KR" altLang="en-US" sz="1400" dirty="0">
+              <a:solidFill>
+                <a:schemeClr val="bg1">
+                  <a:lumMod val="50000"/>
+                </a:schemeClr>
+              </a:solidFill>
+            </a:endParaRPr>
+          </a:p>
+        </p:txBody>
+      </p:sp>
     </p:spTree>
     <p:extLst>
       <p:ext uri="{BB962C8B-B14F-4D97-AF65-F5344CB8AC3E}">
@@ -8878,9 +9009,312 @@
   <p:timing>
     <p:tnLst>
       <p:par>
-        <p:cTn id="1" dur="indefinite" restart="never" nodeType="tmRoot"/>
+        <p:cTn id="1" dur="indefinite" restart="never" nodeType="tmRoot">
+          <p:childTnLst>
+            <p:seq concurrent="1" nextAc="seek">
+              <p:cTn id="2" dur="indefinite" nodeType="mainSeq">
+                <p:childTnLst>
+                  <p:par>
+                    <p:cTn id="3" fill="hold">
+                      <p:stCondLst>
+                        <p:cond delay="indefinite"/>
+                      </p:stCondLst>
+                      <p:childTnLst>
+                        <p:par>
+                          <p:cTn id="4" fill="hold">
+                            <p:stCondLst>
+                              <p:cond delay="0"/>
+                            </p:stCondLst>
+                            <p:childTnLst>
+                              <p:par>
+                                <p:cTn id="5" presetID="1" presetClass="entr" presetSubtype="0" fill="hold" grpId="0" nodeType="clickEffect">
+                                  <p:stCondLst>
+                                    <p:cond delay="0"/>
+                                  </p:stCondLst>
+                                  <p:childTnLst>
+                                    <p:set>
+                                      <p:cBhvr>
+                                        <p:cTn id="6" dur="1" fill="hold">
+                                          <p:stCondLst>
+                                            <p:cond delay="0"/>
+                                          </p:stCondLst>
+                                        </p:cTn>
+                                        <p:tgtEl>
+                                          <p:spTgt spid="6"/>
+                                        </p:tgtEl>
+                                        <p:attrNameLst>
+                                          <p:attrName>style.visibility</p:attrName>
+                                        </p:attrNameLst>
+                                      </p:cBhvr>
+                                      <p:to>
+                                        <p:strVal val="visible"/>
+                                      </p:to>
+                                    </p:set>
+                                  </p:childTnLst>
+                                </p:cTn>
+                              </p:par>
+                            </p:childTnLst>
+                          </p:cTn>
+                        </p:par>
+                      </p:childTnLst>
+                    </p:cTn>
+                  </p:par>
+                  <p:par>
+                    <p:cTn id="7" fill="hold">
+                      <p:stCondLst>
+                        <p:cond delay="indefinite"/>
+                      </p:stCondLst>
+                      <p:childTnLst>
+                        <p:par>
+                          <p:cTn id="8" fill="hold">
+                            <p:stCondLst>
+                              <p:cond delay="0"/>
+                            </p:stCondLst>
+                            <p:childTnLst>
+                              <p:par>
+                                <p:cTn id="9" presetID="1" presetClass="entr" presetSubtype="0" fill="hold" grpId="0" nodeType="clickEffect">
+                                  <p:stCondLst>
+                                    <p:cond delay="0"/>
+                                  </p:stCondLst>
+                                  <p:childTnLst>
+                                    <p:set>
+                                      <p:cBhvr>
+                                        <p:cTn id="10" dur="1" fill="hold">
+                                          <p:stCondLst>
+                                            <p:cond delay="0"/>
+                                          </p:stCondLst>
+                                        </p:cTn>
+                                        <p:tgtEl>
+                                          <p:spTgt spid="8"/>
+                                        </p:tgtEl>
+                                        <p:attrNameLst>
+                                          <p:attrName>style.visibility</p:attrName>
+                                        </p:attrNameLst>
+                                      </p:cBhvr>
+                                      <p:to>
+                                        <p:strVal val="visible"/>
+                                      </p:to>
+                                    </p:set>
+                                  </p:childTnLst>
+                                </p:cTn>
+                              </p:par>
+                              <p:par>
+                                <p:cTn id="11" presetID="1" presetClass="exit" presetSubtype="0" fill="hold" grpId="1" nodeType="withEffect">
+                                  <p:stCondLst>
+                                    <p:cond delay="0"/>
+                                  </p:stCondLst>
+                                  <p:childTnLst>
+                                    <p:set>
+                                      <p:cBhvr>
+                                        <p:cTn id="12" dur="1" fill="hold">
+                                          <p:stCondLst>
+                                            <p:cond delay="0"/>
+                                          </p:stCondLst>
+                                        </p:cTn>
+                                        <p:tgtEl>
+                                          <p:spTgt spid="6"/>
+                                        </p:tgtEl>
+                                        <p:attrNameLst>
+                                          <p:attrName>style.visibility</p:attrName>
+                                        </p:attrNameLst>
+                                      </p:cBhvr>
+                                      <p:to>
+                                        <p:strVal val="hidden"/>
+                                      </p:to>
+                                    </p:set>
+                                  </p:childTnLst>
+                                </p:cTn>
+                              </p:par>
+                              <p:par>
+                                <p:cTn id="13" presetID="1" presetClass="entr" presetSubtype="0" fill="hold" grpId="0" nodeType="withEffect">
+                                  <p:stCondLst>
+                                    <p:cond delay="0"/>
+                                  </p:stCondLst>
+                                  <p:childTnLst>
+                                    <p:set>
+                                      <p:cBhvr>
+                                        <p:cTn id="14" dur="1" fill="hold">
+                                          <p:stCondLst>
+                                            <p:cond delay="0"/>
+                                          </p:stCondLst>
+                                        </p:cTn>
+                                        <p:tgtEl>
+                                          <p:spTgt spid="7"/>
+                                        </p:tgtEl>
+                                        <p:attrNameLst>
+                                          <p:attrName>style.visibility</p:attrName>
+                                        </p:attrNameLst>
+                                      </p:cBhvr>
+                                      <p:to>
+                                        <p:strVal val="visible"/>
+                                      </p:to>
+                                    </p:set>
+                                  </p:childTnLst>
+                                </p:cTn>
+                              </p:par>
+                            </p:childTnLst>
+                          </p:cTn>
+                        </p:par>
+                      </p:childTnLst>
+                    </p:cTn>
+                  </p:par>
+                  <p:par>
+                    <p:cTn id="15" fill="hold">
+                      <p:stCondLst>
+                        <p:cond delay="indefinite"/>
+                      </p:stCondLst>
+                      <p:childTnLst>
+                        <p:par>
+                          <p:cTn id="16" fill="hold">
+                            <p:stCondLst>
+                              <p:cond delay="0"/>
+                            </p:stCondLst>
+                            <p:childTnLst>
+                              <p:par>
+                                <p:cTn id="17" presetID="1" presetClass="entr" presetSubtype="0" fill="hold" grpId="0" nodeType="clickEffect">
+                                  <p:stCondLst>
+                                    <p:cond delay="0"/>
+                                  </p:stCondLst>
+                                  <p:childTnLst>
+                                    <p:set>
+                                      <p:cBhvr>
+                                        <p:cTn id="18" dur="1" fill="hold">
+                                          <p:stCondLst>
+                                            <p:cond delay="0"/>
+                                          </p:stCondLst>
+                                        </p:cTn>
+                                        <p:tgtEl>
+                                          <p:spTgt spid="9"/>
+                                        </p:tgtEl>
+                                        <p:attrNameLst>
+                                          <p:attrName>style.visibility</p:attrName>
+                                        </p:attrNameLst>
+                                      </p:cBhvr>
+                                      <p:to>
+                                        <p:strVal val="visible"/>
+                                      </p:to>
+                                    </p:set>
+                                  </p:childTnLst>
+                                </p:cTn>
+                              </p:par>
+                              <p:par>
+                                <p:cTn id="19" presetID="1" presetClass="entr" presetSubtype="0" fill="hold" grpId="0" nodeType="withEffect">
+                                  <p:stCondLst>
+                                    <p:cond delay="0"/>
+                                  </p:stCondLst>
+                                  <p:childTnLst>
+                                    <p:set>
+                                      <p:cBhvr>
+                                        <p:cTn id="20" dur="1" fill="hold">
+                                          <p:stCondLst>
+                                            <p:cond delay="0"/>
+                                          </p:stCondLst>
+                                        </p:cTn>
+                                        <p:tgtEl>
+                                          <p:spTgt spid="10"/>
+                                        </p:tgtEl>
+                                        <p:attrNameLst>
+                                          <p:attrName>style.visibility</p:attrName>
+                                        </p:attrNameLst>
+                                      </p:cBhvr>
+                                      <p:to>
+                                        <p:strVal val="visible"/>
+                                      </p:to>
+                                    </p:set>
+                                  </p:childTnLst>
+                                </p:cTn>
+                              </p:par>
+                              <p:par>
+                                <p:cTn id="21" presetID="1" presetClass="exit" presetSubtype="0" fill="hold" grpId="1" nodeType="withEffect">
+                                  <p:stCondLst>
+                                    <p:cond delay="0"/>
+                                  </p:stCondLst>
+                                  <p:childTnLst>
+                                    <p:set>
+                                      <p:cBhvr>
+                                        <p:cTn id="22" dur="1" fill="hold">
+                                          <p:stCondLst>
+                                            <p:cond delay="0"/>
+                                          </p:stCondLst>
+                                        </p:cTn>
+                                        <p:tgtEl>
+                                          <p:spTgt spid="8"/>
+                                        </p:tgtEl>
+                                        <p:attrNameLst>
+                                          <p:attrName>style.visibility</p:attrName>
+                                        </p:attrNameLst>
+                                      </p:cBhvr>
+                                      <p:to>
+                                        <p:strVal val="hidden"/>
+                                      </p:to>
+                                    </p:set>
+                                  </p:childTnLst>
+                                </p:cTn>
+                              </p:par>
+                              <p:par>
+                                <p:cTn id="23" presetID="1" presetClass="exit" presetSubtype="0" fill="hold" grpId="1" nodeType="withEffect">
+                                  <p:stCondLst>
+                                    <p:cond delay="0"/>
+                                  </p:stCondLst>
+                                  <p:childTnLst>
+                                    <p:set>
+                                      <p:cBhvr>
+                                        <p:cTn id="24" dur="1" fill="hold">
+                                          <p:stCondLst>
+                                            <p:cond delay="0"/>
+                                          </p:stCondLst>
+                                        </p:cTn>
+                                        <p:tgtEl>
+                                          <p:spTgt spid="7"/>
+                                        </p:tgtEl>
+                                        <p:attrNameLst>
+                                          <p:attrName>style.visibility</p:attrName>
+                                        </p:attrNameLst>
+                                      </p:cBhvr>
+                                      <p:to>
+                                        <p:strVal val="hidden"/>
+                                      </p:to>
+                                    </p:set>
+                                  </p:childTnLst>
+                                </p:cTn>
+                              </p:par>
+                            </p:childTnLst>
+                          </p:cTn>
+                        </p:par>
+                      </p:childTnLst>
+                    </p:cTn>
+                  </p:par>
+                </p:childTnLst>
+              </p:cTn>
+              <p:prevCondLst>
+                <p:cond evt="onPrev" delay="0">
+                  <p:tgtEl>
+                    <p:sldTgt/>
+                  </p:tgtEl>
+                </p:cond>
+              </p:prevCondLst>
+              <p:nextCondLst>
+                <p:cond evt="onNext" delay="0">
+                  <p:tgtEl>
+                    <p:sldTgt/>
+                  </p:tgtEl>
+                </p:cond>
+              </p:nextCondLst>
+            </p:seq>
+          </p:childTnLst>
+        </p:cTn>
       </p:par>
     </p:tnLst>
+    <p:bldLst>
+      <p:bldP spid="6" grpId="0" animBg="1"/>
+      <p:bldP spid="6" grpId="1" animBg="1"/>
+      <p:bldP spid="7" grpId="0" animBg="1"/>
+      <p:bldP spid="7" grpId="1" animBg="1"/>
+      <p:bldP spid="8" grpId="0" animBg="1"/>
+      <p:bldP spid="8" grpId="1" animBg="1"/>
+      <p:bldP spid="9" grpId="0" animBg="1"/>
+      <p:bldP spid="10" grpId="0" animBg="1"/>
+    </p:bldLst>
   </p:timing>
 </p:sld>
 </file>
@@ -9057,6 +9491,48 @@
               </a:effectLst>
               <a:latin typeface="나눔고딕" pitchFamily="50" charset="-127"/>
               <a:ea typeface="나눔고딕" pitchFamily="50" charset="-127"/>
+            </a:endParaRPr>
+          </a:p>
+        </p:txBody>
+      </p:sp>
+      <p:sp>
+        <p:nvSpPr>
+          <p:cNvPr id="4" name="TextBox 3"/>
+          <p:cNvSpPr txBox="1"/>
+          <p:nvPr/>
+        </p:nvSpPr>
+        <p:spPr>
+          <a:xfrm>
+            <a:off x="8746436" y="6500192"/>
+            <a:ext cx="477078" cy="307777"/>
+          </a:xfrm>
+          <a:prstGeom prst="rect">
+            <a:avLst/>
+          </a:prstGeom>
+          <a:noFill/>
+        </p:spPr>
+        <p:txBody>
+          <a:bodyPr wrap="square" rtlCol="0">
+            <a:spAutoFit/>
+          </a:bodyPr>
+          <a:lstStyle/>
+          <a:p>
+            <a:r>
+              <a:rPr lang="en-US" altLang="ko-KR" sz="1400" dirty="0" smtClean="0">
+                <a:solidFill>
+                  <a:schemeClr val="bg1">
+                    <a:lumMod val="50000"/>
+                  </a:schemeClr>
+                </a:solidFill>
+              </a:rPr>
+              <a:t>/18</a:t>
+            </a:r>
+            <a:endParaRPr lang="ko-KR" altLang="en-US" sz="1400" dirty="0">
+              <a:solidFill>
+                <a:schemeClr val="bg1">
+                  <a:lumMod val="50000"/>
+                </a:schemeClr>
+              </a:solidFill>
             </a:endParaRPr>
           </a:p>
         </p:txBody>
@@ -9123,14 +9599,14 @@
       </p:sp>
       <p:sp>
         <p:nvSpPr>
-          <p:cNvPr id="3" name="TextBox 2"/>
+          <p:cNvPr id="7" name="TextBox 6"/>
           <p:cNvSpPr txBox="1"/>
           <p:nvPr/>
         </p:nvSpPr>
         <p:spPr>
           <a:xfrm>
-            <a:off x="179512" y="461805"/>
-            <a:ext cx="7056784" cy="369332"/>
+            <a:off x="251520" y="3566875"/>
+            <a:ext cx="7114480" cy="720197"/>
           </a:xfrm>
           <a:prstGeom prst="rect">
             <a:avLst/>
@@ -9145,49 +9621,164 @@
           <a:p>
             <a:pPr>
               <a:lnSpc>
-                <a:spcPct val="90000"/>
+                <a:spcPct val="85000"/>
               </a:lnSpc>
             </a:pPr>
             <a:r>
-              <a:rPr lang="en-US" altLang="ko-KR" sz="2000" spc="300" dirty="0" smtClean="0">
+              <a:rPr lang="en-US" altLang="ko-KR" sz="4800" spc="600" dirty="0" smtClean="0">
+                <a:solidFill>
+                  <a:srgbClr val="FF0000"/>
+                </a:solidFill>
+                <a:effectLst>
+                  <a:outerShdw blurRad="38100" dist="38100" dir="2700000" algn="tl">
+                    <a:srgbClr val="000000">
+                      <a:alpha val="43137"/>
+                    </a:srgbClr>
+                  </a:outerShdw>
+                </a:effectLst>
+                <a:latin typeface="나눔고딕" pitchFamily="50" charset="-127"/>
+                <a:ea typeface="나눔고딕" pitchFamily="50" charset="-127"/>
+              </a:rPr>
+              <a:t>S</a:t>
+            </a:r>
+            <a:r>
+              <a:rPr lang="en-US" altLang="ko-KR" sz="4800" spc="600" dirty="0" smtClean="0">
                 <a:gradFill>
                   <a:gsLst>
                     <a:gs pos="0">
-                      <a:srgbClr val="C00000"/>
+                      <a:srgbClr val="7E858E"/>
                     </a:gs>
-                    <a:gs pos="100000">
-                      <a:srgbClr val="C00000"/>
+                    <a:gs pos="50000">
+                      <a:srgbClr val="7E858E"/>
                     </a:gs>
                   </a:gsLst>
                   <a:lin ang="5400000" scaled="0"/>
                 </a:gradFill>
+                <a:effectLst>
+                  <a:outerShdw blurRad="38100" dist="38100" dir="2700000" algn="tl">
+                    <a:srgbClr val="000000">
+                      <a:alpha val="43137"/>
+                    </a:srgbClr>
+                  </a:outerShdw>
+                </a:effectLst>
                 <a:latin typeface="나눔고딕" pitchFamily="50" charset="-127"/>
                 <a:ea typeface="나눔고딕" pitchFamily="50" charset="-127"/>
               </a:rPr>
-              <a:t>Web Client</a:t>
-            </a:r>
-            <a:endParaRPr lang="ko-KR" altLang="en-US" sz="2000" spc="300" dirty="0">
+              <a:t>equence </a:t>
+            </a:r>
+            <a:r>
+              <a:rPr lang="en-US" altLang="ko-KR" sz="4800" spc="600" dirty="0" smtClean="0">
+                <a:solidFill>
+                  <a:srgbClr val="FF0000"/>
+                </a:solidFill>
+                <a:effectLst>
+                  <a:outerShdw blurRad="38100" dist="38100" dir="2700000" algn="tl">
+                    <a:srgbClr val="000000">
+                      <a:alpha val="43137"/>
+                    </a:srgbClr>
+                  </a:outerShdw>
+                </a:effectLst>
+                <a:latin typeface="나눔고딕" pitchFamily="50" charset="-127"/>
+                <a:ea typeface="나눔고딕" pitchFamily="50" charset="-127"/>
+              </a:rPr>
+              <a:t>D</a:t>
+            </a:r>
+            <a:r>
+              <a:rPr lang="en-US" altLang="ko-KR" sz="4800" spc="600" dirty="0" smtClean="0">
+                <a:gradFill>
+                  <a:gsLst>
+                    <a:gs pos="0">
+                      <a:srgbClr val="7E858E"/>
+                    </a:gs>
+                    <a:gs pos="50000">
+                      <a:srgbClr val="7E858E"/>
+                    </a:gs>
+                  </a:gsLst>
+                  <a:lin ang="5400000" scaled="0"/>
+                </a:gradFill>
+                <a:effectLst>
+                  <a:outerShdw blurRad="38100" dist="38100" dir="2700000" algn="tl">
+                    <a:srgbClr val="000000">
+                      <a:alpha val="43137"/>
+                    </a:srgbClr>
+                  </a:outerShdw>
+                </a:effectLst>
+                <a:latin typeface="나눔고딕" pitchFamily="50" charset="-127"/>
+                <a:ea typeface="나눔고딕" pitchFamily="50" charset="-127"/>
+              </a:rPr>
+              <a:t>iagram</a:t>
+            </a:r>
+            <a:endParaRPr lang="ko-KR" altLang="en-US" sz="4800" spc="600" dirty="0">
               <a:gradFill>
                 <a:gsLst>
                   <a:gs pos="0">
-                    <a:srgbClr val="C00000"/>
+                    <a:srgbClr val="7E858E"/>
                   </a:gs>
-                  <a:gs pos="100000">
-                    <a:srgbClr val="C00000"/>
+                  <a:gs pos="50000">
+                    <a:srgbClr val="7E858E"/>
                   </a:gs>
                 </a:gsLst>
                 <a:lin ang="5400000" scaled="0"/>
               </a:gradFill>
+              <a:effectLst>
+                <a:outerShdw blurRad="38100" dist="38100" dir="2700000" algn="tl">
+                  <a:srgbClr val="000000">
+                    <a:alpha val="43137"/>
+                  </a:srgbClr>
+                </a:outerShdw>
+              </a:effectLst>
               <a:latin typeface="나눔고딕" pitchFamily="50" charset="-127"/>
               <a:ea typeface="나눔고딕" pitchFamily="50" charset="-127"/>
             </a:endParaRPr>
           </a:p>
         </p:txBody>
       </p:sp>
+      <p:sp>
+        <p:nvSpPr>
+          <p:cNvPr id="4" name="TextBox 3"/>
+          <p:cNvSpPr txBox="1"/>
+          <p:nvPr/>
+        </p:nvSpPr>
+        <p:spPr>
+          <a:xfrm>
+            <a:off x="8746436" y="6500192"/>
+            <a:ext cx="477078" cy="307777"/>
+          </a:xfrm>
+          <a:prstGeom prst="rect">
+            <a:avLst/>
+          </a:prstGeom>
+          <a:noFill/>
+        </p:spPr>
+        <p:txBody>
+          <a:bodyPr wrap="square" rtlCol="0">
+            <a:spAutoFit/>
+          </a:bodyPr>
+          <a:lstStyle/>
+          <a:p>
+            <a:r>
+              <a:rPr lang="en-US" altLang="ko-KR" sz="1400" dirty="0" smtClean="0">
+                <a:solidFill>
+                  <a:schemeClr val="bg1">
+                    <a:lumMod val="50000"/>
+                  </a:schemeClr>
+                </a:solidFill>
+              </a:rPr>
+              <a:t>/18</a:t>
+            </a:r>
+            <a:endParaRPr lang="ko-KR" altLang="en-US" sz="1400" dirty="0">
+              <a:solidFill>
+                <a:schemeClr val="bg1">
+                  <a:lumMod val="50000"/>
+                </a:schemeClr>
+              </a:solidFill>
+            </a:endParaRPr>
+          </a:p>
+        </p:txBody>
+      </p:sp>
     </p:spTree>
     <p:extLst>
       <p:ext uri="{BB962C8B-B14F-4D97-AF65-F5344CB8AC3E}">
-        <p14:creationId xmlns:p14="http://schemas.microsoft.com/office/powerpoint/2010/main" val="1305645593"/>
+        <p14:creationId xmlns:p14="http://schemas.microsoft.com/office/powerpoint/2010/main" val="3022770775"/>
       </p:ext>
     </p:extLst>
   </p:cSld>
@@ -9246,14 +9837,14 @@
       </p:sp>
       <p:sp>
         <p:nvSpPr>
-          <p:cNvPr id="7" name="TextBox 6"/>
+          <p:cNvPr id="4" name="TextBox 3"/>
           <p:cNvSpPr txBox="1"/>
           <p:nvPr/>
         </p:nvSpPr>
         <p:spPr>
           <a:xfrm>
-            <a:off x="251520" y="3566875"/>
-            <a:ext cx="7114480" cy="720197"/>
+            <a:off x="179512" y="461805"/>
+            <a:ext cx="5184576" cy="369332"/>
           </a:xfrm>
           <a:prstGeom prst="rect">
             <a:avLst/>
@@ -9268,122 +9859,244 @@
           <a:p>
             <a:pPr>
               <a:lnSpc>
-                <a:spcPct val="85000"/>
+                <a:spcPct val="90000"/>
               </a:lnSpc>
             </a:pPr>
             <a:r>
-              <a:rPr lang="en-US" altLang="ko-KR" sz="4800" spc="600" dirty="0" smtClean="0">
-                <a:solidFill>
-                  <a:srgbClr val="FF0000"/>
-                </a:solidFill>
-                <a:effectLst>
-                  <a:outerShdw blurRad="38100" dist="38100" dir="2700000" algn="tl">
-                    <a:srgbClr val="000000">
-                      <a:alpha val="43137"/>
-                    </a:srgbClr>
-                  </a:outerShdw>
-                </a:effectLst>
-                <a:latin typeface="나눔고딕" pitchFamily="50" charset="-127"/>
-                <a:ea typeface="나눔고딕" pitchFamily="50" charset="-127"/>
-              </a:rPr>
-              <a:t>S</a:t>
-            </a:r>
-            <a:r>
-              <a:rPr lang="en-US" altLang="ko-KR" sz="4800" spc="600" dirty="0" smtClean="0">
+              <a:rPr lang="en-US" altLang="ko-KR" sz="2000" spc="300" dirty="0" smtClean="0">
                 <a:gradFill>
                   <a:gsLst>
                     <a:gs pos="0">
-                      <a:srgbClr val="7E858E"/>
+                      <a:srgbClr val="C00000"/>
                     </a:gs>
-                    <a:gs pos="50000">
-                      <a:srgbClr val="7E858E"/>
+                    <a:gs pos="100000">
+                      <a:srgbClr val="C00000"/>
                     </a:gs>
                   </a:gsLst>
                   <a:lin ang="5400000" scaled="0"/>
                 </a:gradFill>
-                <a:effectLst>
-                  <a:outerShdw blurRad="38100" dist="38100" dir="2700000" algn="tl">
-                    <a:srgbClr val="000000">
-                      <a:alpha val="43137"/>
-                    </a:srgbClr>
-                  </a:outerShdw>
-                </a:effectLst>
                 <a:latin typeface="나눔고딕" pitchFamily="50" charset="-127"/>
                 <a:ea typeface="나눔고딕" pitchFamily="50" charset="-127"/>
               </a:rPr>
-              <a:t>equence </a:t>
-            </a:r>
-            <a:r>
-              <a:rPr lang="en-US" altLang="ko-KR" sz="4800" spc="600" dirty="0" smtClean="0">
-                <a:solidFill>
-                  <a:srgbClr val="FF0000"/>
-                </a:solidFill>
-                <a:effectLst>
-                  <a:outerShdw blurRad="38100" dist="38100" dir="2700000" algn="tl">
-                    <a:srgbClr val="000000">
-                      <a:alpha val="43137"/>
-                    </a:srgbClr>
-                  </a:outerShdw>
-                </a:effectLst>
-                <a:latin typeface="나눔고딕" pitchFamily="50" charset="-127"/>
-                <a:ea typeface="나눔고딕" pitchFamily="50" charset="-127"/>
-              </a:rPr>
-              <a:t>D</a:t>
-            </a:r>
-            <a:r>
-              <a:rPr lang="en-US" altLang="ko-KR" sz="4800" spc="600" dirty="0" smtClean="0">
+              <a:t>Data send </a:t>
+            </a:r>
+            <a:r>
+              <a:rPr lang="en-US" altLang="ko-KR" sz="2000" spc="300" dirty="0">
                 <a:gradFill>
                   <a:gsLst>
                     <a:gs pos="0">
-                      <a:srgbClr val="7E858E"/>
+                      <a:srgbClr val="C00000"/>
                     </a:gs>
-                    <a:gs pos="50000">
-                      <a:srgbClr val="7E858E"/>
+                    <a:gs pos="100000">
+                      <a:srgbClr val="C00000"/>
                     </a:gs>
                   </a:gsLst>
                   <a:lin ang="5400000" scaled="0"/>
                 </a:gradFill>
-                <a:effectLst>
-                  <a:outerShdw blurRad="38100" dist="38100" dir="2700000" algn="tl">
-                    <a:srgbClr val="000000">
-                      <a:alpha val="43137"/>
-                    </a:srgbClr>
-                  </a:outerShdw>
-                </a:effectLst>
                 <a:latin typeface="나눔고딕" pitchFamily="50" charset="-127"/>
                 <a:ea typeface="나눔고딕" pitchFamily="50" charset="-127"/>
               </a:rPr>
-              <a:t>iagram</a:t>
-            </a:r>
-            <a:endParaRPr lang="ko-KR" altLang="en-US" sz="4800" spc="600" dirty="0">
+              <a:t>Sequence  Diagram</a:t>
+            </a:r>
+            <a:endParaRPr lang="ko-KR" altLang="en-US" sz="2000" spc="300" dirty="0">
               <a:gradFill>
                 <a:gsLst>
                   <a:gs pos="0">
-                    <a:srgbClr val="7E858E"/>
+                    <a:srgbClr val="C00000"/>
                   </a:gs>
-                  <a:gs pos="50000">
-                    <a:srgbClr val="7E858E"/>
+                  <a:gs pos="100000">
+                    <a:srgbClr val="C00000"/>
                   </a:gs>
                 </a:gsLst>
                 <a:lin ang="5400000" scaled="0"/>
               </a:gradFill>
-              <a:effectLst>
-                <a:outerShdw blurRad="38100" dist="38100" dir="2700000" algn="tl">
-                  <a:srgbClr val="000000">
-                    <a:alpha val="43137"/>
-                  </a:srgbClr>
-                </a:outerShdw>
-              </a:effectLst>
               <a:latin typeface="나눔고딕" pitchFamily="50" charset="-127"/>
               <a:ea typeface="나눔고딕" pitchFamily="50" charset="-127"/>
             </a:endParaRPr>
           </a:p>
         </p:txBody>
       </p:sp>
+      <p:grpSp>
+        <p:nvGrpSpPr>
+          <p:cNvPr id="5" name="그룹 4"/>
+          <p:cNvGrpSpPr/>
+          <p:nvPr/>
+        </p:nvGrpSpPr>
+        <p:grpSpPr>
+          <a:xfrm>
+            <a:off x="5364088" y="1254520"/>
+            <a:ext cx="3024336" cy="5200955"/>
+            <a:chOff x="-8067016" y="-3574663"/>
+            <a:chExt cx="7670464" cy="10745700"/>
+          </a:xfrm>
+        </p:grpSpPr>
+        <p:pic>
+          <p:nvPicPr>
+            <p:cNvPr id="6" name="그림 5"/>
+            <p:cNvPicPr>
+              <a:picLocks noChangeAspect="1"/>
+            </p:cNvPicPr>
+            <p:nvPr/>
+          </p:nvPicPr>
+          <p:blipFill>
+            <a:blip r:embed="rId2">
+              <a:extLst>
+                <a:ext uri="{28A0092B-C50C-407E-A947-70E740481C1C}">
+                  <a14:useLocalDpi xmlns:a14="http://schemas.microsoft.com/office/drawing/2010/main" val="0"/>
+                </a:ext>
+              </a:extLst>
+            </a:blip>
+            <a:stretch>
+              <a:fillRect/>
+            </a:stretch>
+          </p:blipFill>
+          <p:spPr>
+            <a:xfrm>
+              <a:off x="-8067016" y="-3574663"/>
+              <a:ext cx="6716062" cy="3553321"/>
+            </a:xfrm>
+            <a:prstGeom prst="rect">
+              <a:avLst/>
+            </a:prstGeom>
+          </p:spPr>
+        </p:pic>
+        <p:pic>
+          <p:nvPicPr>
+            <p:cNvPr id="7" name="그림 6"/>
+            <p:cNvPicPr>
+              <a:picLocks noChangeAspect="1"/>
+            </p:cNvPicPr>
+            <p:nvPr/>
+          </p:nvPicPr>
+          <p:blipFill>
+            <a:blip r:embed="rId3">
+              <a:extLst>
+                <a:ext uri="{28A0092B-C50C-407E-A947-70E740481C1C}">
+                  <a14:useLocalDpi xmlns:a14="http://schemas.microsoft.com/office/drawing/2010/main" val="0"/>
+                </a:ext>
+              </a:extLst>
+            </a:blip>
+            <a:stretch>
+              <a:fillRect/>
+            </a:stretch>
+          </p:blipFill>
+          <p:spPr>
+            <a:xfrm>
+              <a:off x="-8046195" y="-21342"/>
+              <a:ext cx="7649643" cy="4210638"/>
+            </a:xfrm>
+            <a:prstGeom prst="rect">
+              <a:avLst/>
+            </a:prstGeom>
+          </p:spPr>
+        </p:pic>
+        <p:pic>
+          <p:nvPicPr>
+            <p:cNvPr id="8" name="그림 7"/>
+            <p:cNvPicPr>
+              <a:picLocks noChangeAspect="1"/>
+            </p:cNvPicPr>
+            <p:nvPr/>
+          </p:nvPicPr>
+          <p:blipFill>
+            <a:blip r:embed="rId4">
+              <a:extLst>
+                <a:ext uri="{28A0092B-C50C-407E-A947-70E740481C1C}">
+                  <a14:useLocalDpi xmlns:a14="http://schemas.microsoft.com/office/drawing/2010/main" val="0"/>
+                </a:ext>
+              </a:extLst>
+            </a:blip>
+            <a:stretch>
+              <a:fillRect/>
+            </a:stretch>
+          </p:blipFill>
+          <p:spPr>
+            <a:xfrm>
+              <a:off x="-8024391" y="4189296"/>
+              <a:ext cx="7220958" cy="2981741"/>
+            </a:xfrm>
+            <a:prstGeom prst="rect">
+              <a:avLst/>
+            </a:prstGeom>
+          </p:spPr>
+        </p:pic>
+      </p:grpSp>
+      <p:pic>
+        <p:nvPicPr>
+          <p:cNvPr id="9" name="그림 8"/>
+          <p:cNvPicPr>
+            <a:picLocks noChangeAspect="1"/>
+          </p:cNvPicPr>
+          <p:nvPr/>
+        </p:nvPicPr>
+        <p:blipFill>
+          <a:blip r:embed="rId2">
+            <a:extLst>
+              <a:ext uri="{28A0092B-C50C-407E-A947-70E740481C1C}">
+                <a14:useLocalDpi xmlns:a14="http://schemas.microsoft.com/office/drawing/2010/main" val="0"/>
+              </a:ext>
+            </a:extLst>
+          </a:blip>
+          <a:stretch>
+            <a:fillRect/>
+          </a:stretch>
+        </p:blipFill>
+        <p:spPr>
+          <a:xfrm>
+            <a:off x="395536" y="1932360"/>
+            <a:ext cx="4608800" cy="2993281"/>
+          </a:xfrm>
+          <a:prstGeom prst="rect">
+            <a:avLst/>
+          </a:prstGeom>
+        </p:spPr>
+      </p:pic>
+      <p:sp>
+        <p:nvSpPr>
+          <p:cNvPr id="10" name="TextBox 9"/>
+          <p:cNvSpPr txBox="1"/>
+          <p:nvPr/>
+        </p:nvSpPr>
+        <p:spPr>
+          <a:xfrm>
+            <a:off x="8746436" y="6500192"/>
+            <a:ext cx="477078" cy="307777"/>
+          </a:xfrm>
+          <a:prstGeom prst="rect">
+            <a:avLst/>
+          </a:prstGeom>
+          <a:noFill/>
+        </p:spPr>
+        <p:txBody>
+          <a:bodyPr wrap="square" rtlCol="0">
+            <a:spAutoFit/>
+          </a:bodyPr>
+          <a:lstStyle/>
+          <a:p>
+            <a:r>
+              <a:rPr lang="en-US" altLang="ko-KR" sz="1400" dirty="0" smtClean="0">
+                <a:solidFill>
+                  <a:schemeClr val="bg1">
+                    <a:lumMod val="50000"/>
+                  </a:schemeClr>
+                </a:solidFill>
+              </a:rPr>
+              <a:t>/18</a:t>
+            </a:r>
+            <a:endParaRPr lang="ko-KR" altLang="en-US" sz="1400" dirty="0">
+              <a:solidFill>
+                <a:schemeClr val="bg1">
+                  <a:lumMod val="50000"/>
+                </a:schemeClr>
+              </a:solidFill>
+            </a:endParaRPr>
+          </a:p>
+        </p:txBody>
+      </p:sp>
     </p:spTree>
     <p:extLst>
       <p:ext uri="{BB962C8B-B14F-4D97-AF65-F5344CB8AC3E}">
-        <p14:creationId xmlns:p14="http://schemas.microsoft.com/office/powerpoint/2010/main" val="3022770775"/>
+        <p14:creationId xmlns:p14="http://schemas.microsoft.com/office/powerpoint/2010/main" val="3256681367"/>
       </p:ext>
     </p:extLst>
   </p:cSld>
@@ -9393,7 +10106,83 @@
   <p:timing>
     <p:tnLst>
       <p:par>
-        <p:cTn id="1" dur="indefinite" restart="never" nodeType="tmRoot"/>
+        <p:cTn id="1" dur="indefinite" restart="never" nodeType="tmRoot">
+          <p:childTnLst>
+            <p:seq concurrent="1" nextAc="seek">
+              <p:cTn id="2" dur="indefinite" nodeType="mainSeq">
+                <p:childTnLst>
+                  <p:par>
+                    <p:cTn id="3" fill="hold">
+                      <p:stCondLst>
+                        <p:cond delay="indefinite"/>
+                      </p:stCondLst>
+                      <p:childTnLst>
+                        <p:par>
+                          <p:cTn id="4" fill="hold">
+                            <p:stCondLst>
+                              <p:cond delay="0"/>
+                            </p:stCondLst>
+                            <p:childTnLst>
+                              <p:par>
+                                <p:cTn id="5" presetID="10" presetClass="entr" presetSubtype="0" fill="hold" nodeType="clickEffect">
+                                  <p:stCondLst>
+                                    <p:cond delay="0"/>
+                                  </p:stCondLst>
+                                  <p:childTnLst>
+                                    <p:set>
+                                      <p:cBhvr>
+                                        <p:cTn id="6" dur="1" fill="hold">
+                                          <p:stCondLst>
+                                            <p:cond delay="0"/>
+                                          </p:stCondLst>
+                                        </p:cTn>
+                                        <p:tgtEl>
+                                          <p:spTgt spid="9"/>
+                                        </p:tgtEl>
+                                        <p:attrNameLst>
+                                          <p:attrName>style.visibility</p:attrName>
+                                        </p:attrNameLst>
+                                      </p:cBhvr>
+                                      <p:to>
+                                        <p:strVal val="visible"/>
+                                      </p:to>
+                                    </p:set>
+                                    <p:animEffect transition="in" filter="fade">
+                                      <p:cBhvr>
+                                        <p:cTn id="7" dur="500"/>
+                                        <p:tgtEl>
+                                          <p:spTgt spid="9"/>
+                                        </p:tgtEl>
+                                      </p:cBhvr>
+                                    </p:animEffect>
+                                  </p:childTnLst>
+                                </p:cTn>
+                              </p:par>
+                            </p:childTnLst>
+                          </p:cTn>
+                        </p:par>
+                      </p:childTnLst>
+                    </p:cTn>
+                  </p:par>
+                </p:childTnLst>
+              </p:cTn>
+              <p:prevCondLst>
+                <p:cond evt="onPrev" delay="0">
+                  <p:tgtEl>
+                    <p:sldTgt/>
+                  </p:tgtEl>
+                </p:cond>
+              </p:prevCondLst>
+              <p:nextCondLst>
+                <p:cond evt="onNext" delay="0">
+                  <p:tgtEl>
+                    <p:sldTgt/>
+                  </p:tgtEl>
+                </p:cond>
+              </p:nextCondLst>
+            </p:seq>
+          </p:childTnLst>
+        </p:cTn>
       </p:par>
     </p:tnLst>
   </p:timing>
@@ -9417,159 +10206,32 @@
           <a:chExt cx="0" cy="0"/>
         </a:xfrm>
       </p:grpSpPr>
-      <p:cxnSp>
-        <p:nvCxnSpPr>
-          <p:cNvPr id="15" name="직선 연결선 14"/>
-          <p:cNvCxnSpPr/>
-          <p:nvPr/>
-        </p:nvCxnSpPr>
-        <p:spPr>
-          <a:xfrm>
-            <a:off x="251520" y="332656"/>
-            <a:ext cx="8640960" cy="0"/>
-          </a:xfrm>
-          <a:prstGeom prst="line">
-            <a:avLst/>
-          </a:prstGeom>
-          <a:ln w="3175">
-            <a:solidFill>
-              <a:srgbClr val="68727E"/>
-            </a:solidFill>
-          </a:ln>
-        </p:spPr>
-        <p:style>
-          <a:lnRef idx="1">
-            <a:schemeClr val="accent1"/>
-          </a:lnRef>
-          <a:fillRef idx="0">
-            <a:schemeClr val="accent1"/>
-          </a:fillRef>
-          <a:effectRef idx="0">
-            <a:schemeClr val="accent1"/>
-          </a:effectRef>
-          <a:fontRef idx="minor">
-            <a:schemeClr val="tx1"/>
-          </a:fontRef>
-        </p:style>
-      </p:cxnSp>
-      <p:cxnSp>
-        <p:nvCxnSpPr>
-          <p:cNvPr id="19" name="직선 연결선 18"/>
-          <p:cNvCxnSpPr/>
-          <p:nvPr/>
-        </p:nvCxnSpPr>
-        <p:spPr>
-          <a:xfrm>
-            <a:off x="221703" y="1038567"/>
-            <a:ext cx="8640960" cy="0"/>
-          </a:xfrm>
-          <a:prstGeom prst="line">
-            <a:avLst/>
-          </a:prstGeom>
-          <a:ln w="3175">
-            <a:solidFill>
-              <a:srgbClr val="68727E"/>
-            </a:solidFill>
-          </a:ln>
-        </p:spPr>
-        <p:style>
-          <a:lnRef idx="1">
-            <a:schemeClr val="accent1"/>
-          </a:lnRef>
-          <a:fillRef idx="0">
-            <a:schemeClr val="accent1"/>
-          </a:fillRef>
-          <a:effectRef idx="0">
-            <a:schemeClr val="accent1"/>
-          </a:effectRef>
-          <a:fontRef idx="minor">
-            <a:schemeClr val="tx1"/>
-          </a:fontRef>
-        </p:style>
-      </p:cxnSp>
-      <p:sp>
-        <p:nvSpPr>
-          <p:cNvPr id="16" name="TextBox 15"/>
-          <p:cNvSpPr txBox="1"/>
-          <p:nvPr/>
-        </p:nvSpPr>
-        <p:spPr>
-          <a:xfrm>
-            <a:off x="7020475" y="755296"/>
-            <a:ext cx="1872208" cy="240066"/>
-          </a:xfrm>
-          <a:prstGeom prst="rect">
-            <a:avLst/>
-          </a:prstGeom>
-          <a:noFill/>
-        </p:spPr>
-        <p:txBody>
-          <a:bodyPr wrap="square" rtlCol="0">
-            <a:spAutoFit/>
-          </a:bodyPr>
-          <a:lstStyle/>
-          <a:p>
-            <a:pPr algn="r">
-              <a:lnSpc>
-                <a:spcPct val="80000"/>
-              </a:lnSpc>
-            </a:pPr>
-            <a:r>
-              <a:rPr lang="en-US" altLang="ko-KR" sz="1200" b="1" dirty="0">
-                <a:solidFill>
-                  <a:srgbClr val="FFC000"/>
-                </a:solidFill>
-                <a:effectLst>
-                  <a:outerShdw blurRad="38100" dist="38100" dir="2700000" algn="tl">
-                    <a:srgbClr val="000000">
-                      <a:alpha val="43137"/>
-                    </a:srgbClr>
-                  </a:outerShdw>
-                </a:effectLst>
-                <a:latin typeface="나눔고딕" pitchFamily="50" charset="-127"/>
-                <a:ea typeface="나눔고딕" pitchFamily="50" charset="-127"/>
-              </a:rPr>
-              <a:t>C</a:t>
-            </a:r>
-            <a:r>
-              <a:rPr lang="en-US" altLang="ko-KR" sz="1200" b="1" dirty="0">
-                <a:gradFill>
-                  <a:gsLst>
-                    <a:gs pos="0">
-                      <a:srgbClr val="68727E"/>
-                    </a:gs>
-                    <a:gs pos="50000">
-                      <a:srgbClr val="68727E"/>
-                    </a:gs>
-                  </a:gsLst>
-                  <a:lin ang="5400000" scaled="0"/>
-                </a:gradFill>
-                <a:latin typeface="나눔고딕" pitchFamily="50" charset="-127"/>
-                <a:ea typeface="나눔고딕" pitchFamily="50" charset="-127"/>
-              </a:rPr>
-              <a:t> team</a:t>
-            </a:r>
-            <a:endParaRPr lang="ko-KR" altLang="en-US" sz="1200" b="1" dirty="0">
-              <a:gradFill>
-                <a:gsLst>
-                  <a:gs pos="0">
-                    <a:srgbClr val="68727E"/>
-                  </a:gs>
-                  <a:gs pos="50000">
-                    <a:srgbClr val="68727E"/>
-                  </a:gs>
-                </a:gsLst>
-                <a:lin ang="5400000" scaled="0"/>
-              </a:gradFill>
-              <a:latin typeface="나눔고딕" pitchFamily="50" charset="-127"/>
-              <a:ea typeface="나눔고딕" pitchFamily="50" charset="-127"/>
-            </a:endParaRPr>
-          </a:p>
-        </p:txBody>
-      </p:sp>
-      <p:sp>
-        <p:nvSpPr>
-          <p:cNvPr id="21" name="TextBox 20"/>
+      <p:sp>
+        <p:nvSpPr>
+          <p:cNvPr id="2" name="슬라이드 번호 개체 틀 1"/>
+          <p:cNvSpPr>
+            <a:spLocks noGrp="1"/>
+          </p:cNvSpPr>
+          <p:nvPr>
+            <p:ph type="sldNum" sz="quarter" idx="12"/>
+          </p:nvPr>
+        </p:nvSpPr>
+        <p:spPr/>
+        <p:txBody>
+          <a:bodyPr/>
+          <a:lstStyle/>
+          <a:p>
+            <a:fld id="{B91F475D-C4CC-4CE8-81AD-732BFDCB340A}" type="slidenum">
+              <a:rPr lang="ko-KR" altLang="en-US" smtClean="0"/>
+              <a:t>9</a:t>
+            </a:fld>
+            <a:endParaRPr lang="ko-KR" altLang="en-US"/>
+          </a:p>
+        </p:txBody>
+      </p:sp>
+      <p:sp>
+        <p:nvSpPr>
+          <p:cNvPr id="4" name="TextBox 3"/>
           <p:cNvSpPr txBox="1"/>
           <p:nvPr/>
         </p:nvSpPr>
@@ -9648,75 +10310,9 @@
           </a:p>
         </p:txBody>
       </p:sp>
-      <p:sp>
-        <p:nvSpPr>
-          <p:cNvPr id="5" name="슬라이드 번호 개체 틀 4"/>
-          <p:cNvSpPr>
-            <a:spLocks noGrp="1"/>
-          </p:cNvSpPr>
-          <p:nvPr>
-            <p:ph type="sldNum" sz="quarter" idx="12"/>
-          </p:nvPr>
-        </p:nvSpPr>
-        <p:spPr/>
-        <p:txBody>
-          <a:bodyPr/>
-          <a:lstStyle/>
-          <a:p>
-            <a:fld id="{963B0023-0CED-47F7-85AE-654F0B232C29}" type="slidenum">
-              <a:rPr lang="en-US" altLang="ko-KR" smtClean="0"/>
-              <a:pPr/>
-              <a:t>9</a:t>
-            </a:fld>
-            <a:endParaRPr kumimoji="0" lang="ko-KR" altLang="en-US"/>
-          </a:p>
-        </p:txBody>
-      </p:sp>
-      <p:sp>
-        <p:nvSpPr>
-          <p:cNvPr id="9" name="TextBox 8"/>
-          <p:cNvSpPr txBox="1"/>
-          <p:nvPr/>
-        </p:nvSpPr>
-        <p:spPr>
-          <a:xfrm>
-            <a:off x="8585385" y="6377836"/>
-            <a:ext cx="637728" cy="307777"/>
-          </a:xfrm>
-          <a:prstGeom prst="rect">
-            <a:avLst/>
-          </a:prstGeom>
-          <a:noFill/>
-        </p:spPr>
-        <p:txBody>
-          <a:bodyPr wrap="square" rtlCol="0">
-            <a:spAutoFit/>
-          </a:bodyPr>
-          <a:lstStyle/>
-          <a:p>
-            <a:r>
-              <a:rPr lang="en-US" altLang="ko-KR" sz="1400" dirty="0" smtClean="0">
-                <a:solidFill>
-                  <a:schemeClr val="bg1">
-                    <a:lumMod val="50000"/>
-                  </a:schemeClr>
-                </a:solidFill>
-              </a:rPr>
-              <a:t>/19</a:t>
-            </a:r>
-            <a:endParaRPr lang="ko-KR" altLang="en-US" sz="1400" dirty="0">
-              <a:solidFill>
-                <a:schemeClr val="bg1">
-                  <a:lumMod val="50000"/>
-                </a:schemeClr>
-              </a:solidFill>
-            </a:endParaRPr>
-          </a:p>
-        </p:txBody>
-      </p:sp>
       <p:grpSp>
         <p:nvGrpSpPr>
-          <p:cNvPr id="26" name="그룹 25"/>
+          <p:cNvPr id="5" name="그룹 4"/>
           <p:cNvGrpSpPr/>
           <p:nvPr/>
         </p:nvGrpSpPr>
@@ -9730,14 +10326,14 @@
         </p:grpSpPr>
         <p:pic>
           <p:nvPicPr>
-            <p:cNvPr id="12" name="그림 11"/>
+            <p:cNvPr id="6" name="그림 5"/>
             <p:cNvPicPr>
               <a:picLocks noChangeAspect="1"/>
             </p:cNvPicPr>
             <p:nvPr/>
           </p:nvPicPr>
           <p:blipFill>
-            <a:blip r:embed="rId3">
+            <a:blip r:embed="rId2">
               <a:extLst>
                 <a:ext uri="{28A0092B-C50C-407E-A947-70E740481C1C}">
                   <a14:useLocalDpi xmlns:a14="http://schemas.microsoft.com/office/drawing/2010/main" val="0"/>
@@ -9760,14 +10356,14 @@
         </p:pic>
         <p:pic>
           <p:nvPicPr>
-            <p:cNvPr id="13" name="그림 12"/>
+            <p:cNvPr id="7" name="그림 6"/>
             <p:cNvPicPr>
               <a:picLocks noChangeAspect="1"/>
             </p:cNvPicPr>
             <p:nvPr/>
           </p:nvPicPr>
           <p:blipFill>
-            <a:blip r:embed="rId4">
+            <a:blip r:embed="rId3">
               <a:extLst>
                 <a:ext uri="{28A0092B-C50C-407E-A947-70E740481C1C}">
                   <a14:useLocalDpi xmlns:a14="http://schemas.microsoft.com/office/drawing/2010/main" val="0"/>
@@ -9790,14 +10386,14 @@
         </p:pic>
         <p:pic>
           <p:nvPicPr>
-            <p:cNvPr id="14" name="그림 13"/>
+            <p:cNvPr id="8" name="그림 7"/>
             <p:cNvPicPr>
               <a:picLocks noChangeAspect="1"/>
             </p:cNvPicPr>
             <p:nvPr/>
           </p:nvPicPr>
           <p:blipFill>
-            <a:blip r:embed="rId5">
+            <a:blip r:embed="rId4">
               <a:extLst>
                 <a:ext uri="{28A0092B-C50C-407E-A947-70E740481C1C}">
                   <a14:useLocalDpi xmlns:a14="http://schemas.microsoft.com/office/drawing/2010/main" val="0"/>
@@ -9821,7 +10417,7 @@
       </p:grpSp>
       <p:pic>
         <p:nvPicPr>
-          <p:cNvPr id="28" name="그림 27"/>
+          <p:cNvPr id="9" name="그림 8"/>
           <p:cNvPicPr>
             <a:picLocks noChangeAspect="1"/>
           </p:cNvPicPr>
@@ -9841,25 +10437,66 @@
         </p:blipFill>
         <p:spPr>
           <a:xfrm>
-            <a:off x="395536" y="1932360"/>
-            <a:ext cx="4608800" cy="2993281"/>
+            <a:off x="269779" y="1970405"/>
+            <a:ext cx="5143780" cy="3475594"/>
           </a:xfrm>
           <a:prstGeom prst="rect">
             <a:avLst/>
           </a:prstGeom>
         </p:spPr>
       </p:pic>
+      <p:sp>
+        <p:nvSpPr>
+          <p:cNvPr id="10" name="TextBox 9"/>
+          <p:cNvSpPr txBox="1"/>
+          <p:nvPr/>
+        </p:nvSpPr>
+        <p:spPr>
+          <a:xfrm>
+            <a:off x="8746436" y="6500192"/>
+            <a:ext cx="477078" cy="307777"/>
+          </a:xfrm>
+          <a:prstGeom prst="rect">
+            <a:avLst/>
+          </a:prstGeom>
+          <a:noFill/>
+        </p:spPr>
+        <p:txBody>
+          <a:bodyPr wrap="square" rtlCol="0">
+            <a:spAutoFit/>
+          </a:bodyPr>
+          <a:lstStyle/>
+          <a:p>
+            <a:r>
+              <a:rPr lang="en-US" altLang="ko-KR" sz="1400" dirty="0" smtClean="0">
+                <a:solidFill>
+                  <a:schemeClr val="bg1">
+                    <a:lumMod val="50000"/>
+                  </a:schemeClr>
+                </a:solidFill>
+              </a:rPr>
+              <a:t>/18</a:t>
+            </a:r>
+            <a:endParaRPr lang="ko-KR" altLang="en-US" sz="1400" dirty="0">
+              <a:solidFill>
+                <a:schemeClr val="bg1">
+                  <a:lumMod val="50000"/>
+                </a:schemeClr>
+              </a:solidFill>
+            </a:endParaRPr>
+          </a:p>
+        </p:txBody>
+      </p:sp>
     </p:spTree>
     <p:extLst>
       <p:ext uri="{BB962C8B-B14F-4D97-AF65-F5344CB8AC3E}">
-        <p14:creationId xmlns:p14="http://schemas.microsoft.com/office/powerpoint/2010/main" val="2258200493"/>
+        <p14:creationId xmlns:p14="http://schemas.microsoft.com/office/powerpoint/2010/main" val="1087054046"/>
       </p:ext>
     </p:extLst>
   </p:cSld>
   <p:clrMapOvr>
     <a:masterClrMapping/>
   </p:clrMapOvr>
-  <p:transition/>
   <p:timing>
     <p:tnLst>
       <p:par>
